--- a/presentation/Presentation.pptx
+++ b/presentation/Presentation.pptx
@@ -3076,10 +3076,24 @@
     <dgm:pt modelId="{3A679DF5-48D4-4DE2-A4F4-5C5A05C7BDAB}" type="parTrans" cxnId="{F83A5736-6550-4000-AE56-BD639C0D85BC}">
       <dgm:prSet/>
       <dgm:spPr/>
+      <dgm:t>
+        <a:bodyPr/>
+        <a:lstStyle/>
+        <a:p>
+          <a:endParaRPr lang="ru-RU"/>
+        </a:p>
+      </dgm:t>
     </dgm:pt>
     <dgm:pt modelId="{A0999FF5-4F1D-46B1-AD56-BD29EF1641F7}" type="sibTrans" cxnId="{F83A5736-6550-4000-AE56-BD639C0D85BC}">
       <dgm:prSet/>
       <dgm:spPr/>
+      <dgm:t>
+        <a:bodyPr/>
+        <a:lstStyle/>
+        <a:p>
+          <a:endParaRPr lang="ru-RU"/>
+        </a:p>
+      </dgm:t>
     </dgm:pt>
     <dgm:pt modelId="{28696F36-6E70-4994-BA86-EE398D57E2A2}">
       <dgm:prSet phldr="0"/>
@@ -3112,10 +3126,24 @@
     <dgm:pt modelId="{949B8DB2-C2EE-490C-BF9F-0AF8CF679667}" type="parTrans" cxnId="{32B7652B-7C54-4B6E-9D85-A6033EBFDA19}">
       <dgm:prSet/>
       <dgm:spPr/>
+      <dgm:t>
+        <a:bodyPr/>
+        <a:lstStyle/>
+        <a:p>
+          <a:endParaRPr lang="ru-RU"/>
+        </a:p>
+      </dgm:t>
     </dgm:pt>
     <dgm:pt modelId="{6A57837A-263C-4BDA-8BF2-E9EAE32FB229}" type="sibTrans" cxnId="{32B7652B-7C54-4B6E-9D85-A6033EBFDA19}">
       <dgm:prSet/>
       <dgm:spPr/>
+      <dgm:t>
+        <a:bodyPr/>
+        <a:lstStyle/>
+        <a:p>
+          <a:endParaRPr lang="ru-RU"/>
+        </a:p>
+      </dgm:t>
     </dgm:pt>
     <dgm:pt modelId="{C163954B-C0FA-4DA5-A998-D541D6B53F18}">
       <dgm:prSet phldr="0"/>
@@ -3137,10 +3165,24 @@
     <dgm:pt modelId="{E31E25DA-C29F-474F-B807-133A691AE328}" type="parTrans" cxnId="{B7A3831D-136E-4CB8-A3A6-9711E675074C}">
       <dgm:prSet/>
       <dgm:spPr/>
+      <dgm:t>
+        <a:bodyPr/>
+        <a:lstStyle/>
+        <a:p>
+          <a:endParaRPr lang="ru-RU"/>
+        </a:p>
+      </dgm:t>
     </dgm:pt>
     <dgm:pt modelId="{5CDA517F-835E-47E7-B87A-28598E402EBB}" type="sibTrans" cxnId="{B7A3831D-136E-4CB8-A3A6-9711E675074C}">
       <dgm:prSet/>
       <dgm:spPr/>
+      <dgm:t>
+        <a:bodyPr/>
+        <a:lstStyle/>
+        <a:p>
+          <a:endParaRPr lang="ru-RU"/>
+        </a:p>
+      </dgm:t>
     </dgm:pt>
     <dgm:pt modelId="{2C6B4F60-10D4-41E8-9BD7-813EAA476EB3}" type="pres">
       <dgm:prSet presAssocID="{6259719A-FE81-40F2-87E9-1AC4C2532CA4}" presName="vert0" presStyleCnt="0">
@@ -16065,132 +16107,17 @@
               <a:buChar char="•"/>
             </a:pPr>
             <a:r>
-              <a:rPr lang="en-US" sz="2000" dirty="0" err="1"/>
-              <a:t>Написать</a:t>
+              <a:rPr lang="ru-RU" sz="2000" dirty="0"/>
+              <a:t>Написать на </a:t>
             </a:r>
             <a:r>
-              <a:rPr lang="en-US" sz="2000" dirty="0"/>
-              <a:t> </a:t>
+              <a:rPr lang="ru-RU" sz="2000" dirty="0" err="1"/>
+              <a:t>Python</a:t>
             </a:r>
             <a:r>
-              <a:rPr lang="en-US" sz="2000" dirty="0" err="1"/>
-              <a:t>на</a:t>
+              <a:rPr lang="ru-RU" sz="2000" dirty="0"/>
+              <a:t> стриминговый сервис фильмов и сериалов, предоставляющий пользователям возможность так и смотреть, так и загружать свой медиаконтент.</a:t>
             </a:r>
-            <a:r>
-              <a:rPr lang="en-US" sz="2000" dirty="0"/>
-              <a:t> Python </a:t>
-            </a:r>
-            <a:r>
-              <a:rPr lang="en-US" sz="2000" dirty="0" err="1"/>
-              <a:t>стриминговый</a:t>
-            </a:r>
-            <a:r>
-              <a:rPr lang="en-US" sz="2000" dirty="0"/>
-              <a:t> </a:t>
-            </a:r>
-            <a:r>
-              <a:rPr lang="en-US" sz="2000" dirty="0" err="1"/>
-              <a:t>сервис</a:t>
-            </a:r>
-            <a:r>
-              <a:rPr lang="en-US" sz="2000" dirty="0"/>
-              <a:t> </a:t>
-            </a:r>
-            <a:r>
-              <a:rPr lang="en-US" sz="2000" dirty="0" err="1"/>
-              <a:t>фильмов</a:t>
-            </a:r>
-            <a:r>
-              <a:rPr lang="en-US" sz="2000" dirty="0"/>
-              <a:t> и </a:t>
-            </a:r>
-            <a:r>
-              <a:rPr lang="en-US" sz="2000" dirty="0" err="1"/>
-              <a:t>сериалов</a:t>
-            </a:r>
-            <a:r>
-              <a:rPr lang="en-US" sz="2000" dirty="0"/>
-              <a:t>, </a:t>
-            </a:r>
-            <a:r>
-              <a:rPr lang="en-US" sz="2000" dirty="0" err="1"/>
-              <a:t>предоставляющий</a:t>
-            </a:r>
-            <a:r>
-              <a:rPr lang="en-US" sz="2000" dirty="0"/>
-              <a:t> </a:t>
-            </a:r>
-            <a:r>
-              <a:rPr lang="en-US" sz="2000" dirty="0" err="1"/>
-              <a:t>пользователям</a:t>
-            </a:r>
-            <a:r>
-              <a:rPr lang="en-US" sz="2000" dirty="0"/>
-              <a:t> </a:t>
-            </a:r>
-            <a:r>
-              <a:rPr lang="en-US" sz="2000" dirty="0" err="1"/>
-              <a:t>возможность</a:t>
-            </a:r>
-            <a:r>
-              <a:rPr lang="en-US" sz="2000" dirty="0"/>
-              <a:t> </a:t>
-            </a:r>
-            <a:r>
-              <a:rPr lang="en-US" sz="2000" dirty="0" err="1"/>
-              <a:t>так</a:t>
-            </a:r>
-            <a:r>
-              <a:rPr lang="en-US" sz="2000" dirty="0"/>
-              <a:t> и </a:t>
-            </a:r>
-            <a:r>
-              <a:rPr lang="en-US" sz="2000" dirty="0" err="1"/>
-              <a:t>смотреть</a:t>
-            </a:r>
-            <a:r>
-              <a:rPr lang="en-US" sz="2000" dirty="0"/>
-              <a:t>, </a:t>
-            </a:r>
-            <a:r>
-              <a:rPr lang="en-US" sz="2000" dirty="0" err="1"/>
-              <a:t>так</a:t>
-            </a:r>
-            <a:r>
-              <a:rPr lang="en-US" sz="2000" dirty="0"/>
-              <a:t> и </a:t>
-            </a:r>
-            <a:r>
-              <a:rPr lang="en-US" sz="2000" dirty="0" err="1"/>
-              <a:t>загружать</a:t>
-            </a:r>
-            <a:r>
-              <a:rPr lang="en-US" sz="2000" dirty="0"/>
-              <a:t> </a:t>
-            </a:r>
-            <a:r>
-              <a:rPr lang="en-US" sz="2000" dirty="0" err="1"/>
-              <a:t>свой</a:t>
-            </a:r>
-            <a:r>
-              <a:rPr lang="en-US" sz="2000" dirty="0"/>
-              <a:t> </a:t>
-            </a:r>
-            <a:r>
-              <a:rPr lang="en-US" sz="2000" dirty="0" err="1"/>
-              <a:t>медиаконтент</a:t>
-            </a:r>
-            <a:r>
-              <a:rPr lang="en-US" sz="2000" dirty="0"/>
-              <a:t>.</a:t>
-            </a:r>
-          </a:p>
-          <a:p>
-            <a:pPr indent="-228600">
-              <a:buFont typeface="Arial" panose="020B0604020202020204" pitchFamily="34" charset="0"/>
-              <a:buChar char="•"/>
-            </a:pPr>
-            <a:endParaRPr lang="en-US" sz="2000" dirty="0"/>
           </a:p>
         </p:txBody>
       </p:sp>
@@ -17035,6 +16962,11 @@
           </p:cNvGraphicFramePr>
           <p:nvPr>
             <p:ph idx="1"/>
+            <p:extLst>
+              <p:ext uri="{D42A27DB-BD31-4B8C-83A1-F6EECF244321}">
+                <p14:modId xmlns:p14="http://schemas.microsoft.com/office/powerpoint/2010/main" val="2279255681"/>
+              </p:ext>
+            </p:extLst>
           </p:nvPr>
         </p:nvGraphicFramePr>
         <p:xfrm>
@@ -17482,7 +17414,7 @@
           <a:lstStyle/>
           <a:p>
             <a:r>
-              <a:rPr lang="en-US" sz="6700" kern="1200" dirty="0" err="1">
+              <a:rPr lang="ru-RU" sz="6700" kern="1200" dirty="0">
                 <a:solidFill>
                   <a:srgbClr val="FFFFFF"/>
                 </a:solidFill>
@@ -18163,7 +18095,7 @@
               <a:t>В </a:t>
             </a:r>
             <a:r>
-              <a:rPr lang="en-US" sz="2400" dirty="0" err="1">
+              <a:rPr lang="ru-RU" sz="2400" dirty="0">
                 <a:solidFill>
                   <a:srgbClr val="FFFFFF"/>
                 </a:solidFill>
@@ -18179,7 +18111,7 @@
               <a:t> </a:t>
             </a:r>
             <a:r>
-              <a:rPr lang="en-US" sz="2400" dirty="0" err="1">
+              <a:rPr lang="ru-RU" sz="2400" dirty="0">
                 <a:solidFill>
                   <a:srgbClr val="FFFFFF"/>
                 </a:solidFill>
@@ -18195,7 +18127,7 @@
               <a:t> HLS (HTTP Live Streaming) </a:t>
             </a:r>
             <a:r>
-              <a:rPr lang="en-US" sz="2400" dirty="0" err="1">
+              <a:rPr lang="ru-RU" sz="2400" dirty="0">
                 <a:solidFill>
                   <a:srgbClr val="FFFFFF"/>
                 </a:solidFill>
@@ -18211,7 +18143,7 @@
               <a:t> </a:t>
             </a:r>
             <a:r>
-              <a:rPr lang="en-US" sz="2400" dirty="0" err="1">
+              <a:rPr lang="ru-RU" sz="2400" dirty="0">
                 <a:solidFill>
                   <a:srgbClr val="FFFFFF"/>
                 </a:solidFill>
@@ -18227,7 +18159,7 @@
               <a:t> </a:t>
             </a:r>
             <a:r>
-              <a:rPr lang="en-US" sz="2400" dirty="0" err="1">
+              <a:rPr lang="ru-RU" sz="2400" dirty="0">
                 <a:solidFill>
                   <a:srgbClr val="FFFFFF"/>
                 </a:solidFill>
@@ -18243,7 +18175,7 @@
               <a:t> </a:t>
             </a:r>
             <a:r>
-              <a:rPr lang="en-US" sz="2400" dirty="0" err="1">
+              <a:rPr lang="ru-RU" sz="2400" dirty="0">
                 <a:solidFill>
                   <a:srgbClr val="FFFFFF"/>
                 </a:solidFill>
@@ -18259,7 +18191,7 @@
               <a:t> </a:t>
             </a:r>
             <a:r>
-              <a:rPr lang="en-US" sz="2400" dirty="0" err="1">
+              <a:rPr lang="ru-RU" sz="2400" dirty="0">
                 <a:solidFill>
                   <a:srgbClr val="FFFFFF"/>
                 </a:solidFill>
@@ -18275,7 +18207,7 @@
               <a:t> </a:t>
             </a:r>
             <a:r>
-              <a:rPr lang="en-US" sz="2400" dirty="0" err="1">
+              <a:rPr lang="ru-RU" sz="2400" dirty="0">
                 <a:solidFill>
                   <a:srgbClr val="FFFFFF"/>
                 </a:solidFill>
@@ -18291,7 +18223,7 @@
               <a:t> </a:t>
             </a:r>
             <a:r>
-              <a:rPr lang="en-US" sz="2400" dirty="0" err="1">
+              <a:rPr lang="ru-RU" sz="2400" dirty="0">
                 <a:solidFill>
                   <a:srgbClr val="FFFFFF"/>
                 </a:solidFill>
@@ -18307,7 +18239,7 @@
               <a:t> </a:t>
             </a:r>
             <a:r>
-              <a:rPr lang="en-US" sz="2400" dirty="0" err="1">
+              <a:rPr lang="ru-RU" sz="2400" dirty="0">
                 <a:solidFill>
                   <a:srgbClr val="FFFFFF"/>
                 </a:solidFill>
@@ -18323,7 +18255,7 @@
               <a:t>, </a:t>
             </a:r>
             <a:r>
-              <a:rPr lang="en-US" sz="2400" dirty="0" err="1">
+              <a:rPr lang="ru-RU" sz="2400" dirty="0">
                 <a:solidFill>
                   <a:srgbClr val="FFFFFF"/>
                 </a:solidFill>
@@ -18339,183 +18271,15 @@
               <a:t> </a:t>
             </a:r>
             <a:r>
-              <a:rPr lang="en-US" sz="2400" dirty="0" err="1">
+              <a:rPr lang="ru-RU" sz="2400" dirty="0">
                 <a:solidFill>
                   <a:srgbClr val="FFFFFF"/>
                 </a:solidFill>
               </a:rPr>
-              <a:t>скачиваемые</a:t>
+              <a:t>скачиваемые по HTTP. Это позволяет при просмотре видео не скачивать полностью весь </a:t>
             </a:r>
             <a:r>
-              <a:rPr lang="en-US" sz="2400" dirty="0">
-                <a:solidFill>
-                  <a:srgbClr val="FFFFFF"/>
-                </a:solidFill>
-              </a:rPr>
-              <a:t> </a:t>
-            </a:r>
-            <a:r>
-              <a:rPr lang="en-US" sz="2400" dirty="0" err="1">
-                <a:solidFill>
-                  <a:srgbClr val="FFFFFF"/>
-                </a:solidFill>
-              </a:rPr>
-              <a:t>по</a:t>
-            </a:r>
-            <a:r>
-              <a:rPr lang="en-US" sz="2400" dirty="0">
-                <a:solidFill>
-                  <a:srgbClr val="FFFFFF"/>
-                </a:solidFill>
-              </a:rPr>
-              <a:t> HTTP. </a:t>
-            </a:r>
-            <a:r>
-              <a:rPr lang="en-US" sz="2400" dirty="0" err="1">
-                <a:solidFill>
-                  <a:srgbClr val="FFFFFF"/>
-                </a:solidFill>
-              </a:rPr>
-              <a:t>Это</a:t>
-            </a:r>
-            <a:r>
-              <a:rPr lang="en-US" sz="2400" dirty="0">
-                <a:solidFill>
-                  <a:srgbClr val="FFFFFF"/>
-                </a:solidFill>
-              </a:rPr>
-              <a:t> </a:t>
-            </a:r>
-            <a:r>
-              <a:rPr lang="en-US" sz="2400" dirty="0" err="1">
-                <a:solidFill>
-                  <a:srgbClr val="FFFFFF"/>
-                </a:solidFill>
-              </a:rPr>
-              <a:t>позволяет</a:t>
-            </a:r>
-            <a:r>
-              <a:rPr lang="en-US" sz="2400" dirty="0">
-                <a:solidFill>
-                  <a:srgbClr val="FFFFFF"/>
-                </a:solidFill>
-              </a:rPr>
-              <a:t> </a:t>
-            </a:r>
-            <a:r>
-              <a:rPr lang="en-US" sz="2400" dirty="0" err="1">
-                <a:solidFill>
-                  <a:srgbClr val="FFFFFF"/>
-                </a:solidFill>
-              </a:rPr>
-              <a:t>при</a:t>
-            </a:r>
-            <a:r>
-              <a:rPr lang="en-US" sz="2400" dirty="0">
-                <a:solidFill>
-                  <a:srgbClr val="FFFFFF"/>
-                </a:solidFill>
-              </a:rPr>
-              <a:t> </a:t>
-            </a:r>
-            <a:r>
-              <a:rPr lang="en-US" sz="2400" dirty="0" err="1">
-                <a:solidFill>
-                  <a:srgbClr val="FFFFFF"/>
-                </a:solidFill>
-              </a:rPr>
-              <a:t>просмотре</a:t>
-            </a:r>
-            <a:r>
-              <a:rPr lang="en-US" sz="2400" dirty="0">
-                <a:solidFill>
-                  <a:srgbClr val="FFFFFF"/>
-                </a:solidFill>
-              </a:rPr>
-              <a:t> </a:t>
-            </a:r>
-            <a:r>
-              <a:rPr lang="en-US" sz="2400" dirty="0" err="1">
-                <a:solidFill>
-                  <a:srgbClr val="FFFFFF"/>
-                </a:solidFill>
-              </a:rPr>
-              <a:t>видео</a:t>
-            </a:r>
-            <a:r>
-              <a:rPr lang="en-US" sz="2400" dirty="0">
-                <a:solidFill>
-                  <a:srgbClr val="FFFFFF"/>
-                </a:solidFill>
-              </a:rPr>
-              <a:t> </a:t>
-            </a:r>
-            <a:r>
-              <a:rPr lang="en-US" sz="2400" dirty="0" err="1">
-                <a:solidFill>
-                  <a:srgbClr val="FFFFFF"/>
-                </a:solidFill>
-              </a:rPr>
-              <a:t>не</a:t>
-            </a:r>
-            <a:r>
-              <a:rPr lang="en-US" sz="2400" dirty="0">
-                <a:solidFill>
-                  <a:srgbClr val="FFFFFF"/>
-                </a:solidFill>
-              </a:rPr>
-              <a:t> </a:t>
-            </a:r>
-            <a:r>
-              <a:rPr lang="en-US" sz="2400" dirty="0" err="1">
-                <a:solidFill>
-                  <a:srgbClr val="FFFFFF"/>
-                </a:solidFill>
-              </a:rPr>
-              <a:t>скачивать</a:t>
-            </a:r>
-            <a:r>
-              <a:rPr lang="en-US" sz="2400" dirty="0">
-                <a:solidFill>
-                  <a:srgbClr val="FFFFFF"/>
-                </a:solidFill>
-              </a:rPr>
-              <a:t> </a:t>
-            </a:r>
-            <a:r>
-              <a:rPr lang="en-US" sz="2400" dirty="0" err="1">
-                <a:solidFill>
-                  <a:srgbClr val="FFFFFF"/>
-                </a:solidFill>
-              </a:rPr>
-              <a:t>полностью</a:t>
-            </a:r>
-            <a:r>
-              <a:rPr lang="en-US" sz="2400" dirty="0">
-                <a:solidFill>
-                  <a:srgbClr val="FFFFFF"/>
-                </a:solidFill>
-              </a:rPr>
-              <a:t> </a:t>
-            </a:r>
-            <a:r>
-              <a:rPr lang="en-US" sz="2400" dirty="0" err="1">
-                <a:solidFill>
-                  <a:srgbClr val="FFFFFF"/>
-                </a:solidFill>
-              </a:rPr>
-              <a:t>весь</a:t>
-            </a:r>
-            <a:r>
-              <a:rPr lang="en-US" sz="2400" dirty="0">
-                <a:solidFill>
-                  <a:srgbClr val="FFFFFF"/>
-                </a:solidFill>
-              </a:rPr>
-              <a:t> </a:t>
-            </a:r>
-            <a:r>
-              <a:rPr lang="en-US" sz="2400" dirty="0" err="1">
+              <a:rPr lang="ru-RU" sz="2400" dirty="0" err="1">
                 <a:solidFill>
                   <a:srgbClr val="FFFFFF"/>
                 </a:solidFill>
@@ -18523,253 +18287,18 @@
               <a:t>медиафайл</a:t>
             </a:r>
             <a:r>
-              <a:rPr lang="en-US" sz="2400" dirty="0">
+              <a:rPr lang="ru-RU" sz="2400" dirty="0">
                 <a:solidFill>
                   <a:srgbClr val="FFFFFF"/>
                 </a:solidFill>
               </a:rPr>
-              <a:t> (</a:t>
+              <a:t> (его объем может быть больше 10Гб!), а загружать видео по частям, по мере просмотра клиентом предыдущих фрагментов.</a:t>
             </a:r>
-            <a:r>
-              <a:rPr lang="en-US" sz="2400" dirty="0" err="1">
-                <a:solidFill>
-                  <a:srgbClr val="FFFFFF"/>
-                </a:solidFill>
-              </a:rPr>
-              <a:t>его</a:t>
-            </a:r>
-            <a:r>
-              <a:rPr lang="en-US" sz="2400" dirty="0">
-                <a:solidFill>
-                  <a:srgbClr val="FFFFFF"/>
-                </a:solidFill>
-              </a:rPr>
-              <a:t> </a:t>
-            </a:r>
-            <a:r>
-              <a:rPr lang="en-US" sz="2400" dirty="0" err="1">
-                <a:solidFill>
-                  <a:srgbClr val="FFFFFF"/>
-                </a:solidFill>
-              </a:rPr>
-              <a:t>объем</a:t>
-            </a:r>
-            <a:r>
-              <a:rPr lang="en-US" sz="2400" dirty="0">
-                <a:solidFill>
-                  <a:srgbClr val="FFFFFF"/>
-                </a:solidFill>
-              </a:rPr>
-              <a:t> </a:t>
-            </a:r>
-            <a:r>
-              <a:rPr lang="en-US" sz="2400" dirty="0" err="1">
-                <a:solidFill>
-                  <a:srgbClr val="FFFFFF"/>
-                </a:solidFill>
-              </a:rPr>
-              <a:t>может</a:t>
-            </a:r>
-            <a:r>
-              <a:rPr lang="en-US" sz="2400" dirty="0">
-                <a:solidFill>
-                  <a:srgbClr val="FFFFFF"/>
-                </a:solidFill>
-              </a:rPr>
-              <a:t> </a:t>
-            </a:r>
-            <a:r>
-              <a:rPr lang="en-US" sz="2400" dirty="0" err="1">
-                <a:solidFill>
-                  <a:srgbClr val="FFFFFF"/>
-                </a:solidFill>
-              </a:rPr>
-              <a:t>быть</a:t>
-            </a:r>
-            <a:r>
-              <a:rPr lang="en-US" sz="2400" dirty="0">
-                <a:solidFill>
-                  <a:srgbClr val="FFFFFF"/>
-                </a:solidFill>
-              </a:rPr>
-              <a:t> </a:t>
-            </a:r>
-            <a:r>
-              <a:rPr lang="en-US" sz="2400" dirty="0" err="1">
-                <a:solidFill>
-                  <a:srgbClr val="FFFFFF"/>
-                </a:solidFill>
-              </a:rPr>
-              <a:t>больше</a:t>
-            </a:r>
-            <a:r>
-              <a:rPr lang="en-US" sz="2400" dirty="0">
-                <a:solidFill>
-                  <a:srgbClr val="FFFFFF"/>
-                </a:solidFill>
-              </a:rPr>
-              <a:t> 10Гб!), а </a:t>
-            </a:r>
-            <a:r>
-              <a:rPr lang="en-US" sz="2400" dirty="0" err="1">
-                <a:solidFill>
-                  <a:srgbClr val="FFFFFF"/>
-                </a:solidFill>
-              </a:rPr>
-              <a:t>загружать</a:t>
-            </a:r>
-            <a:r>
-              <a:rPr lang="en-US" sz="2400" dirty="0">
-                <a:solidFill>
-                  <a:srgbClr val="FFFFFF"/>
-                </a:solidFill>
-              </a:rPr>
-              <a:t> </a:t>
-            </a:r>
-            <a:r>
-              <a:rPr lang="en-US" sz="2400" dirty="0" err="1">
-                <a:solidFill>
-                  <a:srgbClr val="FFFFFF"/>
-                </a:solidFill>
-              </a:rPr>
-              <a:t>видео</a:t>
-            </a:r>
-            <a:r>
-              <a:rPr lang="en-US" sz="2400" dirty="0">
-                <a:solidFill>
-                  <a:srgbClr val="FFFFFF"/>
-                </a:solidFill>
-              </a:rPr>
-              <a:t> </a:t>
-            </a:r>
-            <a:r>
-              <a:rPr lang="en-US" sz="2400" dirty="0" err="1">
-                <a:solidFill>
-                  <a:srgbClr val="FFFFFF"/>
-                </a:solidFill>
-              </a:rPr>
-              <a:t>по</a:t>
-            </a:r>
-            <a:r>
-              <a:rPr lang="en-US" sz="2400" dirty="0">
-                <a:solidFill>
-                  <a:srgbClr val="FFFFFF"/>
-                </a:solidFill>
-              </a:rPr>
-              <a:t> </a:t>
-            </a:r>
-            <a:r>
-              <a:rPr lang="en-US" sz="2400" dirty="0" err="1">
-                <a:solidFill>
-                  <a:srgbClr val="FFFFFF"/>
-                </a:solidFill>
-              </a:rPr>
-              <a:t>частям</a:t>
-            </a:r>
-            <a:r>
-              <a:rPr lang="en-US" sz="2400" dirty="0">
-                <a:solidFill>
-                  <a:srgbClr val="FFFFFF"/>
-                </a:solidFill>
-              </a:rPr>
-              <a:t>, </a:t>
-            </a:r>
-            <a:r>
-              <a:rPr lang="en-US" sz="2400" dirty="0" err="1">
-                <a:solidFill>
-                  <a:srgbClr val="FFFFFF"/>
-                </a:solidFill>
-              </a:rPr>
-              <a:t>по</a:t>
-            </a:r>
-            <a:r>
-              <a:rPr lang="en-US" sz="2400" dirty="0">
-                <a:solidFill>
-                  <a:srgbClr val="FFFFFF"/>
-                </a:solidFill>
-              </a:rPr>
-              <a:t> </a:t>
-            </a:r>
-            <a:r>
-              <a:rPr lang="en-US" sz="2400" dirty="0" err="1">
-                <a:solidFill>
-                  <a:srgbClr val="FFFFFF"/>
-                </a:solidFill>
-              </a:rPr>
-              <a:t>мере</a:t>
-            </a:r>
-            <a:r>
-              <a:rPr lang="en-US" sz="2400" dirty="0">
-                <a:solidFill>
-                  <a:srgbClr val="FFFFFF"/>
-                </a:solidFill>
-              </a:rPr>
-              <a:t> </a:t>
-            </a:r>
-            <a:r>
-              <a:rPr lang="en-US" sz="2400" dirty="0" err="1">
-                <a:solidFill>
-                  <a:srgbClr val="FFFFFF"/>
-                </a:solidFill>
-              </a:rPr>
-              <a:t>просмотра</a:t>
-            </a:r>
-            <a:r>
-              <a:rPr lang="en-US" sz="2400" dirty="0">
-                <a:solidFill>
-                  <a:srgbClr val="FFFFFF"/>
-                </a:solidFill>
-              </a:rPr>
-              <a:t> </a:t>
-            </a:r>
-            <a:r>
-              <a:rPr lang="en-US" sz="2400" dirty="0" err="1">
-                <a:solidFill>
-                  <a:srgbClr val="FFFFFF"/>
-                </a:solidFill>
-              </a:rPr>
-              <a:t>клиентом</a:t>
-            </a:r>
-            <a:r>
-              <a:rPr lang="en-US" sz="2400" dirty="0">
-                <a:solidFill>
-                  <a:srgbClr val="FFFFFF"/>
-                </a:solidFill>
-              </a:rPr>
-              <a:t> </a:t>
-            </a:r>
-            <a:r>
-              <a:rPr lang="en-US" sz="2400" dirty="0" err="1">
-                <a:solidFill>
-                  <a:srgbClr val="FFFFFF"/>
-                </a:solidFill>
-              </a:rPr>
-              <a:t>предыдущих</a:t>
-            </a:r>
-            <a:r>
-              <a:rPr lang="en-US" sz="2400" dirty="0">
-                <a:solidFill>
-                  <a:srgbClr val="FFFFFF"/>
-                </a:solidFill>
-              </a:rPr>
-              <a:t> </a:t>
-            </a:r>
-            <a:r>
-              <a:rPr lang="en-US" sz="2400" dirty="0" err="1">
-                <a:solidFill>
-                  <a:srgbClr val="FFFFFF"/>
-                </a:solidFill>
-              </a:rPr>
-              <a:t>фрагментов</a:t>
-            </a:r>
-            <a:r>
-              <a:rPr lang="en-US" sz="2400" dirty="0">
-                <a:solidFill>
-                  <a:srgbClr val="FFFFFF"/>
-                </a:solidFill>
-              </a:rPr>
-              <a:t>.</a:t>
-            </a:r>
+            <a:endParaRPr lang="en-US" sz="2400" dirty="0">
+              <a:solidFill>
+                <a:srgbClr val="FFFFFF"/>
+              </a:solidFill>
+            </a:endParaRPr>
           </a:p>
         </p:txBody>
       </p:sp>
@@ -19119,7 +18648,7 @@
           <a:lstStyle/>
           <a:p>
             <a:r>
-              <a:rPr lang="en-US" sz="6600" kern="1200" err="1">
+              <a:rPr lang="ru-RU" sz="6600" kern="1200" dirty="0">
                 <a:solidFill>
                   <a:srgbClr val="FFFFFF"/>
                 </a:solidFill>
@@ -19141,7 +18670,7 @@
               <a:t>. </a:t>
             </a:r>
             <a:r>
-              <a:rPr lang="en-US" sz="6600" kern="1200" err="1">
+              <a:rPr lang="ru-RU" sz="6600" kern="1200" dirty="0">
                 <a:solidFill>
                   <a:srgbClr val="FFFFFF"/>
                 </a:solidFill>
@@ -19163,7 +18692,7 @@
               <a:t> </a:t>
             </a:r>
             <a:r>
-              <a:rPr lang="en-US" sz="6600" kern="1200" err="1">
+              <a:rPr lang="ru-RU" sz="6600" kern="1200" dirty="0">
                 <a:solidFill>
                   <a:srgbClr val="FFFFFF"/>
                 </a:solidFill>
@@ -19173,7 +18702,7 @@
               </a:rPr>
               <a:t>разрешений</a:t>
             </a:r>
-            <a:endParaRPr lang="en-US" sz="6600" kern="1200">
+            <a:endParaRPr lang="en-US" sz="6600" kern="1200" dirty="0">
               <a:solidFill>
                 <a:srgbClr val="FFFFFF"/>
               </a:solidFill>
@@ -19831,263 +19360,15 @@
               <a:buChar char="•"/>
             </a:pPr>
             <a:r>
-              <a:rPr lang="en-US" sz="2400" dirty="0" err="1">
+              <a:rPr lang="ru-RU" sz="2400" dirty="0">
                 <a:solidFill>
                   <a:srgbClr val="FFFFFF"/>
                 </a:solidFill>
               </a:rPr>
-              <a:t>Проигрыватель</a:t>
+              <a:t>Проигрыватель сайта предоставляет возможность выбрать качество просматриваемого клиентом видео. Каждое видео представляет из себя множество одинаковых </a:t>
             </a:r>
             <a:r>
-              <a:rPr lang="en-US" sz="2400" dirty="0">
-                <a:solidFill>
-                  <a:srgbClr val="FFFFFF"/>
-                </a:solidFill>
-              </a:rPr>
-              <a:t> </a:t>
-            </a:r>
-            <a:r>
-              <a:rPr lang="en-US" sz="2400" dirty="0" err="1">
-                <a:solidFill>
-                  <a:srgbClr val="FFFFFF"/>
-                </a:solidFill>
-              </a:rPr>
-              <a:t>сайта</a:t>
-            </a:r>
-            <a:r>
-              <a:rPr lang="en-US" sz="2400" dirty="0">
-                <a:solidFill>
-                  <a:srgbClr val="FFFFFF"/>
-                </a:solidFill>
-              </a:rPr>
-              <a:t> </a:t>
-            </a:r>
-            <a:r>
-              <a:rPr lang="en-US" sz="2400" dirty="0" err="1">
-                <a:solidFill>
-                  <a:srgbClr val="FFFFFF"/>
-                </a:solidFill>
-              </a:rPr>
-              <a:t>предоставляет</a:t>
-            </a:r>
-            <a:r>
-              <a:rPr lang="en-US" sz="2400" dirty="0">
-                <a:solidFill>
-                  <a:srgbClr val="FFFFFF"/>
-                </a:solidFill>
-              </a:rPr>
-              <a:t> </a:t>
-            </a:r>
-            <a:r>
-              <a:rPr lang="en-US" sz="2400" dirty="0" err="1">
-                <a:solidFill>
-                  <a:srgbClr val="FFFFFF"/>
-                </a:solidFill>
-              </a:rPr>
-              <a:t>возможность</a:t>
-            </a:r>
-            <a:r>
-              <a:rPr lang="en-US" sz="2400" dirty="0">
-                <a:solidFill>
-                  <a:srgbClr val="FFFFFF"/>
-                </a:solidFill>
-              </a:rPr>
-              <a:t> </a:t>
-            </a:r>
-            <a:r>
-              <a:rPr lang="en-US" sz="2400" dirty="0" err="1">
-                <a:solidFill>
-                  <a:srgbClr val="FFFFFF"/>
-                </a:solidFill>
-              </a:rPr>
-              <a:t>выбрать</a:t>
-            </a:r>
-            <a:r>
-              <a:rPr lang="en-US" sz="2400" dirty="0">
-                <a:solidFill>
-                  <a:srgbClr val="FFFFFF"/>
-                </a:solidFill>
-              </a:rPr>
-              <a:t> </a:t>
-            </a:r>
-            <a:r>
-              <a:rPr lang="en-US" sz="2400" dirty="0" err="1">
-                <a:solidFill>
-                  <a:srgbClr val="FFFFFF"/>
-                </a:solidFill>
-              </a:rPr>
-              <a:t>качество</a:t>
-            </a:r>
-            <a:r>
-              <a:rPr lang="en-US" sz="2400" dirty="0">
-                <a:solidFill>
-                  <a:srgbClr val="FFFFFF"/>
-                </a:solidFill>
-              </a:rPr>
-              <a:t> </a:t>
-            </a:r>
-            <a:r>
-              <a:rPr lang="en-US" sz="2400" dirty="0" err="1">
-                <a:solidFill>
-                  <a:srgbClr val="FFFFFF"/>
-                </a:solidFill>
-              </a:rPr>
-              <a:t>просматриваемого</a:t>
-            </a:r>
-            <a:r>
-              <a:rPr lang="en-US" sz="2400" dirty="0">
-                <a:solidFill>
-                  <a:srgbClr val="FFFFFF"/>
-                </a:solidFill>
-              </a:rPr>
-              <a:t> </a:t>
-            </a:r>
-            <a:r>
-              <a:rPr lang="en-US" sz="2400" dirty="0" err="1">
-                <a:solidFill>
-                  <a:srgbClr val="FFFFFF"/>
-                </a:solidFill>
-              </a:rPr>
-              <a:t>клиентом</a:t>
-            </a:r>
-            <a:r>
-              <a:rPr lang="en-US" sz="2400" dirty="0">
-                <a:solidFill>
-                  <a:srgbClr val="FFFFFF"/>
-                </a:solidFill>
-              </a:rPr>
-              <a:t> </a:t>
-            </a:r>
-            <a:r>
-              <a:rPr lang="en-US" sz="2400" dirty="0" err="1">
-                <a:solidFill>
-                  <a:srgbClr val="FFFFFF"/>
-                </a:solidFill>
-              </a:rPr>
-              <a:t>видео</a:t>
-            </a:r>
-            <a:r>
-              <a:rPr lang="en-US" sz="2400" dirty="0">
-                <a:solidFill>
-                  <a:srgbClr val="FFFFFF"/>
-                </a:solidFill>
-              </a:rPr>
-              <a:t>. </a:t>
-            </a:r>
-            <a:r>
-              <a:rPr lang="en-US" sz="2400" dirty="0" err="1">
-                <a:solidFill>
-                  <a:srgbClr val="FFFFFF"/>
-                </a:solidFill>
-              </a:rPr>
-              <a:t>Каждое</a:t>
-            </a:r>
-            <a:r>
-              <a:rPr lang="en-US" sz="2400" dirty="0">
-                <a:solidFill>
-                  <a:srgbClr val="FFFFFF"/>
-                </a:solidFill>
-              </a:rPr>
-              <a:t> </a:t>
-            </a:r>
-            <a:r>
-              <a:rPr lang="en-US" sz="2400" dirty="0" err="1">
-                <a:solidFill>
-                  <a:srgbClr val="FFFFFF"/>
-                </a:solidFill>
-              </a:rPr>
-              <a:t>видео</a:t>
-            </a:r>
-            <a:r>
-              <a:rPr lang="en-US" sz="2400" dirty="0">
-                <a:solidFill>
-                  <a:srgbClr val="FFFFFF"/>
-                </a:solidFill>
-              </a:rPr>
-              <a:t> </a:t>
-            </a:r>
-            <a:r>
-              <a:rPr lang="en-US" sz="2400" dirty="0" err="1">
-                <a:solidFill>
-                  <a:srgbClr val="FFFFFF"/>
-                </a:solidFill>
-              </a:rPr>
-              <a:t>представляет</a:t>
-            </a:r>
-            <a:r>
-              <a:rPr lang="en-US" sz="2400" dirty="0">
-                <a:solidFill>
-                  <a:srgbClr val="FFFFFF"/>
-                </a:solidFill>
-              </a:rPr>
-              <a:t> </a:t>
-            </a:r>
-            <a:r>
-              <a:rPr lang="en-US" sz="2400" dirty="0" err="1">
-                <a:solidFill>
-                  <a:srgbClr val="FFFFFF"/>
-                </a:solidFill>
-              </a:rPr>
-              <a:t>из</a:t>
-            </a:r>
-            <a:r>
-              <a:rPr lang="en-US" sz="2400" dirty="0">
-                <a:solidFill>
-                  <a:srgbClr val="FFFFFF"/>
-                </a:solidFill>
-              </a:rPr>
-              <a:t> </a:t>
-            </a:r>
-            <a:r>
-              <a:rPr lang="en-US" sz="2400" dirty="0" err="1">
-                <a:solidFill>
-                  <a:srgbClr val="FFFFFF"/>
-                </a:solidFill>
-              </a:rPr>
-              <a:t>себя</a:t>
-            </a:r>
-            <a:r>
-              <a:rPr lang="en-US" sz="2400" dirty="0">
-                <a:solidFill>
-                  <a:srgbClr val="FFFFFF"/>
-                </a:solidFill>
-              </a:rPr>
-              <a:t> </a:t>
-            </a:r>
-            <a:r>
-              <a:rPr lang="en-US" sz="2400" dirty="0" err="1">
-                <a:solidFill>
-                  <a:srgbClr val="FFFFFF"/>
-                </a:solidFill>
-              </a:rPr>
-              <a:t>множество</a:t>
-            </a:r>
-            <a:r>
-              <a:rPr lang="en-US" sz="2400" dirty="0">
-                <a:solidFill>
-                  <a:srgbClr val="FFFFFF"/>
-                </a:solidFill>
-              </a:rPr>
-              <a:t> </a:t>
-            </a:r>
-            <a:r>
-              <a:rPr lang="en-US" sz="2400" dirty="0" err="1">
-                <a:solidFill>
-                  <a:srgbClr val="FFFFFF"/>
-                </a:solidFill>
-              </a:rPr>
-              <a:t>одинаковых</a:t>
-            </a:r>
-            <a:r>
-              <a:rPr lang="en-US" sz="2400" dirty="0">
-                <a:solidFill>
-                  <a:srgbClr val="FFFFFF"/>
-                </a:solidFill>
-              </a:rPr>
-              <a:t> </a:t>
-            </a:r>
-            <a:r>
-              <a:rPr lang="en-US" sz="2400" dirty="0" err="1">
+              <a:rPr lang="ru-RU" sz="2400" dirty="0" err="1">
                 <a:solidFill>
                   <a:srgbClr val="FFFFFF"/>
                 </a:solidFill>
@@ -20095,300 +19376,12 @@
               <a:t>медиафайлов</a:t>
             </a:r>
             <a:r>
-              <a:rPr lang="en-US" sz="2400" dirty="0">
+              <a:rPr lang="ru-RU" sz="2400" dirty="0">
                 <a:solidFill>
                   <a:srgbClr val="FFFFFF"/>
                 </a:solidFill>
               </a:rPr>
-              <a:t>, </a:t>
-            </a:r>
-            <a:r>
-              <a:rPr lang="en-US" sz="2400" dirty="0" err="1">
-                <a:solidFill>
-                  <a:srgbClr val="FFFFFF"/>
-                </a:solidFill>
-              </a:rPr>
-              <a:t>отличавшихся</a:t>
-            </a:r>
-            <a:r>
-              <a:rPr lang="en-US" sz="2400" dirty="0">
-                <a:solidFill>
-                  <a:srgbClr val="FFFFFF"/>
-                </a:solidFill>
-              </a:rPr>
-              <a:t> </a:t>
-            </a:r>
-            <a:r>
-              <a:rPr lang="en-US" sz="2400" dirty="0" err="1">
-                <a:solidFill>
-                  <a:srgbClr val="FFFFFF"/>
-                </a:solidFill>
-              </a:rPr>
-              <a:t>по</a:t>
-            </a:r>
-            <a:r>
-              <a:rPr lang="en-US" sz="2400" dirty="0">
-                <a:solidFill>
-                  <a:srgbClr val="FFFFFF"/>
-                </a:solidFill>
-              </a:rPr>
-              <a:t> </a:t>
-            </a:r>
-            <a:r>
-              <a:rPr lang="en-US" sz="2400" dirty="0" err="1">
-                <a:solidFill>
-                  <a:srgbClr val="FFFFFF"/>
-                </a:solidFill>
-              </a:rPr>
-              <a:t>разрешению</a:t>
-            </a:r>
-            <a:r>
-              <a:rPr lang="en-US" sz="2400" dirty="0">
-                <a:solidFill>
-                  <a:srgbClr val="FFFFFF"/>
-                </a:solidFill>
-              </a:rPr>
-              <a:t>. </a:t>
-            </a:r>
-            <a:r>
-              <a:rPr lang="en-US" sz="2400" dirty="0" err="1">
-                <a:solidFill>
-                  <a:srgbClr val="FFFFFF"/>
-                </a:solidFill>
-              </a:rPr>
-              <a:t>Их</a:t>
-            </a:r>
-            <a:r>
-              <a:rPr lang="en-US" sz="2400" dirty="0">
-                <a:solidFill>
-                  <a:srgbClr val="FFFFFF"/>
-                </a:solidFill>
-              </a:rPr>
-              <a:t> </a:t>
-            </a:r>
-            <a:r>
-              <a:rPr lang="en-US" sz="2400" dirty="0" err="1">
-                <a:solidFill>
-                  <a:srgbClr val="FFFFFF"/>
-                </a:solidFill>
-              </a:rPr>
-              <a:t>объединяет</a:t>
-            </a:r>
-            <a:r>
-              <a:rPr lang="en-US" sz="2400" dirty="0">
-                <a:solidFill>
-                  <a:srgbClr val="FFFFFF"/>
-                </a:solidFill>
-              </a:rPr>
-              <a:t> </a:t>
-            </a:r>
-            <a:r>
-              <a:rPr lang="en-US" sz="2400" dirty="0" err="1">
-                <a:solidFill>
-                  <a:srgbClr val="FFFFFF"/>
-                </a:solidFill>
-              </a:rPr>
-              <a:t>общий</a:t>
-            </a:r>
-            <a:r>
-              <a:rPr lang="en-US" sz="2400" dirty="0">
-                <a:solidFill>
-                  <a:srgbClr val="FFFFFF"/>
-                </a:solidFill>
-              </a:rPr>
-              <a:t> </a:t>
-            </a:r>
-            <a:r>
-              <a:rPr lang="en-US" sz="2400" dirty="0" err="1">
-                <a:solidFill>
-                  <a:srgbClr val="FFFFFF"/>
-                </a:solidFill>
-              </a:rPr>
-              <a:t>плейлист</a:t>
-            </a:r>
-            <a:r>
-              <a:rPr lang="en-US" sz="2400" dirty="0">
-                <a:solidFill>
-                  <a:srgbClr val="FFFFFF"/>
-                </a:solidFill>
-              </a:rPr>
-              <a:t> </a:t>
-            </a:r>
-            <a:r>
-              <a:rPr lang="en-US" sz="2400" dirty="0" err="1">
-                <a:solidFill>
-                  <a:srgbClr val="FFFFFF"/>
-                </a:solidFill>
-              </a:rPr>
-              <a:t>формата</a:t>
-            </a:r>
-            <a:r>
-              <a:rPr lang="en-US" sz="2400" dirty="0">
-                <a:solidFill>
-                  <a:srgbClr val="FFFFFF"/>
-                </a:solidFill>
-              </a:rPr>
-              <a:t> m3u8, </a:t>
-            </a:r>
-            <a:r>
-              <a:rPr lang="en-US" sz="2400" dirty="0" err="1">
-                <a:solidFill>
-                  <a:srgbClr val="FFFFFF"/>
-                </a:solidFill>
-              </a:rPr>
-              <a:t>который</a:t>
-            </a:r>
-            <a:r>
-              <a:rPr lang="en-US" sz="2400" dirty="0">
-                <a:solidFill>
-                  <a:srgbClr val="FFFFFF"/>
-                </a:solidFill>
-              </a:rPr>
-              <a:t> </a:t>
-            </a:r>
-            <a:r>
-              <a:rPr lang="en-US" sz="2400" dirty="0" err="1">
-                <a:solidFill>
-                  <a:srgbClr val="FFFFFF"/>
-                </a:solidFill>
-              </a:rPr>
-              <a:t>направляет</a:t>
-            </a:r>
-            <a:r>
-              <a:rPr lang="en-US" sz="2400" dirty="0">
-                <a:solidFill>
-                  <a:srgbClr val="FFFFFF"/>
-                </a:solidFill>
-              </a:rPr>
-              <a:t> </a:t>
-            </a:r>
-            <a:r>
-              <a:rPr lang="en-US" sz="2400" dirty="0" err="1">
-                <a:solidFill>
-                  <a:srgbClr val="FFFFFF"/>
-                </a:solidFill>
-              </a:rPr>
-              <a:t>проигрыватель</a:t>
-            </a:r>
-            <a:r>
-              <a:rPr lang="en-US" sz="2400" dirty="0">
-                <a:solidFill>
-                  <a:srgbClr val="FFFFFF"/>
-                </a:solidFill>
-              </a:rPr>
-              <a:t>, </a:t>
-            </a:r>
-            <a:r>
-              <a:rPr lang="en-US" sz="2400" dirty="0" err="1">
-                <a:solidFill>
-                  <a:srgbClr val="FFFFFF"/>
-                </a:solidFill>
-              </a:rPr>
-              <a:t>какие</a:t>
-            </a:r>
-            <a:r>
-              <a:rPr lang="en-US" sz="2400" dirty="0">
-                <a:solidFill>
-                  <a:srgbClr val="FFFFFF"/>
-                </a:solidFill>
-              </a:rPr>
-              <a:t> </a:t>
-            </a:r>
-            <a:r>
-              <a:rPr lang="en-US" sz="2400" dirty="0" err="1">
-                <a:solidFill>
-                  <a:srgbClr val="FFFFFF"/>
-                </a:solidFill>
-              </a:rPr>
-              <a:t>файлы</a:t>
-            </a:r>
-            <a:r>
-              <a:rPr lang="en-US" sz="2400" dirty="0">
-                <a:solidFill>
-                  <a:srgbClr val="FFFFFF"/>
-                </a:solidFill>
-              </a:rPr>
-              <a:t> </a:t>
-            </a:r>
-            <a:r>
-              <a:rPr lang="en-US" sz="2400" dirty="0" err="1">
-                <a:solidFill>
-                  <a:srgbClr val="FFFFFF"/>
-                </a:solidFill>
-              </a:rPr>
-              <a:t>загружать</a:t>
-            </a:r>
-            <a:r>
-              <a:rPr lang="en-US" sz="2400" dirty="0">
-                <a:solidFill>
-                  <a:srgbClr val="FFFFFF"/>
-                </a:solidFill>
-              </a:rPr>
-              <a:t> в </a:t>
-            </a:r>
-            <a:r>
-              <a:rPr lang="en-US" sz="2400" dirty="0" err="1">
-                <a:solidFill>
-                  <a:srgbClr val="FFFFFF"/>
-                </a:solidFill>
-              </a:rPr>
-              <a:t>зависимости</a:t>
-            </a:r>
-            <a:r>
-              <a:rPr lang="en-US" sz="2400" dirty="0">
-                <a:solidFill>
-                  <a:srgbClr val="FFFFFF"/>
-                </a:solidFill>
-              </a:rPr>
-              <a:t> </a:t>
-            </a:r>
-            <a:r>
-              <a:rPr lang="en-US" sz="2400" dirty="0" err="1">
-                <a:solidFill>
-                  <a:srgbClr val="FFFFFF"/>
-                </a:solidFill>
-              </a:rPr>
-              <a:t>от</a:t>
-            </a:r>
-            <a:r>
-              <a:rPr lang="en-US" sz="2400" dirty="0">
-                <a:solidFill>
-                  <a:srgbClr val="FFFFFF"/>
-                </a:solidFill>
-              </a:rPr>
-              <a:t> </a:t>
-            </a:r>
-            <a:r>
-              <a:rPr lang="en-US" sz="2400" dirty="0" err="1">
-                <a:solidFill>
-                  <a:srgbClr val="FFFFFF"/>
-                </a:solidFill>
-              </a:rPr>
-              <a:t>выбранного</a:t>
-            </a:r>
-            <a:r>
-              <a:rPr lang="en-US" sz="2400" dirty="0">
-                <a:solidFill>
-                  <a:srgbClr val="FFFFFF"/>
-                </a:solidFill>
-              </a:rPr>
-              <a:t> </a:t>
-            </a:r>
-            <a:r>
-              <a:rPr lang="en-US" sz="2400" dirty="0" err="1">
-                <a:solidFill>
-                  <a:srgbClr val="FFFFFF"/>
-                </a:solidFill>
-              </a:rPr>
-              <a:t>разрешения</a:t>
-            </a:r>
-            <a:r>
-              <a:rPr lang="en-US" sz="2400" dirty="0">
-                <a:solidFill>
-                  <a:srgbClr val="FFFFFF"/>
-                </a:solidFill>
-              </a:rPr>
-              <a:t>.</a:t>
+              <a:t>, отличавшихся по разрешению. Их объединяет общий плейлист формата m3u8, который направляет проигрыватель, какие файлы загружать в зависимости от выбранного разрешения.</a:t>
             </a:r>
           </a:p>
         </p:txBody>

--- a/presentation/Presentation.pptx
+++ b/presentation/Presentation.pptx
@@ -10818,7 +10818,7 @@
           <a:p>
             <a:fld id="{6A4B53A7-3209-46A6-9454-F38EAC8F11E7}" type="datetimeFigureOut">
               <a:rPr lang="en-US" smtClean="0"/>
-              <a:t>4/8/2023</a:t>
+              <a:t>4/9/2023</a:t>
             </a:fld>
             <a:endParaRPr lang="en-US"/>
           </a:p>
@@ -11069,7 +11069,7 @@
           <a:p>
             <a:fld id="{6A4B53A7-3209-46A6-9454-F38EAC8F11E7}" type="datetimeFigureOut">
               <a:rPr lang="en-US" smtClean="0"/>
-              <a:t>4/8/2023</a:t>
+              <a:t>4/9/2023</a:t>
             </a:fld>
             <a:endParaRPr lang="en-US"/>
           </a:p>
@@ -11330,7 +11330,7 @@
           <a:p>
             <a:fld id="{6A4B53A7-3209-46A6-9454-F38EAC8F11E7}" type="datetimeFigureOut">
               <a:rPr lang="en-US" smtClean="0"/>
-              <a:t>4/8/2023</a:t>
+              <a:t>4/9/2023</a:t>
             </a:fld>
             <a:endParaRPr lang="en-US"/>
           </a:p>
@@ -11581,7 +11581,7 @@
           <a:p>
             <a:fld id="{6A4B53A7-3209-46A6-9454-F38EAC8F11E7}" type="datetimeFigureOut">
               <a:rPr lang="en-US" smtClean="0"/>
-              <a:t>4/8/2023</a:t>
+              <a:t>4/9/2023</a:t>
             </a:fld>
             <a:endParaRPr lang="en-US"/>
           </a:p>
@@ -11909,7 +11909,7 @@
           <a:p>
             <a:fld id="{6A4B53A7-3209-46A6-9454-F38EAC8F11E7}" type="datetimeFigureOut">
               <a:rPr lang="en-US" smtClean="0"/>
-              <a:t>4/8/2023</a:t>
+              <a:t>4/9/2023</a:t>
             </a:fld>
             <a:endParaRPr lang="en-US"/>
           </a:p>
@@ -12227,7 +12227,7 @@
           <a:p>
             <a:fld id="{6A4B53A7-3209-46A6-9454-F38EAC8F11E7}" type="datetimeFigureOut">
               <a:rPr lang="en-US" smtClean="0"/>
-              <a:t>4/8/2023</a:t>
+              <a:t>4/9/2023</a:t>
             </a:fld>
             <a:endParaRPr lang="en-US"/>
           </a:p>
@@ -12692,7 +12692,7 @@
           <a:p>
             <a:fld id="{6A4B53A7-3209-46A6-9454-F38EAC8F11E7}" type="datetimeFigureOut">
               <a:rPr lang="en-US" smtClean="0"/>
-              <a:t>4/8/2023</a:t>
+              <a:t>4/9/2023</a:t>
             </a:fld>
             <a:endParaRPr lang="en-US"/>
           </a:p>
@@ -12886,7 +12886,7 @@
           <a:p>
             <a:fld id="{6A4B53A7-3209-46A6-9454-F38EAC8F11E7}" type="datetimeFigureOut">
               <a:rPr lang="en-US" smtClean="0"/>
-              <a:t>4/8/2023</a:t>
+              <a:t>4/9/2023</a:t>
             </a:fld>
             <a:endParaRPr lang="en-US"/>
           </a:p>
@@ -13052,7 +13052,7 @@
           <a:p>
             <a:fld id="{6A4B53A7-3209-46A6-9454-F38EAC8F11E7}" type="datetimeFigureOut">
               <a:rPr lang="en-US" smtClean="0"/>
-              <a:t>4/8/2023</a:t>
+              <a:t>4/9/2023</a:t>
             </a:fld>
             <a:endParaRPr lang="en-US"/>
           </a:p>
@@ -13416,7 +13416,7 @@
           <a:p>
             <a:fld id="{6A4B53A7-3209-46A6-9454-F38EAC8F11E7}" type="datetimeFigureOut">
               <a:rPr lang="en-US" smtClean="0"/>
-              <a:t>4/8/2023</a:t>
+              <a:t>4/9/2023</a:t>
             </a:fld>
             <a:endParaRPr lang="en-US"/>
           </a:p>
@@ -13760,7 +13760,7 @@
           <a:p>
             <a:fld id="{6A4B53A7-3209-46A6-9454-F38EAC8F11E7}" type="datetimeFigureOut">
               <a:rPr lang="en-US" smtClean="0"/>
-              <a:t>4/8/2023</a:t>
+              <a:t>4/9/2023</a:t>
             </a:fld>
             <a:endParaRPr lang="en-US"/>
           </a:p>
@@ -14055,7 +14055,7 @@
             <a:fld id="{6A4B53A7-3209-46A6-9454-F38EAC8F11E7}" type="datetimeFigureOut">
               <a:rPr lang="en-US" smtClean="0"/>
               <a:pPr/>
-              <a:t>4/8/2023</a:t>
+              <a:t>4/9/2023</a:t>
             </a:fld>
             <a:endParaRPr lang="en-US" dirty="0"/>
           </a:p>
@@ -19418,7 +19418,7 @@
       </p:grpSpPr>
       <p:pic>
         <p:nvPicPr>
-          <p:cNvPr id="3" name="Рисунок 3" descr="Изображение выглядит как диаграмма&#10;&#10;Автоматически созданное описание">
+          <p:cNvPr id="3" name="Рисунок 3">
             <a:extLst>
               <a:ext uri="{FF2B5EF4-FFF2-40B4-BE49-F238E27FC236}">
                 <a16:creationId xmlns:a16="http://schemas.microsoft.com/office/drawing/2014/main" id="{0C0AEFE2-4EBF-5595-553D-33BDB4CABA73}"/>
@@ -19431,15 +19431,20 @@
           <p:nvPr/>
         </p:nvPicPr>
         <p:blipFill>
-          <a:blip r:embed="rId2"/>
-          <a:stretch>
-            <a:fillRect/>
-          </a:stretch>
+          <a:blip r:embed="rId2">
+            <a:extLst>
+              <a:ext uri="{28A0092B-C50C-407E-A947-70E740481C1C}">
+                <a14:useLocalDpi xmlns:a14="http://schemas.microsoft.com/office/drawing/2010/main" val="0"/>
+              </a:ext>
+            </a:extLst>
+          </a:blip>
+          <a:srcRect/>
+          <a:stretch/>
         </p:blipFill>
         <p:spPr>
           <a:xfrm>
-            <a:off x="785611" y="221221"/>
-            <a:ext cx="11404241" cy="6415556"/>
+            <a:off x="785611" y="221556"/>
+            <a:ext cx="11404241" cy="6414885"/>
           </a:xfrm>
           <a:prstGeom prst="rect">
             <a:avLst/>

--- a/presentation/Presentation.pptx
+++ b/presentation/Presentation.pptx
@@ -2952,7 +2952,7 @@
             <a:rPr lang="ru-RU" dirty="0">
               <a:latin typeface="Gill Sans Nova"/>
             </a:rPr>
-            <a:t>Программирование плеера HLS &lt;TODO&gt;</a:t>
+            <a:t>Программирование плеера с HLS</a:t>
           </a:r>
           <a:endParaRPr lang="ru-RU" dirty="0"/>
         </a:p>
@@ -3145,8 +3145,8 @@
         </a:p>
       </dgm:t>
     </dgm:pt>
-    <dgm:pt modelId="{C163954B-C0FA-4DA5-A998-D541D6B53F18}">
-      <dgm:prSet phldr="0"/>
+    <dgm:pt modelId="{106CA00B-E343-4F93-BB70-349889AEEE43}">
+      <dgm:prSet phldrT="[Текст]" phldr="0"/>
       <dgm:spPr/>
       <dgm:t>
         <a:bodyPr/>
@@ -3157,12 +3157,31 @@
             <a:rPr lang="ru-RU" dirty="0">
               <a:latin typeface="Gill Sans Nova"/>
             </a:rPr>
-            <a:t>Использование API &lt;TODO&gt;</a:t>
+            <a:t>Использование библиотеки </a:t>
           </a:r>
+          <a:r>
+            <a:rPr lang="en-US" dirty="0" err="1">
+              <a:latin typeface="Gill Sans Nova"/>
+            </a:rPr>
+            <a:t>WebVTT</a:t>
+          </a:r>
+          <a:r>
+            <a:rPr lang="en-US" dirty="0">
+              <a:latin typeface="Gill Sans Nova"/>
+            </a:rPr>
+            <a:t> </a:t>
+          </a:r>
+          <a:r>
+            <a:rPr lang="ru-RU" dirty="0">
+              <a:latin typeface="Gill Sans Nova"/>
+            </a:rPr>
+            <a:t>для работы с субтитрами</a:t>
+          </a:r>
+          <a:endParaRPr lang="ru-RU" dirty="0"/>
         </a:p>
       </dgm:t>
     </dgm:pt>
-    <dgm:pt modelId="{E31E25DA-C29F-474F-B807-133A691AE328}" type="parTrans" cxnId="{B7A3831D-136E-4CB8-A3A6-9711E675074C}">
+    <dgm:pt modelId="{C3382875-2606-4D8C-A0FD-DC39A4B04535}" type="parTrans" cxnId="{213ADF17-07B6-4A2C-A484-2A381B2B9346}">
       <dgm:prSet/>
       <dgm:spPr/>
       <dgm:t>
@@ -3173,7 +3192,7 @@
         </a:p>
       </dgm:t>
     </dgm:pt>
-    <dgm:pt modelId="{5CDA517F-835E-47E7-B87A-28598E402EBB}" type="sibTrans" cxnId="{B7A3831D-136E-4CB8-A3A6-9711E675074C}">
+    <dgm:pt modelId="{79CDCDA7-9B14-4F77-9604-33CB842C44BC}" type="sibTrans" cxnId="{213ADF17-07B6-4A2C-A484-2A381B2B9346}">
       <dgm:prSet/>
       <dgm:spPr/>
       <dgm:t>
@@ -3274,20 +3293,20 @@
       <dgm:prSet presAssocID="{F9BC4E7A-CA93-4194-A7D5-DF2682341F37}" presName="vert1" presStyleCnt="0"/>
       <dgm:spPr/>
     </dgm:pt>
-    <dgm:pt modelId="{2EC0E6D7-F7E1-4AAF-B0F5-7C41FEFE0FAB}" type="pres">
-      <dgm:prSet presAssocID="{C163954B-C0FA-4DA5-A998-D541D6B53F18}" presName="thickLine" presStyleLbl="alignNode1" presStyleIdx="5" presStyleCnt="7"/>
+    <dgm:pt modelId="{9B266D7D-DC96-4554-9167-CD9B7DF32ADA}" type="pres">
+      <dgm:prSet presAssocID="{106CA00B-E343-4F93-BB70-349889AEEE43}" presName="thickLine" presStyleLbl="alignNode1" presStyleIdx="5" presStyleCnt="7"/>
       <dgm:spPr/>
     </dgm:pt>
-    <dgm:pt modelId="{C4FEEBB2-7B04-4994-ADD2-EA28BA43DA5D}" type="pres">
-      <dgm:prSet presAssocID="{C163954B-C0FA-4DA5-A998-D541D6B53F18}" presName="horz1" presStyleCnt="0"/>
+    <dgm:pt modelId="{61D11C3C-3D20-4C34-991A-DE8805689D3F}" type="pres">
+      <dgm:prSet presAssocID="{106CA00B-E343-4F93-BB70-349889AEEE43}" presName="horz1" presStyleCnt="0"/>
       <dgm:spPr/>
     </dgm:pt>
-    <dgm:pt modelId="{3F7F96C2-9F2E-44F3-832A-229FC081F208}" type="pres">
-      <dgm:prSet presAssocID="{C163954B-C0FA-4DA5-A998-D541D6B53F18}" presName="tx1" presStyleLbl="revTx" presStyleIdx="5" presStyleCnt="7"/>
+    <dgm:pt modelId="{5110D1A2-7AC9-4285-815A-83623F128E6E}" type="pres">
+      <dgm:prSet presAssocID="{106CA00B-E343-4F93-BB70-349889AEEE43}" presName="tx1" presStyleLbl="revTx" presStyleIdx="5" presStyleCnt="7"/>
       <dgm:spPr/>
     </dgm:pt>
-    <dgm:pt modelId="{1234BBB4-F516-44B2-987F-919146095062}" type="pres">
-      <dgm:prSet presAssocID="{C163954B-C0FA-4DA5-A998-D541D6B53F18}" presName="vert1" presStyleCnt="0"/>
+    <dgm:pt modelId="{A1B8565A-A5CE-4626-88F5-992A6E99980E}" type="pres">
+      <dgm:prSet presAssocID="{106CA00B-E343-4F93-BB70-349889AEEE43}" presName="vert1" presStyleCnt="0"/>
       <dgm:spPr/>
     </dgm:pt>
     <dgm:pt modelId="{ABBFFB76-A5B9-44CB-9617-9DEC8239FABF}" type="pres">
@@ -3309,15 +3328,15 @@
   </dgm:ptLst>
   <dgm:cxnLst>
     <dgm:cxn modelId="{359FA90A-402A-414F-9E0A-A0F32D1877BC}" srcId="{6259719A-FE81-40F2-87E9-1AC4C2532CA4}" destId="{23CC9FC0-41C2-4922-AAE8-B941CB444B2D}" srcOrd="3" destOrd="0" parTransId="{48390C97-E5D3-4E63-95D4-0F095EEE4CA1}" sibTransId="{36A46D42-E263-4253-B3BB-8C9CB0C31C38}"/>
-    <dgm:cxn modelId="{B7A3831D-136E-4CB8-A3A6-9711E675074C}" srcId="{6259719A-FE81-40F2-87E9-1AC4C2532CA4}" destId="{C163954B-C0FA-4DA5-A998-D541D6B53F18}" srcOrd="5" destOrd="0" parTransId="{E31E25DA-C29F-474F-B807-133A691AE328}" sibTransId="{5CDA517F-835E-47E7-B87A-28598E402EBB}"/>
+    <dgm:cxn modelId="{213ADF17-07B6-4A2C-A484-2A381B2B9346}" srcId="{6259719A-FE81-40F2-87E9-1AC4C2532CA4}" destId="{106CA00B-E343-4F93-BB70-349889AEEE43}" srcOrd="5" destOrd="0" parTransId="{C3382875-2606-4D8C-A0FD-DC39A4B04535}" sibTransId="{79CDCDA7-9B14-4F77-9604-33CB842C44BC}"/>
     <dgm:cxn modelId="{63911C26-35D2-4744-B4C5-10C818591171}" type="presOf" srcId="{824683ED-8B27-4782-98B9-3850857C8115}" destId="{24FFEE5F-38A0-4CC9-A5C0-3C24D7847F86}" srcOrd="0" destOrd="0" presId="urn:microsoft.com/office/officeart/2008/layout/LinedList"/>
     <dgm:cxn modelId="{92064426-9D15-4DA6-854F-78C0097255E5}" type="presOf" srcId="{2FB32DD2-C90A-4425-86F5-EC9E913759F0}" destId="{8B8F10E1-EBFB-4D4C-8E27-19C1A270627E}" srcOrd="0" destOrd="0" presId="urn:microsoft.com/office/officeart/2008/layout/LinedList"/>
     <dgm:cxn modelId="{32B7652B-7C54-4B6E-9D85-A6033EBFDA19}" srcId="{6259719A-FE81-40F2-87E9-1AC4C2532CA4}" destId="{28696F36-6E70-4994-BA86-EE398D57E2A2}" srcOrd="1" destOrd="0" parTransId="{949B8DB2-C2EE-490C-BF9F-0AF8CF679667}" sibTransId="{6A57837A-263C-4BDA-8BF2-E9EAE32FB229}"/>
     <dgm:cxn modelId="{F83A5736-6550-4000-AE56-BD639C0D85BC}" srcId="{6259719A-FE81-40F2-87E9-1AC4C2532CA4}" destId="{2FB32DD2-C90A-4425-86F5-EC9E913759F0}" srcOrd="2" destOrd="0" parTransId="{3A679DF5-48D4-4DE2-A4F4-5C5A05C7BDAB}" sibTransId="{A0999FF5-4F1D-46B1-AD56-BD29EF1641F7}"/>
     <dgm:cxn modelId="{1F7B995C-C249-409D-AF6D-701B2BEE66F8}" srcId="{6259719A-FE81-40F2-87E9-1AC4C2532CA4}" destId="{F9BC4E7A-CA93-4194-A7D5-DF2682341F37}" srcOrd="4" destOrd="0" parTransId="{0BF262CF-5661-4F26-B35E-5EDD0689DB6D}" sibTransId="{DC4B7CD4-0C6C-491A-98F7-2D0CBE7EFBE4}"/>
     <dgm:cxn modelId="{ECC42C44-94BE-4AE6-AF21-446C6D231E0F}" type="presOf" srcId="{AC4D81A8-9D70-4621-9F7C-BD5A62D8D7B0}" destId="{348E3E41-AFD1-4876-80C8-56FFCD31B7D7}" srcOrd="0" destOrd="0" presId="urn:microsoft.com/office/officeart/2008/layout/LinedList"/>
-    <dgm:cxn modelId="{9219804A-789A-46B0-8235-91C974B16177}" type="presOf" srcId="{C163954B-C0FA-4DA5-A998-D541D6B53F18}" destId="{3F7F96C2-9F2E-44F3-832A-229FC081F208}" srcOrd="0" destOrd="0" presId="urn:microsoft.com/office/officeart/2008/layout/LinedList"/>
     <dgm:cxn modelId="{32C6BC51-FAF7-4243-93D1-372BE124F036}" srcId="{6259719A-FE81-40F2-87E9-1AC4C2532CA4}" destId="{824683ED-8B27-4782-98B9-3850857C8115}" srcOrd="6" destOrd="0" parTransId="{A1D35E90-D4F8-4C17-8F2F-AFF46A1046C4}" sibTransId="{DA896C70-4201-44AD-BE6B-D92F467CC8F7}"/>
+    <dgm:cxn modelId="{CF991E81-E6E3-4401-A752-3214DD4E6461}" type="presOf" srcId="{106CA00B-E343-4F93-BB70-349889AEEE43}" destId="{5110D1A2-7AC9-4285-815A-83623F128E6E}" srcOrd="0" destOrd="0" presId="urn:microsoft.com/office/officeart/2008/layout/LinedList"/>
     <dgm:cxn modelId="{BE4FD68B-E132-43A9-BCB5-88E8BA0D3904}" srcId="{6259719A-FE81-40F2-87E9-1AC4C2532CA4}" destId="{AC4D81A8-9D70-4621-9F7C-BD5A62D8D7B0}" srcOrd="0" destOrd="0" parTransId="{23CC8792-071F-4492-A9D7-AAF757D1E9CE}" sibTransId="{95D6AEF9-CBCA-4192-9650-1EA7A31885E9}"/>
     <dgm:cxn modelId="{2CBC9B9F-760B-4DFF-92DD-E5CEF05992BF}" type="presOf" srcId="{6259719A-FE81-40F2-87E9-1AC4C2532CA4}" destId="{2C6B4F60-10D4-41E8-9BD7-813EAA476EB3}" srcOrd="0" destOrd="0" presId="urn:microsoft.com/office/officeart/2008/layout/LinedList"/>
     <dgm:cxn modelId="{6A0DA9B4-1297-4B71-AB43-0DEC901B0CF8}" type="presOf" srcId="{28696F36-6E70-4994-BA86-EE398D57E2A2}" destId="{1DE8BFD0-F54F-433D-AA84-DCB08FC7EBBD}" srcOrd="0" destOrd="0" presId="urn:microsoft.com/office/officeart/2008/layout/LinedList"/>
@@ -3343,10 +3362,10 @@
     <dgm:cxn modelId="{C3767F32-415B-4FF2-81BC-CB17DE81769E}" type="presParOf" srcId="{2C6B4F60-10D4-41E8-9BD7-813EAA476EB3}" destId="{4DD2A785-7E47-4393-ABF2-D117AA2EC941}" srcOrd="9" destOrd="0" presId="urn:microsoft.com/office/officeart/2008/layout/LinedList"/>
     <dgm:cxn modelId="{75225BD8-A6A6-4552-A3DA-09C4D869675B}" type="presParOf" srcId="{4DD2A785-7E47-4393-ABF2-D117AA2EC941}" destId="{219D17D9-8942-4054-A011-4C9BA44CEE8A}" srcOrd="0" destOrd="0" presId="urn:microsoft.com/office/officeart/2008/layout/LinedList"/>
     <dgm:cxn modelId="{DF2AE288-AAA2-4462-96C1-3742B67F2058}" type="presParOf" srcId="{4DD2A785-7E47-4393-ABF2-D117AA2EC941}" destId="{1E49D04C-9A33-41B9-9B79-11E63ED1EB10}" srcOrd="1" destOrd="0" presId="urn:microsoft.com/office/officeart/2008/layout/LinedList"/>
-    <dgm:cxn modelId="{24C4CB13-D084-4DA2-8854-04F8DFC6C083}" type="presParOf" srcId="{2C6B4F60-10D4-41E8-9BD7-813EAA476EB3}" destId="{2EC0E6D7-F7E1-4AAF-B0F5-7C41FEFE0FAB}" srcOrd="10" destOrd="0" presId="urn:microsoft.com/office/officeart/2008/layout/LinedList"/>
-    <dgm:cxn modelId="{C9613BB3-784C-4BEF-A06E-34FF19593CD6}" type="presParOf" srcId="{2C6B4F60-10D4-41E8-9BD7-813EAA476EB3}" destId="{C4FEEBB2-7B04-4994-ADD2-EA28BA43DA5D}" srcOrd="11" destOrd="0" presId="urn:microsoft.com/office/officeart/2008/layout/LinedList"/>
-    <dgm:cxn modelId="{25436A37-D134-4334-BBDA-F2A9159F3733}" type="presParOf" srcId="{C4FEEBB2-7B04-4994-ADD2-EA28BA43DA5D}" destId="{3F7F96C2-9F2E-44F3-832A-229FC081F208}" srcOrd="0" destOrd="0" presId="urn:microsoft.com/office/officeart/2008/layout/LinedList"/>
-    <dgm:cxn modelId="{6AF03533-2667-4EA0-9CD3-B9677CE6AAD3}" type="presParOf" srcId="{C4FEEBB2-7B04-4994-ADD2-EA28BA43DA5D}" destId="{1234BBB4-F516-44B2-987F-919146095062}" srcOrd="1" destOrd="0" presId="urn:microsoft.com/office/officeart/2008/layout/LinedList"/>
+    <dgm:cxn modelId="{FF11806B-5912-4A86-83A7-BAC510A40FDC}" type="presParOf" srcId="{2C6B4F60-10D4-41E8-9BD7-813EAA476EB3}" destId="{9B266D7D-DC96-4554-9167-CD9B7DF32ADA}" srcOrd="10" destOrd="0" presId="urn:microsoft.com/office/officeart/2008/layout/LinedList"/>
+    <dgm:cxn modelId="{7674F0FD-5B50-49C6-9E5F-A9080BF95DD2}" type="presParOf" srcId="{2C6B4F60-10D4-41E8-9BD7-813EAA476EB3}" destId="{61D11C3C-3D20-4C34-991A-DE8805689D3F}" srcOrd="11" destOrd="0" presId="urn:microsoft.com/office/officeart/2008/layout/LinedList"/>
+    <dgm:cxn modelId="{78684ED7-EF00-42D9-88CD-84D6A34DAA32}" type="presParOf" srcId="{61D11C3C-3D20-4C34-991A-DE8805689D3F}" destId="{5110D1A2-7AC9-4285-815A-83623F128E6E}" srcOrd="0" destOrd="0" presId="urn:microsoft.com/office/officeart/2008/layout/LinedList"/>
+    <dgm:cxn modelId="{51EE77B3-AAD5-414C-B26F-AB90CD00C036}" type="presParOf" srcId="{61D11C3C-3D20-4C34-991A-DE8805689D3F}" destId="{A1B8565A-A5CE-4626-88F5-992A6E99980E}" srcOrd="1" destOrd="0" presId="urn:microsoft.com/office/officeart/2008/layout/LinedList"/>
     <dgm:cxn modelId="{CD0F5C2E-137A-4182-AEDE-8458EF8A38FF}" type="presParOf" srcId="{2C6B4F60-10D4-41E8-9BD7-813EAA476EB3}" destId="{ABBFFB76-A5B9-44CB-9617-9DEC8239FABF}" srcOrd="12" destOrd="0" presId="urn:microsoft.com/office/officeart/2008/layout/LinedList"/>
     <dgm:cxn modelId="{98D3B33F-8076-4183-B4B8-F54C4D8016F7}" type="presParOf" srcId="{2C6B4F60-10D4-41E8-9BD7-813EAA476EB3}" destId="{6A7CDA5D-9824-483B-A44E-0B957B26B5A4}" srcOrd="13" destOrd="0" presId="urn:microsoft.com/office/officeart/2008/layout/LinedList"/>
     <dgm:cxn modelId="{AA568E23-E663-4001-B230-71B7B2DF590F}" type="presParOf" srcId="{6A7CDA5D-9824-483B-A44E-0B957B26B5A4}" destId="{24FFEE5F-38A0-4CC9-A5C0-3C24D7847F86}" srcOrd="0" destOrd="0" presId="urn:microsoft.com/office/officeart/2008/layout/LinedList"/>
@@ -5353,7 +5372,7 @@
             <a:rPr lang="ru-RU" sz="2200" kern="1200" dirty="0">
               <a:latin typeface="Gill Sans Nova"/>
             </a:rPr>
-            <a:t>Программирование плеера HLS &lt;TODO&gt;</a:t>
+            <a:t>Программирование плеера с HLS</a:t>
           </a:r>
           <a:endParaRPr lang="ru-RU" sz="2200" kern="1200" dirty="0"/>
         </a:p>
@@ -5363,7 +5382,7 @@
         <a:ext cx="10515600" cy="621467"/>
       </dsp:txXfrm>
     </dsp:sp>
-    <dsp:sp modelId="{2EC0E6D7-F7E1-4AAF-B0F5-7C41FEFE0FAB}">
+    <dsp:sp modelId="{9B266D7D-DC96-4554-9167-CD9B7DF32ADA}">
       <dsp:nvSpPr>
         <dsp:cNvPr id="0" name=""/>
         <dsp:cNvSpPr/>
@@ -5413,7 +5432,7 @@
         </a:fontRef>
       </dsp:style>
     </dsp:sp>
-    <dsp:sp modelId="{3F7F96C2-9F2E-44F3-832A-229FC081F208}">
+    <dsp:sp modelId="{5110D1A2-7AC9-4285-815A-83623F128E6E}">
       <dsp:nvSpPr>
         <dsp:cNvPr id="0" name=""/>
         <dsp:cNvSpPr/>
@@ -5466,8 +5485,27 @@
             <a:rPr lang="ru-RU" sz="2200" kern="1200" dirty="0">
               <a:latin typeface="Gill Sans Nova"/>
             </a:rPr>
-            <a:t>Использование API &lt;TODO&gt;</a:t>
+            <a:t>Использование библиотеки </a:t>
           </a:r>
+          <a:r>
+            <a:rPr lang="en-US" sz="2200" kern="1200" dirty="0" err="1">
+              <a:latin typeface="Gill Sans Nova"/>
+            </a:rPr>
+            <a:t>WebVTT</a:t>
+          </a:r>
+          <a:r>
+            <a:rPr lang="en-US" sz="2200" kern="1200" dirty="0">
+              <a:latin typeface="Gill Sans Nova"/>
+            </a:rPr>
+            <a:t> </a:t>
+          </a:r>
+          <a:r>
+            <a:rPr lang="ru-RU" sz="2200" kern="1200" dirty="0">
+              <a:latin typeface="Gill Sans Nova"/>
+            </a:rPr>
+            <a:t>для работы с субтитрами</a:t>
+          </a:r>
+          <a:endParaRPr lang="ru-RU" sz="2200" kern="1200" dirty="0"/>
         </a:p>
       </dsp:txBody>
       <dsp:txXfrm>
@@ -10818,7 +10856,7 @@
           <a:p>
             <a:fld id="{6A4B53A7-3209-46A6-9454-F38EAC8F11E7}" type="datetimeFigureOut">
               <a:rPr lang="en-US" smtClean="0"/>
-              <a:t>4/9/2023</a:t>
+              <a:t>4/12/2023</a:t>
             </a:fld>
             <a:endParaRPr lang="en-US"/>
           </a:p>
@@ -11069,7 +11107,7 @@
           <a:p>
             <a:fld id="{6A4B53A7-3209-46A6-9454-F38EAC8F11E7}" type="datetimeFigureOut">
               <a:rPr lang="en-US" smtClean="0"/>
-              <a:t>4/9/2023</a:t>
+              <a:t>4/12/2023</a:t>
             </a:fld>
             <a:endParaRPr lang="en-US"/>
           </a:p>
@@ -11330,7 +11368,7 @@
           <a:p>
             <a:fld id="{6A4B53A7-3209-46A6-9454-F38EAC8F11E7}" type="datetimeFigureOut">
               <a:rPr lang="en-US" smtClean="0"/>
-              <a:t>4/9/2023</a:t>
+              <a:t>4/12/2023</a:t>
             </a:fld>
             <a:endParaRPr lang="en-US"/>
           </a:p>
@@ -11581,7 +11619,7 @@
           <a:p>
             <a:fld id="{6A4B53A7-3209-46A6-9454-F38EAC8F11E7}" type="datetimeFigureOut">
               <a:rPr lang="en-US" smtClean="0"/>
-              <a:t>4/9/2023</a:t>
+              <a:t>4/12/2023</a:t>
             </a:fld>
             <a:endParaRPr lang="en-US"/>
           </a:p>
@@ -11909,7 +11947,7 @@
           <a:p>
             <a:fld id="{6A4B53A7-3209-46A6-9454-F38EAC8F11E7}" type="datetimeFigureOut">
               <a:rPr lang="en-US" smtClean="0"/>
-              <a:t>4/9/2023</a:t>
+              <a:t>4/12/2023</a:t>
             </a:fld>
             <a:endParaRPr lang="en-US"/>
           </a:p>
@@ -12227,7 +12265,7 @@
           <a:p>
             <a:fld id="{6A4B53A7-3209-46A6-9454-F38EAC8F11E7}" type="datetimeFigureOut">
               <a:rPr lang="en-US" smtClean="0"/>
-              <a:t>4/9/2023</a:t>
+              <a:t>4/12/2023</a:t>
             </a:fld>
             <a:endParaRPr lang="en-US"/>
           </a:p>
@@ -12692,7 +12730,7 @@
           <a:p>
             <a:fld id="{6A4B53A7-3209-46A6-9454-F38EAC8F11E7}" type="datetimeFigureOut">
               <a:rPr lang="en-US" smtClean="0"/>
-              <a:t>4/9/2023</a:t>
+              <a:t>4/12/2023</a:t>
             </a:fld>
             <a:endParaRPr lang="en-US"/>
           </a:p>
@@ -12886,7 +12924,7 @@
           <a:p>
             <a:fld id="{6A4B53A7-3209-46A6-9454-F38EAC8F11E7}" type="datetimeFigureOut">
               <a:rPr lang="en-US" smtClean="0"/>
-              <a:t>4/9/2023</a:t>
+              <a:t>4/12/2023</a:t>
             </a:fld>
             <a:endParaRPr lang="en-US"/>
           </a:p>
@@ -13052,7 +13090,7 @@
           <a:p>
             <a:fld id="{6A4B53A7-3209-46A6-9454-F38EAC8F11E7}" type="datetimeFigureOut">
               <a:rPr lang="en-US" smtClean="0"/>
-              <a:t>4/9/2023</a:t>
+              <a:t>4/12/2023</a:t>
             </a:fld>
             <a:endParaRPr lang="en-US"/>
           </a:p>
@@ -13416,7 +13454,7 @@
           <a:p>
             <a:fld id="{6A4B53A7-3209-46A6-9454-F38EAC8F11E7}" type="datetimeFigureOut">
               <a:rPr lang="en-US" smtClean="0"/>
-              <a:t>4/9/2023</a:t>
+              <a:t>4/12/2023</a:t>
             </a:fld>
             <a:endParaRPr lang="en-US"/>
           </a:p>
@@ -13760,7 +13798,7 @@
           <a:p>
             <a:fld id="{6A4B53A7-3209-46A6-9454-F38EAC8F11E7}" type="datetimeFigureOut">
               <a:rPr lang="en-US" smtClean="0"/>
-              <a:t>4/9/2023</a:t>
+              <a:t>4/12/2023</a:t>
             </a:fld>
             <a:endParaRPr lang="en-US"/>
           </a:p>
@@ -14055,7 +14093,7 @@
             <a:fld id="{6A4B53A7-3209-46A6-9454-F38EAC8F11E7}" type="datetimeFigureOut">
               <a:rPr lang="en-US" smtClean="0"/>
               <a:pPr/>
-              <a:t>4/9/2023</a:t>
+              <a:t>4/12/2023</a:t>
             </a:fld>
             <a:endParaRPr lang="en-US" dirty="0"/>
           </a:p>
@@ -16964,7 +17002,7 @@
             <p:ph idx="1"/>
             <p:extLst>
               <p:ext uri="{D42A27DB-BD31-4B8C-83A1-F6EECF244321}">
-                <p14:modId xmlns:p14="http://schemas.microsoft.com/office/powerpoint/2010/main" val="2279255681"/>
+                <p14:modId xmlns:p14="http://schemas.microsoft.com/office/powerpoint/2010/main" val="1919163010"/>
               </p:ext>
             </p:extLst>
           </p:nvPr>

--- a/presentation/Presentation.pptx
+++ b/presentation/Presentation.pptx
@@ -3726,10 +3726,24 @@
     <dgm:pt modelId="{BD07A501-C84F-4556-97BA-D4660690D9B4}" type="parTrans" cxnId="{A1013F11-7633-455A-8A0D-9C2A2854490C}">
       <dgm:prSet/>
       <dgm:spPr/>
+      <dgm:t>
+        <a:bodyPr/>
+        <a:lstStyle/>
+        <a:p>
+          <a:endParaRPr lang="ru-RU"/>
+        </a:p>
+      </dgm:t>
     </dgm:pt>
     <dgm:pt modelId="{5E71B8D1-DE6B-4E1E-9FC4-EA652881A98D}" type="sibTrans" cxnId="{A1013F11-7633-455A-8A0D-9C2A2854490C}">
       <dgm:prSet/>
       <dgm:spPr/>
+      <dgm:t>
+        <a:bodyPr/>
+        <a:lstStyle/>
+        <a:p>
+          <a:endParaRPr lang="ru-RU"/>
+        </a:p>
+      </dgm:t>
     </dgm:pt>
     <dgm:pt modelId="{F5511031-3F94-4C3C-90D3-1D8D012FC79E}">
       <dgm:prSet phldr="0"/>
@@ -3751,10 +3765,24 @@
     <dgm:pt modelId="{A110E82A-1029-4A32-92FD-599E5E060576}" type="parTrans" cxnId="{05B70D73-EAD3-4042-807D-F0E8F7047A7D}">
       <dgm:prSet/>
       <dgm:spPr/>
+      <dgm:t>
+        <a:bodyPr/>
+        <a:lstStyle/>
+        <a:p>
+          <a:endParaRPr lang="ru-RU"/>
+        </a:p>
+      </dgm:t>
     </dgm:pt>
     <dgm:pt modelId="{761AD2DD-A818-45F0-A3D1-6166557F6E8C}" type="sibTrans" cxnId="{05B70D73-EAD3-4042-807D-F0E8F7047A7D}">
       <dgm:prSet/>
       <dgm:spPr/>
+      <dgm:t>
+        <a:bodyPr/>
+        <a:lstStyle/>
+        <a:p>
+          <a:endParaRPr lang="ru-RU"/>
+        </a:p>
+      </dgm:t>
     </dgm:pt>
     <dgm:pt modelId="{03F10877-700E-4C33-81E6-74EB268D174F}">
       <dgm:prSet phldr="0"/>
@@ -3776,10 +3804,24 @@
     <dgm:pt modelId="{732B9A55-C217-406B-B8CD-A127572DD127}" type="parTrans" cxnId="{A1934210-0621-45DD-879C-4503613134D3}">
       <dgm:prSet/>
       <dgm:spPr/>
+      <dgm:t>
+        <a:bodyPr/>
+        <a:lstStyle/>
+        <a:p>
+          <a:endParaRPr lang="ru-RU"/>
+        </a:p>
+      </dgm:t>
     </dgm:pt>
     <dgm:pt modelId="{DC4C36C7-E3BF-46C0-AE5D-DB822AB583CE}" type="sibTrans" cxnId="{A1934210-0621-45DD-879C-4503613134D3}">
       <dgm:prSet/>
       <dgm:spPr/>
+      <dgm:t>
+        <a:bodyPr/>
+        <a:lstStyle/>
+        <a:p>
+          <a:endParaRPr lang="ru-RU"/>
+        </a:p>
+      </dgm:t>
     </dgm:pt>
     <dgm:pt modelId="{8BDFF42C-BD25-4783-AB53-C872583D0F7E}">
       <dgm:prSet phldr="0"/>
@@ -3801,10 +3843,24 @@
     <dgm:pt modelId="{D6163C06-E90C-4F38-83F6-A605D51EEA18}" type="parTrans" cxnId="{CBE81D4D-B10A-4E4C-B088-D5B25A375632}">
       <dgm:prSet/>
       <dgm:spPr/>
+      <dgm:t>
+        <a:bodyPr/>
+        <a:lstStyle/>
+        <a:p>
+          <a:endParaRPr lang="ru-RU"/>
+        </a:p>
+      </dgm:t>
     </dgm:pt>
     <dgm:pt modelId="{1240A2A9-5584-400E-92BD-03F812942576}" type="sibTrans" cxnId="{CBE81D4D-B10A-4E4C-B088-D5B25A375632}">
       <dgm:prSet/>
       <dgm:spPr/>
+      <dgm:t>
+        <a:bodyPr/>
+        <a:lstStyle/>
+        <a:p>
+          <a:endParaRPr lang="ru-RU"/>
+        </a:p>
+      </dgm:t>
     </dgm:pt>
     <dgm:pt modelId="{F8A03F3B-850E-4612-B10B-BAAA1F8233D6}">
       <dgm:prSet phldr="0"/>
@@ -3826,10 +3882,24 @@
     <dgm:pt modelId="{8650CDB5-C02E-4B78-9B83-1EDCADFC828E}" type="parTrans" cxnId="{AC616546-8E4A-4F8D-A36D-E01E452DB7BC}">
       <dgm:prSet/>
       <dgm:spPr/>
+      <dgm:t>
+        <a:bodyPr/>
+        <a:lstStyle/>
+        <a:p>
+          <a:endParaRPr lang="ru-RU"/>
+        </a:p>
+      </dgm:t>
     </dgm:pt>
     <dgm:pt modelId="{64F21A1B-7552-4380-902E-6859374FF25E}" type="sibTrans" cxnId="{AC616546-8E4A-4F8D-A36D-E01E452DB7BC}">
       <dgm:prSet/>
       <dgm:spPr/>
+      <dgm:t>
+        <a:bodyPr/>
+        <a:lstStyle/>
+        <a:p>
+          <a:endParaRPr lang="ru-RU"/>
+        </a:p>
+      </dgm:t>
     </dgm:pt>
     <dgm:pt modelId="{A2DCB27A-7AFA-434D-A0EE-27F1D4939C54}">
       <dgm:prSet phldr="0"/>
@@ -3850,10 +3920,24 @@
     <dgm:pt modelId="{436AF3AE-7C38-4F22-9C32-EC83261581DE}" type="parTrans" cxnId="{15D2EFA9-9CB5-4127-88C9-D4C744C0A986}">
       <dgm:prSet/>
       <dgm:spPr/>
+      <dgm:t>
+        <a:bodyPr/>
+        <a:lstStyle/>
+        <a:p>
+          <a:endParaRPr lang="ru-RU"/>
+        </a:p>
+      </dgm:t>
     </dgm:pt>
     <dgm:pt modelId="{59A330CF-152C-4391-A64A-5B7673D1B0B3}" type="sibTrans" cxnId="{15D2EFA9-9CB5-4127-88C9-D4C744C0A986}">
       <dgm:prSet/>
       <dgm:spPr/>
+      <dgm:t>
+        <a:bodyPr/>
+        <a:lstStyle/>
+        <a:p>
+          <a:endParaRPr lang="ru-RU"/>
+        </a:p>
+      </dgm:t>
     </dgm:pt>
     <dgm:pt modelId="{E7448A23-B619-4CBE-BF09-A19EACDECABE}">
       <dgm:prSet phldr="0"/>
@@ -3874,10 +3958,24 @@
     <dgm:pt modelId="{F6AC56C0-A356-49EB-9596-5A6310C30066}" type="parTrans" cxnId="{4A729152-03B8-446B-8099-8E97D62545EA}">
       <dgm:prSet/>
       <dgm:spPr/>
+      <dgm:t>
+        <a:bodyPr/>
+        <a:lstStyle/>
+        <a:p>
+          <a:endParaRPr lang="ru-RU"/>
+        </a:p>
+      </dgm:t>
     </dgm:pt>
     <dgm:pt modelId="{7F2E4A69-C5C7-4E4A-96DD-37CEA1D2D522}" type="sibTrans" cxnId="{4A729152-03B8-446B-8099-8E97D62545EA}">
       <dgm:prSet/>
       <dgm:spPr/>
+      <dgm:t>
+        <a:bodyPr/>
+        <a:lstStyle/>
+        <a:p>
+          <a:endParaRPr lang="ru-RU"/>
+        </a:p>
+      </dgm:t>
     </dgm:pt>
     <dgm:pt modelId="{346B2159-5144-4DFB-9B13-AC7A03747EE6}">
       <dgm:prSet phldr="0"/>
@@ -3898,10 +3996,24 @@
     <dgm:pt modelId="{8D011D29-B722-4782-A56F-A8B596488FAE}" type="parTrans" cxnId="{D9BCAEBC-F2F3-4E18-A2EA-E5C56BE50FC5}">
       <dgm:prSet/>
       <dgm:spPr/>
+      <dgm:t>
+        <a:bodyPr/>
+        <a:lstStyle/>
+        <a:p>
+          <a:endParaRPr lang="ru-RU"/>
+        </a:p>
+      </dgm:t>
     </dgm:pt>
     <dgm:pt modelId="{9725D55A-84A6-416F-B9C6-4F3D52C845F2}" type="sibTrans" cxnId="{D9BCAEBC-F2F3-4E18-A2EA-E5C56BE50FC5}">
       <dgm:prSet/>
       <dgm:spPr/>
+      <dgm:t>
+        <a:bodyPr/>
+        <a:lstStyle/>
+        <a:p>
+          <a:endParaRPr lang="ru-RU"/>
+        </a:p>
+      </dgm:t>
     </dgm:pt>
     <dgm:pt modelId="{BC3EB43A-3698-4965-BB1F-0A504163B6DE}">
       <dgm:prSet phldr="0"/>
@@ -3922,10 +4034,24 @@
     <dgm:pt modelId="{9016E1CB-D699-45DA-B534-EFDE8DCC0887}" type="parTrans" cxnId="{D119ED2E-9AF7-4B87-9EE6-1487891AB5CE}">
       <dgm:prSet/>
       <dgm:spPr/>
+      <dgm:t>
+        <a:bodyPr/>
+        <a:lstStyle/>
+        <a:p>
+          <a:endParaRPr lang="ru-RU"/>
+        </a:p>
+      </dgm:t>
     </dgm:pt>
     <dgm:pt modelId="{E2E91DC7-D935-4E8D-8898-B97010B2EB1B}" type="sibTrans" cxnId="{D119ED2E-9AF7-4B87-9EE6-1487891AB5CE}">
       <dgm:prSet/>
       <dgm:spPr/>
+      <dgm:t>
+        <a:bodyPr/>
+        <a:lstStyle/>
+        <a:p>
+          <a:endParaRPr lang="ru-RU"/>
+        </a:p>
+      </dgm:t>
     </dgm:pt>
     <dgm:pt modelId="{FCC35F5C-B565-4E3A-B13A-5F7577EE03E8}">
       <dgm:prSet phldr="0"/>
@@ -3946,10 +4072,24 @@
     <dgm:pt modelId="{E78A5E77-AB60-4C8B-99CC-36FF9ED4C2FB}" type="parTrans" cxnId="{AA5939EA-8B36-4794-B4B1-22F181921930}">
       <dgm:prSet/>
       <dgm:spPr/>
+      <dgm:t>
+        <a:bodyPr/>
+        <a:lstStyle/>
+        <a:p>
+          <a:endParaRPr lang="ru-RU"/>
+        </a:p>
+      </dgm:t>
     </dgm:pt>
     <dgm:pt modelId="{097FE3E3-7034-4B10-B2E9-7796A8629541}" type="sibTrans" cxnId="{AA5939EA-8B36-4794-B4B1-22F181921930}">
       <dgm:prSet/>
       <dgm:spPr/>
+      <dgm:t>
+        <a:bodyPr/>
+        <a:lstStyle/>
+        <a:p>
+          <a:endParaRPr lang="ru-RU"/>
+        </a:p>
+      </dgm:t>
     </dgm:pt>
     <dgm:pt modelId="{2B1FA57A-9F1A-481D-BBA3-0709A8A0E9C7}">
       <dgm:prSet phldr="0"/>
@@ -3970,10 +4110,24 @@
     <dgm:pt modelId="{9E55C675-594C-4E85-A945-02D00134394F}" type="parTrans" cxnId="{DC6B492B-E7B1-458C-9D66-D801F6D8801F}">
       <dgm:prSet/>
       <dgm:spPr/>
+      <dgm:t>
+        <a:bodyPr/>
+        <a:lstStyle/>
+        <a:p>
+          <a:endParaRPr lang="ru-RU"/>
+        </a:p>
+      </dgm:t>
     </dgm:pt>
     <dgm:pt modelId="{CD0921E8-4D75-4A6A-887A-0AF9533F69FC}" type="sibTrans" cxnId="{DC6B492B-E7B1-458C-9D66-D801F6D8801F}">
       <dgm:prSet/>
       <dgm:spPr/>
+      <dgm:t>
+        <a:bodyPr/>
+        <a:lstStyle/>
+        <a:p>
+          <a:endParaRPr lang="ru-RU"/>
+        </a:p>
+      </dgm:t>
     </dgm:pt>
     <dgm:pt modelId="{5AE9E9C0-83B2-444A-9895-F9D1382E99E8}">
       <dgm:prSet phldr="0"/>
@@ -3995,10 +4149,24 @@
     <dgm:pt modelId="{0726A7C5-AA06-49E7-BE2B-AAE4F66EA806}" type="parTrans" cxnId="{0C45FAAB-C2D7-43D7-BDAF-C8FC7825748B}">
       <dgm:prSet/>
       <dgm:spPr/>
+      <dgm:t>
+        <a:bodyPr/>
+        <a:lstStyle/>
+        <a:p>
+          <a:endParaRPr lang="ru-RU"/>
+        </a:p>
+      </dgm:t>
     </dgm:pt>
     <dgm:pt modelId="{5391E60A-542E-4079-8D44-105372E81AA1}" type="sibTrans" cxnId="{0C45FAAB-C2D7-43D7-BDAF-C8FC7825748B}">
       <dgm:prSet/>
       <dgm:spPr/>
+      <dgm:t>
+        <a:bodyPr/>
+        <a:lstStyle/>
+        <a:p>
+          <a:endParaRPr lang="ru-RU"/>
+        </a:p>
+      </dgm:t>
     </dgm:pt>
     <dgm:pt modelId="{482179B2-BBDE-4DBB-8E68-817A81147546}">
       <dgm:prSet phldr="0"/>
@@ -4019,10 +4187,24 @@
     <dgm:pt modelId="{F1ABB6FC-93EF-4C09-9F07-4FC119DD387A}" type="parTrans" cxnId="{7B69C789-9CC4-4788-9F50-79914E970680}">
       <dgm:prSet/>
       <dgm:spPr/>
+      <dgm:t>
+        <a:bodyPr/>
+        <a:lstStyle/>
+        <a:p>
+          <a:endParaRPr lang="ru-RU"/>
+        </a:p>
+      </dgm:t>
     </dgm:pt>
     <dgm:pt modelId="{D2517F7E-36FC-4005-80B1-BA68F45D1011}" type="sibTrans" cxnId="{7B69C789-9CC4-4788-9F50-79914E970680}">
       <dgm:prSet/>
       <dgm:spPr/>
+      <dgm:t>
+        <a:bodyPr/>
+        <a:lstStyle/>
+        <a:p>
+          <a:endParaRPr lang="ru-RU"/>
+        </a:p>
+      </dgm:t>
     </dgm:pt>
     <dgm:pt modelId="{9A1E4CFB-A9E5-486F-925B-9FA70AF75266}">
       <dgm:prSet phldr="0"/>
@@ -4036,7 +4218,7 @@
             <a:rPr lang="ru-RU" dirty="0">
               <a:latin typeface="Gill Sans Nova"/>
             </a:rPr>
-            <a:t>Описание, продолжит., жанры, страны, режиссер, возрастной рейтинг, премьера</a:t>
+            <a:t>Описание, продолжит., страны, режиссер, возрастной рейтинг, премьера</a:t>
           </a:r>
         </a:p>
       </dgm:t>
@@ -4044,10 +4226,24 @@
     <dgm:pt modelId="{8716228C-F9E9-40C8-BB32-CAE0A6FD8279}" type="parTrans" cxnId="{25DD866F-D600-44F3-8F11-E5136F4A5604}">
       <dgm:prSet/>
       <dgm:spPr/>
+      <dgm:t>
+        <a:bodyPr/>
+        <a:lstStyle/>
+        <a:p>
+          <a:endParaRPr lang="ru-RU"/>
+        </a:p>
+      </dgm:t>
     </dgm:pt>
     <dgm:pt modelId="{2269711C-9997-461A-A80C-3A7BA7E5AE1D}" type="sibTrans" cxnId="{25DD866F-D600-44F3-8F11-E5136F4A5604}">
       <dgm:prSet/>
       <dgm:spPr/>
+      <dgm:t>
+        <a:bodyPr/>
+        <a:lstStyle/>
+        <a:p>
+          <a:endParaRPr lang="ru-RU"/>
+        </a:p>
+      </dgm:t>
     </dgm:pt>
     <dgm:pt modelId="{41AA210A-9104-4B32-86D4-E7C8BC6DE961}">
       <dgm:prSet phldr="0"/>
@@ -4069,10 +4265,24 @@
     <dgm:pt modelId="{B14D3553-D308-4B96-85BC-E7AE7669296E}" type="parTrans" cxnId="{48A92DD6-29A8-4483-9A7A-C20FA379C4C2}">
       <dgm:prSet/>
       <dgm:spPr/>
+      <dgm:t>
+        <a:bodyPr/>
+        <a:lstStyle/>
+        <a:p>
+          <a:endParaRPr lang="ru-RU"/>
+        </a:p>
+      </dgm:t>
     </dgm:pt>
     <dgm:pt modelId="{79EBCF76-64BF-4FDC-B449-80776D127004}" type="sibTrans" cxnId="{48A92DD6-29A8-4483-9A7A-C20FA379C4C2}">
       <dgm:prSet/>
       <dgm:spPr/>
+      <dgm:t>
+        <a:bodyPr/>
+        <a:lstStyle/>
+        <a:p>
+          <a:endParaRPr lang="ru-RU"/>
+        </a:p>
+      </dgm:t>
     </dgm:pt>
     <dgm:pt modelId="{9F0425DF-D4F6-4F86-912E-1432D38D1E9D}">
       <dgm:prSet phldr="0"/>
@@ -4094,10 +4304,24 @@
     <dgm:pt modelId="{DFC47A4F-0F7B-443E-A8DF-141830588EF9}" type="parTrans" cxnId="{1C106D5D-106E-4BBE-BF82-BCC146E4A517}">
       <dgm:prSet/>
       <dgm:spPr/>
+      <dgm:t>
+        <a:bodyPr/>
+        <a:lstStyle/>
+        <a:p>
+          <a:endParaRPr lang="ru-RU"/>
+        </a:p>
+      </dgm:t>
     </dgm:pt>
     <dgm:pt modelId="{7CB95FBE-9976-4D69-826D-B76AD2F71C60}" type="sibTrans" cxnId="{1C106D5D-106E-4BBE-BF82-BCC146E4A517}">
       <dgm:prSet/>
       <dgm:spPr/>
+      <dgm:t>
+        <a:bodyPr/>
+        <a:lstStyle/>
+        <a:p>
+          <a:endParaRPr lang="ru-RU"/>
+        </a:p>
+      </dgm:t>
     </dgm:pt>
     <dgm:pt modelId="{3D55D498-6A07-4950-8A46-E5E59AE5C5F9}">
       <dgm:prSet phldr="0"/>
@@ -4119,10 +4343,62 @@
     <dgm:pt modelId="{FFFA747B-48FF-46DA-B1A0-188933EFAC28}" type="parTrans" cxnId="{8DCF8209-E89C-4F61-9B18-AC30B6735022}">
       <dgm:prSet/>
       <dgm:spPr/>
+      <dgm:t>
+        <a:bodyPr/>
+        <a:lstStyle/>
+        <a:p>
+          <a:endParaRPr lang="ru-RU"/>
+        </a:p>
+      </dgm:t>
     </dgm:pt>
     <dgm:pt modelId="{BC7E092B-201A-4C8C-A510-601193BB52EA}" type="sibTrans" cxnId="{8DCF8209-E89C-4F61-9B18-AC30B6735022}">
       <dgm:prSet/>
       <dgm:spPr/>
+      <dgm:t>
+        <a:bodyPr/>
+        <a:lstStyle/>
+        <a:p>
+          <a:endParaRPr lang="ru-RU"/>
+        </a:p>
+      </dgm:t>
+    </dgm:pt>
+    <dgm:pt modelId="{CA16AD5C-435E-4723-8CCD-596B22EEAB68}">
+      <dgm:prSet phldr="0"/>
+      <dgm:spPr/>
+      <dgm:t>
+        <a:bodyPr/>
+        <a:lstStyle/>
+        <a:p>
+          <a:r>
+            <a:rPr lang="ru-RU" dirty="0">
+              <a:latin typeface="Gill Sans Nova"/>
+            </a:rPr>
+            <a:t>Список жанров</a:t>
+          </a:r>
+        </a:p>
+      </dgm:t>
+    </dgm:pt>
+    <dgm:pt modelId="{90C080A1-491E-4EF7-8127-8093D2434BE0}" type="parTrans" cxnId="{DF6BE17B-B8C5-4FFA-8E91-1BC41380C4FC}">
+      <dgm:prSet/>
+      <dgm:spPr/>
+      <dgm:t>
+        <a:bodyPr/>
+        <a:lstStyle/>
+        <a:p>
+          <a:endParaRPr lang="ru-RU"/>
+        </a:p>
+      </dgm:t>
+    </dgm:pt>
+    <dgm:pt modelId="{6A778F41-767C-4569-9BC8-D589B4099C0A}" type="sibTrans" cxnId="{DF6BE17B-B8C5-4FFA-8E91-1BC41380C4FC}">
+      <dgm:prSet/>
+      <dgm:spPr/>
+      <dgm:t>
+        <a:bodyPr/>
+        <a:lstStyle/>
+        <a:p>
+          <a:endParaRPr lang="ru-RU"/>
+        </a:p>
+      </dgm:t>
     </dgm:pt>
     <dgm:pt modelId="{1BDF8985-42E1-4F0E-8989-0AE29BC8E1BD}" type="pres">
       <dgm:prSet presAssocID="{7751CD31-3E88-43F4-B4E1-4697D4306903}" presName="Name0" presStyleCnt="0">
@@ -4237,7 +4513,7 @@
   </dgm:ptLst>
   <dgm:cxnLst>
     <dgm:cxn modelId="{BFEAFA05-1430-4B0F-8135-ED538EFF4800}" srcId="{7751CD31-3E88-43F4-B4E1-4697D4306903}" destId="{F950B441-1EAC-438E-8D7C-F00E869945FE}" srcOrd="2" destOrd="0" parTransId="{14E18948-CDF9-4A93-936F-54C56FAA19DB}" sibTransId="{C0CFB189-B12D-4F7A-8A72-7995C3B98ACC}"/>
-    <dgm:cxn modelId="{8DCF8209-E89C-4F61-9B18-AC30B6735022}" srcId="{C6676E2F-44F0-4CEC-8421-8B770BEC3CA6}" destId="{3D55D498-6A07-4950-8A46-E5E59AE5C5F9}" srcOrd="7" destOrd="0" parTransId="{FFFA747B-48FF-46DA-B1A0-188933EFAC28}" sibTransId="{BC7E092B-201A-4C8C-A510-601193BB52EA}"/>
+    <dgm:cxn modelId="{8DCF8209-E89C-4F61-9B18-AC30B6735022}" srcId="{C6676E2F-44F0-4CEC-8421-8B770BEC3CA6}" destId="{3D55D498-6A07-4950-8A46-E5E59AE5C5F9}" srcOrd="8" destOrd="0" parTransId="{FFFA747B-48FF-46DA-B1A0-188933EFAC28}" sibTransId="{BC7E092B-201A-4C8C-A510-601193BB52EA}"/>
     <dgm:cxn modelId="{DF643B0D-F57E-4362-B7BE-335C1190AA36}" type="presOf" srcId="{CE4F0E94-7CA9-411C-BB01-7C1B5E5C6A4E}" destId="{17AA3153-9E78-4041-9F86-6C3447EA42ED}" srcOrd="0" destOrd="0" presId="urn:microsoft.com/office/officeart/2005/8/layout/hList1"/>
     <dgm:cxn modelId="{A1934210-0621-45DD-879C-4503613134D3}" srcId="{4BCC3984-AA77-4E8C-BDD6-036CAF5373AA}" destId="{03F10877-700E-4C33-81E6-74EB268D174F}" srcOrd="0" destOrd="0" parTransId="{732B9A55-C217-406B-B8CD-A127572DD127}" sibTransId="{DC4C36C7-E3BF-46C0-AE5D-DB822AB583CE}"/>
     <dgm:cxn modelId="{A1013F11-7633-455A-8A0D-9C2A2854490C}" srcId="{7751CD31-3E88-43F4-B4E1-4697D4306903}" destId="{C6676E2F-44F0-4CEC-8421-8B770BEC3CA6}" srcOrd="3" destOrd="0" parTransId="{BD07A501-C84F-4556-97BA-D4660690D9B4}" sibTransId="{5E71B8D1-DE6B-4E1E-9FC4-EA652881A98D}"/>
@@ -4249,18 +4525,20 @@
     <dgm:cxn modelId="{DC6B492B-E7B1-458C-9D66-D801F6D8801F}" srcId="{C6676E2F-44F0-4CEC-8421-8B770BEC3CA6}" destId="{2B1FA57A-9F1A-481D-BBA3-0709A8A0E9C7}" srcOrd="1" destOrd="0" parTransId="{9E55C675-594C-4E85-A945-02D00134394F}" sibTransId="{CD0921E8-4D75-4A6A-887A-0AF9533F69FC}"/>
     <dgm:cxn modelId="{D119ED2E-9AF7-4B87-9EE6-1487891AB5CE}" srcId="{F950B441-1EAC-438E-8D7C-F00E869945FE}" destId="{BC3EB43A-3698-4965-BB1F-0A504163B6DE}" srcOrd="5" destOrd="0" parTransId="{9016E1CB-D699-45DA-B534-EFDE8DCC0887}" sibTransId="{E2E91DC7-D935-4E8D-8898-B97010B2EB1B}"/>
     <dgm:cxn modelId="{5C97F72F-252D-498D-98DC-4E7E22B6C5B8}" type="presOf" srcId="{BC3EB43A-3698-4965-BB1F-0A504163B6DE}" destId="{17AA3153-9E78-4041-9F86-6C3447EA42ED}" srcOrd="0" destOrd="5" presId="urn:microsoft.com/office/officeart/2005/8/layout/hList1"/>
-    <dgm:cxn modelId="{1C106D5D-106E-4BBE-BF82-BCC146E4A517}" srcId="{C6676E2F-44F0-4CEC-8421-8B770BEC3CA6}" destId="{9F0425DF-D4F6-4F86-912E-1432D38D1E9D}" srcOrd="6" destOrd="0" parTransId="{DFC47A4F-0F7B-443E-A8DF-141830588EF9}" sibTransId="{7CB95FBE-9976-4D69-826D-B76AD2F71C60}"/>
+    <dgm:cxn modelId="{1C106D5D-106E-4BBE-BF82-BCC146E4A517}" srcId="{C6676E2F-44F0-4CEC-8421-8B770BEC3CA6}" destId="{9F0425DF-D4F6-4F86-912E-1432D38D1E9D}" srcOrd="7" destOrd="0" parTransId="{DFC47A4F-0F7B-443E-A8DF-141830588EF9}" sibTransId="{7CB95FBE-9976-4D69-826D-B76AD2F71C60}"/>
     <dgm:cxn modelId="{AC616546-8E4A-4F8D-A36D-E01E452DB7BC}" srcId="{4BCC3984-AA77-4E8C-BDD6-036CAF5373AA}" destId="{F8A03F3B-850E-4612-B10B-BAAA1F8233D6}" srcOrd="4" destOrd="0" parTransId="{8650CDB5-C02E-4B78-9B83-1EDCADFC828E}" sibTransId="{64F21A1B-7552-4380-902E-6859374FF25E}"/>
     <dgm:cxn modelId="{CBE81D4D-B10A-4E4C-B088-D5B25A375632}" srcId="{4BCC3984-AA77-4E8C-BDD6-036CAF5373AA}" destId="{8BDFF42C-BD25-4783-AB53-C872583D0F7E}" srcOrd="3" destOrd="0" parTransId="{D6163C06-E90C-4F38-83F6-A605D51EEA18}" sibTransId="{1240A2A9-5584-400E-92BD-03F812942576}"/>
-    <dgm:cxn modelId="{25DD866F-D600-44F3-8F11-E5136F4A5604}" srcId="{C6676E2F-44F0-4CEC-8421-8B770BEC3CA6}" destId="{9A1E4CFB-A9E5-486F-925B-9FA70AF75266}" srcOrd="4" destOrd="0" parTransId="{8716228C-F9E9-40C8-BB32-CAE0A6FD8279}" sibTransId="{2269711C-9997-461A-A80C-3A7BA7E5AE1D}"/>
+    <dgm:cxn modelId="{25DD866F-D600-44F3-8F11-E5136F4A5604}" srcId="{C6676E2F-44F0-4CEC-8421-8B770BEC3CA6}" destId="{9A1E4CFB-A9E5-486F-925B-9FA70AF75266}" srcOrd="5" destOrd="0" parTransId="{8716228C-F9E9-40C8-BB32-CAE0A6FD8279}" sibTransId="{2269711C-9997-461A-A80C-3A7BA7E5AE1D}"/>
     <dgm:cxn modelId="{F54C0C52-69A3-4E34-B0C3-3C30E150F965}" type="presOf" srcId="{33B25185-8A22-494E-850D-9296236FEC02}" destId="{1CCDF425-FB8B-48A1-A1D6-5C90FEFB52EE}" srcOrd="0" destOrd="2" presId="urn:microsoft.com/office/officeart/2005/8/layout/hList1"/>
     <dgm:cxn modelId="{4A729152-03B8-446B-8099-8E97D62545EA}" srcId="{F950B441-1EAC-438E-8D7C-F00E869945FE}" destId="{E7448A23-B619-4CBE-BF09-A19EACDECABE}" srcOrd="3" destOrd="0" parTransId="{F6AC56C0-A356-49EB-9596-5A6310C30066}" sibTransId="{7F2E4A69-C5C7-4E4A-96DD-37CEA1D2D522}"/>
     <dgm:cxn modelId="{05B70D73-EAD3-4042-807D-F0E8F7047A7D}" srcId="{4BCC3984-AA77-4E8C-BDD6-036CAF5373AA}" destId="{F5511031-3F94-4C3C-90D3-1D8D012FC79E}" srcOrd="1" destOrd="0" parTransId="{A110E82A-1029-4A32-92FD-599E5E060576}" sibTransId="{761AD2DD-A818-45F0-A3D1-6166557F6E8C}"/>
     <dgm:cxn modelId="{C02A1F53-E74A-44CB-B32F-B0F2FC297002}" type="presOf" srcId="{E7448A23-B619-4CBE-BF09-A19EACDECABE}" destId="{17AA3153-9E78-4041-9F86-6C3447EA42ED}" srcOrd="0" destOrd="3" presId="urn:microsoft.com/office/officeart/2005/8/layout/hList1"/>
+    <dgm:cxn modelId="{B93CCB54-268A-4BA1-BD1E-15F6FD56C2ED}" type="presOf" srcId="{CA16AD5C-435E-4723-8CCD-596B22EEAB68}" destId="{0C57958A-0C9B-4A24-B7C7-8C90872BE0BA}" srcOrd="0" destOrd="4" presId="urn:microsoft.com/office/officeart/2005/8/layout/hList1"/>
     <dgm:cxn modelId="{D6F96457-6051-4009-89BA-A4DD9B548D05}" type="presOf" srcId="{F5511031-3F94-4C3C-90D3-1D8D012FC79E}" destId="{1CCDF425-FB8B-48A1-A1D6-5C90FEFB52EE}" srcOrd="0" destOrd="1" presId="urn:microsoft.com/office/officeart/2005/8/layout/hList1"/>
+    <dgm:cxn modelId="{DF6BE17B-B8C5-4FFA-8E91-1BC41380C4FC}" srcId="{C6676E2F-44F0-4CEC-8421-8B770BEC3CA6}" destId="{CA16AD5C-435E-4723-8CCD-596B22EEAB68}" srcOrd="4" destOrd="0" parTransId="{90C080A1-491E-4EF7-8127-8093D2434BE0}" sibTransId="{6A778F41-767C-4569-9BC8-D589B4099C0A}"/>
     <dgm:cxn modelId="{2E87607D-9C4D-4F98-97F7-C669AB1F0866}" type="presOf" srcId="{F950B441-1EAC-438E-8D7C-F00E869945FE}" destId="{D1BFB409-E246-423C-BDCC-EBFFCF6FE05D}" srcOrd="0" destOrd="0" presId="urn:microsoft.com/office/officeart/2005/8/layout/hList1"/>
     <dgm:cxn modelId="{540DEA83-1934-45AD-832E-023750DB6FED}" type="presOf" srcId="{4BCC3984-AA77-4E8C-BDD6-036CAF5373AA}" destId="{6350D68A-DAA0-4E89-9F6D-C477C054F364}" srcOrd="0" destOrd="0" presId="urn:microsoft.com/office/officeart/2005/8/layout/hList1"/>
-    <dgm:cxn modelId="{C666CA86-918D-404E-BAA2-BED68BBA54CB}" type="presOf" srcId="{9A1E4CFB-A9E5-486F-925B-9FA70AF75266}" destId="{0C57958A-0C9B-4A24-B7C7-8C90872BE0BA}" srcOrd="0" destOrd="4" presId="urn:microsoft.com/office/officeart/2005/8/layout/hList1"/>
+    <dgm:cxn modelId="{C666CA86-918D-404E-BAA2-BED68BBA54CB}" type="presOf" srcId="{9A1E4CFB-A9E5-486F-925B-9FA70AF75266}" destId="{0C57958A-0C9B-4A24-B7C7-8C90872BE0BA}" srcOrd="0" destOrd="5" presId="urn:microsoft.com/office/officeart/2005/8/layout/hList1"/>
     <dgm:cxn modelId="{7B69C789-9CC4-4788-9F50-79914E970680}" srcId="{C6676E2F-44F0-4CEC-8421-8B770BEC3CA6}" destId="{482179B2-BBDE-4DBB-8E68-817A81147546}" srcOrd="3" destOrd="0" parTransId="{F1ABB6FC-93EF-4C09-9F07-4FC119DD387A}" sibTransId="{D2517F7E-36FC-4005-80B1-BA68F45D1011}"/>
     <dgm:cxn modelId="{C2E1C48B-C434-4D2F-9F20-13BE5C9614D0}" type="presOf" srcId="{346B2159-5144-4DFB-9B13-AC7A03747EE6}" destId="{17AA3153-9E78-4041-9F86-6C3447EA42ED}" srcOrd="0" destOrd="4" presId="urn:microsoft.com/office/officeart/2005/8/layout/hList1"/>
     <dgm:cxn modelId="{C617DB8E-392F-4DF2-A97B-166455911A88}" type="presOf" srcId="{F8A03F3B-850E-4612-B10B-BAAA1F8233D6}" destId="{1CCDF425-FB8B-48A1-A1D6-5C90FEFB52EE}" srcOrd="0" destOrd="4" presId="urn:microsoft.com/office/officeart/2005/8/layout/hList1"/>
@@ -4273,18 +4551,18 @@
     <dgm:cxn modelId="{0C45FAAB-C2D7-43D7-BDAF-C8FC7825748B}" srcId="{C6676E2F-44F0-4CEC-8421-8B770BEC3CA6}" destId="{5AE9E9C0-83B2-444A-9895-F9D1382E99E8}" srcOrd="2" destOrd="0" parTransId="{0726A7C5-AA06-49E7-BE2B-AAE4F66EA806}" sibTransId="{5391E60A-542E-4079-8D44-105372E81AA1}"/>
     <dgm:cxn modelId="{4A593FB4-CADA-4102-920C-684905194AB7}" type="presOf" srcId="{2B1FA57A-9F1A-481D-BBA3-0709A8A0E9C7}" destId="{0C57958A-0C9B-4A24-B7C7-8C90872BE0BA}" srcOrd="0" destOrd="1" presId="urn:microsoft.com/office/officeart/2005/8/layout/hList1"/>
     <dgm:cxn modelId="{0A9915B5-979E-41D2-A43A-F6F65BB6647E}" type="presOf" srcId="{9666E861-7666-456E-9D43-56C732921418}" destId="{17AA3153-9E78-4041-9F86-6C3447EA42ED}" srcOrd="0" destOrd="1" presId="urn:microsoft.com/office/officeart/2005/8/layout/hList1"/>
-    <dgm:cxn modelId="{676279BB-B573-463B-9380-FE478DF7C5E0}" type="presOf" srcId="{9F0425DF-D4F6-4F86-912E-1432D38D1E9D}" destId="{0C57958A-0C9B-4A24-B7C7-8C90872BE0BA}" srcOrd="0" destOrd="6" presId="urn:microsoft.com/office/officeart/2005/8/layout/hList1"/>
+    <dgm:cxn modelId="{676279BB-B573-463B-9380-FE478DF7C5E0}" type="presOf" srcId="{9F0425DF-D4F6-4F86-912E-1432D38D1E9D}" destId="{0C57958A-0C9B-4A24-B7C7-8C90872BE0BA}" srcOrd="0" destOrd="7" presId="urn:microsoft.com/office/officeart/2005/8/layout/hList1"/>
     <dgm:cxn modelId="{D9BCAEBC-F2F3-4E18-A2EA-E5C56BE50FC5}" srcId="{F950B441-1EAC-438E-8D7C-F00E869945FE}" destId="{346B2159-5144-4DFB-9B13-AC7A03747EE6}" srcOrd="4" destOrd="0" parTransId="{8D011D29-B722-4782-A56F-A8B596488FAE}" sibTransId="{9725D55A-84A6-416F-B9C6-4F3D52C845F2}"/>
-    <dgm:cxn modelId="{067FF8D1-3545-4910-AC52-92897BE9036B}" type="presOf" srcId="{41AA210A-9104-4B32-86D4-E7C8BC6DE961}" destId="{0C57958A-0C9B-4A24-B7C7-8C90872BE0BA}" srcOrd="0" destOrd="5" presId="urn:microsoft.com/office/officeart/2005/8/layout/hList1"/>
+    <dgm:cxn modelId="{067FF8D1-3545-4910-AC52-92897BE9036B}" type="presOf" srcId="{41AA210A-9104-4B32-86D4-E7C8BC6DE961}" destId="{0C57958A-0C9B-4A24-B7C7-8C90872BE0BA}" srcOrd="0" destOrd="6" presId="urn:microsoft.com/office/officeart/2005/8/layout/hList1"/>
     <dgm:cxn modelId="{2B8520D5-1B3D-44E0-83FC-3EF88E46A8C3}" srcId="{FBFA80DE-9FB9-4696-803D-698F7924ED7D}" destId="{5B227094-BACF-4E37-B369-80E25E87E6B6}" srcOrd="1" destOrd="0" parTransId="{4977BF83-4631-48A9-AE47-A52F68184803}" sibTransId="{FEB149A5-AD1A-4778-A849-BD140FD3D0B3}"/>
     <dgm:cxn modelId="{25DF58D5-152F-47EE-BE5A-7021F62B0DCE}" srcId="{FBFA80DE-9FB9-4696-803D-698F7924ED7D}" destId="{D9724791-759B-4F88-A09D-D9B4FA974D82}" srcOrd="0" destOrd="0" parTransId="{4C45F7B4-36A4-4BAC-A7EA-BEFC4C6DE387}" sibTransId="{6FCEC7EB-2B5E-42A6-8650-8557521C1B91}"/>
-    <dgm:cxn modelId="{48A92DD6-29A8-4483-9A7A-C20FA379C4C2}" srcId="{C6676E2F-44F0-4CEC-8421-8B770BEC3CA6}" destId="{41AA210A-9104-4B32-86D4-E7C8BC6DE961}" srcOrd="5" destOrd="0" parTransId="{B14D3553-D308-4B96-85BC-E7AE7669296E}" sibTransId="{79EBCF76-64BF-4FDC-B449-80776D127004}"/>
+    <dgm:cxn modelId="{48A92DD6-29A8-4483-9A7A-C20FA379C4C2}" srcId="{C6676E2F-44F0-4CEC-8421-8B770BEC3CA6}" destId="{41AA210A-9104-4B32-86D4-E7C8BC6DE961}" srcOrd="6" destOrd="0" parTransId="{B14D3553-D308-4B96-85BC-E7AE7669296E}" sibTransId="{79EBCF76-64BF-4FDC-B449-80776D127004}"/>
     <dgm:cxn modelId="{B25A16DA-9D38-4BD7-9438-6FE7236D6AA3}" type="presOf" srcId="{5B227094-BACF-4E37-B369-80E25E87E6B6}" destId="{40015F48-3E37-4E08-903D-352A71AA0EDD}" srcOrd="0" destOrd="1" presId="urn:microsoft.com/office/officeart/2005/8/layout/hList1"/>
     <dgm:cxn modelId="{AE6734E1-4533-4151-8375-CD2C3A7A64D4}" type="presOf" srcId="{C6676E2F-44F0-4CEC-8421-8B770BEC3CA6}" destId="{466EB21F-913D-40A6-9A6A-8296264ABCD2}" srcOrd="0" destOrd="0" presId="urn:microsoft.com/office/officeart/2005/8/layout/hList1"/>
     <dgm:cxn modelId="{CFEF34E5-1890-4A2B-A2B0-8D3830A5019B}" srcId="{4BCC3984-AA77-4E8C-BDD6-036CAF5373AA}" destId="{33B25185-8A22-494E-850D-9296236FEC02}" srcOrd="2" destOrd="0" parTransId="{2B27AC53-8AAB-483B-8D54-E85683AA8B85}" sibTransId="{9FBEA6EA-A4F1-44C3-84B4-12F138C958DC}"/>
     <dgm:cxn modelId="{E3BFD8E5-D49F-43D8-A5C5-3F79A835A659}" srcId="{F950B441-1EAC-438E-8D7C-F00E869945FE}" destId="{CE4F0E94-7CA9-411C-BB01-7C1B5E5C6A4E}" srcOrd="0" destOrd="0" parTransId="{96BB7867-AEDA-45EE-B1BD-CE58B28AFDD7}" sibTransId="{64AA2EE7-095C-47C3-B82F-97EB68AE5EE1}"/>
     <dgm:cxn modelId="{AA5939EA-8B36-4794-B4B1-22F181921930}" srcId="{C6676E2F-44F0-4CEC-8421-8B770BEC3CA6}" destId="{FCC35F5C-B565-4E3A-B13A-5F7577EE03E8}" srcOrd="0" destOrd="0" parTransId="{E78A5E77-AB60-4C8B-99CC-36FF9ED4C2FB}" sibTransId="{097FE3E3-7034-4B10-B2E9-7796A8629541}"/>
-    <dgm:cxn modelId="{72C2B9EF-CD96-47C8-A0A4-0C648BCE8547}" type="presOf" srcId="{3D55D498-6A07-4950-8A46-E5E59AE5C5F9}" destId="{0C57958A-0C9B-4A24-B7C7-8C90872BE0BA}" srcOrd="0" destOrd="7" presId="urn:microsoft.com/office/officeart/2005/8/layout/hList1"/>
+    <dgm:cxn modelId="{72C2B9EF-CD96-47C8-A0A4-0C648BCE8547}" type="presOf" srcId="{3D55D498-6A07-4950-8A46-E5E59AE5C5F9}" destId="{0C57958A-0C9B-4A24-B7C7-8C90872BE0BA}" srcOrd="0" destOrd="8" presId="urn:microsoft.com/office/officeart/2005/8/layout/hList1"/>
     <dgm:cxn modelId="{6C4CFCF0-69CF-49B6-909B-3A7F51836C94}" type="presOf" srcId="{03F10877-700E-4C33-81E6-74EB268D174F}" destId="{1CCDF425-FB8B-48A1-A1D6-5C90FEFB52EE}" srcOrd="0" destOrd="0" presId="urn:microsoft.com/office/officeart/2005/8/layout/hList1"/>
     <dgm:cxn modelId="{AC7E7EF8-08EA-4697-AB1C-F4C1C2BB52D8}" type="presOf" srcId="{482179B2-BBDE-4DBB-8E68-817A81147546}" destId="{0C57958A-0C9B-4A24-B7C7-8C90872BE0BA}" srcOrd="0" destOrd="3" presId="urn:microsoft.com/office/officeart/2005/8/layout/hList1"/>
     <dgm:cxn modelId="{1F1E1E06-BF8E-42D3-9E2D-7F5712F1412A}" type="presParOf" srcId="{1BDF8985-42E1-4F0E-8989-0AE29BC8E1BD}" destId="{D9B4BB03-BCFF-4386-80A9-CB31A34EBC56}" srcOrd="0" destOrd="0" presId="urn:microsoft.com/office/officeart/2005/8/layout/hList1"/>
@@ -6569,6 +6847,26 @@
           </a:r>
         </a:p>
         <a:p>
+          <a:pPr marL="171450" lvl="1" indent="-171450" algn="l" defTabSz="755650">
+            <a:lnSpc>
+              <a:spcPct val="90000"/>
+            </a:lnSpc>
+            <a:spcBef>
+              <a:spcPct val="0"/>
+            </a:spcBef>
+            <a:spcAft>
+              <a:spcPct val="15000"/>
+            </a:spcAft>
+            <a:buChar char="•"/>
+          </a:pPr>
+          <a:r>
+            <a:rPr lang="ru-RU" sz="1700" kern="1200" dirty="0">
+              <a:latin typeface="Gill Sans Nova"/>
+            </a:rPr>
+            <a:t>Список жанров</a:t>
+          </a:r>
+        </a:p>
+        <a:p>
           <a:pPr marL="171450" lvl="1" indent="-171450" algn="l" defTabSz="755650" rtl="0">
             <a:lnSpc>
               <a:spcPct val="90000"/>
@@ -6585,7 +6883,7 @@
             <a:rPr lang="ru-RU" sz="1700" kern="1200" dirty="0">
               <a:latin typeface="Gill Sans Nova"/>
             </a:rPr>
-            <a:t>Описание, продолжит., жанры, страны, режиссер, возрастной рейтинг, премьера</a:t>
+            <a:t>Описание, продолжит., страны, режиссер, возрастной рейтинг, премьера</a:t>
           </a:r>
         </a:p>
         <a:p>
@@ -17091,7 +17389,7 @@
             <p:ph idx="1"/>
             <p:extLst>
               <p:ext uri="{D42A27DB-BD31-4B8C-83A1-F6EECF244321}">
-                <p14:modId xmlns:p14="http://schemas.microsoft.com/office/powerpoint/2010/main" val="808618439"/>
+                <p14:modId xmlns:p14="http://schemas.microsoft.com/office/powerpoint/2010/main" val="1229264862"/>
               </p:ext>
             </p:extLst>
           </p:nvPr>
@@ -19403,7 +19701,7 @@
                   <a:srgbClr val="FFFFFF"/>
                 </a:solidFill>
               </a:rPr>
-              <a:t>Проигрыватель сайта предоставляет возможность выбрать качество просматриваемого клиентом видео. Каждое видео представляет из себя множество одинаковых </a:t>
+              <a:t>Проигрыватель сайта предусматривает возможность выбрать качество просматриваемого клиентом видео. Каждое видео представляет из себя множество одинаковых </a:t>
             </a:r>
             <a:r>
               <a:rPr lang="ru-RU" sz="2400" dirty="0" err="1">

--- a/presentation/Presentation.pptx
+++ b/presentation/Presentation.pptx
@@ -13,7 +13,8 @@
     <p:sldId id="262" r:id="rId7"/>
     <p:sldId id="264" r:id="rId8"/>
     <p:sldId id="265" r:id="rId9"/>
-    <p:sldId id="267" r:id="rId10"/>
+    <p:sldId id="268" r:id="rId10"/>
+    <p:sldId id="267" r:id="rId11"/>
   </p:sldIdLst>
   <p:sldSz cx="12192000" cy="6858000"/>
   <p:notesSz cx="6858000" cy="9144000"/>
@@ -1795,6 +1796,753 @@
 </file>
 
 <file path=ppt/diagrams/colors3.xml><?xml version="1.0" encoding="utf-8"?>
+<dgm:colorsDef xmlns:dgm="http://schemas.openxmlformats.org/drawingml/2006/diagram" xmlns:a="http://schemas.openxmlformats.org/drawingml/2006/main" uniqueId="urn:microsoft.com/office/officeart/2005/8/colors/accent1_2">
+  <dgm:title val=""/>
+  <dgm:desc val=""/>
+  <dgm:catLst>
+    <dgm:cat type="accent1" pri="11200"/>
+  </dgm:catLst>
+  <dgm:styleLbl name="node0">
+    <dgm:fillClrLst meth="repeat">
+      <a:schemeClr val="accent1"/>
+    </dgm:fillClrLst>
+    <dgm:linClrLst meth="repeat">
+      <a:schemeClr val="lt1"/>
+    </dgm:linClrLst>
+    <dgm:effectClrLst/>
+    <dgm:txLinClrLst/>
+    <dgm:txFillClrLst/>
+    <dgm:txEffectClrLst/>
+  </dgm:styleLbl>
+  <dgm:styleLbl name="alignNode1">
+    <dgm:fillClrLst meth="repeat">
+      <a:schemeClr val="accent1"/>
+    </dgm:fillClrLst>
+    <dgm:linClrLst meth="repeat">
+      <a:schemeClr val="accent1"/>
+    </dgm:linClrLst>
+    <dgm:effectClrLst/>
+    <dgm:txLinClrLst/>
+    <dgm:txFillClrLst/>
+    <dgm:txEffectClrLst/>
+  </dgm:styleLbl>
+  <dgm:styleLbl name="node1">
+    <dgm:fillClrLst meth="repeat">
+      <a:schemeClr val="accent1"/>
+    </dgm:fillClrLst>
+    <dgm:linClrLst meth="repeat">
+      <a:schemeClr val="lt1"/>
+    </dgm:linClrLst>
+    <dgm:effectClrLst/>
+    <dgm:txLinClrLst/>
+    <dgm:txFillClrLst/>
+    <dgm:txEffectClrLst/>
+  </dgm:styleLbl>
+  <dgm:styleLbl name="lnNode1">
+    <dgm:fillClrLst meth="repeat">
+      <a:schemeClr val="accent1"/>
+    </dgm:fillClrLst>
+    <dgm:linClrLst meth="repeat">
+      <a:schemeClr val="lt1"/>
+    </dgm:linClrLst>
+    <dgm:effectClrLst/>
+    <dgm:txLinClrLst/>
+    <dgm:txFillClrLst/>
+    <dgm:txEffectClrLst/>
+  </dgm:styleLbl>
+  <dgm:styleLbl name="vennNode1">
+    <dgm:fillClrLst meth="repeat">
+      <a:schemeClr val="accent1">
+        <a:alpha val="50000"/>
+      </a:schemeClr>
+    </dgm:fillClrLst>
+    <dgm:linClrLst meth="repeat">
+      <a:schemeClr val="lt1"/>
+    </dgm:linClrLst>
+    <dgm:effectClrLst/>
+    <dgm:txLinClrLst/>
+    <dgm:txFillClrLst/>
+    <dgm:txEffectClrLst/>
+  </dgm:styleLbl>
+  <dgm:styleLbl name="node2">
+    <dgm:fillClrLst meth="repeat">
+      <a:schemeClr val="accent1"/>
+    </dgm:fillClrLst>
+    <dgm:linClrLst meth="repeat">
+      <a:schemeClr val="lt1"/>
+    </dgm:linClrLst>
+    <dgm:effectClrLst/>
+    <dgm:txLinClrLst/>
+    <dgm:txFillClrLst/>
+    <dgm:txEffectClrLst/>
+  </dgm:styleLbl>
+  <dgm:styleLbl name="node3">
+    <dgm:fillClrLst meth="repeat">
+      <a:schemeClr val="accent1"/>
+    </dgm:fillClrLst>
+    <dgm:linClrLst meth="repeat">
+      <a:schemeClr val="lt1"/>
+    </dgm:linClrLst>
+    <dgm:effectClrLst/>
+    <dgm:txLinClrLst/>
+    <dgm:txFillClrLst/>
+    <dgm:txEffectClrLst/>
+  </dgm:styleLbl>
+  <dgm:styleLbl name="node4">
+    <dgm:fillClrLst meth="repeat">
+      <a:schemeClr val="accent1"/>
+    </dgm:fillClrLst>
+    <dgm:linClrLst meth="repeat">
+      <a:schemeClr val="lt1"/>
+    </dgm:linClrLst>
+    <dgm:effectClrLst/>
+    <dgm:txLinClrLst/>
+    <dgm:txFillClrLst/>
+    <dgm:txEffectClrLst/>
+  </dgm:styleLbl>
+  <dgm:styleLbl name="fgImgPlace1">
+    <dgm:fillClrLst meth="repeat">
+      <a:schemeClr val="accent1">
+        <a:tint val="50000"/>
+      </a:schemeClr>
+    </dgm:fillClrLst>
+    <dgm:linClrLst meth="repeat">
+      <a:schemeClr val="lt1"/>
+    </dgm:linClrLst>
+    <dgm:effectClrLst/>
+    <dgm:txLinClrLst/>
+    <dgm:txFillClrLst meth="repeat">
+      <a:schemeClr val="lt1"/>
+    </dgm:txFillClrLst>
+    <dgm:txEffectClrLst/>
+  </dgm:styleLbl>
+  <dgm:styleLbl name="alignImgPlace1">
+    <dgm:fillClrLst meth="repeat">
+      <a:schemeClr val="accent1">
+        <a:tint val="50000"/>
+      </a:schemeClr>
+    </dgm:fillClrLst>
+    <dgm:linClrLst meth="repeat">
+      <a:schemeClr val="lt1"/>
+    </dgm:linClrLst>
+    <dgm:effectClrLst/>
+    <dgm:txLinClrLst/>
+    <dgm:txFillClrLst meth="repeat">
+      <a:schemeClr val="lt1"/>
+    </dgm:txFillClrLst>
+    <dgm:txEffectClrLst/>
+  </dgm:styleLbl>
+  <dgm:styleLbl name="bgImgPlace1">
+    <dgm:fillClrLst meth="repeat">
+      <a:schemeClr val="accent1">
+        <a:tint val="50000"/>
+      </a:schemeClr>
+    </dgm:fillClrLst>
+    <dgm:linClrLst meth="repeat">
+      <a:schemeClr val="lt1"/>
+    </dgm:linClrLst>
+    <dgm:effectClrLst/>
+    <dgm:txLinClrLst/>
+    <dgm:txFillClrLst meth="repeat">
+      <a:schemeClr val="lt1"/>
+    </dgm:txFillClrLst>
+    <dgm:txEffectClrLst/>
+  </dgm:styleLbl>
+  <dgm:styleLbl name="sibTrans2D1">
+    <dgm:fillClrLst meth="repeat">
+      <a:schemeClr val="accent1">
+        <a:tint val="60000"/>
+      </a:schemeClr>
+    </dgm:fillClrLst>
+    <dgm:linClrLst meth="repeat">
+      <a:schemeClr val="accent1">
+        <a:tint val="60000"/>
+      </a:schemeClr>
+    </dgm:linClrLst>
+    <dgm:effectClrLst/>
+    <dgm:txLinClrLst/>
+    <dgm:txFillClrLst/>
+    <dgm:txEffectClrLst/>
+  </dgm:styleLbl>
+  <dgm:styleLbl name="fgSibTrans2D1">
+    <dgm:fillClrLst meth="repeat">
+      <a:schemeClr val="accent1">
+        <a:tint val="60000"/>
+      </a:schemeClr>
+    </dgm:fillClrLst>
+    <dgm:linClrLst meth="repeat">
+      <a:schemeClr val="accent1">
+        <a:tint val="60000"/>
+      </a:schemeClr>
+    </dgm:linClrLst>
+    <dgm:effectClrLst/>
+    <dgm:txLinClrLst/>
+    <dgm:txFillClrLst/>
+    <dgm:txEffectClrLst/>
+  </dgm:styleLbl>
+  <dgm:styleLbl name="bgSibTrans2D1">
+    <dgm:fillClrLst meth="repeat">
+      <a:schemeClr val="accent1">
+        <a:tint val="60000"/>
+      </a:schemeClr>
+    </dgm:fillClrLst>
+    <dgm:linClrLst meth="repeat">
+      <a:schemeClr val="accent1">
+        <a:tint val="60000"/>
+      </a:schemeClr>
+    </dgm:linClrLst>
+    <dgm:effectClrLst/>
+    <dgm:txLinClrLst/>
+    <dgm:txFillClrLst/>
+    <dgm:txEffectClrLst/>
+  </dgm:styleLbl>
+  <dgm:styleLbl name="sibTrans1D1">
+    <dgm:fillClrLst meth="repeat">
+      <a:schemeClr val="accent1"/>
+    </dgm:fillClrLst>
+    <dgm:linClrLst meth="repeat">
+      <a:schemeClr val="accent1"/>
+    </dgm:linClrLst>
+    <dgm:effectClrLst/>
+    <dgm:txLinClrLst/>
+    <dgm:txFillClrLst meth="repeat">
+      <a:schemeClr val="tx1"/>
+    </dgm:txFillClrLst>
+    <dgm:txEffectClrLst/>
+  </dgm:styleLbl>
+  <dgm:styleLbl name="callout">
+    <dgm:fillClrLst meth="repeat">
+      <a:schemeClr val="accent1"/>
+    </dgm:fillClrLst>
+    <dgm:linClrLst meth="repeat">
+      <a:schemeClr val="accent1">
+        <a:tint val="50000"/>
+      </a:schemeClr>
+    </dgm:linClrLst>
+    <dgm:effectClrLst/>
+    <dgm:txLinClrLst/>
+    <dgm:txFillClrLst meth="repeat">
+      <a:schemeClr val="tx1"/>
+    </dgm:txFillClrLst>
+    <dgm:txEffectClrLst/>
+  </dgm:styleLbl>
+  <dgm:styleLbl name="asst0">
+    <dgm:fillClrLst meth="repeat">
+      <a:schemeClr val="accent1"/>
+    </dgm:fillClrLst>
+    <dgm:linClrLst meth="repeat">
+      <a:schemeClr val="lt1"/>
+    </dgm:linClrLst>
+    <dgm:effectClrLst/>
+    <dgm:txLinClrLst/>
+    <dgm:txFillClrLst/>
+    <dgm:txEffectClrLst/>
+  </dgm:styleLbl>
+  <dgm:styleLbl name="asst1">
+    <dgm:fillClrLst meth="repeat">
+      <a:schemeClr val="accent1"/>
+    </dgm:fillClrLst>
+    <dgm:linClrLst meth="repeat">
+      <a:schemeClr val="lt1"/>
+    </dgm:linClrLst>
+    <dgm:effectClrLst/>
+    <dgm:txLinClrLst/>
+    <dgm:txFillClrLst/>
+    <dgm:txEffectClrLst/>
+  </dgm:styleLbl>
+  <dgm:styleLbl name="asst2">
+    <dgm:fillClrLst meth="repeat">
+      <a:schemeClr val="accent1"/>
+    </dgm:fillClrLst>
+    <dgm:linClrLst meth="repeat">
+      <a:schemeClr val="lt1"/>
+    </dgm:linClrLst>
+    <dgm:effectClrLst/>
+    <dgm:txLinClrLst/>
+    <dgm:txFillClrLst/>
+    <dgm:txEffectClrLst/>
+  </dgm:styleLbl>
+  <dgm:styleLbl name="asst3">
+    <dgm:fillClrLst meth="repeat">
+      <a:schemeClr val="accent1"/>
+    </dgm:fillClrLst>
+    <dgm:linClrLst meth="repeat">
+      <a:schemeClr val="lt1"/>
+    </dgm:linClrLst>
+    <dgm:effectClrLst/>
+    <dgm:txLinClrLst/>
+    <dgm:txFillClrLst/>
+    <dgm:txEffectClrLst/>
+  </dgm:styleLbl>
+  <dgm:styleLbl name="asst4">
+    <dgm:fillClrLst meth="repeat">
+      <a:schemeClr val="accent1"/>
+    </dgm:fillClrLst>
+    <dgm:linClrLst meth="repeat">
+      <a:schemeClr val="lt1"/>
+    </dgm:linClrLst>
+    <dgm:effectClrLst/>
+    <dgm:txLinClrLst/>
+    <dgm:txFillClrLst/>
+    <dgm:txEffectClrLst/>
+  </dgm:styleLbl>
+  <dgm:styleLbl name="parChTrans2D1">
+    <dgm:fillClrLst meth="repeat">
+      <a:schemeClr val="accent1">
+        <a:tint val="60000"/>
+      </a:schemeClr>
+    </dgm:fillClrLst>
+    <dgm:linClrLst meth="repeat">
+      <a:schemeClr val="accent1">
+        <a:tint val="60000"/>
+      </a:schemeClr>
+    </dgm:linClrLst>
+    <dgm:effectClrLst/>
+    <dgm:txLinClrLst/>
+    <dgm:txFillClrLst meth="repeat">
+      <a:schemeClr val="lt1"/>
+    </dgm:txFillClrLst>
+    <dgm:txEffectClrLst/>
+  </dgm:styleLbl>
+  <dgm:styleLbl name="parChTrans2D2">
+    <dgm:fillClrLst meth="repeat">
+      <a:schemeClr val="accent1"/>
+    </dgm:fillClrLst>
+    <dgm:linClrLst meth="repeat">
+      <a:schemeClr val="accent1"/>
+    </dgm:linClrLst>
+    <dgm:effectClrLst/>
+    <dgm:txLinClrLst/>
+    <dgm:txFillClrLst meth="repeat">
+      <a:schemeClr val="lt1"/>
+    </dgm:txFillClrLst>
+    <dgm:txEffectClrLst/>
+  </dgm:styleLbl>
+  <dgm:styleLbl name="parChTrans2D3">
+    <dgm:fillClrLst meth="repeat">
+      <a:schemeClr val="accent1"/>
+    </dgm:fillClrLst>
+    <dgm:linClrLst meth="repeat">
+      <a:schemeClr val="accent1"/>
+    </dgm:linClrLst>
+    <dgm:effectClrLst/>
+    <dgm:txLinClrLst/>
+    <dgm:txFillClrLst meth="repeat">
+      <a:schemeClr val="lt1"/>
+    </dgm:txFillClrLst>
+    <dgm:txEffectClrLst/>
+  </dgm:styleLbl>
+  <dgm:styleLbl name="parChTrans2D4">
+    <dgm:fillClrLst meth="repeat">
+      <a:schemeClr val="accent1"/>
+    </dgm:fillClrLst>
+    <dgm:linClrLst meth="repeat">
+      <a:schemeClr val="accent1"/>
+    </dgm:linClrLst>
+    <dgm:effectClrLst/>
+    <dgm:txLinClrLst/>
+    <dgm:txFillClrLst meth="repeat">
+      <a:schemeClr val="lt1"/>
+    </dgm:txFillClrLst>
+    <dgm:txEffectClrLst/>
+  </dgm:styleLbl>
+  <dgm:styleLbl name="parChTrans1D1">
+    <dgm:fillClrLst meth="repeat">
+      <a:schemeClr val="accent1"/>
+    </dgm:fillClrLst>
+    <dgm:linClrLst meth="repeat">
+      <a:schemeClr val="accent1">
+        <a:shade val="60000"/>
+      </a:schemeClr>
+    </dgm:linClrLst>
+    <dgm:effectClrLst/>
+    <dgm:txLinClrLst/>
+    <dgm:txFillClrLst meth="repeat">
+      <a:schemeClr val="tx1"/>
+    </dgm:txFillClrLst>
+    <dgm:txEffectClrLst/>
+  </dgm:styleLbl>
+  <dgm:styleLbl name="parChTrans1D2">
+    <dgm:fillClrLst meth="repeat">
+      <a:schemeClr val="accent1"/>
+    </dgm:fillClrLst>
+    <dgm:linClrLst meth="repeat">
+      <a:schemeClr val="accent1">
+        <a:shade val="60000"/>
+      </a:schemeClr>
+    </dgm:linClrLst>
+    <dgm:effectClrLst/>
+    <dgm:txLinClrLst/>
+    <dgm:txFillClrLst meth="repeat">
+      <a:schemeClr val="tx1"/>
+    </dgm:txFillClrLst>
+    <dgm:txEffectClrLst/>
+  </dgm:styleLbl>
+  <dgm:styleLbl name="parChTrans1D3">
+    <dgm:fillClrLst meth="repeat">
+      <a:schemeClr val="accent1"/>
+    </dgm:fillClrLst>
+    <dgm:linClrLst meth="repeat">
+      <a:schemeClr val="accent1">
+        <a:shade val="80000"/>
+      </a:schemeClr>
+    </dgm:linClrLst>
+    <dgm:effectClrLst/>
+    <dgm:txLinClrLst/>
+    <dgm:txFillClrLst meth="repeat">
+      <a:schemeClr val="tx1"/>
+    </dgm:txFillClrLst>
+    <dgm:txEffectClrLst/>
+  </dgm:styleLbl>
+  <dgm:styleLbl name="parChTrans1D4">
+    <dgm:fillClrLst meth="repeat">
+      <a:schemeClr val="accent1"/>
+    </dgm:fillClrLst>
+    <dgm:linClrLst meth="repeat">
+      <a:schemeClr val="accent1">
+        <a:shade val="80000"/>
+      </a:schemeClr>
+    </dgm:linClrLst>
+    <dgm:effectClrLst/>
+    <dgm:txLinClrLst/>
+    <dgm:txFillClrLst meth="repeat">
+      <a:schemeClr val="tx1"/>
+    </dgm:txFillClrLst>
+    <dgm:txEffectClrLst/>
+  </dgm:styleLbl>
+  <dgm:styleLbl name="fgAcc1">
+    <dgm:fillClrLst meth="repeat">
+      <a:schemeClr val="lt1">
+        <a:alpha val="90000"/>
+      </a:schemeClr>
+    </dgm:fillClrLst>
+    <dgm:linClrLst meth="repeat">
+      <a:schemeClr val="accent1"/>
+    </dgm:linClrLst>
+    <dgm:effectClrLst/>
+    <dgm:txLinClrLst/>
+    <dgm:txFillClrLst meth="repeat">
+      <a:schemeClr val="dk1"/>
+    </dgm:txFillClrLst>
+    <dgm:txEffectClrLst/>
+  </dgm:styleLbl>
+  <dgm:styleLbl name="conFgAcc1">
+    <dgm:fillClrLst meth="repeat">
+      <a:schemeClr val="lt1">
+        <a:alpha val="90000"/>
+      </a:schemeClr>
+    </dgm:fillClrLst>
+    <dgm:linClrLst meth="repeat">
+      <a:schemeClr val="accent1"/>
+    </dgm:linClrLst>
+    <dgm:effectClrLst/>
+    <dgm:txLinClrLst/>
+    <dgm:txFillClrLst meth="repeat">
+      <a:schemeClr val="dk1"/>
+    </dgm:txFillClrLst>
+    <dgm:txEffectClrLst/>
+  </dgm:styleLbl>
+  <dgm:styleLbl name="alignAcc1">
+    <dgm:fillClrLst meth="repeat">
+      <a:schemeClr val="lt1">
+        <a:alpha val="90000"/>
+      </a:schemeClr>
+    </dgm:fillClrLst>
+    <dgm:linClrLst meth="repeat">
+      <a:schemeClr val="accent1"/>
+    </dgm:linClrLst>
+    <dgm:effectClrLst/>
+    <dgm:txLinClrLst/>
+    <dgm:txFillClrLst meth="repeat">
+      <a:schemeClr val="dk1"/>
+    </dgm:txFillClrLst>
+    <dgm:txEffectClrLst/>
+  </dgm:styleLbl>
+  <dgm:styleLbl name="trAlignAcc1">
+    <dgm:fillClrLst meth="repeat">
+      <a:schemeClr val="lt1">
+        <a:alpha val="40000"/>
+      </a:schemeClr>
+    </dgm:fillClrLst>
+    <dgm:linClrLst meth="repeat">
+      <a:schemeClr val="accent1"/>
+    </dgm:linClrLst>
+    <dgm:effectClrLst/>
+    <dgm:txLinClrLst/>
+    <dgm:txFillClrLst meth="repeat">
+      <a:schemeClr val="dk1"/>
+    </dgm:txFillClrLst>
+    <dgm:txEffectClrLst/>
+  </dgm:styleLbl>
+  <dgm:styleLbl name="bgAcc1">
+    <dgm:fillClrLst meth="repeat">
+      <a:schemeClr val="lt1">
+        <a:alpha val="90000"/>
+      </a:schemeClr>
+    </dgm:fillClrLst>
+    <dgm:linClrLst meth="repeat">
+      <a:schemeClr val="accent1"/>
+    </dgm:linClrLst>
+    <dgm:effectClrLst/>
+    <dgm:txLinClrLst/>
+    <dgm:txFillClrLst meth="repeat">
+      <a:schemeClr val="dk1"/>
+    </dgm:txFillClrLst>
+    <dgm:txEffectClrLst/>
+  </dgm:styleLbl>
+  <dgm:styleLbl name="solidFgAcc1">
+    <dgm:fillClrLst meth="repeat">
+      <a:schemeClr val="lt1"/>
+    </dgm:fillClrLst>
+    <dgm:linClrLst meth="repeat">
+      <a:schemeClr val="accent1"/>
+    </dgm:linClrLst>
+    <dgm:effectClrLst/>
+    <dgm:txLinClrLst/>
+    <dgm:txFillClrLst meth="repeat">
+      <a:schemeClr val="dk1"/>
+    </dgm:txFillClrLst>
+    <dgm:txEffectClrLst/>
+  </dgm:styleLbl>
+  <dgm:styleLbl name="solidAlignAcc1">
+    <dgm:fillClrLst meth="repeat">
+      <a:schemeClr val="lt1"/>
+    </dgm:fillClrLst>
+    <dgm:linClrLst meth="repeat">
+      <a:schemeClr val="accent1"/>
+    </dgm:linClrLst>
+    <dgm:effectClrLst/>
+    <dgm:txLinClrLst/>
+    <dgm:txFillClrLst meth="repeat">
+      <a:schemeClr val="dk1"/>
+    </dgm:txFillClrLst>
+    <dgm:txEffectClrLst/>
+  </dgm:styleLbl>
+  <dgm:styleLbl name="solidBgAcc1">
+    <dgm:fillClrLst meth="repeat">
+      <a:schemeClr val="lt1"/>
+    </dgm:fillClrLst>
+    <dgm:linClrLst meth="repeat">
+      <a:schemeClr val="accent1"/>
+    </dgm:linClrLst>
+    <dgm:effectClrLst/>
+    <dgm:txLinClrLst/>
+    <dgm:txFillClrLst meth="repeat">
+      <a:schemeClr val="dk1"/>
+    </dgm:txFillClrLst>
+    <dgm:txEffectClrLst/>
+  </dgm:styleLbl>
+  <dgm:styleLbl name="fgAccFollowNode1">
+    <dgm:fillClrLst meth="repeat">
+      <a:schemeClr val="accent1">
+        <a:alpha val="90000"/>
+        <a:tint val="40000"/>
+      </a:schemeClr>
+    </dgm:fillClrLst>
+    <dgm:linClrLst meth="repeat">
+      <a:schemeClr val="accent1">
+        <a:alpha val="90000"/>
+        <a:tint val="40000"/>
+      </a:schemeClr>
+    </dgm:linClrLst>
+    <dgm:effectClrLst/>
+    <dgm:txLinClrLst/>
+    <dgm:txFillClrLst meth="repeat">
+      <a:schemeClr val="dk1"/>
+    </dgm:txFillClrLst>
+    <dgm:txEffectClrLst/>
+  </dgm:styleLbl>
+  <dgm:styleLbl name="alignAccFollowNode1">
+    <dgm:fillClrLst meth="repeat">
+      <a:schemeClr val="accent1">
+        <a:alpha val="90000"/>
+        <a:tint val="40000"/>
+      </a:schemeClr>
+    </dgm:fillClrLst>
+    <dgm:linClrLst meth="repeat">
+      <a:schemeClr val="accent1">
+        <a:alpha val="90000"/>
+        <a:tint val="40000"/>
+      </a:schemeClr>
+    </dgm:linClrLst>
+    <dgm:effectClrLst/>
+    <dgm:txLinClrLst/>
+    <dgm:txFillClrLst meth="repeat">
+      <a:schemeClr val="dk1"/>
+    </dgm:txFillClrLst>
+    <dgm:txEffectClrLst/>
+  </dgm:styleLbl>
+  <dgm:styleLbl name="bgAccFollowNode1">
+    <dgm:fillClrLst meth="repeat">
+      <a:schemeClr val="accent1">
+        <a:alpha val="90000"/>
+        <a:tint val="40000"/>
+      </a:schemeClr>
+    </dgm:fillClrLst>
+    <dgm:linClrLst meth="repeat">
+      <a:schemeClr val="accent1">
+        <a:alpha val="90000"/>
+        <a:tint val="40000"/>
+      </a:schemeClr>
+    </dgm:linClrLst>
+    <dgm:effectClrLst/>
+    <dgm:txLinClrLst/>
+    <dgm:txFillClrLst meth="repeat">
+      <a:schemeClr val="dk1"/>
+    </dgm:txFillClrLst>
+    <dgm:txEffectClrLst/>
+  </dgm:styleLbl>
+  <dgm:styleLbl name="fgAcc0">
+    <dgm:fillClrLst meth="repeat">
+      <a:schemeClr val="lt1">
+        <a:alpha val="90000"/>
+      </a:schemeClr>
+    </dgm:fillClrLst>
+    <dgm:linClrLst meth="repeat">
+      <a:schemeClr val="accent1"/>
+    </dgm:linClrLst>
+    <dgm:effectClrLst/>
+    <dgm:txLinClrLst/>
+    <dgm:txFillClrLst meth="repeat">
+      <a:schemeClr val="dk1"/>
+    </dgm:txFillClrLst>
+    <dgm:txEffectClrLst/>
+  </dgm:styleLbl>
+  <dgm:styleLbl name="fgAcc2">
+    <dgm:fillClrLst meth="repeat">
+      <a:schemeClr val="lt1">
+        <a:alpha val="90000"/>
+      </a:schemeClr>
+    </dgm:fillClrLst>
+    <dgm:linClrLst meth="repeat">
+      <a:schemeClr val="accent1"/>
+    </dgm:linClrLst>
+    <dgm:effectClrLst/>
+    <dgm:txLinClrLst/>
+    <dgm:txFillClrLst meth="repeat">
+      <a:schemeClr val="dk1"/>
+    </dgm:txFillClrLst>
+    <dgm:txEffectClrLst/>
+  </dgm:styleLbl>
+  <dgm:styleLbl name="fgAcc3">
+    <dgm:fillClrLst meth="repeat">
+      <a:schemeClr val="lt1">
+        <a:alpha val="90000"/>
+      </a:schemeClr>
+    </dgm:fillClrLst>
+    <dgm:linClrLst meth="repeat">
+      <a:schemeClr val="accent1"/>
+    </dgm:linClrLst>
+    <dgm:effectClrLst/>
+    <dgm:txLinClrLst/>
+    <dgm:txFillClrLst meth="repeat">
+      <a:schemeClr val="dk1"/>
+    </dgm:txFillClrLst>
+    <dgm:txEffectClrLst/>
+  </dgm:styleLbl>
+  <dgm:styleLbl name="fgAcc4">
+    <dgm:fillClrLst meth="repeat">
+      <a:schemeClr val="lt1">
+        <a:alpha val="90000"/>
+      </a:schemeClr>
+    </dgm:fillClrLst>
+    <dgm:linClrLst meth="repeat">
+      <a:schemeClr val="accent1"/>
+    </dgm:linClrLst>
+    <dgm:effectClrLst/>
+    <dgm:txLinClrLst/>
+    <dgm:txFillClrLst meth="repeat">
+      <a:schemeClr val="dk1"/>
+    </dgm:txFillClrLst>
+    <dgm:txEffectClrLst/>
+  </dgm:styleLbl>
+  <dgm:styleLbl name="bgShp">
+    <dgm:fillClrLst meth="repeat">
+      <a:schemeClr val="accent1">
+        <a:tint val="40000"/>
+      </a:schemeClr>
+    </dgm:fillClrLst>
+    <dgm:linClrLst meth="repeat">
+      <a:schemeClr val="accent1"/>
+    </dgm:linClrLst>
+    <dgm:effectClrLst/>
+    <dgm:txLinClrLst/>
+    <dgm:txFillClrLst meth="repeat">
+      <a:schemeClr val="dk1"/>
+    </dgm:txFillClrLst>
+    <dgm:txEffectClrLst/>
+  </dgm:styleLbl>
+  <dgm:styleLbl name="dkBgShp">
+    <dgm:fillClrLst meth="repeat">
+      <a:schemeClr val="accent1">
+        <a:shade val="80000"/>
+      </a:schemeClr>
+    </dgm:fillClrLst>
+    <dgm:linClrLst meth="repeat">
+      <a:schemeClr val="accent1"/>
+    </dgm:linClrLst>
+    <dgm:effectClrLst/>
+    <dgm:txLinClrLst/>
+    <dgm:txFillClrLst meth="repeat">
+      <a:schemeClr val="lt1"/>
+    </dgm:txFillClrLst>
+    <dgm:txEffectClrLst/>
+  </dgm:styleLbl>
+  <dgm:styleLbl name="trBgShp">
+    <dgm:fillClrLst meth="repeat">
+      <a:schemeClr val="accent1">
+        <a:tint val="50000"/>
+        <a:alpha val="40000"/>
+      </a:schemeClr>
+    </dgm:fillClrLst>
+    <dgm:linClrLst meth="repeat">
+      <a:schemeClr val="accent1"/>
+    </dgm:linClrLst>
+    <dgm:effectClrLst/>
+    <dgm:txLinClrLst/>
+    <dgm:txFillClrLst meth="repeat">
+      <a:schemeClr val="lt1"/>
+    </dgm:txFillClrLst>
+    <dgm:txEffectClrLst/>
+  </dgm:styleLbl>
+  <dgm:styleLbl name="fgShp">
+    <dgm:fillClrLst meth="repeat">
+      <a:schemeClr val="accent1">
+        <a:tint val="60000"/>
+      </a:schemeClr>
+    </dgm:fillClrLst>
+    <dgm:linClrLst meth="repeat">
+      <a:schemeClr val="lt1"/>
+    </dgm:linClrLst>
+    <dgm:effectClrLst/>
+    <dgm:txLinClrLst/>
+    <dgm:txFillClrLst meth="repeat">
+      <a:schemeClr val="dk1"/>
+    </dgm:txFillClrLst>
+    <dgm:txEffectClrLst/>
+  </dgm:styleLbl>
+  <dgm:styleLbl name="revTx">
+    <dgm:fillClrLst meth="repeat">
+      <a:schemeClr val="lt1">
+        <a:alpha val="0"/>
+      </a:schemeClr>
+    </dgm:fillClrLst>
+    <dgm:linClrLst meth="repeat">
+      <a:schemeClr val="dk1">
+        <a:alpha val="0"/>
+      </a:schemeClr>
+    </dgm:linClrLst>
+    <dgm:effectClrLst/>
+    <dgm:txLinClrLst/>
+    <dgm:txFillClrLst meth="repeat">
+      <a:schemeClr val="tx1"/>
+    </dgm:txFillClrLst>
+    <dgm:txEffectClrLst/>
+  </dgm:styleLbl>
+</dgm:colorsDef>
+</file>
+
+<file path=ppt/diagrams/colors4.xml><?xml version="1.0" encoding="utf-8"?>
 <dgm:colorsDef xmlns:dgm="http://schemas.openxmlformats.org/drawingml/2006/diagram" xmlns:a="http://schemas.openxmlformats.org/drawingml/2006/main" uniqueId="urn:microsoft.com/office/officeart/2005/8/colors/accent1_2">
   <dgm:title val=""/>
   <dgm:desc val=""/>
@@ -4580,6 +5328,612 @@
     <dgm:cxn modelId="{E8C79A7F-6450-42D5-A263-B5AF53E6A9FB}" type="presParOf" srcId="{1BDF8985-42E1-4F0E-8989-0AE29BC8E1BD}" destId="{4CE9DE56-56D7-4F8B-944D-B72B41752434}" srcOrd="6" destOrd="0" presId="urn:microsoft.com/office/officeart/2005/8/layout/hList1"/>
     <dgm:cxn modelId="{C46A9843-84D2-478F-B3A4-8A2AACB5B4FB}" type="presParOf" srcId="{4CE9DE56-56D7-4F8B-944D-B72B41752434}" destId="{466EB21F-913D-40A6-9A6A-8296264ABCD2}" srcOrd="0" destOrd="0" presId="urn:microsoft.com/office/officeart/2005/8/layout/hList1"/>
     <dgm:cxn modelId="{FD6A8E94-8397-4907-8223-AA649422F436}" type="presParOf" srcId="{4CE9DE56-56D7-4F8B-944D-B72B41752434}" destId="{0C57958A-0C9B-4A24-B7C7-8C90872BE0BA}" srcOrd="1" destOrd="0" presId="urn:microsoft.com/office/officeart/2005/8/layout/hList1"/>
+  </dgm:cxnLst>
+  <dgm:bg/>
+  <dgm:whole/>
+  <dgm:extLst>
+    <a:ext uri="http://schemas.microsoft.com/office/drawing/2008/diagram">
+      <dsp:dataModelExt xmlns:dsp="http://schemas.microsoft.com/office/drawing/2008/diagram" relId="rId6" minVer="http://schemas.openxmlformats.org/drawingml/2006/diagram"/>
+    </a:ext>
+  </dgm:extLst>
+</dgm:dataModel>
+</file>
+
+<file path=ppt/diagrams/data4.xml><?xml version="1.0" encoding="utf-8"?>
+<dgm:dataModel xmlns:dgm="http://schemas.openxmlformats.org/drawingml/2006/diagram" xmlns:a="http://schemas.openxmlformats.org/drawingml/2006/main">
+  <dgm:ptLst>
+    <dgm:pt modelId="{F83CFE1B-7F45-4AB3-956A-8BE9A5CB4EE8}" type="doc">
+      <dgm:prSet loTypeId="urn:microsoft.com/office/officeart/2005/8/layout/hList1" loCatId="list" qsTypeId="urn:microsoft.com/office/officeart/2005/8/quickstyle/simple1" qsCatId="simple" csTypeId="urn:microsoft.com/office/officeart/2005/8/colors/accent1_2" csCatId="accent1" phldr="1"/>
+      <dgm:spPr/>
+      <dgm:t>
+        <a:bodyPr/>
+        <a:lstStyle/>
+        <a:p>
+          <a:endParaRPr lang="ru-RU"/>
+        </a:p>
+      </dgm:t>
+    </dgm:pt>
+    <dgm:pt modelId="{E9A00E2A-8676-47BD-A2A9-B36940A4EFC8}">
+      <dgm:prSet phldrT="[Текст]"/>
+      <dgm:spPr/>
+      <dgm:t>
+        <a:bodyPr/>
+        <a:lstStyle/>
+        <a:p>
+          <a:r>
+            <a:rPr lang="ru-RU" dirty="0"/>
+            <a:t>Савельев Александр</a:t>
+          </a:r>
+        </a:p>
+      </dgm:t>
+    </dgm:pt>
+    <dgm:pt modelId="{B4880C01-520D-4FFF-82D9-A1EC55AAEFB5}" type="parTrans" cxnId="{873447B3-42DF-48F0-9AD4-E6BEA265A8A1}">
+      <dgm:prSet/>
+      <dgm:spPr/>
+      <dgm:t>
+        <a:bodyPr/>
+        <a:lstStyle/>
+        <a:p>
+          <a:endParaRPr lang="ru-RU"/>
+        </a:p>
+      </dgm:t>
+    </dgm:pt>
+    <dgm:pt modelId="{4C71B791-B219-4152-B011-9F2FB0E748F5}" type="sibTrans" cxnId="{873447B3-42DF-48F0-9AD4-E6BEA265A8A1}">
+      <dgm:prSet/>
+      <dgm:spPr/>
+      <dgm:t>
+        <a:bodyPr/>
+        <a:lstStyle/>
+        <a:p>
+          <a:endParaRPr lang="ru-RU"/>
+        </a:p>
+      </dgm:t>
+    </dgm:pt>
+    <dgm:pt modelId="{F7ADB2B3-3B4B-4C20-9C74-9574828F091E}">
+      <dgm:prSet phldrT="[Текст]"/>
+      <dgm:spPr/>
+      <dgm:t>
+        <a:bodyPr/>
+        <a:lstStyle/>
+        <a:p>
+          <a:r>
+            <a:rPr lang="en-US" dirty="0"/>
+            <a:t>Frontend</a:t>
+          </a:r>
+          <a:endParaRPr lang="ru-RU" dirty="0"/>
+        </a:p>
+      </dgm:t>
+    </dgm:pt>
+    <dgm:pt modelId="{D49645AE-7E94-480C-AFF5-A3F72D6964AA}" type="parTrans" cxnId="{F97896BA-3305-4506-BE9D-11B997296C85}">
+      <dgm:prSet/>
+      <dgm:spPr/>
+      <dgm:t>
+        <a:bodyPr/>
+        <a:lstStyle/>
+        <a:p>
+          <a:endParaRPr lang="ru-RU"/>
+        </a:p>
+      </dgm:t>
+    </dgm:pt>
+    <dgm:pt modelId="{9BBB6A47-59E6-4ED4-A9E9-1C64F6060CC3}" type="sibTrans" cxnId="{F97896BA-3305-4506-BE9D-11B997296C85}">
+      <dgm:prSet/>
+      <dgm:spPr/>
+      <dgm:t>
+        <a:bodyPr/>
+        <a:lstStyle/>
+        <a:p>
+          <a:endParaRPr lang="ru-RU"/>
+        </a:p>
+      </dgm:t>
+    </dgm:pt>
+    <dgm:pt modelId="{8084F236-ECC4-46A5-8B48-BF14CE418870}">
+      <dgm:prSet phldrT="[Текст]"/>
+      <dgm:spPr/>
+      <dgm:t>
+        <a:bodyPr/>
+        <a:lstStyle/>
+        <a:p>
+          <a:r>
+            <a:rPr lang="ru-RU" dirty="0"/>
+            <a:t>Авторизация пользователей</a:t>
+          </a:r>
+        </a:p>
+      </dgm:t>
+    </dgm:pt>
+    <dgm:pt modelId="{16B605AF-984B-4BAB-AC51-A54E130FDC58}" type="parTrans" cxnId="{6F297681-6802-4D65-AC0D-4076FE081F35}">
+      <dgm:prSet/>
+      <dgm:spPr/>
+      <dgm:t>
+        <a:bodyPr/>
+        <a:lstStyle/>
+        <a:p>
+          <a:endParaRPr lang="ru-RU"/>
+        </a:p>
+      </dgm:t>
+    </dgm:pt>
+    <dgm:pt modelId="{5E40CCB2-CD39-41C6-A673-15332A846C27}" type="sibTrans" cxnId="{6F297681-6802-4D65-AC0D-4076FE081F35}">
+      <dgm:prSet/>
+      <dgm:spPr/>
+      <dgm:t>
+        <a:bodyPr/>
+        <a:lstStyle/>
+        <a:p>
+          <a:endParaRPr lang="ru-RU"/>
+        </a:p>
+      </dgm:t>
+    </dgm:pt>
+    <dgm:pt modelId="{AACD6C7F-482D-4E01-A192-6483ACE4DF18}">
+      <dgm:prSet phldrT="[Текст]"/>
+      <dgm:spPr/>
+      <dgm:t>
+        <a:bodyPr/>
+        <a:lstStyle/>
+        <a:p>
+          <a:r>
+            <a:rPr lang="ru-RU" dirty="0" err="1"/>
+            <a:t>Колиниченко</a:t>
+          </a:r>
+          <a:r>
+            <a:rPr lang="ru-RU" dirty="0"/>
+            <a:t> Андрей</a:t>
+          </a:r>
+        </a:p>
+      </dgm:t>
+    </dgm:pt>
+    <dgm:pt modelId="{45D2BEF0-FC97-4F2C-AB5B-124C8D27911E}" type="parTrans" cxnId="{D311B8F7-E8CD-4D45-9733-51CA0122D643}">
+      <dgm:prSet/>
+      <dgm:spPr/>
+      <dgm:t>
+        <a:bodyPr/>
+        <a:lstStyle/>
+        <a:p>
+          <a:endParaRPr lang="ru-RU"/>
+        </a:p>
+      </dgm:t>
+    </dgm:pt>
+    <dgm:pt modelId="{957F49CD-EE7A-4B7B-9E84-48D76426DEB2}" type="sibTrans" cxnId="{D311B8F7-E8CD-4D45-9733-51CA0122D643}">
+      <dgm:prSet/>
+      <dgm:spPr/>
+      <dgm:t>
+        <a:bodyPr/>
+        <a:lstStyle/>
+        <a:p>
+          <a:endParaRPr lang="ru-RU"/>
+        </a:p>
+      </dgm:t>
+    </dgm:pt>
+    <dgm:pt modelId="{08DDA68B-88A9-4337-97B3-3A85B87CFFB8}">
+      <dgm:prSet phldrT="[Текст]"/>
+      <dgm:spPr/>
+      <dgm:t>
+        <a:bodyPr/>
+        <a:lstStyle/>
+        <a:p>
+          <a:r>
+            <a:rPr lang="ru-RU" dirty="0"/>
+            <a:t>Информация о фильмах </a:t>
+          </a:r>
+          <a:r>
+            <a:rPr lang="en-US" dirty="0"/>
+            <a:t>/ </a:t>
+          </a:r>
+          <a:r>
+            <a:rPr lang="ru-RU" dirty="0"/>
+            <a:t>сериалах</a:t>
+          </a:r>
+        </a:p>
+      </dgm:t>
+    </dgm:pt>
+    <dgm:pt modelId="{E57737ED-5BA3-4AF6-AB9F-FF36A4EEA830}" type="parTrans" cxnId="{6537A112-E013-4D76-9126-DCB134B9753F}">
+      <dgm:prSet/>
+      <dgm:spPr/>
+      <dgm:t>
+        <a:bodyPr/>
+        <a:lstStyle/>
+        <a:p>
+          <a:endParaRPr lang="ru-RU"/>
+        </a:p>
+      </dgm:t>
+    </dgm:pt>
+    <dgm:pt modelId="{2053AD58-BC62-4FBE-85BA-C6E6E7E73215}" type="sibTrans" cxnId="{6537A112-E013-4D76-9126-DCB134B9753F}">
+      <dgm:prSet/>
+      <dgm:spPr/>
+      <dgm:t>
+        <a:bodyPr/>
+        <a:lstStyle/>
+        <a:p>
+          <a:endParaRPr lang="ru-RU"/>
+        </a:p>
+      </dgm:t>
+    </dgm:pt>
+    <dgm:pt modelId="{CCDF54B0-2DF7-4BA2-9D75-E5D6B69CFB03}">
+      <dgm:prSet phldrT="[Текст]"/>
+      <dgm:spPr/>
+      <dgm:t>
+        <a:bodyPr/>
+        <a:lstStyle/>
+        <a:p>
+          <a:r>
+            <a:rPr lang="ru-RU" dirty="0"/>
+            <a:t>Фильтры и сортировки при поиске</a:t>
+          </a:r>
+        </a:p>
+      </dgm:t>
+    </dgm:pt>
+    <dgm:pt modelId="{94F0AFC8-16E0-4B67-9E8E-C3AFFD7FB800}" type="parTrans" cxnId="{FDB76ADA-8927-4CE2-9B81-31E8D0C6096B}">
+      <dgm:prSet/>
+      <dgm:spPr/>
+      <dgm:t>
+        <a:bodyPr/>
+        <a:lstStyle/>
+        <a:p>
+          <a:endParaRPr lang="ru-RU"/>
+        </a:p>
+      </dgm:t>
+    </dgm:pt>
+    <dgm:pt modelId="{98E0F04A-8642-45D0-8F47-B16478A1898A}" type="sibTrans" cxnId="{FDB76ADA-8927-4CE2-9B81-31E8D0C6096B}">
+      <dgm:prSet/>
+      <dgm:spPr/>
+      <dgm:t>
+        <a:bodyPr/>
+        <a:lstStyle/>
+        <a:p>
+          <a:endParaRPr lang="ru-RU"/>
+        </a:p>
+      </dgm:t>
+    </dgm:pt>
+    <dgm:pt modelId="{B7EC1A3B-E4A3-4ECA-A5F6-3C36E86FF805}">
+      <dgm:prSet phldrT="[Текст]"/>
+      <dgm:spPr/>
+      <dgm:t>
+        <a:bodyPr/>
+        <a:lstStyle/>
+        <a:p>
+          <a:r>
+            <a:rPr lang="ru-RU" dirty="0"/>
+            <a:t>Комиссаров Роман</a:t>
+          </a:r>
+        </a:p>
+      </dgm:t>
+    </dgm:pt>
+    <dgm:pt modelId="{1CF8BB1C-3BEC-427A-8BF9-FE47F01098A0}" type="parTrans" cxnId="{E77598AD-CBE2-4E93-98C9-6AAD247BF178}">
+      <dgm:prSet/>
+      <dgm:spPr/>
+      <dgm:t>
+        <a:bodyPr/>
+        <a:lstStyle/>
+        <a:p>
+          <a:endParaRPr lang="ru-RU"/>
+        </a:p>
+      </dgm:t>
+    </dgm:pt>
+    <dgm:pt modelId="{038A1977-4DDE-4A18-9ADA-C9A90693ED66}" type="sibTrans" cxnId="{E77598AD-CBE2-4E93-98C9-6AAD247BF178}">
+      <dgm:prSet/>
+      <dgm:spPr/>
+      <dgm:t>
+        <a:bodyPr/>
+        <a:lstStyle/>
+        <a:p>
+          <a:endParaRPr lang="ru-RU"/>
+        </a:p>
+      </dgm:t>
+    </dgm:pt>
+    <dgm:pt modelId="{C9378E73-E64C-4E1C-B862-DBC646789A36}">
+      <dgm:prSet phldrT="[Текст]"/>
+      <dgm:spPr/>
+      <dgm:t>
+        <a:bodyPr/>
+        <a:lstStyle/>
+        <a:p>
+          <a:r>
+            <a:rPr lang="en-US" dirty="0"/>
+            <a:t>-</a:t>
+          </a:r>
+          <a:endParaRPr lang="ru-RU" dirty="0"/>
+        </a:p>
+      </dgm:t>
+    </dgm:pt>
+    <dgm:pt modelId="{9F027F4D-1A12-4F0A-88E8-5A54136B90AF}" type="parTrans" cxnId="{9BD7DDEA-F265-42B9-9810-8420B2F5ABB2}">
+      <dgm:prSet/>
+      <dgm:spPr/>
+      <dgm:t>
+        <a:bodyPr/>
+        <a:lstStyle/>
+        <a:p>
+          <a:endParaRPr lang="ru-RU"/>
+        </a:p>
+      </dgm:t>
+    </dgm:pt>
+    <dgm:pt modelId="{5EBC67D0-68CD-42EF-8489-0656FB6D61C7}" type="sibTrans" cxnId="{9BD7DDEA-F265-42B9-9810-8420B2F5ABB2}">
+      <dgm:prSet/>
+      <dgm:spPr/>
+      <dgm:t>
+        <a:bodyPr/>
+        <a:lstStyle/>
+        <a:p>
+          <a:endParaRPr lang="ru-RU"/>
+        </a:p>
+      </dgm:t>
+    </dgm:pt>
+    <dgm:pt modelId="{2D66FA9D-5AC5-49F5-B14E-E977E2976F16}">
+      <dgm:prSet phldrT="[Текст]"/>
+      <dgm:spPr/>
+      <dgm:t>
+        <a:bodyPr/>
+        <a:lstStyle/>
+        <a:p>
+          <a:r>
+            <a:rPr lang="ru-RU" dirty="0"/>
+            <a:t>Базы данных</a:t>
+          </a:r>
+        </a:p>
+      </dgm:t>
+    </dgm:pt>
+    <dgm:pt modelId="{A5829A66-5E3C-4E89-A766-58E92886BD26}" type="parTrans" cxnId="{1E6D9D79-E42C-4B79-AD03-148FBCC1E86F}">
+      <dgm:prSet/>
+      <dgm:spPr/>
+      <dgm:t>
+        <a:bodyPr/>
+        <a:lstStyle/>
+        <a:p>
+          <a:endParaRPr lang="ru-RU"/>
+        </a:p>
+      </dgm:t>
+    </dgm:pt>
+    <dgm:pt modelId="{7953C9D0-6F20-415A-AF23-017B4201DCFA}" type="sibTrans" cxnId="{1E6D9D79-E42C-4B79-AD03-148FBCC1E86F}">
+      <dgm:prSet/>
+      <dgm:spPr/>
+      <dgm:t>
+        <a:bodyPr/>
+        <a:lstStyle/>
+        <a:p>
+          <a:endParaRPr lang="ru-RU"/>
+        </a:p>
+      </dgm:t>
+    </dgm:pt>
+    <dgm:pt modelId="{DD72416B-5583-4D82-A0B3-09647AEA024F}">
+      <dgm:prSet phldrT="[Текст]"/>
+      <dgm:spPr/>
+      <dgm:t>
+        <a:bodyPr/>
+        <a:lstStyle/>
+        <a:p>
+          <a:r>
+            <a:rPr lang="ru-RU" dirty="0"/>
+            <a:t>Загрузка фильмов </a:t>
+          </a:r>
+          <a:r>
+            <a:rPr lang="en-US" dirty="0"/>
+            <a:t>/ </a:t>
+          </a:r>
+          <a:r>
+            <a:rPr lang="ru-RU" dirty="0"/>
+            <a:t>сериалов и их управление пользователями</a:t>
+          </a:r>
+        </a:p>
+      </dgm:t>
+    </dgm:pt>
+    <dgm:pt modelId="{EF266F4A-D48E-44D8-8F25-A831BE6F5A56}" type="parTrans" cxnId="{FB3ABE46-4492-4E89-8BDC-C57C5BFBBA1C}">
+      <dgm:prSet/>
+      <dgm:spPr/>
+      <dgm:t>
+        <a:bodyPr/>
+        <a:lstStyle/>
+        <a:p>
+          <a:endParaRPr lang="ru-RU"/>
+        </a:p>
+      </dgm:t>
+    </dgm:pt>
+    <dgm:pt modelId="{1D2873E7-241D-483F-BCB7-593C799FB6C2}" type="sibTrans" cxnId="{FB3ABE46-4492-4E89-8BDC-C57C5BFBBA1C}">
+      <dgm:prSet/>
+      <dgm:spPr/>
+      <dgm:t>
+        <a:bodyPr/>
+        <a:lstStyle/>
+        <a:p>
+          <a:endParaRPr lang="ru-RU"/>
+        </a:p>
+      </dgm:t>
+    </dgm:pt>
+    <dgm:pt modelId="{53F544DB-49BC-40EC-B766-04266280E0FE}">
+      <dgm:prSet phldrT="[Текст]"/>
+      <dgm:spPr/>
+      <dgm:t>
+        <a:bodyPr/>
+        <a:lstStyle/>
+        <a:p>
+          <a:r>
+            <a:rPr lang="ru-RU" dirty="0"/>
+            <a:t>Видео плеер, </a:t>
+          </a:r>
+          <a:r>
+            <a:rPr lang="en-US" dirty="0"/>
+            <a:t>HSL</a:t>
+          </a:r>
+          <a:endParaRPr lang="ru-RU" dirty="0"/>
+        </a:p>
+      </dgm:t>
+    </dgm:pt>
+    <dgm:pt modelId="{AAD70A52-CBDE-4584-9AAF-CFFB5CDD8D32}" type="parTrans" cxnId="{B918AED8-5A6E-4257-A33A-FF019BE403AD}">
+      <dgm:prSet/>
+      <dgm:spPr/>
+      <dgm:t>
+        <a:bodyPr/>
+        <a:lstStyle/>
+        <a:p>
+          <a:endParaRPr lang="ru-RU"/>
+        </a:p>
+      </dgm:t>
+    </dgm:pt>
+    <dgm:pt modelId="{71569B1E-D02B-4D94-9D3C-27EF8F6AC8F3}" type="sibTrans" cxnId="{B918AED8-5A6E-4257-A33A-FF019BE403AD}">
+      <dgm:prSet/>
+      <dgm:spPr/>
+      <dgm:t>
+        <a:bodyPr/>
+        <a:lstStyle/>
+        <a:p>
+          <a:endParaRPr lang="ru-RU"/>
+        </a:p>
+      </dgm:t>
+    </dgm:pt>
+    <dgm:pt modelId="{A6EEDA0C-1F1A-4AF5-AA11-0E922A8F99F0}">
+      <dgm:prSet phldrT="[Текст]"/>
+      <dgm:spPr/>
+      <dgm:t>
+        <a:bodyPr/>
+        <a:lstStyle/>
+        <a:p>
+          <a:r>
+            <a:rPr lang="ru-RU" dirty="0"/>
+            <a:t>Обработка ошибок</a:t>
+          </a:r>
+        </a:p>
+      </dgm:t>
+    </dgm:pt>
+    <dgm:pt modelId="{A1EAE152-236D-4ACE-9A50-AB7A54195A8D}" type="parTrans" cxnId="{E03E4E0E-53D9-48E2-B297-1260BB438CB4}">
+      <dgm:prSet/>
+      <dgm:spPr/>
+      <dgm:t>
+        <a:bodyPr/>
+        <a:lstStyle/>
+        <a:p>
+          <a:endParaRPr lang="ru-RU"/>
+        </a:p>
+      </dgm:t>
+    </dgm:pt>
+    <dgm:pt modelId="{2F2CC8A4-4B56-4432-A878-5C3C996EC824}" type="sibTrans" cxnId="{E03E4E0E-53D9-48E2-B297-1260BB438CB4}">
+      <dgm:prSet/>
+      <dgm:spPr/>
+      <dgm:t>
+        <a:bodyPr/>
+        <a:lstStyle/>
+        <a:p>
+          <a:endParaRPr lang="ru-RU"/>
+        </a:p>
+      </dgm:t>
+    </dgm:pt>
+    <dgm:pt modelId="{358D7AE4-97D5-4813-94A2-5EC6EC88BE58}" type="pres">
+      <dgm:prSet presAssocID="{F83CFE1B-7F45-4AB3-956A-8BE9A5CB4EE8}" presName="Name0" presStyleCnt="0">
+        <dgm:presLayoutVars>
+          <dgm:dir/>
+          <dgm:animLvl val="lvl"/>
+          <dgm:resizeHandles val="exact"/>
+        </dgm:presLayoutVars>
+      </dgm:prSet>
+      <dgm:spPr/>
+    </dgm:pt>
+    <dgm:pt modelId="{CE96A567-3DE1-4BB1-886B-6A4454D61E97}" type="pres">
+      <dgm:prSet presAssocID="{E9A00E2A-8676-47BD-A2A9-B36940A4EFC8}" presName="composite" presStyleCnt="0"/>
+      <dgm:spPr/>
+    </dgm:pt>
+    <dgm:pt modelId="{83A3DD26-56EB-4ED1-AD4C-4C6FA372CB1C}" type="pres">
+      <dgm:prSet presAssocID="{E9A00E2A-8676-47BD-A2A9-B36940A4EFC8}" presName="parTx" presStyleLbl="alignNode1" presStyleIdx="0" presStyleCnt="3">
+        <dgm:presLayoutVars>
+          <dgm:chMax val="0"/>
+          <dgm:chPref val="0"/>
+          <dgm:bulletEnabled val="1"/>
+        </dgm:presLayoutVars>
+      </dgm:prSet>
+      <dgm:spPr/>
+    </dgm:pt>
+    <dgm:pt modelId="{DE7308F5-BEBA-463A-AEB8-7A0F1B2852AA}" type="pres">
+      <dgm:prSet presAssocID="{E9A00E2A-8676-47BD-A2A9-B36940A4EFC8}" presName="desTx" presStyleLbl="alignAccFollowNode1" presStyleIdx="0" presStyleCnt="3">
+        <dgm:presLayoutVars>
+          <dgm:bulletEnabled val="1"/>
+        </dgm:presLayoutVars>
+      </dgm:prSet>
+      <dgm:spPr/>
+    </dgm:pt>
+    <dgm:pt modelId="{B158096E-EA51-4B36-A3CD-37C18258BA69}" type="pres">
+      <dgm:prSet presAssocID="{4C71B791-B219-4152-B011-9F2FB0E748F5}" presName="space" presStyleCnt="0"/>
+      <dgm:spPr/>
+    </dgm:pt>
+    <dgm:pt modelId="{2F1D80FE-4B07-4795-96ED-DE6B0034141C}" type="pres">
+      <dgm:prSet presAssocID="{AACD6C7F-482D-4E01-A192-6483ACE4DF18}" presName="composite" presStyleCnt="0"/>
+      <dgm:spPr/>
+    </dgm:pt>
+    <dgm:pt modelId="{3FE3C061-66C5-45D9-9CC5-3F23315E5EE0}" type="pres">
+      <dgm:prSet presAssocID="{AACD6C7F-482D-4E01-A192-6483ACE4DF18}" presName="parTx" presStyleLbl="alignNode1" presStyleIdx="1" presStyleCnt="3">
+        <dgm:presLayoutVars>
+          <dgm:chMax val="0"/>
+          <dgm:chPref val="0"/>
+          <dgm:bulletEnabled val="1"/>
+        </dgm:presLayoutVars>
+      </dgm:prSet>
+      <dgm:spPr/>
+    </dgm:pt>
+    <dgm:pt modelId="{2F8C77E1-EC97-4695-A4EE-3A3D5682897E}" type="pres">
+      <dgm:prSet presAssocID="{AACD6C7F-482D-4E01-A192-6483ACE4DF18}" presName="desTx" presStyleLbl="alignAccFollowNode1" presStyleIdx="1" presStyleCnt="3">
+        <dgm:presLayoutVars>
+          <dgm:bulletEnabled val="1"/>
+        </dgm:presLayoutVars>
+      </dgm:prSet>
+      <dgm:spPr/>
+    </dgm:pt>
+    <dgm:pt modelId="{347B9C24-7AB1-434E-AF19-A022843EB82E}" type="pres">
+      <dgm:prSet presAssocID="{957F49CD-EE7A-4B7B-9E84-48D76426DEB2}" presName="space" presStyleCnt="0"/>
+      <dgm:spPr/>
+    </dgm:pt>
+    <dgm:pt modelId="{0F670995-D70E-4E41-8626-9043E5AEA731}" type="pres">
+      <dgm:prSet presAssocID="{B7EC1A3B-E4A3-4ECA-A5F6-3C36E86FF805}" presName="composite" presStyleCnt="0"/>
+      <dgm:spPr/>
+    </dgm:pt>
+    <dgm:pt modelId="{DBF5A014-AEE4-4882-8FCF-8D6D9036DDDD}" type="pres">
+      <dgm:prSet presAssocID="{B7EC1A3B-E4A3-4ECA-A5F6-3C36E86FF805}" presName="parTx" presStyleLbl="alignNode1" presStyleIdx="2" presStyleCnt="3">
+        <dgm:presLayoutVars>
+          <dgm:chMax val="0"/>
+          <dgm:chPref val="0"/>
+          <dgm:bulletEnabled val="1"/>
+        </dgm:presLayoutVars>
+      </dgm:prSet>
+      <dgm:spPr/>
+    </dgm:pt>
+    <dgm:pt modelId="{BB7E95DB-DC7F-4AA9-BEFF-3E20FDDE2723}" type="pres">
+      <dgm:prSet presAssocID="{B7EC1A3B-E4A3-4ECA-A5F6-3C36E86FF805}" presName="desTx" presStyleLbl="alignAccFollowNode1" presStyleIdx="2" presStyleCnt="3">
+        <dgm:presLayoutVars>
+          <dgm:bulletEnabled val="1"/>
+        </dgm:presLayoutVars>
+      </dgm:prSet>
+      <dgm:spPr/>
+    </dgm:pt>
+  </dgm:ptLst>
+  <dgm:cxnLst>
+    <dgm:cxn modelId="{60215C08-E77E-4ED6-9A02-32A1A560F540}" type="presOf" srcId="{DD72416B-5583-4D82-A0B3-09647AEA024F}" destId="{DE7308F5-BEBA-463A-AEB8-7A0F1B2852AA}" srcOrd="0" destOrd="3" presId="urn:microsoft.com/office/officeart/2005/8/layout/hList1"/>
+    <dgm:cxn modelId="{E03E4E0E-53D9-48E2-B297-1260BB438CB4}" srcId="{E9A00E2A-8676-47BD-A2A9-B36940A4EFC8}" destId="{A6EEDA0C-1F1A-4AF5-AA11-0E922A8F99F0}" srcOrd="5" destOrd="0" parTransId="{A1EAE152-236D-4ACE-9A50-AB7A54195A8D}" sibTransId="{2F2CC8A4-4B56-4432-A878-5C3C996EC824}"/>
+    <dgm:cxn modelId="{A17C6212-B08C-47C4-A65D-FA524694C890}" type="presOf" srcId="{AACD6C7F-482D-4E01-A192-6483ACE4DF18}" destId="{3FE3C061-66C5-45D9-9CC5-3F23315E5EE0}" srcOrd="0" destOrd="0" presId="urn:microsoft.com/office/officeart/2005/8/layout/hList1"/>
+    <dgm:cxn modelId="{6537A112-E013-4D76-9126-DCB134B9753F}" srcId="{AACD6C7F-482D-4E01-A192-6483ACE4DF18}" destId="{08DDA68B-88A9-4337-97B3-3A85B87CFFB8}" srcOrd="0" destOrd="0" parTransId="{E57737ED-5BA3-4AF6-AB9F-FF36A4EEA830}" sibTransId="{2053AD58-BC62-4FBE-85BA-C6E6E7E73215}"/>
+    <dgm:cxn modelId="{53198C17-52E9-4183-9051-D66ECFDDD957}" type="presOf" srcId="{C9378E73-E64C-4E1C-B862-DBC646789A36}" destId="{BB7E95DB-DC7F-4AA9-BEFF-3E20FDDE2723}" srcOrd="0" destOrd="0" presId="urn:microsoft.com/office/officeart/2005/8/layout/hList1"/>
+    <dgm:cxn modelId="{A4F4C82F-035A-4788-ABE4-3DF9D8BDB602}" type="presOf" srcId="{F7ADB2B3-3B4B-4C20-9C74-9574828F091E}" destId="{DE7308F5-BEBA-463A-AEB8-7A0F1B2852AA}" srcOrd="0" destOrd="0" presId="urn:microsoft.com/office/officeart/2005/8/layout/hList1"/>
+    <dgm:cxn modelId="{FB3ABE46-4492-4E89-8BDC-C57C5BFBBA1C}" srcId="{E9A00E2A-8676-47BD-A2A9-B36940A4EFC8}" destId="{DD72416B-5583-4D82-A0B3-09647AEA024F}" srcOrd="3" destOrd="0" parTransId="{EF266F4A-D48E-44D8-8F25-A831BE6F5A56}" sibTransId="{1D2873E7-241D-483F-BCB7-593C799FB6C2}"/>
+    <dgm:cxn modelId="{0A14E048-FBE3-46C2-B705-0629C367AC29}" type="presOf" srcId="{B7EC1A3B-E4A3-4ECA-A5F6-3C36E86FF805}" destId="{DBF5A014-AEE4-4882-8FCF-8D6D9036DDDD}" srcOrd="0" destOrd="0" presId="urn:microsoft.com/office/officeart/2005/8/layout/hList1"/>
+    <dgm:cxn modelId="{1E6D9D79-E42C-4B79-AD03-148FBCC1E86F}" srcId="{E9A00E2A-8676-47BD-A2A9-B36940A4EFC8}" destId="{2D66FA9D-5AC5-49F5-B14E-E977E2976F16}" srcOrd="1" destOrd="0" parTransId="{A5829A66-5E3C-4E89-A766-58E92886BD26}" sibTransId="{7953C9D0-6F20-415A-AF23-017B4201DCFA}"/>
+    <dgm:cxn modelId="{98490281-17C6-4E14-8D04-36CD61119534}" type="presOf" srcId="{08DDA68B-88A9-4337-97B3-3A85B87CFFB8}" destId="{2F8C77E1-EC97-4695-A4EE-3A3D5682897E}" srcOrd="0" destOrd="0" presId="urn:microsoft.com/office/officeart/2005/8/layout/hList1"/>
+    <dgm:cxn modelId="{6F297681-6802-4D65-AC0D-4076FE081F35}" srcId="{E9A00E2A-8676-47BD-A2A9-B36940A4EFC8}" destId="{8084F236-ECC4-46A5-8B48-BF14CE418870}" srcOrd="2" destOrd="0" parTransId="{16B605AF-984B-4BAB-AC51-A54E130FDC58}" sibTransId="{5E40CCB2-CD39-41C6-A673-15332A846C27}"/>
+    <dgm:cxn modelId="{AA3DE688-C0E7-4525-BB94-B4B8A4CCA68A}" type="presOf" srcId="{E9A00E2A-8676-47BD-A2A9-B36940A4EFC8}" destId="{83A3DD26-56EB-4ED1-AD4C-4C6FA372CB1C}" srcOrd="0" destOrd="0" presId="urn:microsoft.com/office/officeart/2005/8/layout/hList1"/>
+    <dgm:cxn modelId="{E77598AD-CBE2-4E93-98C9-6AAD247BF178}" srcId="{F83CFE1B-7F45-4AB3-956A-8BE9A5CB4EE8}" destId="{B7EC1A3B-E4A3-4ECA-A5F6-3C36E86FF805}" srcOrd="2" destOrd="0" parTransId="{1CF8BB1C-3BEC-427A-8BF9-FE47F01098A0}" sibTransId="{038A1977-4DDE-4A18-9ADA-C9A90693ED66}"/>
+    <dgm:cxn modelId="{815A7EB0-E565-4573-99D1-69C8220B68DB}" type="presOf" srcId="{A6EEDA0C-1F1A-4AF5-AA11-0E922A8F99F0}" destId="{DE7308F5-BEBA-463A-AEB8-7A0F1B2852AA}" srcOrd="0" destOrd="5" presId="urn:microsoft.com/office/officeart/2005/8/layout/hList1"/>
+    <dgm:cxn modelId="{873447B3-42DF-48F0-9AD4-E6BEA265A8A1}" srcId="{F83CFE1B-7F45-4AB3-956A-8BE9A5CB4EE8}" destId="{E9A00E2A-8676-47BD-A2A9-B36940A4EFC8}" srcOrd="0" destOrd="0" parTransId="{B4880C01-520D-4FFF-82D9-A1EC55AAEFB5}" sibTransId="{4C71B791-B219-4152-B011-9F2FB0E748F5}"/>
+    <dgm:cxn modelId="{F97896BA-3305-4506-BE9D-11B997296C85}" srcId="{E9A00E2A-8676-47BD-A2A9-B36940A4EFC8}" destId="{F7ADB2B3-3B4B-4C20-9C74-9574828F091E}" srcOrd="0" destOrd="0" parTransId="{D49645AE-7E94-480C-AFF5-A3F72D6964AA}" sibTransId="{9BBB6A47-59E6-4ED4-A9E9-1C64F6060CC3}"/>
+    <dgm:cxn modelId="{FE4207D7-1692-42A6-A84D-E6E070505ECE}" type="presOf" srcId="{53F544DB-49BC-40EC-B766-04266280E0FE}" destId="{DE7308F5-BEBA-463A-AEB8-7A0F1B2852AA}" srcOrd="0" destOrd="4" presId="urn:microsoft.com/office/officeart/2005/8/layout/hList1"/>
+    <dgm:cxn modelId="{B918AED8-5A6E-4257-A33A-FF019BE403AD}" srcId="{E9A00E2A-8676-47BD-A2A9-B36940A4EFC8}" destId="{53F544DB-49BC-40EC-B766-04266280E0FE}" srcOrd="4" destOrd="0" parTransId="{AAD70A52-CBDE-4584-9AAF-CFFB5CDD8D32}" sibTransId="{71569B1E-D02B-4D94-9D3C-27EF8F6AC8F3}"/>
+    <dgm:cxn modelId="{FDB76ADA-8927-4CE2-9B81-31E8D0C6096B}" srcId="{AACD6C7F-482D-4E01-A192-6483ACE4DF18}" destId="{CCDF54B0-2DF7-4BA2-9D75-E5D6B69CFB03}" srcOrd="1" destOrd="0" parTransId="{94F0AFC8-16E0-4B67-9E8E-C3AFFD7FB800}" sibTransId="{98E0F04A-8642-45D0-8F47-B16478A1898A}"/>
+    <dgm:cxn modelId="{4F3210E2-1DB1-471D-AD01-9B8788C1195B}" type="presOf" srcId="{F83CFE1B-7F45-4AB3-956A-8BE9A5CB4EE8}" destId="{358D7AE4-97D5-4813-94A2-5EC6EC88BE58}" srcOrd="0" destOrd="0" presId="urn:microsoft.com/office/officeart/2005/8/layout/hList1"/>
+    <dgm:cxn modelId="{356B3AE4-2310-4A23-8847-FF45B99EE421}" type="presOf" srcId="{CCDF54B0-2DF7-4BA2-9D75-E5D6B69CFB03}" destId="{2F8C77E1-EC97-4695-A4EE-3A3D5682897E}" srcOrd="0" destOrd="1" presId="urn:microsoft.com/office/officeart/2005/8/layout/hList1"/>
+    <dgm:cxn modelId="{9BD7DDEA-F265-42B9-9810-8420B2F5ABB2}" srcId="{B7EC1A3B-E4A3-4ECA-A5F6-3C36E86FF805}" destId="{C9378E73-E64C-4E1C-B862-DBC646789A36}" srcOrd="0" destOrd="0" parTransId="{9F027F4D-1A12-4F0A-88E8-5A54136B90AF}" sibTransId="{5EBC67D0-68CD-42EF-8489-0656FB6D61C7}"/>
+    <dgm:cxn modelId="{7C2C4EF1-7536-45C2-B077-96FC42152682}" type="presOf" srcId="{8084F236-ECC4-46A5-8B48-BF14CE418870}" destId="{DE7308F5-BEBA-463A-AEB8-7A0F1B2852AA}" srcOrd="0" destOrd="2" presId="urn:microsoft.com/office/officeart/2005/8/layout/hList1"/>
+    <dgm:cxn modelId="{6CC10EF7-7E9E-45D0-8123-0E37DE8C33AD}" type="presOf" srcId="{2D66FA9D-5AC5-49F5-B14E-E977E2976F16}" destId="{DE7308F5-BEBA-463A-AEB8-7A0F1B2852AA}" srcOrd="0" destOrd="1" presId="urn:microsoft.com/office/officeart/2005/8/layout/hList1"/>
+    <dgm:cxn modelId="{D311B8F7-E8CD-4D45-9733-51CA0122D643}" srcId="{F83CFE1B-7F45-4AB3-956A-8BE9A5CB4EE8}" destId="{AACD6C7F-482D-4E01-A192-6483ACE4DF18}" srcOrd="1" destOrd="0" parTransId="{45D2BEF0-FC97-4F2C-AB5B-124C8D27911E}" sibTransId="{957F49CD-EE7A-4B7B-9E84-48D76426DEB2}"/>
+    <dgm:cxn modelId="{4F97B375-6B44-431E-8327-5545BA51B31E}" type="presParOf" srcId="{358D7AE4-97D5-4813-94A2-5EC6EC88BE58}" destId="{CE96A567-3DE1-4BB1-886B-6A4454D61E97}" srcOrd="0" destOrd="0" presId="urn:microsoft.com/office/officeart/2005/8/layout/hList1"/>
+    <dgm:cxn modelId="{D94AF3B5-5E05-43D9-A671-073F3E300915}" type="presParOf" srcId="{CE96A567-3DE1-4BB1-886B-6A4454D61E97}" destId="{83A3DD26-56EB-4ED1-AD4C-4C6FA372CB1C}" srcOrd="0" destOrd="0" presId="urn:microsoft.com/office/officeart/2005/8/layout/hList1"/>
+    <dgm:cxn modelId="{725BC0CD-86AE-437C-A4DA-E5FB87ED64EE}" type="presParOf" srcId="{CE96A567-3DE1-4BB1-886B-6A4454D61E97}" destId="{DE7308F5-BEBA-463A-AEB8-7A0F1B2852AA}" srcOrd="1" destOrd="0" presId="urn:microsoft.com/office/officeart/2005/8/layout/hList1"/>
+    <dgm:cxn modelId="{6C7D4D42-F01C-4C7C-ADF6-253D6EB3F663}" type="presParOf" srcId="{358D7AE4-97D5-4813-94A2-5EC6EC88BE58}" destId="{B158096E-EA51-4B36-A3CD-37C18258BA69}" srcOrd="1" destOrd="0" presId="urn:microsoft.com/office/officeart/2005/8/layout/hList1"/>
+    <dgm:cxn modelId="{2157C536-1E91-494E-8768-BDBCB5A6905A}" type="presParOf" srcId="{358D7AE4-97D5-4813-94A2-5EC6EC88BE58}" destId="{2F1D80FE-4B07-4795-96ED-DE6B0034141C}" srcOrd="2" destOrd="0" presId="urn:microsoft.com/office/officeart/2005/8/layout/hList1"/>
+    <dgm:cxn modelId="{A5D46925-C224-43D7-9AA1-030219F08A15}" type="presParOf" srcId="{2F1D80FE-4B07-4795-96ED-DE6B0034141C}" destId="{3FE3C061-66C5-45D9-9CC5-3F23315E5EE0}" srcOrd="0" destOrd="0" presId="urn:microsoft.com/office/officeart/2005/8/layout/hList1"/>
+    <dgm:cxn modelId="{5F9EFCED-98ED-42AB-ABF3-138AD28CE75A}" type="presParOf" srcId="{2F1D80FE-4B07-4795-96ED-DE6B0034141C}" destId="{2F8C77E1-EC97-4695-A4EE-3A3D5682897E}" srcOrd="1" destOrd="0" presId="urn:microsoft.com/office/officeart/2005/8/layout/hList1"/>
+    <dgm:cxn modelId="{38A5D1AF-4BC5-443C-A641-E9D8D10A9FFC}" type="presParOf" srcId="{358D7AE4-97D5-4813-94A2-5EC6EC88BE58}" destId="{347B9C24-7AB1-434E-AF19-A022843EB82E}" srcOrd="3" destOrd="0" presId="urn:microsoft.com/office/officeart/2005/8/layout/hList1"/>
+    <dgm:cxn modelId="{7C9DF59D-6E12-4B54-9753-CDE7882D7C3B}" type="presParOf" srcId="{358D7AE4-97D5-4813-94A2-5EC6EC88BE58}" destId="{0F670995-D70E-4E41-8626-9043E5AEA731}" srcOrd="4" destOrd="0" presId="urn:microsoft.com/office/officeart/2005/8/layout/hList1"/>
+    <dgm:cxn modelId="{DE97EAC3-33C3-4AD0-9081-4AD294292823}" type="presParOf" srcId="{0F670995-D70E-4E41-8626-9043E5AEA731}" destId="{DBF5A014-AEE4-4882-8FCF-8D6D9036DDDD}" srcOrd="0" destOrd="0" presId="urn:microsoft.com/office/officeart/2005/8/layout/hList1"/>
+    <dgm:cxn modelId="{7FDCE7EC-6F20-4B00-8453-332BD1531BCD}" type="presParOf" srcId="{0F670995-D70E-4E41-8626-9043E5AEA731}" destId="{BB7E95DB-DC7F-4AA9-BEFF-3E20FDDE2723}" srcOrd="1" destOrd="0" presId="urn:microsoft.com/office/officeart/2005/8/layout/hList1"/>
   </dgm:cxnLst>
   <dgm:bg/>
   <dgm:whole/>
@@ -6956,6 +8310,627 @@
 </dsp:drawing>
 </file>
 
+<file path=ppt/diagrams/drawing4.xml><?xml version="1.0" encoding="utf-8"?>
+<dsp:drawing xmlns:dgm="http://schemas.openxmlformats.org/drawingml/2006/diagram" xmlns:dsp="http://schemas.microsoft.com/office/drawing/2008/diagram" xmlns:a="http://schemas.openxmlformats.org/drawingml/2006/main">
+  <dsp:spTree>
+    <dsp:nvGrpSpPr>
+      <dsp:cNvPr id="0" name=""/>
+      <dsp:cNvGrpSpPr/>
+    </dsp:nvGrpSpPr>
+    <dsp:grpSpPr/>
+    <dsp:sp modelId="{83A3DD26-56EB-4ED1-AD4C-4C6FA372CB1C}">
+      <dsp:nvSpPr>
+        <dsp:cNvPr id="0" name=""/>
+        <dsp:cNvSpPr/>
+      </dsp:nvSpPr>
+      <dsp:spPr>
+        <a:xfrm>
+          <a:off x="3286" y="28629"/>
+          <a:ext cx="3203971" cy="604800"/>
+        </a:xfrm>
+        <a:prstGeom prst="rect">
+          <a:avLst/>
+        </a:prstGeom>
+        <a:solidFill>
+          <a:schemeClr val="accent1">
+            <a:hueOff val="0"/>
+            <a:satOff val="0"/>
+            <a:lumOff val="0"/>
+            <a:alphaOff val="0"/>
+          </a:schemeClr>
+        </a:solidFill>
+        <a:ln w="12700" cap="flat" cmpd="sng" algn="ctr">
+          <a:solidFill>
+            <a:schemeClr val="accent1">
+              <a:hueOff val="0"/>
+              <a:satOff val="0"/>
+              <a:lumOff val="0"/>
+              <a:alphaOff val="0"/>
+            </a:schemeClr>
+          </a:solidFill>
+          <a:prstDash val="solid"/>
+          <a:miter lim="800000"/>
+        </a:ln>
+        <a:effectLst/>
+      </dsp:spPr>
+      <dsp:style>
+        <a:lnRef idx="2">
+          <a:scrgbClr r="0" g="0" b="0"/>
+        </a:lnRef>
+        <a:fillRef idx="1">
+          <a:scrgbClr r="0" g="0" b="0"/>
+        </a:fillRef>
+        <a:effectRef idx="0">
+          <a:scrgbClr r="0" g="0" b="0"/>
+        </a:effectRef>
+        <a:fontRef idx="minor">
+          <a:schemeClr val="lt1"/>
+        </a:fontRef>
+      </dsp:style>
+      <dsp:txBody>
+        <a:bodyPr spcFirstLastPara="0" vert="horz" wrap="square" lIns="149352" tIns="85344" rIns="149352" bIns="85344" numCol="1" spcCol="1270" anchor="ctr" anchorCtr="0">
+          <a:noAutofit/>
+        </a:bodyPr>
+        <a:lstStyle/>
+        <a:p>
+          <a:pPr marL="0" lvl="0" indent="0" algn="ctr" defTabSz="933450">
+            <a:lnSpc>
+              <a:spcPct val="90000"/>
+            </a:lnSpc>
+            <a:spcBef>
+              <a:spcPct val="0"/>
+            </a:spcBef>
+            <a:spcAft>
+              <a:spcPct val="35000"/>
+            </a:spcAft>
+            <a:buNone/>
+          </a:pPr>
+          <a:r>
+            <a:rPr lang="ru-RU" sz="2100" kern="1200" dirty="0"/>
+            <a:t>Савельев Александр</a:t>
+          </a:r>
+        </a:p>
+      </dsp:txBody>
+      <dsp:txXfrm>
+        <a:off x="3286" y="28629"/>
+        <a:ext cx="3203971" cy="604800"/>
+      </dsp:txXfrm>
+    </dsp:sp>
+    <dsp:sp modelId="{DE7308F5-BEBA-463A-AEB8-7A0F1B2852AA}">
+      <dsp:nvSpPr>
+        <dsp:cNvPr id="0" name=""/>
+        <dsp:cNvSpPr/>
+      </dsp:nvSpPr>
+      <dsp:spPr>
+        <a:xfrm>
+          <a:off x="3286" y="633429"/>
+          <a:ext cx="3203971" cy="3689280"/>
+        </a:xfrm>
+        <a:prstGeom prst="rect">
+          <a:avLst/>
+        </a:prstGeom>
+        <a:solidFill>
+          <a:schemeClr val="accent1">
+            <a:alpha val="90000"/>
+            <a:tint val="40000"/>
+            <a:hueOff val="0"/>
+            <a:satOff val="0"/>
+            <a:lumOff val="0"/>
+            <a:alphaOff val="0"/>
+          </a:schemeClr>
+        </a:solidFill>
+        <a:ln w="12700" cap="flat" cmpd="sng" algn="ctr">
+          <a:solidFill>
+            <a:schemeClr val="accent1">
+              <a:alpha val="90000"/>
+              <a:tint val="40000"/>
+              <a:hueOff val="0"/>
+              <a:satOff val="0"/>
+              <a:lumOff val="0"/>
+              <a:alphaOff val="0"/>
+            </a:schemeClr>
+          </a:solidFill>
+          <a:prstDash val="solid"/>
+          <a:miter lim="800000"/>
+        </a:ln>
+        <a:effectLst/>
+      </dsp:spPr>
+      <dsp:style>
+        <a:lnRef idx="2">
+          <a:scrgbClr r="0" g="0" b="0"/>
+        </a:lnRef>
+        <a:fillRef idx="1">
+          <a:scrgbClr r="0" g="0" b="0"/>
+        </a:fillRef>
+        <a:effectRef idx="0">
+          <a:scrgbClr r="0" g="0" b="0"/>
+        </a:effectRef>
+        <a:fontRef idx="minor"/>
+      </dsp:style>
+      <dsp:txBody>
+        <a:bodyPr spcFirstLastPara="0" vert="horz" wrap="square" lIns="112014" tIns="112014" rIns="149352" bIns="168021" numCol="1" spcCol="1270" anchor="t" anchorCtr="0">
+          <a:noAutofit/>
+        </a:bodyPr>
+        <a:lstStyle/>
+        <a:p>
+          <a:pPr marL="228600" lvl="1" indent="-228600" algn="l" defTabSz="933450">
+            <a:lnSpc>
+              <a:spcPct val="90000"/>
+            </a:lnSpc>
+            <a:spcBef>
+              <a:spcPct val="0"/>
+            </a:spcBef>
+            <a:spcAft>
+              <a:spcPct val="15000"/>
+            </a:spcAft>
+            <a:buChar char="•"/>
+          </a:pPr>
+          <a:r>
+            <a:rPr lang="en-US" sz="2100" kern="1200" dirty="0"/>
+            <a:t>Frontend</a:t>
+          </a:r>
+          <a:endParaRPr lang="ru-RU" sz="2100" kern="1200" dirty="0"/>
+        </a:p>
+        <a:p>
+          <a:pPr marL="228600" lvl="1" indent="-228600" algn="l" defTabSz="933450">
+            <a:lnSpc>
+              <a:spcPct val="90000"/>
+            </a:lnSpc>
+            <a:spcBef>
+              <a:spcPct val="0"/>
+            </a:spcBef>
+            <a:spcAft>
+              <a:spcPct val="15000"/>
+            </a:spcAft>
+            <a:buChar char="•"/>
+          </a:pPr>
+          <a:r>
+            <a:rPr lang="ru-RU" sz="2100" kern="1200" dirty="0"/>
+            <a:t>Базы данных</a:t>
+          </a:r>
+        </a:p>
+        <a:p>
+          <a:pPr marL="228600" lvl="1" indent="-228600" algn="l" defTabSz="933450">
+            <a:lnSpc>
+              <a:spcPct val="90000"/>
+            </a:lnSpc>
+            <a:spcBef>
+              <a:spcPct val="0"/>
+            </a:spcBef>
+            <a:spcAft>
+              <a:spcPct val="15000"/>
+            </a:spcAft>
+            <a:buChar char="•"/>
+          </a:pPr>
+          <a:r>
+            <a:rPr lang="ru-RU" sz="2100" kern="1200" dirty="0"/>
+            <a:t>Авторизация пользователей</a:t>
+          </a:r>
+        </a:p>
+        <a:p>
+          <a:pPr marL="228600" lvl="1" indent="-228600" algn="l" defTabSz="933450">
+            <a:lnSpc>
+              <a:spcPct val="90000"/>
+            </a:lnSpc>
+            <a:spcBef>
+              <a:spcPct val="0"/>
+            </a:spcBef>
+            <a:spcAft>
+              <a:spcPct val="15000"/>
+            </a:spcAft>
+            <a:buChar char="•"/>
+          </a:pPr>
+          <a:r>
+            <a:rPr lang="ru-RU" sz="2100" kern="1200" dirty="0"/>
+            <a:t>Загрузка фильмов </a:t>
+          </a:r>
+          <a:r>
+            <a:rPr lang="en-US" sz="2100" kern="1200" dirty="0"/>
+            <a:t>/ </a:t>
+          </a:r>
+          <a:r>
+            <a:rPr lang="ru-RU" sz="2100" kern="1200" dirty="0"/>
+            <a:t>сериалов и их управление пользователями</a:t>
+          </a:r>
+        </a:p>
+        <a:p>
+          <a:pPr marL="228600" lvl="1" indent="-228600" algn="l" defTabSz="933450">
+            <a:lnSpc>
+              <a:spcPct val="90000"/>
+            </a:lnSpc>
+            <a:spcBef>
+              <a:spcPct val="0"/>
+            </a:spcBef>
+            <a:spcAft>
+              <a:spcPct val="15000"/>
+            </a:spcAft>
+            <a:buChar char="•"/>
+          </a:pPr>
+          <a:r>
+            <a:rPr lang="ru-RU" sz="2100" kern="1200" dirty="0"/>
+            <a:t>Видео плеер, </a:t>
+          </a:r>
+          <a:r>
+            <a:rPr lang="en-US" sz="2100" kern="1200" dirty="0"/>
+            <a:t>HSL</a:t>
+          </a:r>
+          <a:endParaRPr lang="ru-RU" sz="2100" kern="1200" dirty="0"/>
+        </a:p>
+        <a:p>
+          <a:pPr marL="228600" lvl="1" indent="-228600" algn="l" defTabSz="933450">
+            <a:lnSpc>
+              <a:spcPct val="90000"/>
+            </a:lnSpc>
+            <a:spcBef>
+              <a:spcPct val="0"/>
+            </a:spcBef>
+            <a:spcAft>
+              <a:spcPct val="15000"/>
+            </a:spcAft>
+            <a:buChar char="•"/>
+          </a:pPr>
+          <a:r>
+            <a:rPr lang="ru-RU" sz="2100" kern="1200" dirty="0"/>
+            <a:t>Обработка ошибок</a:t>
+          </a:r>
+        </a:p>
+      </dsp:txBody>
+      <dsp:txXfrm>
+        <a:off x="3286" y="633429"/>
+        <a:ext cx="3203971" cy="3689280"/>
+      </dsp:txXfrm>
+    </dsp:sp>
+    <dsp:sp modelId="{3FE3C061-66C5-45D9-9CC5-3F23315E5EE0}">
+      <dsp:nvSpPr>
+        <dsp:cNvPr id="0" name=""/>
+        <dsp:cNvSpPr/>
+      </dsp:nvSpPr>
+      <dsp:spPr>
+        <a:xfrm>
+          <a:off x="3655814" y="28629"/>
+          <a:ext cx="3203971" cy="604800"/>
+        </a:xfrm>
+        <a:prstGeom prst="rect">
+          <a:avLst/>
+        </a:prstGeom>
+        <a:solidFill>
+          <a:schemeClr val="accent1">
+            <a:hueOff val="0"/>
+            <a:satOff val="0"/>
+            <a:lumOff val="0"/>
+            <a:alphaOff val="0"/>
+          </a:schemeClr>
+        </a:solidFill>
+        <a:ln w="12700" cap="flat" cmpd="sng" algn="ctr">
+          <a:solidFill>
+            <a:schemeClr val="accent1">
+              <a:hueOff val="0"/>
+              <a:satOff val="0"/>
+              <a:lumOff val="0"/>
+              <a:alphaOff val="0"/>
+            </a:schemeClr>
+          </a:solidFill>
+          <a:prstDash val="solid"/>
+          <a:miter lim="800000"/>
+        </a:ln>
+        <a:effectLst/>
+      </dsp:spPr>
+      <dsp:style>
+        <a:lnRef idx="2">
+          <a:scrgbClr r="0" g="0" b="0"/>
+        </a:lnRef>
+        <a:fillRef idx="1">
+          <a:scrgbClr r="0" g="0" b="0"/>
+        </a:fillRef>
+        <a:effectRef idx="0">
+          <a:scrgbClr r="0" g="0" b="0"/>
+        </a:effectRef>
+        <a:fontRef idx="minor">
+          <a:schemeClr val="lt1"/>
+        </a:fontRef>
+      </dsp:style>
+      <dsp:txBody>
+        <a:bodyPr spcFirstLastPara="0" vert="horz" wrap="square" lIns="149352" tIns="85344" rIns="149352" bIns="85344" numCol="1" spcCol="1270" anchor="ctr" anchorCtr="0">
+          <a:noAutofit/>
+        </a:bodyPr>
+        <a:lstStyle/>
+        <a:p>
+          <a:pPr marL="0" lvl="0" indent="0" algn="ctr" defTabSz="933450">
+            <a:lnSpc>
+              <a:spcPct val="90000"/>
+            </a:lnSpc>
+            <a:spcBef>
+              <a:spcPct val="0"/>
+            </a:spcBef>
+            <a:spcAft>
+              <a:spcPct val="35000"/>
+            </a:spcAft>
+            <a:buNone/>
+          </a:pPr>
+          <a:r>
+            <a:rPr lang="ru-RU" sz="2100" kern="1200" dirty="0" err="1"/>
+            <a:t>Колиниченко</a:t>
+          </a:r>
+          <a:r>
+            <a:rPr lang="ru-RU" sz="2100" kern="1200" dirty="0"/>
+            <a:t> Андрей</a:t>
+          </a:r>
+        </a:p>
+      </dsp:txBody>
+      <dsp:txXfrm>
+        <a:off x="3655814" y="28629"/>
+        <a:ext cx="3203971" cy="604800"/>
+      </dsp:txXfrm>
+    </dsp:sp>
+    <dsp:sp modelId="{2F8C77E1-EC97-4695-A4EE-3A3D5682897E}">
+      <dsp:nvSpPr>
+        <dsp:cNvPr id="0" name=""/>
+        <dsp:cNvSpPr/>
+      </dsp:nvSpPr>
+      <dsp:spPr>
+        <a:xfrm>
+          <a:off x="3655814" y="633429"/>
+          <a:ext cx="3203971" cy="3689280"/>
+        </a:xfrm>
+        <a:prstGeom prst="rect">
+          <a:avLst/>
+        </a:prstGeom>
+        <a:solidFill>
+          <a:schemeClr val="accent1">
+            <a:alpha val="90000"/>
+            <a:tint val="40000"/>
+            <a:hueOff val="0"/>
+            <a:satOff val="0"/>
+            <a:lumOff val="0"/>
+            <a:alphaOff val="0"/>
+          </a:schemeClr>
+        </a:solidFill>
+        <a:ln w="12700" cap="flat" cmpd="sng" algn="ctr">
+          <a:solidFill>
+            <a:schemeClr val="accent1">
+              <a:alpha val="90000"/>
+              <a:tint val="40000"/>
+              <a:hueOff val="0"/>
+              <a:satOff val="0"/>
+              <a:lumOff val="0"/>
+              <a:alphaOff val="0"/>
+            </a:schemeClr>
+          </a:solidFill>
+          <a:prstDash val="solid"/>
+          <a:miter lim="800000"/>
+        </a:ln>
+        <a:effectLst/>
+      </dsp:spPr>
+      <dsp:style>
+        <a:lnRef idx="2">
+          <a:scrgbClr r="0" g="0" b="0"/>
+        </a:lnRef>
+        <a:fillRef idx="1">
+          <a:scrgbClr r="0" g="0" b="0"/>
+        </a:fillRef>
+        <a:effectRef idx="0">
+          <a:scrgbClr r="0" g="0" b="0"/>
+        </a:effectRef>
+        <a:fontRef idx="minor"/>
+      </dsp:style>
+      <dsp:txBody>
+        <a:bodyPr spcFirstLastPara="0" vert="horz" wrap="square" lIns="112014" tIns="112014" rIns="149352" bIns="168021" numCol="1" spcCol="1270" anchor="t" anchorCtr="0">
+          <a:noAutofit/>
+        </a:bodyPr>
+        <a:lstStyle/>
+        <a:p>
+          <a:pPr marL="228600" lvl="1" indent="-228600" algn="l" defTabSz="933450">
+            <a:lnSpc>
+              <a:spcPct val="90000"/>
+            </a:lnSpc>
+            <a:spcBef>
+              <a:spcPct val="0"/>
+            </a:spcBef>
+            <a:spcAft>
+              <a:spcPct val="15000"/>
+            </a:spcAft>
+            <a:buChar char="•"/>
+          </a:pPr>
+          <a:r>
+            <a:rPr lang="ru-RU" sz="2100" kern="1200" dirty="0"/>
+            <a:t>Информация о фильмах </a:t>
+          </a:r>
+          <a:r>
+            <a:rPr lang="en-US" sz="2100" kern="1200" dirty="0"/>
+            <a:t>/ </a:t>
+          </a:r>
+          <a:r>
+            <a:rPr lang="ru-RU" sz="2100" kern="1200" dirty="0"/>
+            <a:t>сериалах</a:t>
+          </a:r>
+        </a:p>
+        <a:p>
+          <a:pPr marL="228600" lvl="1" indent="-228600" algn="l" defTabSz="933450">
+            <a:lnSpc>
+              <a:spcPct val="90000"/>
+            </a:lnSpc>
+            <a:spcBef>
+              <a:spcPct val="0"/>
+            </a:spcBef>
+            <a:spcAft>
+              <a:spcPct val="15000"/>
+            </a:spcAft>
+            <a:buChar char="•"/>
+          </a:pPr>
+          <a:r>
+            <a:rPr lang="ru-RU" sz="2100" kern="1200" dirty="0"/>
+            <a:t>Фильтры и сортировки при поиске</a:t>
+          </a:r>
+        </a:p>
+      </dsp:txBody>
+      <dsp:txXfrm>
+        <a:off x="3655814" y="633429"/>
+        <a:ext cx="3203971" cy="3689280"/>
+      </dsp:txXfrm>
+    </dsp:sp>
+    <dsp:sp modelId="{DBF5A014-AEE4-4882-8FCF-8D6D9036DDDD}">
+      <dsp:nvSpPr>
+        <dsp:cNvPr id="0" name=""/>
+        <dsp:cNvSpPr/>
+      </dsp:nvSpPr>
+      <dsp:spPr>
+        <a:xfrm>
+          <a:off x="7308342" y="28629"/>
+          <a:ext cx="3203971" cy="604800"/>
+        </a:xfrm>
+        <a:prstGeom prst="rect">
+          <a:avLst/>
+        </a:prstGeom>
+        <a:solidFill>
+          <a:schemeClr val="accent1">
+            <a:hueOff val="0"/>
+            <a:satOff val="0"/>
+            <a:lumOff val="0"/>
+            <a:alphaOff val="0"/>
+          </a:schemeClr>
+        </a:solidFill>
+        <a:ln w="12700" cap="flat" cmpd="sng" algn="ctr">
+          <a:solidFill>
+            <a:schemeClr val="accent1">
+              <a:hueOff val="0"/>
+              <a:satOff val="0"/>
+              <a:lumOff val="0"/>
+              <a:alphaOff val="0"/>
+            </a:schemeClr>
+          </a:solidFill>
+          <a:prstDash val="solid"/>
+          <a:miter lim="800000"/>
+        </a:ln>
+        <a:effectLst/>
+      </dsp:spPr>
+      <dsp:style>
+        <a:lnRef idx="2">
+          <a:scrgbClr r="0" g="0" b="0"/>
+        </a:lnRef>
+        <a:fillRef idx="1">
+          <a:scrgbClr r="0" g="0" b="0"/>
+        </a:fillRef>
+        <a:effectRef idx="0">
+          <a:scrgbClr r="0" g="0" b="0"/>
+        </a:effectRef>
+        <a:fontRef idx="minor">
+          <a:schemeClr val="lt1"/>
+        </a:fontRef>
+      </dsp:style>
+      <dsp:txBody>
+        <a:bodyPr spcFirstLastPara="0" vert="horz" wrap="square" lIns="149352" tIns="85344" rIns="149352" bIns="85344" numCol="1" spcCol="1270" anchor="ctr" anchorCtr="0">
+          <a:noAutofit/>
+        </a:bodyPr>
+        <a:lstStyle/>
+        <a:p>
+          <a:pPr marL="0" lvl="0" indent="0" algn="ctr" defTabSz="933450">
+            <a:lnSpc>
+              <a:spcPct val="90000"/>
+            </a:lnSpc>
+            <a:spcBef>
+              <a:spcPct val="0"/>
+            </a:spcBef>
+            <a:spcAft>
+              <a:spcPct val="35000"/>
+            </a:spcAft>
+            <a:buNone/>
+          </a:pPr>
+          <a:r>
+            <a:rPr lang="ru-RU" sz="2100" kern="1200" dirty="0"/>
+            <a:t>Комиссаров Роман</a:t>
+          </a:r>
+        </a:p>
+      </dsp:txBody>
+      <dsp:txXfrm>
+        <a:off x="7308342" y="28629"/>
+        <a:ext cx="3203971" cy="604800"/>
+      </dsp:txXfrm>
+    </dsp:sp>
+    <dsp:sp modelId="{BB7E95DB-DC7F-4AA9-BEFF-3E20FDDE2723}">
+      <dsp:nvSpPr>
+        <dsp:cNvPr id="0" name=""/>
+        <dsp:cNvSpPr/>
+      </dsp:nvSpPr>
+      <dsp:spPr>
+        <a:xfrm>
+          <a:off x="7308342" y="633429"/>
+          <a:ext cx="3203971" cy="3689280"/>
+        </a:xfrm>
+        <a:prstGeom prst="rect">
+          <a:avLst/>
+        </a:prstGeom>
+        <a:solidFill>
+          <a:schemeClr val="accent1">
+            <a:alpha val="90000"/>
+            <a:tint val="40000"/>
+            <a:hueOff val="0"/>
+            <a:satOff val="0"/>
+            <a:lumOff val="0"/>
+            <a:alphaOff val="0"/>
+          </a:schemeClr>
+        </a:solidFill>
+        <a:ln w="12700" cap="flat" cmpd="sng" algn="ctr">
+          <a:solidFill>
+            <a:schemeClr val="accent1">
+              <a:alpha val="90000"/>
+              <a:tint val="40000"/>
+              <a:hueOff val="0"/>
+              <a:satOff val="0"/>
+              <a:lumOff val="0"/>
+              <a:alphaOff val="0"/>
+            </a:schemeClr>
+          </a:solidFill>
+          <a:prstDash val="solid"/>
+          <a:miter lim="800000"/>
+        </a:ln>
+        <a:effectLst/>
+      </dsp:spPr>
+      <dsp:style>
+        <a:lnRef idx="2">
+          <a:scrgbClr r="0" g="0" b="0"/>
+        </a:lnRef>
+        <a:fillRef idx="1">
+          <a:scrgbClr r="0" g="0" b="0"/>
+        </a:fillRef>
+        <a:effectRef idx="0">
+          <a:scrgbClr r="0" g="0" b="0"/>
+        </a:effectRef>
+        <a:fontRef idx="minor"/>
+      </dsp:style>
+      <dsp:txBody>
+        <a:bodyPr spcFirstLastPara="0" vert="horz" wrap="square" lIns="112014" tIns="112014" rIns="149352" bIns="168021" numCol="1" spcCol="1270" anchor="t" anchorCtr="0">
+          <a:noAutofit/>
+        </a:bodyPr>
+        <a:lstStyle/>
+        <a:p>
+          <a:pPr marL="228600" lvl="1" indent="-228600" algn="l" defTabSz="933450">
+            <a:lnSpc>
+              <a:spcPct val="90000"/>
+            </a:lnSpc>
+            <a:spcBef>
+              <a:spcPct val="0"/>
+            </a:spcBef>
+            <a:spcAft>
+              <a:spcPct val="15000"/>
+            </a:spcAft>
+            <a:buChar char="•"/>
+          </a:pPr>
+          <a:r>
+            <a:rPr lang="en-US" sz="2100" kern="1200" dirty="0"/>
+            <a:t>-</a:t>
+          </a:r>
+          <a:endParaRPr lang="ru-RU" sz="2100" kern="1200" dirty="0"/>
+        </a:p>
+      </dsp:txBody>
+      <dsp:txXfrm>
+        <a:off x="7308342" y="633429"/>
+        <a:ext cx="3203971" cy="3689280"/>
+      </dsp:txXfrm>
+    </dsp:sp>
+  </dsp:spTree>
+</dsp:drawing>
+</file>
+
 <file path=ppt/diagrams/layout1.xml><?xml version="1.0" encoding="utf-8"?>
 <dgm:layoutDef xmlns:dgm="http://schemas.openxmlformats.org/drawingml/2006/diagram" xmlns:a="http://schemas.openxmlformats.org/drawingml/2006/main" uniqueId="urn:microsoft.com/office/officeart/2016/7/layout/LinearBlockProcessNumbered">
   <dgm:title val="Linear Block Process Numbered"/>
@@ -7905,6 +9880,223 @@
 </dgm:layoutDef>
 </file>
 
+<file path=ppt/diagrams/layout4.xml><?xml version="1.0" encoding="utf-8"?>
+<dgm:layoutDef xmlns:dgm="http://schemas.openxmlformats.org/drawingml/2006/diagram" xmlns:a="http://schemas.openxmlformats.org/drawingml/2006/main" uniqueId="urn:microsoft.com/office/officeart/2005/8/layout/hList1">
+  <dgm:title val=""/>
+  <dgm:desc val=""/>
+  <dgm:catLst>
+    <dgm:cat type="list" pri="5000"/>
+    <dgm:cat type="convert" pri="5000"/>
+  </dgm:catLst>
+  <dgm:sampData>
+    <dgm:dataModel>
+      <dgm:ptLst>
+        <dgm:pt modelId="0" type="doc"/>
+        <dgm:pt modelId="1">
+          <dgm:prSet phldr="1"/>
+        </dgm:pt>
+        <dgm:pt modelId="11">
+          <dgm:prSet phldr="1"/>
+        </dgm:pt>
+        <dgm:pt modelId="12">
+          <dgm:prSet phldr="1"/>
+        </dgm:pt>
+        <dgm:pt modelId="2">
+          <dgm:prSet phldr="1"/>
+        </dgm:pt>
+        <dgm:pt modelId="21">
+          <dgm:prSet phldr="1"/>
+        </dgm:pt>
+        <dgm:pt modelId="22">
+          <dgm:prSet phldr="1"/>
+        </dgm:pt>
+        <dgm:pt modelId="3">
+          <dgm:prSet phldr="1"/>
+        </dgm:pt>
+        <dgm:pt modelId="31">
+          <dgm:prSet phldr="1"/>
+        </dgm:pt>
+        <dgm:pt modelId="32">
+          <dgm:prSet phldr="1"/>
+        </dgm:pt>
+      </dgm:ptLst>
+      <dgm:cxnLst>
+        <dgm:cxn modelId="4" srcId="0" destId="1" srcOrd="0" destOrd="0"/>
+        <dgm:cxn modelId="5" srcId="0" destId="2" srcOrd="1" destOrd="0"/>
+        <dgm:cxn modelId="6" srcId="0" destId="3" srcOrd="2" destOrd="0"/>
+        <dgm:cxn modelId="13" srcId="1" destId="11" srcOrd="0" destOrd="0"/>
+        <dgm:cxn modelId="14" srcId="1" destId="12" srcOrd="1" destOrd="0"/>
+        <dgm:cxn modelId="23" srcId="2" destId="21" srcOrd="0" destOrd="0"/>
+        <dgm:cxn modelId="24" srcId="2" destId="22" srcOrd="1" destOrd="0"/>
+        <dgm:cxn modelId="33" srcId="3" destId="31" srcOrd="0" destOrd="0"/>
+        <dgm:cxn modelId="34" srcId="3" destId="32" srcOrd="1" destOrd="0"/>
+      </dgm:cxnLst>
+      <dgm:bg/>
+      <dgm:whole/>
+    </dgm:dataModel>
+  </dgm:sampData>
+  <dgm:styleData>
+    <dgm:dataModel>
+      <dgm:ptLst>
+        <dgm:pt modelId="0" type="doc"/>
+        <dgm:pt modelId="1">
+          <dgm:prSet phldr="1"/>
+        </dgm:pt>
+        <dgm:pt modelId="2">
+          <dgm:prSet phldr="1"/>
+        </dgm:pt>
+      </dgm:ptLst>
+      <dgm:cxnLst>
+        <dgm:cxn modelId="3" srcId="0" destId="1" srcOrd="0" destOrd="0"/>
+        <dgm:cxn modelId="4" srcId="0" destId="2" srcOrd="1" destOrd="0"/>
+      </dgm:cxnLst>
+      <dgm:bg/>
+      <dgm:whole/>
+    </dgm:dataModel>
+  </dgm:styleData>
+  <dgm:clrData>
+    <dgm:dataModel>
+      <dgm:ptLst>
+        <dgm:pt modelId="0" type="doc"/>
+        <dgm:pt modelId="1">
+          <dgm:prSet phldr="1"/>
+        </dgm:pt>
+        <dgm:pt modelId="2">
+          <dgm:prSet phldr="1"/>
+        </dgm:pt>
+        <dgm:pt modelId="3">
+          <dgm:prSet phldr="1"/>
+        </dgm:pt>
+        <dgm:pt modelId="4">
+          <dgm:prSet phldr="1"/>
+        </dgm:pt>
+      </dgm:ptLst>
+      <dgm:cxnLst>
+        <dgm:cxn modelId="5" srcId="0" destId="1" srcOrd="0" destOrd="0"/>
+        <dgm:cxn modelId="6" srcId="0" destId="2" srcOrd="1" destOrd="0"/>
+        <dgm:cxn modelId="7" srcId="0" destId="3" srcOrd="2" destOrd="0"/>
+        <dgm:cxn modelId="8" srcId="0" destId="4" srcOrd="3" destOrd="0"/>
+      </dgm:cxnLst>
+      <dgm:bg/>
+      <dgm:whole/>
+    </dgm:dataModel>
+  </dgm:clrData>
+  <dgm:layoutNode name="Name0">
+    <dgm:varLst>
+      <dgm:dir/>
+      <dgm:animLvl val="lvl"/>
+      <dgm:resizeHandles val="exact"/>
+    </dgm:varLst>
+    <dgm:choose name="Name1">
+      <dgm:if name="Name2" func="var" arg="dir" op="equ" val="norm">
+        <dgm:alg type="lin"/>
+      </dgm:if>
+      <dgm:else name="Name3">
+        <dgm:alg type="lin">
+          <dgm:param type="linDir" val="fromR"/>
+        </dgm:alg>
+      </dgm:else>
+    </dgm:choose>
+    <dgm:shape xmlns:r="http://schemas.openxmlformats.org/officeDocument/2006/relationships" r:blip="">
+      <dgm:adjLst/>
+    </dgm:shape>
+    <dgm:presOf/>
+    <dgm:constrLst>
+      <dgm:constr type="h" for="ch" forName="composite" refType="h"/>
+      <dgm:constr type="w" for="ch" forName="composite" refType="w"/>
+      <dgm:constr type="w" for="des" forName="parTx"/>
+      <dgm:constr type="h" for="des" forName="parTx" op="equ"/>
+      <dgm:constr type="w" for="des" forName="desTx"/>
+      <dgm:constr type="h" for="des" forName="desTx" op="equ"/>
+      <dgm:constr type="primFontSz" for="des" forName="parTx" val="65"/>
+      <dgm:constr type="secFontSz" for="des" forName="desTx" refType="primFontSz" refFor="des" refForName="parTx" op="equ"/>
+      <dgm:constr type="h" for="des" forName="parTx" refType="primFontSz" refFor="des" refForName="parTx" fact="0.8"/>
+      <dgm:constr type="h" for="des" forName="desTx" refType="primFontSz" refFor="des" refForName="parTx" fact="1.22"/>
+      <dgm:constr type="w" for="ch" forName="space" refType="w" refFor="ch" refForName="composite" op="equ" fact="0.14"/>
+    </dgm:constrLst>
+    <dgm:ruleLst>
+      <dgm:rule type="w" for="ch" forName="composite" val="0" fact="NaN" max="NaN"/>
+      <dgm:rule type="primFontSz" for="des" forName="parTx" val="5" fact="NaN" max="NaN"/>
+    </dgm:ruleLst>
+    <dgm:forEach name="Name4" axis="ch" ptType="node">
+      <dgm:layoutNode name="composite">
+        <dgm:alg type="composite"/>
+        <dgm:shape xmlns:r="http://schemas.openxmlformats.org/officeDocument/2006/relationships" r:blip="">
+          <dgm:adjLst/>
+        </dgm:shape>
+        <dgm:presOf/>
+        <dgm:constrLst>
+          <dgm:constr type="l" for="ch" forName="parTx"/>
+          <dgm:constr type="w" for="ch" forName="parTx" refType="w"/>
+          <dgm:constr type="t" for="ch" forName="parTx"/>
+          <dgm:constr type="l" for="ch" forName="desTx"/>
+          <dgm:constr type="w" for="ch" forName="desTx" refType="w" refFor="ch" refForName="parTx"/>
+          <dgm:constr type="t" for="ch" forName="desTx" refType="h" refFor="ch" refForName="parTx"/>
+        </dgm:constrLst>
+        <dgm:ruleLst>
+          <dgm:rule type="h" val="INF" fact="NaN" max="NaN"/>
+        </dgm:ruleLst>
+        <dgm:layoutNode name="parTx" styleLbl="alignNode1">
+          <dgm:varLst>
+            <dgm:chMax val="0"/>
+            <dgm:chPref val="0"/>
+            <dgm:bulletEnabled val="1"/>
+          </dgm:varLst>
+          <dgm:alg type="tx"/>
+          <dgm:shape xmlns:r="http://schemas.openxmlformats.org/officeDocument/2006/relationships" type="rect" r:blip="">
+            <dgm:adjLst/>
+          </dgm:shape>
+          <dgm:presOf axis="self" ptType="node"/>
+          <dgm:constrLst>
+            <dgm:constr type="h" refType="w" op="lte" fact="0.4"/>
+            <dgm:constr type="h"/>
+            <dgm:constr type="tMarg" refType="primFontSz" fact="0.32"/>
+            <dgm:constr type="bMarg" refType="primFontSz" fact="0.32"/>
+          </dgm:constrLst>
+          <dgm:ruleLst>
+            <dgm:rule type="h" val="INF" fact="NaN" max="NaN"/>
+          </dgm:ruleLst>
+        </dgm:layoutNode>
+        <dgm:layoutNode name="desTx" styleLbl="alignAccFollowNode1">
+          <dgm:varLst>
+            <dgm:bulletEnabled val="1"/>
+          </dgm:varLst>
+          <dgm:alg type="tx">
+            <dgm:param type="stBulletLvl" val="1"/>
+          </dgm:alg>
+          <dgm:shape xmlns:r="http://schemas.openxmlformats.org/officeDocument/2006/relationships" type="rect" r:blip="">
+            <dgm:adjLst/>
+          </dgm:shape>
+          <dgm:presOf axis="des" ptType="node"/>
+          <dgm:constrLst>
+            <dgm:constr type="secFontSz" val="65"/>
+            <dgm:constr type="primFontSz" refType="secFontSz"/>
+            <dgm:constr type="h"/>
+            <dgm:constr type="lMarg" refType="primFontSz" fact="0.42"/>
+            <dgm:constr type="tMarg" refType="primFontSz" fact="0.42"/>
+            <dgm:constr type="bMarg" refType="primFontSz" fact="0.63"/>
+          </dgm:constrLst>
+          <dgm:ruleLst>
+            <dgm:rule type="h" val="INF" fact="NaN" max="NaN"/>
+          </dgm:ruleLst>
+        </dgm:layoutNode>
+      </dgm:layoutNode>
+      <dgm:forEach name="Name5" axis="followSib" ptType="sibTrans" cnt="1">
+        <dgm:layoutNode name="space">
+          <dgm:alg type="sp"/>
+          <dgm:shape xmlns:r="http://schemas.openxmlformats.org/officeDocument/2006/relationships" r:blip="">
+            <dgm:adjLst/>
+          </dgm:shape>
+          <dgm:presOf/>
+          <dgm:constrLst/>
+          <dgm:ruleLst/>
+        </dgm:layoutNode>
+      </dgm:forEach>
+    </dgm:forEach>
+  </dgm:layoutNode>
+</dgm:layoutDef>
+</file>
+
 <file path=ppt/diagrams/quickStyle1.xml><?xml version="1.0" encoding="utf-8"?>
 <dgm:styleDef xmlns:dgm="http://schemas.openxmlformats.org/drawingml/2006/diagram" xmlns:a="http://schemas.openxmlformats.org/drawingml/2006/main" uniqueId="urn:microsoft.com/office/officeart/2005/8/quickstyle/simple1">
   <dgm:title val=""/>
@@ -9974,6 +12166,1040 @@
 </file>
 
 <file path=ppt/diagrams/quickStyle3.xml><?xml version="1.0" encoding="utf-8"?>
+<dgm:styleDef xmlns:dgm="http://schemas.openxmlformats.org/drawingml/2006/diagram" xmlns:a="http://schemas.openxmlformats.org/drawingml/2006/main" uniqueId="urn:microsoft.com/office/officeart/2005/8/quickstyle/simple1">
+  <dgm:title val=""/>
+  <dgm:desc val=""/>
+  <dgm:catLst>
+    <dgm:cat type="simple" pri="10100"/>
+  </dgm:catLst>
+  <dgm:scene3d>
+    <a:camera prst="orthographicFront"/>
+    <a:lightRig rig="threePt" dir="t"/>
+  </dgm:scene3d>
+  <dgm:styleLbl name="node0">
+    <dgm:scene3d>
+      <a:camera prst="orthographicFront"/>
+      <a:lightRig rig="threePt" dir="t"/>
+    </dgm:scene3d>
+    <dgm:sp3d/>
+    <dgm:txPr/>
+    <dgm:style>
+      <a:lnRef idx="2">
+        <a:scrgbClr r="0" g="0" b="0"/>
+      </a:lnRef>
+      <a:fillRef idx="1">
+        <a:scrgbClr r="0" g="0" b="0"/>
+      </a:fillRef>
+      <a:effectRef idx="0">
+        <a:scrgbClr r="0" g="0" b="0"/>
+      </a:effectRef>
+      <a:fontRef idx="minor">
+        <a:schemeClr val="lt1"/>
+      </a:fontRef>
+    </dgm:style>
+  </dgm:styleLbl>
+  <dgm:styleLbl name="lnNode1">
+    <dgm:scene3d>
+      <a:camera prst="orthographicFront"/>
+      <a:lightRig rig="threePt" dir="t"/>
+    </dgm:scene3d>
+    <dgm:sp3d/>
+    <dgm:txPr/>
+    <dgm:style>
+      <a:lnRef idx="2">
+        <a:scrgbClr r="0" g="0" b="0"/>
+      </a:lnRef>
+      <a:fillRef idx="1">
+        <a:scrgbClr r="0" g="0" b="0"/>
+      </a:fillRef>
+      <a:effectRef idx="0">
+        <a:scrgbClr r="0" g="0" b="0"/>
+      </a:effectRef>
+      <a:fontRef idx="minor">
+        <a:schemeClr val="lt1"/>
+      </a:fontRef>
+    </dgm:style>
+  </dgm:styleLbl>
+  <dgm:styleLbl name="vennNode1">
+    <dgm:scene3d>
+      <a:camera prst="orthographicFront"/>
+      <a:lightRig rig="threePt" dir="t"/>
+    </dgm:scene3d>
+    <dgm:sp3d/>
+    <dgm:txPr/>
+    <dgm:style>
+      <a:lnRef idx="2">
+        <a:scrgbClr r="0" g="0" b="0"/>
+      </a:lnRef>
+      <a:fillRef idx="1">
+        <a:scrgbClr r="0" g="0" b="0"/>
+      </a:fillRef>
+      <a:effectRef idx="0">
+        <a:scrgbClr r="0" g="0" b="0"/>
+      </a:effectRef>
+      <a:fontRef idx="minor">
+        <a:schemeClr val="tx1"/>
+      </a:fontRef>
+    </dgm:style>
+  </dgm:styleLbl>
+  <dgm:styleLbl name="alignNode1">
+    <dgm:scene3d>
+      <a:camera prst="orthographicFront"/>
+      <a:lightRig rig="threePt" dir="t"/>
+    </dgm:scene3d>
+    <dgm:sp3d/>
+    <dgm:txPr/>
+    <dgm:style>
+      <a:lnRef idx="2">
+        <a:scrgbClr r="0" g="0" b="0"/>
+      </a:lnRef>
+      <a:fillRef idx="1">
+        <a:scrgbClr r="0" g="0" b="0"/>
+      </a:fillRef>
+      <a:effectRef idx="0">
+        <a:scrgbClr r="0" g="0" b="0"/>
+      </a:effectRef>
+      <a:fontRef idx="minor">
+        <a:schemeClr val="lt1"/>
+      </a:fontRef>
+    </dgm:style>
+  </dgm:styleLbl>
+  <dgm:styleLbl name="node1">
+    <dgm:scene3d>
+      <a:camera prst="orthographicFront"/>
+      <a:lightRig rig="threePt" dir="t"/>
+    </dgm:scene3d>
+    <dgm:sp3d/>
+    <dgm:txPr/>
+    <dgm:style>
+      <a:lnRef idx="2">
+        <a:scrgbClr r="0" g="0" b="0"/>
+      </a:lnRef>
+      <a:fillRef idx="1">
+        <a:scrgbClr r="0" g="0" b="0"/>
+      </a:fillRef>
+      <a:effectRef idx="0">
+        <a:scrgbClr r="0" g="0" b="0"/>
+      </a:effectRef>
+      <a:fontRef idx="minor">
+        <a:schemeClr val="lt1"/>
+      </a:fontRef>
+    </dgm:style>
+  </dgm:styleLbl>
+  <dgm:styleLbl name="node2">
+    <dgm:scene3d>
+      <a:camera prst="orthographicFront"/>
+      <a:lightRig rig="threePt" dir="t"/>
+    </dgm:scene3d>
+    <dgm:sp3d/>
+    <dgm:txPr/>
+    <dgm:style>
+      <a:lnRef idx="2">
+        <a:scrgbClr r="0" g="0" b="0"/>
+      </a:lnRef>
+      <a:fillRef idx="1">
+        <a:scrgbClr r="0" g="0" b="0"/>
+      </a:fillRef>
+      <a:effectRef idx="0">
+        <a:scrgbClr r="0" g="0" b="0"/>
+      </a:effectRef>
+      <a:fontRef idx="minor">
+        <a:schemeClr val="lt1"/>
+      </a:fontRef>
+    </dgm:style>
+  </dgm:styleLbl>
+  <dgm:styleLbl name="node3">
+    <dgm:scene3d>
+      <a:camera prst="orthographicFront"/>
+      <a:lightRig rig="threePt" dir="t"/>
+    </dgm:scene3d>
+    <dgm:sp3d/>
+    <dgm:txPr/>
+    <dgm:style>
+      <a:lnRef idx="2">
+        <a:scrgbClr r="0" g="0" b="0"/>
+      </a:lnRef>
+      <a:fillRef idx="1">
+        <a:scrgbClr r="0" g="0" b="0"/>
+      </a:fillRef>
+      <a:effectRef idx="0">
+        <a:scrgbClr r="0" g="0" b="0"/>
+      </a:effectRef>
+      <a:fontRef idx="minor">
+        <a:schemeClr val="lt1"/>
+      </a:fontRef>
+    </dgm:style>
+  </dgm:styleLbl>
+  <dgm:styleLbl name="node4">
+    <dgm:scene3d>
+      <a:camera prst="orthographicFront"/>
+      <a:lightRig rig="threePt" dir="t"/>
+    </dgm:scene3d>
+    <dgm:sp3d/>
+    <dgm:txPr/>
+    <dgm:style>
+      <a:lnRef idx="2">
+        <a:scrgbClr r="0" g="0" b="0"/>
+      </a:lnRef>
+      <a:fillRef idx="1">
+        <a:scrgbClr r="0" g="0" b="0"/>
+      </a:fillRef>
+      <a:effectRef idx="0">
+        <a:scrgbClr r="0" g="0" b="0"/>
+      </a:effectRef>
+      <a:fontRef idx="minor">
+        <a:schemeClr val="lt1"/>
+      </a:fontRef>
+    </dgm:style>
+  </dgm:styleLbl>
+  <dgm:styleLbl name="fgImgPlace1">
+    <dgm:scene3d>
+      <a:camera prst="orthographicFront"/>
+      <a:lightRig rig="threePt" dir="t"/>
+    </dgm:scene3d>
+    <dgm:sp3d/>
+    <dgm:txPr/>
+    <dgm:style>
+      <a:lnRef idx="2">
+        <a:scrgbClr r="0" g="0" b="0"/>
+      </a:lnRef>
+      <a:fillRef idx="1">
+        <a:scrgbClr r="0" g="0" b="0"/>
+      </a:fillRef>
+      <a:effectRef idx="0">
+        <a:scrgbClr r="0" g="0" b="0"/>
+      </a:effectRef>
+      <a:fontRef idx="minor"/>
+    </dgm:style>
+  </dgm:styleLbl>
+  <dgm:styleLbl name="alignImgPlace1">
+    <dgm:scene3d>
+      <a:camera prst="orthographicFront"/>
+      <a:lightRig rig="threePt" dir="t"/>
+    </dgm:scene3d>
+    <dgm:sp3d/>
+    <dgm:txPr/>
+    <dgm:style>
+      <a:lnRef idx="2">
+        <a:scrgbClr r="0" g="0" b="0"/>
+      </a:lnRef>
+      <a:fillRef idx="1">
+        <a:scrgbClr r="0" g="0" b="0"/>
+      </a:fillRef>
+      <a:effectRef idx="0">
+        <a:scrgbClr r="0" g="0" b="0"/>
+      </a:effectRef>
+      <a:fontRef idx="minor"/>
+    </dgm:style>
+  </dgm:styleLbl>
+  <dgm:styleLbl name="bgImgPlace1">
+    <dgm:scene3d>
+      <a:camera prst="orthographicFront"/>
+      <a:lightRig rig="threePt" dir="t"/>
+    </dgm:scene3d>
+    <dgm:sp3d/>
+    <dgm:txPr/>
+    <dgm:style>
+      <a:lnRef idx="2">
+        <a:scrgbClr r="0" g="0" b="0"/>
+      </a:lnRef>
+      <a:fillRef idx="1">
+        <a:scrgbClr r="0" g="0" b="0"/>
+      </a:fillRef>
+      <a:effectRef idx="0">
+        <a:scrgbClr r="0" g="0" b="0"/>
+      </a:effectRef>
+      <a:fontRef idx="minor"/>
+    </dgm:style>
+  </dgm:styleLbl>
+  <dgm:styleLbl name="sibTrans2D1">
+    <dgm:scene3d>
+      <a:camera prst="orthographicFront"/>
+      <a:lightRig rig="threePt" dir="t"/>
+    </dgm:scene3d>
+    <dgm:sp3d/>
+    <dgm:txPr/>
+    <dgm:style>
+      <a:lnRef idx="0">
+        <a:scrgbClr r="0" g="0" b="0"/>
+      </a:lnRef>
+      <a:fillRef idx="1">
+        <a:scrgbClr r="0" g="0" b="0"/>
+      </a:fillRef>
+      <a:effectRef idx="0">
+        <a:scrgbClr r="0" g="0" b="0"/>
+      </a:effectRef>
+      <a:fontRef idx="minor">
+        <a:schemeClr val="lt1"/>
+      </a:fontRef>
+    </dgm:style>
+  </dgm:styleLbl>
+  <dgm:styleLbl name="fgSibTrans2D1">
+    <dgm:scene3d>
+      <a:camera prst="orthographicFront"/>
+      <a:lightRig rig="threePt" dir="t"/>
+    </dgm:scene3d>
+    <dgm:sp3d/>
+    <dgm:txPr/>
+    <dgm:style>
+      <a:lnRef idx="0">
+        <a:scrgbClr r="0" g="0" b="0"/>
+      </a:lnRef>
+      <a:fillRef idx="1">
+        <a:scrgbClr r="0" g="0" b="0"/>
+      </a:fillRef>
+      <a:effectRef idx="0">
+        <a:scrgbClr r="0" g="0" b="0"/>
+      </a:effectRef>
+      <a:fontRef idx="minor">
+        <a:schemeClr val="lt1"/>
+      </a:fontRef>
+    </dgm:style>
+  </dgm:styleLbl>
+  <dgm:styleLbl name="bgSibTrans2D1">
+    <dgm:scene3d>
+      <a:camera prst="orthographicFront"/>
+      <a:lightRig rig="threePt" dir="t"/>
+    </dgm:scene3d>
+    <dgm:sp3d/>
+    <dgm:txPr/>
+    <dgm:style>
+      <a:lnRef idx="0">
+        <a:scrgbClr r="0" g="0" b="0"/>
+      </a:lnRef>
+      <a:fillRef idx="1">
+        <a:scrgbClr r="0" g="0" b="0"/>
+      </a:fillRef>
+      <a:effectRef idx="0">
+        <a:scrgbClr r="0" g="0" b="0"/>
+      </a:effectRef>
+      <a:fontRef idx="minor">
+        <a:schemeClr val="lt1"/>
+      </a:fontRef>
+    </dgm:style>
+  </dgm:styleLbl>
+  <dgm:styleLbl name="sibTrans1D1">
+    <dgm:scene3d>
+      <a:camera prst="orthographicFront"/>
+      <a:lightRig rig="threePt" dir="t"/>
+    </dgm:scene3d>
+    <dgm:sp3d/>
+    <dgm:txPr/>
+    <dgm:style>
+      <a:lnRef idx="1">
+        <a:scrgbClr r="0" g="0" b="0"/>
+      </a:lnRef>
+      <a:fillRef idx="0">
+        <a:scrgbClr r="0" g="0" b="0"/>
+      </a:fillRef>
+      <a:effectRef idx="0">
+        <a:scrgbClr r="0" g="0" b="0"/>
+      </a:effectRef>
+      <a:fontRef idx="minor"/>
+    </dgm:style>
+  </dgm:styleLbl>
+  <dgm:styleLbl name="callout">
+    <dgm:scene3d>
+      <a:camera prst="orthographicFront"/>
+      <a:lightRig rig="threePt" dir="t"/>
+    </dgm:scene3d>
+    <dgm:sp3d/>
+    <dgm:txPr/>
+    <dgm:style>
+      <a:lnRef idx="2">
+        <a:scrgbClr r="0" g="0" b="0"/>
+      </a:lnRef>
+      <a:fillRef idx="1">
+        <a:scrgbClr r="0" g="0" b="0"/>
+      </a:fillRef>
+      <a:effectRef idx="0">
+        <a:scrgbClr r="0" g="0" b="0"/>
+      </a:effectRef>
+      <a:fontRef idx="minor"/>
+    </dgm:style>
+  </dgm:styleLbl>
+  <dgm:styleLbl name="asst0">
+    <dgm:scene3d>
+      <a:camera prst="orthographicFront"/>
+      <a:lightRig rig="threePt" dir="t"/>
+    </dgm:scene3d>
+    <dgm:sp3d/>
+    <dgm:txPr/>
+    <dgm:style>
+      <a:lnRef idx="2">
+        <a:scrgbClr r="0" g="0" b="0"/>
+      </a:lnRef>
+      <a:fillRef idx="1">
+        <a:scrgbClr r="0" g="0" b="0"/>
+      </a:fillRef>
+      <a:effectRef idx="0">
+        <a:scrgbClr r="0" g="0" b="0"/>
+      </a:effectRef>
+      <a:fontRef idx="minor">
+        <a:schemeClr val="lt1"/>
+      </a:fontRef>
+    </dgm:style>
+  </dgm:styleLbl>
+  <dgm:styleLbl name="asst1">
+    <dgm:scene3d>
+      <a:camera prst="orthographicFront"/>
+      <a:lightRig rig="threePt" dir="t"/>
+    </dgm:scene3d>
+    <dgm:sp3d/>
+    <dgm:txPr/>
+    <dgm:style>
+      <a:lnRef idx="2">
+        <a:scrgbClr r="0" g="0" b="0"/>
+      </a:lnRef>
+      <a:fillRef idx="1">
+        <a:scrgbClr r="0" g="0" b="0"/>
+      </a:fillRef>
+      <a:effectRef idx="0">
+        <a:scrgbClr r="0" g="0" b="0"/>
+      </a:effectRef>
+      <a:fontRef idx="minor">
+        <a:schemeClr val="lt1"/>
+      </a:fontRef>
+    </dgm:style>
+  </dgm:styleLbl>
+  <dgm:styleLbl name="asst2">
+    <dgm:scene3d>
+      <a:camera prst="orthographicFront"/>
+      <a:lightRig rig="threePt" dir="t"/>
+    </dgm:scene3d>
+    <dgm:sp3d/>
+    <dgm:txPr/>
+    <dgm:style>
+      <a:lnRef idx="2">
+        <a:scrgbClr r="0" g="0" b="0"/>
+      </a:lnRef>
+      <a:fillRef idx="1">
+        <a:scrgbClr r="0" g="0" b="0"/>
+      </a:fillRef>
+      <a:effectRef idx="0">
+        <a:scrgbClr r="0" g="0" b="0"/>
+      </a:effectRef>
+      <a:fontRef idx="minor">
+        <a:schemeClr val="lt1"/>
+      </a:fontRef>
+    </dgm:style>
+  </dgm:styleLbl>
+  <dgm:styleLbl name="asst3">
+    <dgm:scene3d>
+      <a:camera prst="orthographicFront"/>
+      <a:lightRig rig="threePt" dir="t"/>
+    </dgm:scene3d>
+    <dgm:sp3d/>
+    <dgm:txPr/>
+    <dgm:style>
+      <a:lnRef idx="2">
+        <a:scrgbClr r="0" g="0" b="0"/>
+      </a:lnRef>
+      <a:fillRef idx="1">
+        <a:scrgbClr r="0" g="0" b="0"/>
+      </a:fillRef>
+      <a:effectRef idx="0">
+        <a:scrgbClr r="0" g="0" b="0"/>
+      </a:effectRef>
+      <a:fontRef idx="minor">
+        <a:schemeClr val="lt1"/>
+      </a:fontRef>
+    </dgm:style>
+  </dgm:styleLbl>
+  <dgm:styleLbl name="asst4">
+    <dgm:scene3d>
+      <a:camera prst="orthographicFront"/>
+      <a:lightRig rig="threePt" dir="t"/>
+    </dgm:scene3d>
+    <dgm:sp3d/>
+    <dgm:txPr/>
+    <dgm:style>
+      <a:lnRef idx="2">
+        <a:scrgbClr r="0" g="0" b="0"/>
+      </a:lnRef>
+      <a:fillRef idx="1">
+        <a:scrgbClr r="0" g="0" b="0"/>
+      </a:fillRef>
+      <a:effectRef idx="0">
+        <a:scrgbClr r="0" g="0" b="0"/>
+      </a:effectRef>
+      <a:fontRef idx="minor">
+        <a:schemeClr val="lt1"/>
+      </a:fontRef>
+    </dgm:style>
+  </dgm:styleLbl>
+  <dgm:styleLbl name="parChTrans2D1">
+    <dgm:scene3d>
+      <a:camera prst="orthographicFront"/>
+      <a:lightRig rig="threePt" dir="t"/>
+    </dgm:scene3d>
+    <dgm:sp3d/>
+    <dgm:txPr/>
+    <dgm:style>
+      <a:lnRef idx="2">
+        <a:scrgbClr r="0" g="0" b="0"/>
+      </a:lnRef>
+      <a:fillRef idx="1">
+        <a:scrgbClr r="0" g="0" b="0"/>
+      </a:fillRef>
+      <a:effectRef idx="0">
+        <a:scrgbClr r="0" g="0" b="0"/>
+      </a:effectRef>
+      <a:fontRef idx="minor">
+        <a:schemeClr val="lt1"/>
+      </a:fontRef>
+    </dgm:style>
+  </dgm:styleLbl>
+  <dgm:styleLbl name="parChTrans2D2">
+    <dgm:scene3d>
+      <a:camera prst="orthographicFront"/>
+      <a:lightRig rig="threePt" dir="t"/>
+    </dgm:scene3d>
+    <dgm:sp3d/>
+    <dgm:txPr/>
+    <dgm:style>
+      <a:lnRef idx="2">
+        <a:scrgbClr r="0" g="0" b="0"/>
+      </a:lnRef>
+      <a:fillRef idx="1">
+        <a:scrgbClr r="0" g="0" b="0"/>
+      </a:fillRef>
+      <a:effectRef idx="0">
+        <a:scrgbClr r="0" g="0" b="0"/>
+      </a:effectRef>
+      <a:fontRef idx="minor">
+        <a:schemeClr val="lt1"/>
+      </a:fontRef>
+    </dgm:style>
+  </dgm:styleLbl>
+  <dgm:styleLbl name="parChTrans2D3">
+    <dgm:scene3d>
+      <a:camera prst="orthographicFront"/>
+      <a:lightRig rig="threePt" dir="t"/>
+    </dgm:scene3d>
+    <dgm:sp3d/>
+    <dgm:txPr/>
+    <dgm:style>
+      <a:lnRef idx="2">
+        <a:scrgbClr r="0" g="0" b="0"/>
+      </a:lnRef>
+      <a:fillRef idx="1">
+        <a:scrgbClr r="0" g="0" b="0"/>
+      </a:fillRef>
+      <a:effectRef idx="0">
+        <a:scrgbClr r="0" g="0" b="0"/>
+      </a:effectRef>
+      <a:fontRef idx="minor">
+        <a:schemeClr val="lt1"/>
+      </a:fontRef>
+    </dgm:style>
+  </dgm:styleLbl>
+  <dgm:styleLbl name="parChTrans2D4">
+    <dgm:scene3d>
+      <a:camera prst="orthographicFront"/>
+      <a:lightRig rig="threePt" dir="t"/>
+    </dgm:scene3d>
+    <dgm:sp3d/>
+    <dgm:txPr/>
+    <dgm:style>
+      <a:lnRef idx="2">
+        <a:scrgbClr r="0" g="0" b="0"/>
+      </a:lnRef>
+      <a:fillRef idx="1">
+        <a:scrgbClr r="0" g="0" b="0"/>
+      </a:fillRef>
+      <a:effectRef idx="0">
+        <a:scrgbClr r="0" g="0" b="0"/>
+      </a:effectRef>
+      <a:fontRef idx="minor">
+        <a:schemeClr val="lt1"/>
+      </a:fontRef>
+    </dgm:style>
+  </dgm:styleLbl>
+  <dgm:styleLbl name="parChTrans1D1">
+    <dgm:scene3d>
+      <a:camera prst="orthographicFront"/>
+      <a:lightRig rig="threePt" dir="t"/>
+    </dgm:scene3d>
+    <dgm:sp3d/>
+    <dgm:txPr/>
+    <dgm:style>
+      <a:lnRef idx="2">
+        <a:scrgbClr r="0" g="0" b="0"/>
+      </a:lnRef>
+      <a:fillRef idx="0">
+        <a:scrgbClr r="0" g="0" b="0"/>
+      </a:fillRef>
+      <a:effectRef idx="0">
+        <a:scrgbClr r="0" g="0" b="0"/>
+      </a:effectRef>
+      <a:fontRef idx="minor"/>
+    </dgm:style>
+  </dgm:styleLbl>
+  <dgm:styleLbl name="parChTrans1D2">
+    <dgm:scene3d>
+      <a:camera prst="orthographicFront"/>
+      <a:lightRig rig="threePt" dir="t"/>
+    </dgm:scene3d>
+    <dgm:sp3d/>
+    <dgm:txPr/>
+    <dgm:style>
+      <a:lnRef idx="2">
+        <a:scrgbClr r="0" g="0" b="0"/>
+      </a:lnRef>
+      <a:fillRef idx="0">
+        <a:scrgbClr r="0" g="0" b="0"/>
+      </a:fillRef>
+      <a:effectRef idx="0">
+        <a:scrgbClr r="0" g="0" b="0"/>
+      </a:effectRef>
+      <a:fontRef idx="minor"/>
+    </dgm:style>
+  </dgm:styleLbl>
+  <dgm:styleLbl name="parChTrans1D3">
+    <dgm:scene3d>
+      <a:camera prst="orthographicFront"/>
+      <a:lightRig rig="threePt" dir="t"/>
+    </dgm:scene3d>
+    <dgm:sp3d/>
+    <dgm:txPr/>
+    <dgm:style>
+      <a:lnRef idx="2">
+        <a:scrgbClr r="0" g="0" b="0"/>
+      </a:lnRef>
+      <a:fillRef idx="0">
+        <a:scrgbClr r="0" g="0" b="0"/>
+      </a:fillRef>
+      <a:effectRef idx="0">
+        <a:scrgbClr r="0" g="0" b="0"/>
+      </a:effectRef>
+      <a:fontRef idx="minor"/>
+    </dgm:style>
+  </dgm:styleLbl>
+  <dgm:styleLbl name="parChTrans1D4">
+    <dgm:scene3d>
+      <a:camera prst="orthographicFront"/>
+      <a:lightRig rig="threePt" dir="t"/>
+    </dgm:scene3d>
+    <dgm:sp3d/>
+    <dgm:txPr/>
+    <dgm:style>
+      <a:lnRef idx="2">
+        <a:scrgbClr r="0" g="0" b="0"/>
+      </a:lnRef>
+      <a:fillRef idx="0">
+        <a:scrgbClr r="0" g="0" b="0"/>
+      </a:fillRef>
+      <a:effectRef idx="0">
+        <a:scrgbClr r="0" g="0" b="0"/>
+      </a:effectRef>
+      <a:fontRef idx="minor"/>
+    </dgm:style>
+  </dgm:styleLbl>
+  <dgm:styleLbl name="fgAcc1">
+    <dgm:scene3d>
+      <a:camera prst="orthographicFront"/>
+      <a:lightRig rig="threePt" dir="t"/>
+    </dgm:scene3d>
+    <dgm:sp3d/>
+    <dgm:txPr/>
+    <dgm:style>
+      <a:lnRef idx="2">
+        <a:scrgbClr r="0" g="0" b="0"/>
+      </a:lnRef>
+      <a:fillRef idx="1">
+        <a:scrgbClr r="0" g="0" b="0"/>
+      </a:fillRef>
+      <a:effectRef idx="0">
+        <a:scrgbClr r="0" g="0" b="0"/>
+      </a:effectRef>
+      <a:fontRef idx="minor"/>
+    </dgm:style>
+  </dgm:styleLbl>
+  <dgm:styleLbl name="conFgAcc1">
+    <dgm:scene3d>
+      <a:camera prst="orthographicFront"/>
+      <a:lightRig rig="threePt" dir="t"/>
+    </dgm:scene3d>
+    <dgm:sp3d/>
+    <dgm:txPr/>
+    <dgm:style>
+      <a:lnRef idx="2">
+        <a:scrgbClr r="0" g="0" b="0"/>
+      </a:lnRef>
+      <a:fillRef idx="1">
+        <a:scrgbClr r="0" g="0" b="0"/>
+      </a:fillRef>
+      <a:effectRef idx="0">
+        <a:scrgbClr r="0" g="0" b="0"/>
+      </a:effectRef>
+      <a:fontRef idx="minor"/>
+    </dgm:style>
+  </dgm:styleLbl>
+  <dgm:styleLbl name="alignAcc1">
+    <dgm:scene3d>
+      <a:camera prst="orthographicFront"/>
+      <a:lightRig rig="threePt" dir="t"/>
+    </dgm:scene3d>
+    <dgm:sp3d/>
+    <dgm:txPr/>
+    <dgm:style>
+      <a:lnRef idx="2">
+        <a:scrgbClr r="0" g="0" b="0"/>
+      </a:lnRef>
+      <a:fillRef idx="1">
+        <a:scrgbClr r="0" g="0" b="0"/>
+      </a:fillRef>
+      <a:effectRef idx="0">
+        <a:scrgbClr r="0" g="0" b="0"/>
+      </a:effectRef>
+      <a:fontRef idx="minor"/>
+    </dgm:style>
+  </dgm:styleLbl>
+  <dgm:styleLbl name="trAlignAcc1">
+    <dgm:scene3d>
+      <a:camera prst="orthographicFront"/>
+      <a:lightRig rig="threePt" dir="t"/>
+    </dgm:scene3d>
+    <dgm:sp3d/>
+    <dgm:txPr/>
+    <dgm:style>
+      <a:lnRef idx="1">
+        <a:scrgbClr r="0" g="0" b="0"/>
+      </a:lnRef>
+      <a:fillRef idx="1">
+        <a:scrgbClr r="0" g="0" b="0"/>
+      </a:fillRef>
+      <a:effectRef idx="0">
+        <a:scrgbClr r="0" g="0" b="0"/>
+      </a:effectRef>
+      <a:fontRef idx="minor"/>
+    </dgm:style>
+  </dgm:styleLbl>
+  <dgm:styleLbl name="bgAcc1">
+    <dgm:scene3d>
+      <a:camera prst="orthographicFront"/>
+      <a:lightRig rig="threePt" dir="t"/>
+    </dgm:scene3d>
+    <dgm:sp3d/>
+    <dgm:txPr/>
+    <dgm:style>
+      <a:lnRef idx="2">
+        <a:scrgbClr r="0" g="0" b="0"/>
+      </a:lnRef>
+      <a:fillRef idx="1">
+        <a:scrgbClr r="0" g="0" b="0"/>
+      </a:fillRef>
+      <a:effectRef idx="0">
+        <a:scrgbClr r="0" g="0" b="0"/>
+      </a:effectRef>
+      <a:fontRef idx="minor"/>
+    </dgm:style>
+  </dgm:styleLbl>
+  <dgm:styleLbl name="solidFgAcc1">
+    <dgm:scene3d>
+      <a:camera prst="orthographicFront"/>
+      <a:lightRig rig="threePt" dir="t"/>
+    </dgm:scene3d>
+    <dgm:sp3d/>
+    <dgm:txPr/>
+    <dgm:style>
+      <a:lnRef idx="2">
+        <a:scrgbClr r="0" g="0" b="0"/>
+      </a:lnRef>
+      <a:fillRef idx="1">
+        <a:scrgbClr r="0" g="0" b="0"/>
+      </a:fillRef>
+      <a:effectRef idx="0">
+        <a:scrgbClr r="0" g="0" b="0"/>
+      </a:effectRef>
+      <a:fontRef idx="minor"/>
+    </dgm:style>
+  </dgm:styleLbl>
+  <dgm:styleLbl name="solidAlignAcc1">
+    <dgm:scene3d>
+      <a:camera prst="orthographicFront"/>
+      <a:lightRig rig="threePt" dir="t"/>
+    </dgm:scene3d>
+    <dgm:sp3d/>
+    <dgm:txPr/>
+    <dgm:style>
+      <a:lnRef idx="2">
+        <a:scrgbClr r="0" g="0" b="0"/>
+      </a:lnRef>
+      <a:fillRef idx="1">
+        <a:scrgbClr r="0" g="0" b="0"/>
+      </a:fillRef>
+      <a:effectRef idx="0">
+        <a:scrgbClr r="0" g="0" b="0"/>
+      </a:effectRef>
+      <a:fontRef idx="minor"/>
+    </dgm:style>
+  </dgm:styleLbl>
+  <dgm:styleLbl name="solidBgAcc1">
+    <dgm:scene3d>
+      <a:camera prst="orthographicFront"/>
+      <a:lightRig rig="threePt" dir="t"/>
+    </dgm:scene3d>
+    <dgm:sp3d/>
+    <dgm:txPr/>
+    <dgm:style>
+      <a:lnRef idx="2">
+        <a:scrgbClr r="0" g="0" b="0"/>
+      </a:lnRef>
+      <a:fillRef idx="1">
+        <a:scrgbClr r="0" g="0" b="0"/>
+      </a:fillRef>
+      <a:effectRef idx="0">
+        <a:scrgbClr r="0" g="0" b="0"/>
+      </a:effectRef>
+      <a:fontRef idx="minor"/>
+    </dgm:style>
+  </dgm:styleLbl>
+  <dgm:styleLbl name="fgAccFollowNode1">
+    <dgm:scene3d>
+      <a:camera prst="orthographicFront"/>
+      <a:lightRig rig="threePt" dir="t"/>
+    </dgm:scene3d>
+    <dgm:sp3d/>
+    <dgm:txPr/>
+    <dgm:style>
+      <a:lnRef idx="2">
+        <a:scrgbClr r="0" g="0" b="0"/>
+      </a:lnRef>
+      <a:fillRef idx="1">
+        <a:scrgbClr r="0" g="0" b="0"/>
+      </a:fillRef>
+      <a:effectRef idx="0">
+        <a:scrgbClr r="0" g="0" b="0"/>
+      </a:effectRef>
+      <a:fontRef idx="minor"/>
+    </dgm:style>
+  </dgm:styleLbl>
+  <dgm:styleLbl name="alignAccFollowNode1">
+    <dgm:scene3d>
+      <a:camera prst="orthographicFront"/>
+      <a:lightRig rig="threePt" dir="t"/>
+    </dgm:scene3d>
+    <dgm:sp3d/>
+    <dgm:txPr/>
+    <dgm:style>
+      <a:lnRef idx="2">
+        <a:scrgbClr r="0" g="0" b="0"/>
+      </a:lnRef>
+      <a:fillRef idx="1">
+        <a:scrgbClr r="0" g="0" b="0"/>
+      </a:fillRef>
+      <a:effectRef idx="0">
+        <a:scrgbClr r="0" g="0" b="0"/>
+      </a:effectRef>
+      <a:fontRef idx="minor"/>
+    </dgm:style>
+  </dgm:styleLbl>
+  <dgm:styleLbl name="bgAccFollowNode1">
+    <dgm:scene3d>
+      <a:camera prst="orthographicFront"/>
+      <a:lightRig rig="threePt" dir="t"/>
+    </dgm:scene3d>
+    <dgm:sp3d/>
+    <dgm:txPr/>
+    <dgm:style>
+      <a:lnRef idx="2">
+        <a:scrgbClr r="0" g="0" b="0"/>
+      </a:lnRef>
+      <a:fillRef idx="1">
+        <a:scrgbClr r="0" g="0" b="0"/>
+      </a:fillRef>
+      <a:effectRef idx="0">
+        <a:scrgbClr r="0" g="0" b="0"/>
+      </a:effectRef>
+      <a:fontRef idx="minor"/>
+    </dgm:style>
+  </dgm:styleLbl>
+  <dgm:styleLbl name="fgAcc0">
+    <dgm:scene3d>
+      <a:camera prst="orthographicFront"/>
+      <a:lightRig rig="threePt" dir="t"/>
+    </dgm:scene3d>
+    <dgm:sp3d/>
+    <dgm:txPr/>
+    <dgm:style>
+      <a:lnRef idx="2">
+        <a:scrgbClr r="0" g="0" b="0"/>
+      </a:lnRef>
+      <a:fillRef idx="1">
+        <a:scrgbClr r="0" g="0" b="0"/>
+      </a:fillRef>
+      <a:effectRef idx="0">
+        <a:scrgbClr r="0" g="0" b="0"/>
+      </a:effectRef>
+      <a:fontRef idx="minor"/>
+    </dgm:style>
+  </dgm:styleLbl>
+  <dgm:styleLbl name="fgAcc2">
+    <dgm:scene3d>
+      <a:camera prst="orthographicFront"/>
+      <a:lightRig rig="threePt" dir="t"/>
+    </dgm:scene3d>
+    <dgm:sp3d/>
+    <dgm:txPr/>
+    <dgm:style>
+      <a:lnRef idx="2">
+        <a:scrgbClr r="0" g="0" b="0"/>
+      </a:lnRef>
+      <a:fillRef idx="1">
+        <a:scrgbClr r="0" g="0" b="0"/>
+      </a:fillRef>
+      <a:effectRef idx="0">
+        <a:scrgbClr r="0" g="0" b="0"/>
+      </a:effectRef>
+      <a:fontRef idx="minor"/>
+    </dgm:style>
+  </dgm:styleLbl>
+  <dgm:styleLbl name="fgAcc3">
+    <dgm:scene3d>
+      <a:camera prst="orthographicFront"/>
+      <a:lightRig rig="threePt" dir="t"/>
+    </dgm:scene3d>
+    <dgm:sp3d/>
+    <dgm:txPr/>
+    <dgm:style>
+      <a:lnRef idx="2">
+        <a:scrgbClr r="0" g="0" b="0"/>
+      </a:lnRef>
+      <a:fillRef idx="1">
+        <a:scrgbClr r="0" g="0" b="0"/>
+      </a:fillRef>
+      <a:effectRef idx="0">
+        <a:scrgbClr r="0" g="0" b="0"/>
+      </a:effectRef>
+      <a:fontRef idx="minor"/>
+    </dgm:style>
+  </dgm:styleLbl>
+  <dgm:styleLbl name="fgAcc4">
+    <dgm:scene3d>
+      <a:camera prst="orthographicFront"/>
+      <a:lightRig rig="threePt" dir="t"/>
+    </dgm:scene3d>
+    <dgm:sp3d/>
+    <dgm:txPr/>
+    <dgm:style>
+      <a:lnRef idx="2">
+        <a:scrgbClr r="0" g="0" b="0"/>
+      </a:lnRef>
+      <a:fillRef idx="1">
+        <a:scrgbClr r="0" g="0" b="0"/>
+      </a:fillRef>
+      <a:effectRef idx="0">
+        <a:scrgbClr r="0" g="0" b="0"/>
+      </a:effectRef>
+      <a:fontRef idx="minor"/>
+    </dgm:style>
+  </dgm:styleLbl>
+  <dgm:styleLbl name="bgShp">
+    <dgm:scene3d>
+      <a:camera prst="orthographicFront"/>
+      <a:lightRig rig="threePt" dir="t"/>
+    </dgm:scene3d>
+    <dgm:sp3d/>
+    <dgm:txPr/>
+    <dgm:style>
+      <a:lnRef idx="0">
+        <a:scrgbClr r="0" g="0" b="0"/>
+      </a:lnRef>
+      <a:fillRef idx="1">
+        <a:scrgbClr r="0" g="0" b="0"/>
+      </a:fillRef>
+      <a:effectRef idx="0">
+        <a:scrgbClr r="0" g="0" b="0"/>
+      </a:effectRef>
+      <a:fontRef idx="minor"/>
+    </dgm:style>
+  </dgm:styleLbl>
+  <dgm:styleLbl name="dkBgShp">
+    <dgm:scene3d>
+      <a:camera prst="orthographicFront"/>
+      <a:lightRig rig="threePt" dir="t"/>
+    </dgm:scene3d>
+    <dgm:sp3d/>
+    <dgm:txPr/>
+    <dgm:style>
+      <a:lnRef idx="0">
+        <a:scrgbClr r="0" g="0" b="0"/>
+      </a:lnRef>
+      <a:fillRef idx="1">
+        <a:scrgbClr r="0" g="0" b="0"/>
+      </a:fillRef>
+      <a:effectRef idx="0">
+        <a:scrgbClr r="0" g="0" b="0"/>
+      </a:effectRef>
+      <a:fontRef idx="minor"/>
+    </dgm:style>
+  </dgm:styleLbl>
+  <dgm:styleLbl name="trBgShp">
+    <dgm:scene3d>
+      <a:camera prst="orthographicFront"/>
+      <a:lightRig rig="threePt" dir="t"/>
+    </dgm:scene3d>
+    <dgm:sp3d/>
+    <dgm:txPr/>
+    <dgm:style>
+      <a:lnRef idx="0">
+        <a:scrgbClr r="0" g="0" b="0"/>
+      </a:lnRef>
+      <a:fillRef idx="1">
+        <a:scrgbClr r="0" g="0" b="0"/>
+      </a:fillRef>
+      <a:effectRef idx="0">
+        <a:scrgbClr r="0" g="0" b="0"/>
+      </a:effectRef>
+      <a:fontRef idx="minor"/>
+    </dgm:style>
+  </dgm:styleLbl>
+  <dgm:styleLbl name="fgShp">
+    <dgm:scene3d>
+      <a:camera prst="orthographicFront"/>
+      <a:lightRig rig="threePt" dir="t"/>
+    </dgm:scene3d>
+    <dgm:sp3d/>
+    <dgm:txPr/>
+    <dgm:style>
+      <a:lnRef idx="2">
+        <a:scrgbClr r="0" g="0" b="0"/>
+      </a:lnRef>
+      <a:fillRef idx="1">
+        <a:scrgbClr r="0" g="0" b="0"/>
+      </a:fillRef>
+      <a:effectRef idx="0">
+        <a:scrgbClr r="0" g="0" b="0"/>
+      </a:effectRef>
+      <a:fontRef idx="minor"/>
+    </dgm:style>
+  </dgm:styleLbl>
+  <dgm:styleLbl name="revTx">
+    <dgm:scene3d>
+      <a:camera prst="orthographicFront"/>
+      <a:lightRig rig="threePt" dir="t"/>
+    </dgm:scene3d>
+    <dgm:sp3d/>
+    <dgm:txPr/>
+    <dgm:style>
+      <a:lnRef idx="0">
+        <a:scrgbClr r="0" g="0" b="0"/>
+      </a:lnRef>
+      <a:fillRef idx="0">
+        <a:scrgbClr r="0" g="0" b="0"/>
+      </a:fillRef>
+      <a:effectRef idx="0">
+        <a:scrgbClr r="0" g="0" b="0"/>
+      </a:effectRef>
+      <a:fontRef idx="minor"/>
+    </dgm:style>
+  </dgm:styleLbl>
+</dgm:styleDef>
+</file>
+
+<file path=ppt/diagrams/quickStyle4.xml><?xml version="1.0" encoding="utf-8"?>
 <dgm:styleDef xmlns:dgm="http://schemas.openxmlformats.org/drawingml/2006/diagram" xmlns:a="http://schemas.openxmlformats.org/drawingml/2006/main" uniqueId="urn:microsoft.com/office/officeart/2005/8/quickstyle/simple1">
   <dgm:title val=""/>
   <dgm:desc val=""/>
@@ -11154,7 +14380,7 @@
           <a:p>
             <a:fld id="{6A4B53A7-3209-46A6-9454-F38EAC8F11E7}" type="datetimeFigureOut">
               <a:rPr lang="en-US" smtClean="0"/>
-              <a:t>4/12/2023</a:t>
+              <a:t>4/15/2023</a:t>
             </a:fld>
             <a:endParaRPr lang="en-US"/>
           </a:p>
@@ -11405,7 +14631,7 @@
           <a:p>
             <a:fld id="{6A4B53A7-3209-46A6-9454-F38EAC8F11E7}" type="datetimeFigureOut">
               <a:rPr lang="en-US" smtClean="0"/>
-              <a:t>4/12/2023</a:t>
+              <a:t>4/15/2023</a:t>
             </a:fld>
             <a:endParaRPr lang="en-US"/>
           </a:p>
@@ -11666,7 +14892,7 @@
           <a:p>
             <a:fld id="{6A4B53A7-3209-46A6-9454-F38EAC8F11E7}" type="datetimeFigureOut">
               <a:rPr lang="en-US" smtClean="0"/>
-              <a:t>4/12/2023</a:t>
+              <a:t>4/15/2023</a:t>
             </a:fld>
             <a:endParaRPr lang="en-US"/>
           </a:p>
@@ -11917,7 +15143,7 @@
           <a:p>
             <a:fld id="{6A4B53A7-3209-46A6-9454-F38EAC8F11E7}" type="datetimeFigureOut">
               <a:rPr lang="en-US" smtClean="0"/>
-              <a:t>4/12/2023</a:t>
+              <a:t>4/15/2023</a:t>
             </a:fld>
             <a:endParaRPr lang="en-US"/>
           </a:p>
@@ -12245,7 +15471,7 @@
           <a:p>
             <a:fld id="{6A4B53A7-3209-46A6-9454-F38EAC8F11E7}" type="datetimeFigureOut">
               <a:rPr lang="en-US" smtClean="0"/>
-              <a:t>4/12/2023</a:t>
+              <a:t>4/15/2023</a:t>
             </a:fld>
             <a:endParaRPr lang="en-US"/>
           </a:p>
@@ -12563,7 +15789,7 @@
           <a:p>
             <a:fld id="{6A4B53A7-3209-46A6-9454-F38EAC8F11E7}" type="datetimeFigureOut">
               <a:rPr lang="en-US" smtClean="0"/>
-              <a:t>4/12/2023</a:t>
+              <a:t>4/15/2023</a:t>
             </a:fld>
             <a:endParaRPr lang="en-US"/>
           </a:p>
@@ -13028,7 +16254,7 @@
           <a:p>
             <a:fld id="{6A4B53A7-3209-46A6-9454-F38EAC8F11E7}" type="datetimeFigureOut">
               <a:rPr lang="en-US" smtClean="0"/>
-              <a:t>4/12/2023</a:t>
+              <a:t>4/15/2023</a:t>
             </a:fld>
             <a:endParaRPr lang="en-US"/>
           </a:p>
@@ -13222,7 +16448,7 @@
           <a:p>
             <a:fld id="{6A4B53A7-3209-46A6-9454-F38EAC8F11E7}" type="datetimeFigureOut">
               <a:rPr lang="en-US" smtClean="0"/>
-              <a:t>4/12/2023</a:t>
+              <a:t>4/15/2023</a:t>
             </a:fld>
             <a:endParaRPr lang="en-US"/>
           </a:p>
@@ -13388,7 +16614,7 @@
           <a:p>
             <a:fld id="{6A4B53A7-3209-46A6-9454-F38EAC8F11E7}" type="datetimeFigureOut">
               <a:rPr lang="en-US" smtClean="0"/>
-              <a:t>4/12/2023</a:t>
+              <a:t>4/15/2023</a:t>
             </a:fld>
             <a:endParaRPr lang="en-US"/>
           </a:p>
@@ -13752,7 +16978,7 @@
           <a:p>
             <a:fld id="{6A4B53A7-3209-46A6-9454-F38EAC8F11E7}" type="datetimeFigureOut">
               <a:rPr lang="en-US" smtClean="0"/>
-              <a:t>4/12/2023</a:t>
+              <a:t>4/15/2023</a:t>
             </a:fld>
             <a:endParaRPr lang="en-US"/>
           </a:p>
@@ -14096,7 +17322,7 @@
           <a:p>
             <a:fld id="{6A4B53A7-3209-46A6-9454-F38EAC8F11E7}" type="datetimeFigureOut">
               <a:rPr lang="en-US" smtClean="0"/>
-              <a:t>4/12/2023</a:t>
+              <a:t>4/15/2023</a:t>
             </a:fld>
             <a:endParaRPr lang="en-US"/>
           </a:p>
@@ -14391,7 +17617,7 @@
             <a:fld id="{6A4B53A7-3209-46A6-9454-F38EAC8F11E7}" type="datetimeFigureOut">
               <a:rPr lang="en-US" smtClean="0"/>
               <a:pPr/>
-              <a:t>4/12/2023</a:t>
+              <a:t>4/15/2023</a:t>
             </a:fld>
             <a:endParaRPr lang="en-US" dirty="0"/>
           </a:p>
@@ -16117,6 +19343,721 @@
       <p:bldP spid="3" grpId="0" build="p"/>
     </p:bldLst>
   </p:timing>
+</p:sld>
+</file>
+
+<file path=ppt/slides/slide10.xml><?xml version="1.0" encoding="utf-8"?>
+<p:sld xmlns:a="http://schemas.openxmlformats.org/drawingml/2006/main" xmlns:r="http://schemas.openxmlformats.org/officeDocument/2006/relationships" xmlns:p="http://schemas.openxmlformats.org/presentationml/2006/main">
+  <p:cSld>
+    <p:bg>
+      <p:bgPr>
+        <a:solidFill>
+          <a:schemeClr val="bg1"/>
+        </a:solidFill>
+        <a:effectLst/>
+      </p:bgPr>
+    </p:bg>
+    <p:spTree>
+      <p:nvGrpSpPr>
+        <p:cNvPr id="1" name=""/>
+        <p:cNvGrpSpPr/>
+        <p:nvPr/>
+      </p:nvGrpSpPr>
+      <p:grpSpPr>
+        <a:xfrm>
+          <a:off x="0" y="0"/>
+          <a:ext cx="0" cy="0"/>
+          <a:chOff x="0" y="0"/>
+          <a:chExt cx="0" cy="0"/>
+        </a:xfrm>
+      </p:grpSpPr>
+      <p:sp>
+        <p:nvSpPr>
+          <p:cNvPr id="8" name="Rectangle 7">
+            <a:extLst>
+              <a:ext uri="{FF2B5EF4-FFF2-40B4-BE49-F238E27FC236}">
+                <a16:creationId xmlns:a16="http://schemas.microsoft.com/office/drawing/2014/main" id="{EFA9B6C6-A247-48A8-9A1C-1E36FA9456B5}"/>
+              </a:ext>
+              <a:ext uri="{C183D7F6-B498-43B3-948B-1728B52AA6E4}">
+                <adec:decorative xmlns:adec="http://schemas.microsoft.com/office/drawing/2017/decorative" val="1"/>
+              </a:ext>
+            </a:extLst>
+          </p:cNvPr>
+          <p:cNvSpPr>
+            <a:spLocks noGrp="1" noRot="1" noChangeAspect="1" noMove="1" noResize="1" noEditPoints="1" noAdjustHandles="1" noChangeArrowheads="1" noChangeShapeType="1" noTextEdit="1"/>
+          </p:cNvSpPr>
+          <p:nvPr>
+            <p:extLst>
+              <p:ext uri="{386F3935-93C4-4BCD-93E2-E3B085C9AB24}">
+                <p16:designElem xmlns:p16="http://schemas.microsoft.com/office/powerpoint/2015/main" val="1"/>
+              </p:ext>
+            </p:extLst>
+          </p:nvPr>
+        </p:nvSpPr>
+        <p:spPr>
+          <a:xfrm>
+            <a:off x="0" y="0"/>
+            <a:ext cx="12192000" cy="6858000"/>
+          </a:xfrm>
+          <a:prstGeom prst="rect">
+            <a:avLst/>
+          </a:prstGeom>
+          <a:gradFill flip="none" rotWithShape="1">
+            <a:gsLst>
+              <a:gs pos="100000">
+                <a:schemeClr val="accent4"/>
+              </a:gs>
+              <a:gs pos="0">
+                <a:schemeClr val="accent2"/>
+              </a:gs>
+            </a:gsLst>
+            <a:lin ang="2700000" scaled="1"/>
+            <a:tileRect/>
+          </a:gradFill>
+          <a:ln>
+            <a:noFill/>
+          </a:ln>
+        </p:spPr>
+        <p:style>
+          <a:lnRef idx="2">
+            <a:schemeClr val="accent1">
+              <a:shade val="50000"/>
+            </a:schemeClr>
+          </a:lnRef>
+          <a:fillRef idx="1">
+            <a:schemeClr val="accent1"/>
+          </a:fillRef>
+          <a:effectRef idx="0">
+            <a:schemeClr val="accent1"/>
+          </a:effectRef>
+          <a:fontRef idx="minor">
+            <a:schemeClr val="lt1"/>
+          </a:fontRef>
+        </p:style>
+        <p:txBody>
+          <a:bodyPr rtlCol="0" anchor="ctr"/>
+          <a:lstStyle/>
+          <a:p>
+            <a:pPr algn="ctr"/>
+            <a:endParaRPr lang="en-US"/>
+          </a:p>
+        </p:txBody>
+      </p:sp>
+      <p:sp>
+        <p:nvSpPr>
+          <p:cNvPr id="2" name="Заголовок 1">
+            <a:extLst>
+              <a:ext uri="{FF2B5EF4-FFF2-40B4-BE49-F238E27FC236}">
+                <a16:creationId xmlns:a16="http://schemas.microsoft.com/office/drawing/2014/main" id="{235BDB49-44F2-F209-B55F-B9EA2C5E67C6}"/>
+              </a:ext>
+            </a:extLst>
+          </p:cNvPr>
+          <p:cNvSpPr>
+            <a:spLocks noGrp="1"/>
+          </p:cNvSpPr>
+          <p:nvPr>
+            <p:ph type="ctrTitle"/>
+          </p:nvPr>
+        </p:nvSpPr>
+        <p:spPr>
+          <a:xfrm>
+            <a:off x="1301261" y="590062"/>
+            <a:ext cx="5409655" cy="2838938"/>
+          </a:xfrm>
+        </p:spPr>
+        <p:txBody>
+          <a:bodyPr>
+            <a:normAutofit/>
+          </a:bodyPr>
+          <a:lstStyle/>
+          <a:p>
+            <a:r>
+              <a:rPr lang="ru-RU" sz="5400">
+                <a:solidFill>
+                  <a:schemeClr val="bg1"/>
+                </a:solidFill>
+              </a:rPr>
+              <a:t>Спасибо за внимание</a:t>
+            </a:r>
+          </a:p>
+        </p:txBody>
+      </p:sp>
+      <p:sp>
+        <p:nvSpPr>
+          <p:cNvPr id="3" name="Подзаголовок 2">
+            <a:extLst>
+              <a:ext uri="{FF2B5EF4-FFF2-40B4-BE49-F238E27FC236}">
+                <a16:creationId xmlns:a16="http://schemas.microsoft.com/office/drawing/2014/main" id="{57A80130-FCA3-99E7-0A3F-8B308F1EF4C1}"/>
+              </a:ext>
+            </a:extLst>
+          </p:cNvPr>
+          <p:cNvSpPr>
+            <a:spLocks noGrp="1"/>
+          </p:cNvSpPr>
+          <p:nvPr>
+            <p:ph type="subTitle" idx="1"/>
+          </p:nvPr>
+        </p:nvSpPr>
+        <p:spPr>
+          <a:xfrm>
+            <a:off x="5642044" y="4698614"/>
+            <a:ext cx="5088650" cy="1198120"/>
+          </a:xfrm>
+        </p:spPr>
+        <p:txBody>
+          <a:bodyPr vert="horz" lIns="91440" tIns="45720" rIns="91440" bIns="45720" rtlCol="0" anchor="t">
+            <a:normAutofit/>
+          </a:bodyPr>
+          <a:lstStyle/>
+          <a:p>
+            <a:pPr algn="r"/>
+            <a:r>
+              <a:rPr lang="ru-RU" dirty="0">
+                <a:solidFill>
+                  <a:schemeClr val="bg1"/>
+                </a:solidFill>
+              </a:rPr>
+              <a:t>Переходим к демонстрации</a:t>
+            </a:r>
+          </a:p>
+        </p:txBody>
+      </p:sp>
+      <p:sp>
+        <p:nvSpPr>
+          <p:cNvPr id="10" name="Graphic 13">
+            <a:extLst>
+              <a:ext uri="{FF2B5EF4-FFF2-40B4-BE49-F238E27FC236}">
+                <a16:creationId xmlns:a16="http://schemas.microsoft.com/office/drawing/2014/main" id="{C5CB530E-515E-412C-9DF1-5F8FFBD6F383}"/>
+              </a:ext>
+              <a:ext uri="{C183D7F6-B498-43B3-948B-1728B52AA6E4}">
+                <adec:decorative xmlns:adec="http://schemas.microsoft.com/office/drawing/2017/decorative" val="1"/>
+              </a:ext>
+            </a:extLst>
+          </p:cNvPr>
+          <p:cNvSpPr>
+            <a:spLocks noGrp="1" noRot="1" noChangeAspect="1" noMove="1" noResize="1" noEditPoints="1" noAdjustHandles="1" noChangeArrowheads="1" noChangeShapeType="1" noTextEdit="1"/>
+          </p:cNvSpPr>
+          <p:nvPr>
+            <p:extLst>
+              <p:ext uri="{386F3935-93C4-4BCD-93E2-E3B085C9AB24}">
+                <p16:designElem xmlns:p16="http://schemas.microsoft.com/office/powerpoint/2015/main" val="1"/>
+              </p:ext>
+            </p:extLst>
+          </p:nvPr>
+        </p:nvSpPr>
+        <p:spPr>
+          <a:xfrm>
+            <a:off x="6817602" y="2744546"/>
+            <a:ext cx="139038" cy="139038"/>
+          </a:xfrm>
+          <a:custGeom>
+            <a:avLst/>
+            <a:gdLst>
+              <a:gd name="connsiteX0" fmla="*/ 129601 w 139038"/>
+              <a:gd name="connsiteY0" fmla="*/ 60082 h 139038"/>
+              <a:gd name="connsiteX1" fmla="*/ 78956 w 139038"/>
+              <a:gd name="connsiteY1" fmla="*/ 60082 h 139038"/>
+              <a:gd name="connsiteX2" fmla="*/ 78956 w 139038"/>
+              <a:gd name="connsiteY2" fmla="*/ 9437 h 139038"/>
+              <a:gd name="connsiteX3" fmla="*/ 69519 w 139038"/>
+              <a:gd name="connsiteY3" fmla="*/ 0 h 139038"/>
+              <a:gd name="connsiteX4" fmla="*/ 60082 w 139038"/>
+              <a:gd name="connsiteY4" fmla="*/ 9437 h 139038"/>
+              <a:gd name="connsiteX5" fmla="*/ 60082 w 139038"/>
+              <a:gd name="connsiteY5" fmla="*/ 60082 h 139038"/>
+              <a:gd name="connsiteX6" fmla="*/ 9437 w 139038"/>
+              <a:gd name="connsiteY6" fmla="*/ 60082 h 139038"/>
+              <a:gd name="connsiteX7" fmla="*/ 0 w 139038"/>
+              <a:gd name="connsiteY7" fmla="*/ 69519 h 139038"/>
+              <a:gd name="connsiteX8" fmla="*/ 9437 w 139038"/>
+              <a:gd name="connsiteY8" fmla="*/ 78956 h 139038"/>
+              <a:gd name="connsiteX9" fmla="*/ 60082 w 139038"/>
+              <a:gd name="connsiteY9" fmla="*/ 78956 h 139038"/>
+              <a:gd name="connsiteX10" fmla="*/ 60082 w 139038"/>
+              <a:gd name="connsiteY10" fmla="*/ 129601 h 139038"/>
+              <a:gd name="connsiteX11" fmla="*/ 69519 w 139038"/>
+              <a:gd name="connsiteY11" fmla="*/ 139038 h 139038"/>
+              <a:gd name="connsiteX12" fmla="*/ 78956 w 139038"/>
+              <a:gd name="connsiteY12" fmla="*/ 129601 h 139038"/>
+              <a:gd name="connsiteX13" fmla="*/ 78956 w 139038"/>
+              <a:gd name="connsiteY13" fmla="*/ 78956 h 139038"/>
+              <a:gd name="connsiteX14" fmla="*/ 129601 w 139038"/>
+              <a:gd name="connsiteY14" fmla="*/ 78956 h 139038"/>
+              <a:gd name="connsiteX15" fmla="*/ 139038 w 139038"/>
+              <a:gd name="connsiteY15" fmla="*/ 69519 h 139038"/>
+              <a:gd name="connsiteX16" fmla="*/ 129601 w 139038"/>
+              <a:gd name="connsiteY16" fmla="*/ 60082 h 139038"/>
+            </a:gdLst>
+            <a:ahLst/>
+            <a:cxnLst>
+              <a:cxn ang="0">
+                <a:pos x="connsiteX0" y="connsiteY0"/>
+              </a:cxn>
+              <a:cxn ang="0">
+                <a:pos x="connsiteX1" y="connsiteY1"/>
+              </a:cxn>
+              <a:cxn ang="0">
+                <a:pos x="connsiteX2" y="connsiteY2"/>
+              </a:cxn>
+              <a:cxn ang="0">
+                <a:pos x="connsiteX3" y="connsiteY3"/>
+              </a:cxn>
+              <a:cxn ang="0">
+                <a:pos x="connsiteX4" y="connsiteY4"/>
+              </a:cxn>
+              <a:cxn ang="0">
+                <a:pos x="connsiteX5" y="connsiteY5"/>
+              </a:cxn>
+              <a:cxn ang="0">
+                <a:pos x="connsiteX6" y="connsiteY6"/>
+              </a:cxn>
+              <a:cxn ang="0">
+                <a:pos x="connsiteX7" y="connsiteY7"/>
+              </a:cxn>
+              <a:cxn ang="0">
+                <a:pos x="connsiteX8" y="connsiteY8"/>
+              </a:cxn>
+              <a:cxn ang="0">
+                <a:pos x="connsiteX9" y="connsiteY9"/>
+              </a:cxn>
+              <a:cxn ang="0">
+                <a:pos x="connsiteX10" y="connsiteY10"/>
+              </a:cxn>
+              <a:cxn ang="0">
+                <a:pos x="connsiteX11" y="connsiteY11"/>
+              </a:cxn>
+              <a:cxn ang="0">
+                <a:pos x="connsiteX12" y="connsiteY12"/>
+              </a:cxn>
+              <a:cxn ang="0">
+                <a:pos x="connsiteX13" y="connsiteY13"/>
+              </a:cxn>
+              <a:cxn ang="0">
+                <a:pos x="connsiteX14" y="connsiteY14"/>
+              </a:cxn>
+              <a:cxn ang="0">
+                <a:pos x="connsiteX15" y="connsiteY15"/>
+              </a:cxn>
+              <a:cxn ang="0">
+                <a:pos x="connsiteX16" y="connsiteY16"/>
+              </a:cxn>
+            </a:cxnLst>
+            <a:rect l="l" t="t" r="r" b="b"/>
+            <a:pathLst>
+              <a:path w="139038" h="139038">
+                <a:moveTo>
+                  <a:pt x="129601" y="60082"/>
+                </a:moveTo>
+                <a:lnTo>
+                  <a:pt x="78956" y="60082"/>
+                </a:lnTo>
+                <a:lnTo>
+                  <a:pt x="78956" y="9437"/>
+                </a:lnTo>
+                <a:cubicBezTo>
+                  <a:pt x="78956" y="4225"/>
+                  <a:pt x="74731" y="0"/>
+                  <a:pt x="69519" y="0"/>
+                </a:cubicBezTo>
+                <a:cubicBezTo>
+                  <a:pt x="64307" y="0"/>
+                  <a:pt x="60082" y="4225"/>
+                  <a:pt x="60082" y="9437"/>
+                </a:cubicBezTo>
+                <a:lnTo>
+                  <a:pt x="60082" y="60082"/>
+                </a:lnTo>
+                <a:lnTo>
+                  <a:pt x="9437" y="60082"/>
+                </a:lnTo>
+                <a:cubicBezTo>
+                  <a:pt x="4225" y="60082"/>
+                  <a:pt x="0" y="64307"/>
+                  <a:pt x="0" y="69519"/>
+                </a:cubicBezTo>
+                <a:cubicBezTo>
+                  <a:pt x="0" y="74731"/>
+                  <a:pt x="4225" y="78956"/>
+                  <a:pt x="9437" y="78956"/>
+                </a:cubicBezTo>
+                <a:lnTo>
+                  <a:pt x="60082" y="78956"/>
+                </a:lnTo>
+                <a:lnTo>
+                  <a:pt x="60082" y="129601"/>
+                </a:lnTo>
+                <a:cubicBezTo>
+                  <a:pt x="60082" y="134813"/>
+                  <a:pt x="64307" y="139038"/>
+                  <a:pt x="69519" y="139038"/>
+                </a:cubicBezTo>
+                <a:cubicBezTo>
+                  <a:pt x="74731" y="139038"/>
+                  <a:pt x="78956" y="134813"/>
+                  <a:pt x="78956" y="129601"/>
+                </a:cubicBezTo>
+                <a:lnTo>
+                  <a:pt x="78956" y="78956"/>
+                </a:lnTo>
+                <a:lnTo>
+                  <a:pt x="129601" y="78956"/>
+                </a:lnTo>
+                <a:cubicBezTo>
+                  <a:pt x="134813" y="78956"/>
+                  <a:pt x="139038" y="74731"/>
+                  <a:pt x="139038" y="69519"/>
+                </a:cubicBezTo>
+                <a:cubicBezTo>
+                  <a:pt x="139038" y="64307"/>
+                  <a:pt x="134813" y="60082"/>
+                  <a:pt x="129601" y="60082"/>
+                </a:cubicBezTo>
+                <a:close/>
+              </a:path>
+            </a:pathLst>
+          </a:custGeom>
+          <a:solidFill>
+            <a:schemeClr val="bg1"/>
+          </a:solidFill>
+          <a:ln w="603" cap="flat">
+            <a:noFill/>
+            <a:prstDash val="solid"/>
+            <a:miter/>
+          </a:ln>
+        </p:spPr>
+        <p:txBody>
+          <a:bodyPr rtlCol="0" anchor="ctr"/>
+          <a:lstStyle/>
+          <a:p>
+            <a:endParaRPr lang="en-US"/>
+          </a:p>
+        </p:txBody>
+      </p:sp>
+      <p:sp>
+        <p:nvSpPr>
+          <p:cNvPr id="12" name="Graphic 12">
+            <a:extLst>
+              <a:ext uri="{FF2B5EF4-FFF2-40B4-BE49-F238E27FC236}">
+                <a16:creationId xmlns:a16="http://schemas.microsoft.com/office/drawing/2014/main" id="{712D4376-A578-4FF1-94FC-245E7A6A489F}"/>
+              </a:ext>
+              <a:ext uri="{C183D7F6-B498-43B3-948B-1728B52AA6E4}">
+                <adec:decorative xmlns:adec="http://schemas.microsoft.com/office/drawing/2017/decorative" val="1"/>
+              </a:ext>
+            </a:extLst>
+          </p:cNvPr>
+          <p:cNvSpPr>
+            <a:spLocks noGrp="1" noRot="1" noChangeAspect="1" noMove="1" noResize="1" noEditPoints="1" noAdjustHandles="1" noChangeArrowheads="1" noChangeShapeType="1" noTextEdit="1"/>
+          </p:cNvSpPr>
+          <p:nvPr>
+            <p:extLst>
+              <p:ext uri="{386F3935-93C4-4BCD-93E2-E3B085C9AB24}">
+                <p16:designElem xmlns:p16="http://schemas.microsoft.com/office/powerpoint/2015/main" val="1"/>
+              </p:ext>
+            </p:extLst>
+          </p:nvPr>
+        </p:nvSpPr>
+        <p:spPr>
+          <a:xfrm>
+            <a:off x="7176380" y="2973840"/>
+            <a:ext cx="91138" cy="91138"/>
+          </a:xfrm>
+          <a:custGeom>
+            <a:avLst/>
+            <a:gdLst>
+              <a:gd name="connsiteX0" fmla="*/ 91138 w 91138"/>
+              <a:gd name="connsiteY0" fmla="*/ 45569 h 91138"/>
+              <a:gd name="connsiteX1" fmla="*/ 45569 w 91138"/>
+              <a:gd name="connsiteY1" fmla="*/ 91138 h 91138"/>
+              <a:gd name="connsiteX2" fmla="*/ 0 w 91138"/>
+              <a:gd name="connsiteY2" fmla="*/ 45569 h 91138"/>
+              <a:gd name="connsiteX3" fmla="*/ 45569 w 91138"/>
+              <a:gd name="connsiteY3" fmla="*/ 0 h 91138"/>
+              <a:gd name="connsiteX4" fmla="*/ 91138 w 91138"/>
+              <a:gd name="connsiteY4" fmla="*/ 45569 h 91138"/>
+            </a:gdLst>
+            <a:ahLst/>
+            <a:cxnLst>
+              <a:cxn ang="0">
+                <a:pos x="connsiteX0" y="connsiteY0"/>
+              </a:cxn>
+              <a:cxn ang="0">
+                <a:pos x="connsiteX1" y="connsiteY1"/>
+              </a:cxn>
+              <a:cxn ang="0">
+                <a:pos x="connsiteX2" y="connsiteY2"/>
+              </a:cxn>
+              <a:cxn ang="0">
+                <a:pos x="connsiteX3" y="connsiteY3"/>
+              </a:cxn>
+              <a:cxn ang="0">
+                <a:pos x="connsiteX4" y="connsiteY4"/>
+              </a:cxn>
+            </a:cxnLst>
+            <a:rect l="l" t="t" r="r" b="b"/>
+            <a:pathLst>
+              <a:path w="91138" h="91138">
+                <a:moveTo>
+                  <a:pt x="91138" y="45569"/>
+                </a:moveTo>
+                <a:cubicBezTo>
+                  <a:pt x="91138" y="70736"/>
+                  <a:pt x="70736" y="91138"/>
+                  <a:pt x="45569" y="91138"/>
+                </a:cubicBezTo>
+                <a:cubicBezTo>
+                  <a:pt x="20402" y="91138"/>
+                  <a:pt x="0" y="70736"/>
+                  <a:pt x="0" y="45569"/>
+                </a:cubicBezTo>
+                <a:cubicBezTo>
+                  <a:pt x="0" y="20402"/>
+                  <a:pt x="20402" y="0"/>
+                  <a:pt x="45569" y="0"/>
+                </a:cubicBezTo>
+                <a:cubicBezTo>
+                  <a:pt x="70736" y="0"/>
+                  <a:pt x="91138" y="20402"/>
+                  <a:pt x="91138" y="45569"/>
+                </a:cubicBezTo>
+                <a:close/>
+              </a:path>
+            </a:pathLst>
+          </a:custGeom>
+          <a:solidFill>
+            <a:schemeClr val="bg1"/>
+          </a:solidFill>
+          <a:ln w="422" cap="flat">
+            <a:noFill/>
+            <a:prstDash val="solid"/>
+            <a:miter/>
+          </a:ln>
+        </p:spPr>
+        <p:txBody>
+          <a:bodyPr rtlCol="0" anchor="ctr"/>
+          <a:lstStyle/>
+          <a:p>
+            <a:endParaRPr lang="en-US"/>
+          </a:p>
+        </p:txBody>
+      </p:sp>
+      <p:sp>
+        <p:nvSpPr>
+          <p:cNvPr id="14" name="Graphic 15">
+            <a:extLst>
+              <a:ext uri="{FF2B5EF4-FFF2-40B4-BE49-F238E27FC236}">
+                <a16:creationId xmlns:a16="http://schemas.microsoft.com/office/drawing/2014/main" id="{AEA7509D-F04F-40CB-A0B3-EEF16499CC9F}"/>
+              </a:ext>
+              <a:ext uri="{C183D7F6-B498-43B3-948B-1728B52AA6E4}">
+                <adec:decorative xmlns:adec="http://schemas.microsoft.com/office/drawing/2017/decorative" val="1"/>
+              </a:ext>
+            </a:extLst>
+          </p:cNvPr>
+          <p:cNvSpPr>
+            <a:spLocks noGrp="1" noRot="1" noChangeAspect="1" noMove="1" noResize="1" noEditPoints="1" noAdjustHandles="1" noChangeArrowheads="1" noChangeShapeType="1" noTextEdit="1"/>
+          </p:cNvSpPr>
+          <p:nvPr>
+            <p:extLst>
+              <p:ext uri="{386F3935-93C4-4BCD-93E2-E3B085C9AB24}">
+                <p16:designElem xmlns:p16="http://schemas.microsoft.com/office/powerpoint/2015/main" val="1"/>
+              </p:ext>
+            </p:extLst>
+          </p:nvPr>
+        </p:nvSpPr>
+        <p:spPr>
+          <a:xfrm>
+            <a:off x="6802062" y="3198265"/>
+            <a:ext cx="127713" cy="127713"/>
+          </a:xfrm>
+          <a:custGeom>
+            <a:avLst/>
+            <a:gdLst>
+              <a:gd name="connsiteX0" fmla="*/ 63857 w 127713"/>
+              <a:gd name="connsiteY0" fmla="*/ 18874 h 127713"/>
+              <a:gd name="connsiteX1" fmla="*/ 108839 w 127713"/>
+              <a:gd name="connsiteY1" fmla="*/ 63857 h 127713"/>
+              <a:gd name="connsiteX2" fmla="*/ 63857 w 127713"/>
+              <a:gd name="connsiteY2" fmla="*/ 108839 h 127713"/>
+              <a:gd name="connsiteX3" fmla="*/ 18874 w 127713"/>
+              <a:gd name="connsiteY3" fmla="*/ 63857 h 127713"/>
+              <a:gd name="connsiteX4" fmla="*/ 63857 w 127713"/>
+              <a:gd name="connsiteY4" fmla="*/ 18874 h 127713"/>
+              <a:gd name="connsiteX5" fmla="*/ 63857 w 127713"/>
+              <a:gd name="connsiteY5" fmla="*/ 0 h 127713"/>
+              <a:gd name="connsiteX6" fmla="*/ 0 w 127713"/>
+              <a:gd name="connsiteY6" fmla="*/ 63857 h 127713"/>
+              <a:gd name="connsiteX7" fmla="*/ 63857 w 127713"/>
+              <a:gd name="connsiteY7" fmla="*/ 127713 h 127713"/>
+              <a:gd name="connsiteX8" fmla="*/ 127713 w 127713"/>
+              <a:gd name="connsiteY8" fmla="*/ 63857 h 127713"/>
+              <a:gd name="connsiteX9" fmla="*/ 63857 w 127713"/>
+              <a:gd name="connsiteY9" fmla="*/ 0 h 127713"/>
+            </a:gdLst>
+            <a:ahLst/>
+            <a:cxnLst>
+              <a:cxn ang="0">
+                <a:pos x="connsiteX0" y="connsiteY0"/>
+              </a:cxn>
+              <a:cxn ang="0">
+                <a:pos x="connsiteX1" y="connsiteY1"/>
+              </a:cxn>
+              <a:cxn ang="0">
+                <a:pos x="connsiteX2" y="connsiteY2"/>
+              </a:cxn>
+              <a:cxn ang="0">
+                <a:pos x="connsiteX3" y="connsiteY3"/>
+              </a:cxn>
+              <a:cxn ang="0">
+                <a:pos x="connsiteX4" y="connsiteY4"/>
+              </a:cxn>
+              <a:cxn ang="0">
+                <a:pos x="connsiteX5" y="connsiteY5"/>
+              </a:cxn>
+              <a:cxn ang="0">
+                <a:pos x="connsiteX6" y="connsiteY6"/>
+              </a:cxn>
+              <a:cxn ang="0">
+                <a:pos x="connsiteX7" y="connsiteY7"/>
+              </a:cxn>
+              <a:cxn ang="0">
+                <a:pos x="connsiteX8" y="connsiteY8"/>
+              </a:cxn>
+              <a:cxn ang="0">
+                <a:pos x="connsiteX9" y="connsiteY9"/>
+              </a:cxn>
+            </a:cxnLst>
+            <a:rect l="l" t="t" r="r" b="b"/>
+            <a:pathLst>
+              <a:path w="127713" h="127713">
+                <a:moveTo>
+                  <a:pt x="63857" y="18874"/>
+                </a:moveTo>
+                <a:cubicBezTo>
+                  <a:pt x="88700" y="18874"/>
+                  <a:pt x="108839" y="39013"/>
+                  <a:pt x="108839" y="63857"/>
+                </a:cubicBezTo>
+                <a:cubicBezTo>
+                  <a:pt x="108839" y="88700"/>
+                  <a:pt x="88700" y="108839"/>
+                  <a:pt x="63857" y="108839"/>
+                </a:cubicBezTo>
+                <a:cubicBezTo>
+                  <a:pt x="39013" y="108839"/>
+                  <a:pt x="18874" y="88700"/>
+                  <a:pt x="18874" y="63857"/>
+                </a:cubicBezTo>
+                <a:cubicBezTo>
+                  <a:pt x="18898" y="39023"/>
+                  <a:pt x="39023" y="18898"/>
+                  <a:pt x="63857" y="18874"/>
+                </a:cubicBezTo>
+                <a:moveTo>
+                  <a:pt x="63857" y="0"/>
+                </a:moveTo>
+                <a:cubicBezTo>
+                  <a:pt x="28590" y="0"/>
+                  <a:pt x="0" y="28590"/>
+                  <a:pt x="0" y="63857"/>
+                </a:cubicBezTo>
+                <a:cubicBezTo>
+                  <a:pt x="0" y="99124"/>
+                  <a:pt x="28590" y="127713"/>
+                  <a:pt x="63857" y="127713"/>
+                </a:cubicBezTo>
+                <a:cubicBezTo>
+                  <a:pt x="99124" y="127713"/>
+                  <a:pt x="127713" y="99124"/>
+                  <a:pt x="127713" y="63857"/>
+                </a:cubicBezTo>
+                <a:cubicBezTo>
+                  <a:pt x="127713" y="28590"/>
+                  <a:pt x="99124" y="0"/>
+                  <a:pt x="63857" y="0"/>
+                </a:cubicBezTo>
+                <a:close/>
+              </a:path>
+            </a:pathLst>
+          </a:custGeom>
+          <a:solidFill>
+            <a:schemeClr val="bg1"/>
+          </a:solidFill>
+          <a:ln w="610" cap="flat">
+            <a:noFill/>
+            <a:prstDash val="solid"/>
+            <a:miter/>
+          </a:ln>
+        </p:spPr>
+        <p:txBody>
+          <a:bodyPr rtlCol="0" anchor="ctr"/>
+          <a:lstStyle/>
+          <a:p>
+            <a:endParaRPr lang="en-US"/>
+          </a:p>
+        </p:txBody>
+      </p:sp>
+      <p:cxnSp>
+        <p:nvCxnSpPr>
+          <p:cNvPr id="16" name="Straight Connector 15">
+            <a:extLst>
+              <a:ext uri="{FF2B5EF4-FFF2-40B4-BE49-F238E27FC236}">
+                <a16:creationId xmlns:a16="http://schemas.microsoft.com/office/drawing/2014/main" id="{56020367-4FD5-4596-8E10-C5F095CD8DBF}"/>
+              </a:ext>
+              <a:ext uri="{C183D7F6-B498-43B3-948B-1728B52AA6E4}">
+                <adec:decorative xmlns:adec="http://schemas.microsoft.com/office/drawing/2017/decorative" val="1"/>
+              </a:ext>
+            </a:extLst>
+          </p:cNvPr>
+          <p:cNvCxnSpPr>
+            <a:cxnSpLocks noGrp="1" noRot="1" noChangeAspect="1" noMove="1" noResize="1" noEditPoints="1" noAdjustHandles="1" noChangeArrowheads="1" noChangeShapeType="1"/>
+          </p:cNvCxnSpPr>
+          <p:nvPr>
+            <p:extLst>
+              <p:ext uri="{386F3935-93C4-4BCD-93E2-E3B085C9AB24}">
+                <p16:designElem xmlns:p16="http://schemas.microsoft.com/office/powerpoint/2015/main" val="1"/>
+              </p:ext>
+            </p:extLst>
+          </p:nvPr>
+        </p:nvCxnSpPr>
+        <p:spPr>
+          <a:xfrm>
+            <a:off x="1301262" y="3496322"/>
+            <a:ext cx="0" cy="3352800"/>
+          </a:xfrm>
+          <a:prstGeom prst="line">
+            <a:avLst/>
+          </a:prstGeom>
+          <a:ln w="25400" cap="sq">
+            <a:solidFill>
+              <a:schemeClr val="bg1"/>
+            </a:solidFill>
+            <a:bevel/>
+          </a:ln>
+        </p:spPr>
+        <p:style>
+          <a:lnRef idx="1">
+            <a:schemeClr val="accent1"/>
+          </a:lnRef>
+          <a:fillRef idx="0">
+            <a:schemeClr val="accent1"/>
+          </a:fillRef>
+          <a:effectRef idx="0">
+            <a:schemeClr val="accent1"/>
+          </a:effectRef>
+          <a:fontRef idx="minor">
+            <a:schemeClr val="tx1"/>
+          </a:fontRef>
+        </p:style>
+      </p:cxnSp>
+    </p:spTree>
+    <p:extLst>
+      <p:ext uri="{BB962C8B-B14F-4D97-AF65-F5344CB8AC3E}">
+        <p14:creationId xmlns:p14="http://schemas.microsoft.com/office/powerpoint/2010/main" val="3225598774"/>
+      </p:ext>
+    </p:extLst>
+  </p:cSld>
+  <p:clrMapOvr>
+    <a:masterClrMapping/>
+  </p:clrMapOvr>
 </p:sld>
 </file>
 
@@ -19774,13 +23715,14 @@
               </a:ext>
             </a:extLst>
           </a:blip>
-          <a:srcRect/>
-          <a:stretch/>
+          <a:stretch>
+            <a:fillRect/>
+          </a:stretch>
         </p:blipFill>
         <p:spPr>
           <a:xfrm>
-            <a:off x="785611" y="221556"/>
-            <a:ext cx="11404241" cy="6414885"/>
+            <a:off x="812244" y="294194"/>
+            <a:ext cx="11145977" cy="6269612"/>
           </a:xfrm>
           <a:prstGeom prst="rect">
             <a:avLst/>
@@ -19803,14 +23745,6 @@
 <file path=ppt/slides/slide9.xml><?xml version="1.0" encoding="utf-8"?>
 <p:sld xmlns:a="http://schemas.openxmlformats.org/drawingml/2006/main" xmlns:r="http://schemas.openxmlformats.org/officeDocument/2006/relationships" xmlns:p="http://schemas.openxmlformats.org/presentationml/2006/main">
   <p:cSld>
-    <p:bg>
-      <p:bgPr>
-        <a:solidFill>
-          <a:schemeClr val="bg1"/>
-        </a:solidFill>
-        <a:effectLst/>
-      </p:bgPr>
-    </p:bg>
     <p:spTree>
       <p:nvGrpSpPr>
         <p:cNvPr id="1" name=""/>
@@ -19827,82 +23761,10 @@
       </p:grpSpPr>
       <p:sp>
         <p:nvSpPr>
-          <p:cNvPr id="8" name="Rectangle 7">
-            <a:extLst>
-              <a:ext uri="{FF2B5EF4-FFF2-40B4-BE49-F238E27FC236}">
-                <a16:creationId xmlns:a16="http://schemas.microsoft.com/office/drawing/2014/main" id="{EFA9B6C6-A247-48A8-9A1C-1E36FA9456B5}"/>
-              </a:ext>
-              <a:ext uri="{C183D7F6-B498-43B3-948B-1728B52AA6E4}">
-                <adec:decorative xmlns:adec="http://schemas.microsoft.com/office/drawing/2017/decorative" val="1"/>
-              </a:ext>
-            </a:extLst>
-          </p:cNvPr>
-          <p:cNvSpPr>
-            <a:spLocks noGrp="1" noRot="1" noChangeAspect="1" noMove="1" noResize="1" noEditPoints="1" noAdjustHandles="1" noChangeArrowheads="1" noChangeShapeType="1" noTextEdit="1"/>
-          </p:cNvSpPr>
-          <p:nvPr>
-            <p:extLst>
-              <p:ext uri="{386F3935-93C4-4BCD-93E2-E3B085C9AB24}">
-                <p16:designElem xmlns:p16="http://schemas.microsoft.com/office/powerpoint/2015/main" val="1"/>
-              </p:ext>
-            </p:extLst>
-          </p:nvPr>
-        </p:nvSpPr>
-        <p:spPr>
-          <a:xfrm>
-            <a:off x="0" y="0"/>
-            <a:ext cx="12192000" cy="6858000"/>
-          </a:xfrm>
-          <a:prstGeom prst="rect">
-            <a:avLst/>
-          </a:prstGeom>
-          <a:gradFill flip="none" rotWithShape="1">
-            <a:gsLst>
-              <a:gs pos="100000">
-                <a:schemeClr val="accent4"/>
-              </a:gs>
-              <a:gs pos="0">
-                <a:schemeClr val="accent2"/>
-              </a:gs>
-            </a:gsLst>
-            <a:lin ang="2700000" scaled="1"/>
-            <a:tileRect/>
-          </a:gradFill>
-          <a:ln>
-            <a:noFill/>
-          </a:ln>
-        </p:spPr>
-        <p:style>
-          <a:lnRef idx="2">
-            <a:schemeClr val="accent1">
-              <a:shade val="50000"/>
-            </a:schemeClr>
-          </a:lnRef>
-          <a:fillRef idx="1">
-            <a:schemeClr val="accent1"/>
-          </a:fillRef>
-          <a:effectRef idx="0">
-            <a:schemeClr val="accent1"/>
-          </a:effectRef>
-          <a:fontRef idx="minor">
-            <a:schemeClr val="lt1"/>
-          </a:fontRef>
-        </p:style>
-        <p:txBody>
-          <a:bodyPr rtlCol="0" anchor="ctr"/>
-          <a:lstStyle/>
-          <a:p>
-            <a:pPr algn="ctr"/>
-            <a:endParaRPr lang="en-US"/>
-          </a:p>
-        </p:txBody>
-      </p:sp>
-      <p:sp>
-        <p:nvSpPr>
           <p:cNvPr id="2" name="Заголовок 1">
             <a:extLst>
               <a:ext uri="{FF2B5EF4-FFF2-40B4-BE49-F238E27FC236}">
-                <a16:creationId xmlns:a16="http://schemas.microsoft.com/office/drawing/2014/main" id="{235BDB49-44F2-F209-B55F-B9EA2C5E67C6}"/>
+                <a16:creationId xmlns:a16="http://schemas.microsoft.com/office/drawing/2014/main" id="{68CBC4D3-75B7-4485-AB09-7EF1CBC19320}"/>
               </a:ext>
             </a:extLst>
           </p:cNvPr>
@@ -19910,602 +23772,56 @@
             <a:spLocks noGrp="1"/>
           </p:cNvSpPr>
           <p:nvPr>
-            <p:ph type="ctrTitle"/>
+            <p:ph type="title"/>
           </p:nvPr>
         </p:nvSpPr>
-        <p:spPr>
-          <a:xfrm>
-            <a:off x="1301261" y="590062"/>
-            <a:ext cx="5409655" cy="2838938"/>
-          </a:xfrm>
-        </p:spPr>
+        <p:spPr/>
         <p:txBody>
-          <a:bodyPr>
-            <a:normAutofit/>
-          </a:bodyPr>
+          <a:bodyPr/>
           <a:lstStyle/>
           <a:p>
             <a:r>
-              <a:rPr lang="ru-RU" sz="5400">
-                <a:solidFill>
-                  <a:schemeClr val="bg1"/>
-                </a:solidFill>
-              </a:rPr>
-              <a:t>Спасибо за внимание</a:t>
+              <a:rPr lang="ru-RU" dirty="0"/>
+              <a:t>Кто чем занимался</a:t>
             </a:r>
           </a:p>
         </p:txBody>
       </p:sp>
-      <p:sp>
-        <p:nvSpPr>
-          <p:cNvPr id="3" name="Подзаголовок 2">
+      <p:graphicFrame>
+        <p:nvGraphicFramePr>
+          <p:cNvPr id="4" name="Объект 3">
             <a:extLst>
               <a:ext uri="{FF2B5EF4-FFF2-40B4-BE49-F238E27FC236}">
-                <a16:creationId xmlns:a16="http://schemas.microsoft.com/office/drawing/2014/main" id="{57A80130-FCA3-99E7-0A3F-8B308F1EF4C1}"/>
+                <a16:creationId xmlns:a16="http://schemas.microsoft.com/office/drawing/2014/main" id="{8A28E0E2-9E10-43A3-ABD7-41E491A0C8A6}"/>
               </a:ext>
             </a:extLst>
           </p:cNvPr>
-          <p:cNvSpPr>
-            <a:spLocks noGrp="1"/>
-          </p:cNvSpPr>
+          <p:cNvGraphicFramePr>
+            <a:graphicFrameLocks noGrp="1"/>
+          </p:cNvGraphicFramePr>
           <p:nvPr>
-            <p:ph type="subTitle" idx="1"/>
-          </p:nvPr>
-        </p:nvSpPr>
-        <p:spPr>
-          <a:xfrm>
-            <a:off x="5642044" y="4698614"/>
-            <a:ext cx="5088650" cy="1198120"/>
-          </a:xfrm>
-        </p:spPr>
-        <p:txBody>
-          <a:bodyPr vert="horz" lIns="91440" tIns="45720" rIns="91440" bIns="45720" rtlCol="0" anchor="t">
-            <a:normAutofit/>
-          </a:bodyPr>
-          <a:lstStyle/>
-          <a:p>
-            <a:pPr algn="r"/>
-            <a:r>
-              <a:rPr lang="ru-RU" dirty="0">
-                <a:solidFill>
-                  <a:schemeClr val="bg1"/>
-                </a:solidFill>
-              </a:rPr>
-              <a:t>Переходим к демонстрации</a:t>
-            </a:r>
-          </a:p>
-        </p:txBody>
-      </p:sp>
-      <p:sp>
-        <p:nvSpPr>
-          <p:cNvPr id="10" name="Graphic 13">
-            <a:extLst>
-              <a:ext uri="{FF2B5EF4-FFF2-40B4-BE49-F238E27FC236}">
-                <a16:creationId xmlns:a16="http://schemas.microsoft.com/office/drawing/2014/main" id="{C5CB530E-515E-412C-9DF1-5F8FFBD6F383}"/>
-              </a:ext>
-              <a:ext uri="{C183D7F6-B498-43B3-948B-1728B52AA6E4}">
-                <adec:decorative xmlns:adec="http://schemas.microsoft.com/office/drawing/2017/decorative" val="1"/>
-              </a:ext>
-            </a:extLst>
-          </p:cNvPr>
-          <p:cNvSpPr>
-            <a:spLocks noGrp="1" noRot="1" noChangeAspect="1" noMove="1" noResize="1" noEditPoints="1" noAdjustHandles="1" noChangeArrowheads="1" noChangeShapeType="1" noTextEdit="1"/>
-          </p:cNvSpPr>
-          <p:nvPr>
+            <p:ph idx="1"/>
             <p:extLst>
-              <p:ext uri="{386F3935-93C4-4BCD-93E2-E3B085C9AB24}">
-                <p16:designElem xmlns:p16="http://schemas.microsoft.com/office/powerpoint/2015/main" val="1"/>
+              <p:ext uri="{D42A27DB-BD31-4B8C-83A1-F6EECF244321}">
+                <p14:modId xmlns:p14="http://schemas.microsoft.com/office/powerpoint/2010/main" val="1939028309"/>
               </p:ext>
             </p:extLst>
           </p:nvPr>
-        </p:nvSpPr>
-        <p:spPr>
-          <a:xfrm>
-            <a:off x="6817602" y="2744546"/>
-            <a:ext cx="139038" cy="139038"/>
-          </a:xfrm>
-          <a:custGeom>
-            <a:avLst/>
-            <a:gdLst>
-              <a:gd name="connsiteX0" fmla="*/ 129601 w 139038"/>
-              <a:gd name="connsiteY0" fmla="*/ 60082 h 139038"/>
-              <a:gd name="connsiteX1" fmla="*/ 78956 w 139038"/>
-              <a:gd name="connsiteY1" fmla="*/ 60082 h 139038"/>
-              <a:gd name="connsiteX2" fmla="*/ 78956 w 139038"/>
-              <a:gd name="connsiteY2" fmla="*/ 9437 h 139038"/>
-              <a:gd name="connsiteX3" fmla="*/ 69519 w 139038"/>
-              <a:gd name="connsiteY3" fmla="*/ 0 h 139038"/>
-              <a:gd name="connsiteX4" fmla="*/ 60082 w 139038"/>
-              <a:gd name="connsiteY4" fmla="*/ 9437 h 139038"/>
-              <a:gd name="connsiteX5" fmla="*/ 60082 w 139038"/>
-              <a:gd name="connsiteY5" fmla="*/ 60082 h 139038"/>
-              <a:gd name="connsiteX6" fmla="*/ 9437 w 139038"/>
-              <a:gd name="connsiteY6" fmla="*/ 60082 h 139038"/>
-              <a:gd name="connsiteX7" fmla="*/ 0 w 139038"/>
-              <a:gd name="connsiteY7" fmla="*/ 69519 h 139038"/>
-              <a:gd name="connsiteX8" fmla="*/ 9437 w 139038"/>
-              <a:gd name="connsiteY8" fmla="*/ 78956 h 139038"/>
-              <a:gd name="connsiteX9" fmla="*/ 60082 w 139038"/>
-              <a:gd name="connsiteY9" fmla="*/ 78956 h 139038"/>
-              <a:gd name="connsiteX10" fmla="*/ 60082 w 139038"/>
-              <a:gd name="connsiteY10" fmla="*/ 129601 h 139038"/>
-              <a:gd name="connsiteX11" fmla="*/ 69519 w 139038"/>
-              <a:gd name="connsiteY11" fmla="*/ 139038 h 139038"/>
-              <a:gd name="connsiteX12" fmla="*/ 78956 w 139038"/>
-              <a:gd name="connsiteY12" fmla="*/ 129601 h 139038"/>
-              <a:gd name="connsiteX13" fmla="*/ 78956 w 139038"/>
-              <a:gd name="connsiteY13" fmla="*/ 78956 h 139038"/>
-              <a:gd name="connsiteX14" fmla="*/ 129601 w 139038"/>
-              <a:gd name="connsiteY14" fmla="*/ 78956 h 139038"/>
-              <a:gd name="connsiteX15" fmla="*/ 139038 w 139038"/>
-              <a:gd name="connsiteY15" fmla="*/ 69519 h 139038"/>
-              <a:gd name="connsiteX16" fmla="*/ 129601 w 139038"/>
-              <a:gd name="connsiteY16" fmla="*/ 60082 h 139038"/>
-            </a:gdLst>
-            <a:ahLst/>
-            <a:cxnLst>
-              <a:cxn ang="0">
-                <a:pos x="connsiteX0" y="connsiteY0"/>
-              </a:cxn>
-              <a:cxn ang="0">
-                <a:pos x="connsiteX1" y="connsiteY1"/>
-              </a:cxn>
-              <a:cxn ang="0">
-                <a:pos x="connsiteX2" y="connsiteY2"/>
-              </a:cxn>
-              <a:cxn ang="0">
-                <a:pos x="connsiteX3" y="connsiteY3"/>
-              </a:cxn>
-              <a:cxn ang="0">
-                <a:pos x="connsiteX4" y="connsiteY4"/>
-              </a:cxn>
-              <a:cxn ang="0">
-                <a:pos x="connsiteX5" y="connsiteY5"/>
-              </a:cxn>
-              <a:cxn ang="0">
-                <a:pos x="connsiteX6" y="connsiteY6"/>
-              </a:cxn>
-              <a:cxn ang="0">
-                <a:pos x="connsiteX7" y="connsiteY7"/>
-              </a:cxn>
-              <a:cxn ang="0">
-                <a:pos x="connsiteX8" y="connsiteY8"/>
-              </a:cxn>
-              <a:cxn ang="0">
-                <a:pos x="connsiteX9" y="connsiteY9"/>
-              </a:cxn>
-              <a:cxn ang="0">
-                <a:pos x="connsiteX10" y="connsiteY10"/>
-              </a:cxn>
-              <a:cxn ang="0">
-                <a:pos x="connsiteX11" y="connsiteY11"/>
-              </a:cxn>
-              <a:cxn ang="0">
-                <a:pos x="connsiteX12" y="connsiteY12"/>
-              </a:cxn>
-              <a:cxn ang="0">
-                <a:pos x="connsiteX13" y="connsiteY13"/>
-              </a:cxn>
-              <a:cxn ang="0">
-                <a:pos x="connsiteX14" y="connsiteY14"/>
-              </a:cxn>
-              <a:cxn ang="0">
-                <a:pos x="connsiteX15" y="connsiteY15"/>
-              </a:cxn>
-              <a:cxn ang="0">
-                <a:pos x="connsiteX16" y="connsiteY16"/>
-              </a:cxn>
-            </a:cxnLst>
-            <a:rect l="l" t="t" r="r" b="b"/>
-            <a:pathLst>
-              <a:path w="139038" h="139038">
-                <a:moveTo>
-                  <a:pt x="129601" y="60082"/>
-                </a:moveTo>
-                <a:lnTo>
-                  <a:pt x="78956" y="60082"/>
-                </a:lnTo>
-                <a:lnTo>
-                  <a:pt x="78956" y="9437"/>
-                </a:lnTo>
-                <a:cubicBezTo>
-                  <a:pt x="78956" y="4225"/>
-                  <a:pt x="74731" y="0"/>
-                  <a:pt x="69519" y="0"/>
-                </a:cubicBezTo>
-                <a:cubicBezTo>
-                  <a:pt x="64307" y="0"/>
-                  <a:pt x="60082" y="4225"/>
-                  <a:pt x="60082" y="9437"/>
-                </a:cubicBezTo>
-                <a:lnTo>
-                  <a:pt x="60082" y="60082"/>
-                </a:lnTo>
-                <a:lnTo>
-                  <a:pt x="9437" y="60082"/>
-                </a:lnTo>
-                <a:cubicBezTo>
-                  <a:pt x="4225" y="60082"/>
-                  <a:pt x="0" y="64307"/>
-                  <a:pt x="0" y="69519"/>
-                </a:cubicBezTo>
-                <a:cubicBezTo>
-                  <a:pt x="0" y="74731"/>
-                  <a:pt x="4225" y="78956"/>
-                  <a:pt x="9437" y="78956"/>
-                </a:cubicBezTo>
-                <a:lnTo>
-                  <a:pt x="60082" y="78956"/>
-                </a:lnTo>
-                <a:lnTo>
-                  <a:pt x="60082" y="129601"/>
-                </a:lnTo>
-                <a:cubicBezTo>
-                  <a:pt x="60082" y="134813"/>
-                  <a:pt x="64307" y="139038"/>
-                  <a:pt x="69519" y="139038"/>
-                </a:cubicBezTo>
-                <a:cubicBezTo>
-                  <a:pt x="74731" y="139038"/>
-                  <a:pt x="78956" y="134813"/>
-                  <a:pt x="78956" y="129601"/>
-                </a:cubicBezTo>
-                <a:lnTo>
-                  <a:pt x="78956" y="78956"/>
-                </a:lnTo>
-                <a:lnTo>
-                  <a:pt x="129601" y="78956"/>
-                </a:lnTo>
-                <a:cubicBezTo>
-                  <a:pt x="134813" y="78956"/>
-                  <a:pt x="139038" y="74731"/>
-                  <a:pt x="139038" y="69519"/>
-                </a:cubicBezTo>
-                <a:cubicBezTo>
-                  <a:pt x="139038" y="64307"/>
-                  <a:pt x="134813" y="60082"/>
-                  <a:pt x="129601" y="60082"/>
-                </a:cubicBezTo>
-                <a:close/>
-              </a:path>
-            </a:pathLst>
-          </a:custGeom>
-          <a:solidFill>
-            <a:schemeClr val="bg1"/>
-          </a:solidFill>
-          <a:ln w="603" cap="flat">
-            <a:noFill/>
-            <a:prstDash val="solid"/>
-            <a:miter/>
-          </a:ln>
-        </p:spPr>
-        <p:txBody>
-          <a:bodyPr rtlCol="0" anchor="ctr"/>
-          <a:lstStyle/>
-          <a:p>
-            <a:endParaRPr lang="en-US"/>
-          </a:p>
-        </p:txBody>
-      </p:sp>
-      <p:sp>
-        <p:nvSpPr>
-          <p:cNvPr id="12" name="Graphic 12">
-            <a:extLst>
-              <a:ext uri="{FF2B5EF4-FFF2-40B4-BE49-F238E27FC236}">
-                <a16:creationId xmlns:a16="http://schemas.microsoft.com/office/drawing/2014/main" id="{712D4376-A578-4FF1-94FC-245E7A6A489F}"/>
-              </a:ext>
-              <a:ext uri="{C183D7F6-B498-43B3-948B-1728B52AA6E4}">
-                <adec:decorative xmlns:adec="http://schemas.microsoft.com/office/drawing/2017/decorative" val="1"/>
-              </a:ext>
-            </a:extLst>
-          </p:cNvPr>
-          <p:cNvSpPr>
-            <a:spLocks noGrp="1" noRot="1" noChangeAspect="1" noMove="1" noResize="1" noEditPoints="1" noAdjustHandles="1" noChangeArrowheads="1" noChangeShapeType="1" noTextEdit="1"/>
-          </p:cNvSpPr>
-          <p:nvPr>
-            <p:extLst>
-              <p:ext uri="{386F3935-93C4-4BCD-93E2-E3B085C9AB24}">
-                <p16:designElem xmlns:p16="http://schemas.microsoft.com/office/powerpoint/2015/main" val="1"/>
-              </p:ext>
-            </p:extLst>
-          </p:nvPr>
-        </p:nvSpPr>
-        <p:spPr>
-          <a:xfrm>
-            <a:off x="7176380" y="2973840"/>
-            <a:ext cx="91138" cy="91138"/>
-          </a:xfrm>
-          <a:custGeom>
-            <a:avLst/>
-            <a:gdLst>
-              <a:gd name="connsiteX0" fmla="*/ 91138 w 91138"/>
-              <a:gd name="connsiteY0" fmla="*/ 45569 h 91138"/>
-              <a:gd name="connsiteX1" fmla="*/ 45569 w 91138"/>
-              <a:gd name="connsiteY1" fmla="*/ 91138 h 91138"/>
-              <a:gd name="connsiteX2" fmla="*/ 0 w 91138"/>
-              <a:gd name="connsiteY2" fmla="*/ 45569 h 91138"/>
-              <a:gd name="connsiteX3" fmla="*/ 45569 w 91138"/>
-              <a:gd name="connsiteY3" fmla="*/ 0 h 91138"/>
-              <a:gd name="connsiteX4" fmla="*/ 91138 w 91138"/>
-              <a:gd name="connsiteY4" fmla="*/ 45569 h 91138"/>
-            </a:gdLst>
-            <a:ahLst/>
-            <a:cxnLst>
-              <a:cxn ang="0">
-                <a:pos x="connsiteX0" y="connsiteY0"/>
-              </a:cxn>
-              <a:cxn ang="0">
-                <a:pos x="connsiteX1" y="connsiteY1"/>
-              </a:cxn>
-              <a:cxn ang="0">
-                <a:pos x="connsiteX2" y="connsiteY2"/>
-              </a:cxn>
-              <a:cxn ang="0">
-                <a:pos x="connsiteX3" y="connsiteY3"/>
-              </a:cxn>
-              <a:cxn ang="0">
-                <a:pos x="connsiteX4" y="connsiteY4"/>
-              </a:cxn>
-            </a:cxnLst>
-            <a:rect l="l" t="t" r="r" b="b"/>
-            <a:pathLst>
-              <a:path w="91138" h="91138">
-                <a:moveTo>
-                  <a:pt x="91138" y="45569"/>
-                </a:moveTo>
-                <a:cubicBezTo>
-                  <a:pt x="91138" y="70736"/>
-                  <a:pt x="70736" y="91138"/>
-                  <a:pt x="45569" y="91138"/>
-                </a:cubicBezTo>
-                <a:cubicBezTo>
-                  <a:pt x="20402" y="91138"/>
-                  <a:pt x="0" y="70736"/>
-                  <a:pt x="0" y="45569"/>
-                </a:cubicBezTo>
-                <a:cubicBezTo>
-                  <a:pt x="0" y="20402"/>
-                  <a:pt x="20402" y="0"/>
-                  <a:pt x="45569" y="0"/>
-                </a:cubicBezTo>
-                <a:cubicBezTo>
-                  <a:pt x="70736" y="0"/>
-                  <a:pt x="91138" y="20402"/>
-                  <a:pt x="91138" y="45569"/>
-                </a:cubicBezTo>
-                <a:close/>
-              </a:path>
-            </a:pathLst>
-          </a:custGeom>
-          <a:solidFill>
-            <a:schemeClr val="bg1"/>
-          </a:solidFill>
-          <a:ln w="422" cap="flat">
-            <a:noFill/>
-            <a:prstDash val="solid"/>
-            <a:miter/>
-          </a:ln>
-        </p:spPr>
-        <p:txBody>
-          <a:bodyPr rtlCol="0" anchor="ctr"/>
-          <a:lstStyle/>
-          <a:p>
-            <a:endParaRPr lang="en-US"/>
-          </a:p>
-        </p:txBody>
-      </p:sp>
-      <p:sp>
-        <p:nvSpPr>
-          <p:cNvPr id="14" name="Graphic 15">
-            <a:extLst>
-              <a:ext uri="{FF2B5EF4-FFF2-40B4-BE49-F238E27FC236}">
-                <a16:creationId xmlns:a16="http://schemas.microsoft.com/office/drawing/2014/main" id="{AEA7509D-F04F-40CB-A0B3-EEF16499CC9F}"/>
-              </a:ext>
-              <a:ext uri="{C183D7F6-B498-43B3-948B-1728B52AA6E4}">
-                <adec:decorative xmlns:adec="http://schemas.microsoft.com/office/drawing/2017/decorative" val="1"/>
-              </a:ext>
-            </a:extLst>
-          </p:cNvPr>
-          <p:cNvSpPr>
-            <a:spLocks noGrp="1" noRot="1" noChangeAspect="1" noMove="1" noResize="1" noEditPoints="1" noAdjustHandles="1" noChangeArrowheads="1" noChangeShapeType="1" noTextEdit="1"/>
-          </p:cNvSpPr>
-          <p:nvPr>
-            <p:extLst>
-              <p:ext uri="{386F3935-93C4-4BCD-93E2-E3B085C9AB24}">
-                <p16:designElem xmlns:p16="http://schemas.microsoft.com/office/powerpoint/2015/main" val="1"/>
-              </p:ext>
-            </p:extLst>
-          </p:nvPr>
-        </p:nvSpPr>
-        <p:spPr>
-          <a:xfrm>
-            <a:off x="6802062" y="3198265"/>
-            <a:ext cx="127713" cy="127713"/>
-          </a:xfrm>
-          <a:custGeom>
-            <a:avLst/>
-            <a:gdLst>
-              <a:gd name="connsiteX0" fmla="*/ 63857 w 127713"/>
-              <a:gd name="connsiteY0" fmla="*/ 18874 h 127713"/>
-              <a:gd name="connsiteX1" fmla="*/ 108839 w 127713"/>
-              <a:gd name="connsiteY1" fmla="*/ 63857 h 127713"/>
-              <a:gd name="connsiteX2" fmla="*/ 63857 w 127713"/>
-              <a:gd name="connsiteY2" fmla="*/ 108839 h 127713"/>
-              <a:gd name="connsiteX3" fmla="*/ 18874 w 127713"/>
-              <a:gd name="connsiteY3" fmla="*/ 63857 h 127713"/>
-              <a:gd name="connsiteX4" fmla="*/ 63857 w 127713"/>
-              <a:gd name="connsiteY4" fmla="*/ 18874 h 127713"/>
-              <a:gd name="connsiteX5" fmla="*/ 63857 w 127713"/>
-              <a:gd name="connsiteY5" fmla="*/ 0 h 127713"/>
-              <a:gd name="connsiteX6" fmla="*/ 0 w 127713"/>
-              <a:gd name="connsiteY6" fmla="*/ 63857 h 127713"/>
-              <a:gd name="connsiteX7" fmla="*/ 63857 w 127713"/>
-              <a:gd name="connsiteY7" fmla="*/ 127713 h 127713"/>
-              <a:gd name="connsiteX8" fmla="*/ 127713 w 127713"/>
-              <a:gd name="connsiteY8" fmla="*/ 63857 h 127713"/>
-              <a:gd name="connsiteX9" fmla="*/ 63857 w 127713"/>
-              <a:gd name="connsiteY9" fmla="*/ 0 h 127713"/>
-            </a:gdLst>
-            <a:ahLst/>
-            <a:cxnLst>
-              <a:cxn ang="0">
-                <a:pos x="connsiteX0" y="connsiteY0"/>
-              </a:cxn>
-              <a:cxn ang="0">
-                <a:pos x="connsiteX1" y="connsiteY1"/>
-              </a:cxn>
-              <a:cxn ang="0">
-                <a:pos x="connsiteX2" y="connsiteY2"/>
-              </a:cxn>
-              <a:cxn ang="0">
-                <a:pos x="connsiteX3" y="connsiteY3"/>
-              </a:cxn>
-              <a:cxn ang="0">
-                <a:pos x="connsiteX4" y="connsiteY4"/>
-              </a:cxn>
-              <a:cxn ang="0">
-                <a:pos x="connsiteX5" y="connsiteY5"/>
-              </a:cxn>
-              <a:cxn ang="0">
-                <a:pos x="connsiteX6" y="connsiteY6"/>
-              </a:cxn>
-              <a:cxn ang="0">
-                <a:pos x="connsiteX7" y="connsiteY7"/>
-              </a:cxn>
-              <a:cxn ang="0">
-                <a:pos x="connsiteX8" y="connsiteY8"/>
-              </a:cxn>
-              <a:cxn ang="0">
-                <a:pos x="connsiteX9" y="connsiteY9"/>
-              </a:cxn>
-            </a:cxnLst>
-            <a:rect l="l" t="t" r="r" b="b"/>
-            <a:pathLst>
-              <a:path w="127713" h="127713">
-                <a:moveTo>
-                  <a:pt x="63857" y="18874"/>
-                </a:moveTo>
-                <a:cubicBezTo>
-                  <a:pt x="88700" y="18874"/>
-                  <a:pt x="108839" y="39013"/>
-                  <a:pt x="108839" y="63857"/>
-                </a:cubicBezTo>
-                <a:cubicBezTo>
-                  <a:pt x="108839" y="88700"/>
-                  <a:pt x="88700" y="108839"/>
-                  <a:pt x="63857" y="108839"/>
-                </a:cubicBezTo>
-                <a:cubicBezTo>
-                  <a:pt x="39013" y="108839"/>
-                  <a:pt x="18874" y="88700"/>
-                  <a:pt x="18874" y="63857"/>
-                </a:cubicBezTo>
-                <a:cubicBezTo>
-                  <a:pt x="18898" y="39023"/>
-                  <a:pt x="39023" y="18898"/>
-                  <a:pt x="63857" y="18874"/>
-                </a:cubicBezTo>
-                <a:moveTo>
-                  <a:pt x="63857" y="0"/>
-                </a:moveTo>
-                <a:cubicBezTo>
-                  <a:pt x="28590" y="0"/>
-                  <a:pt x="0" y="28590"/>
-                  <a:pt x="0" y="63857"/>
-                </a:cubicBezTo>
-                <a:cubicBezTo>
-                  <a:pt x="0" y="99124"/>
-                  <a:pt x="28590" y="127713"/>
-                  <a:pt x="63857" y="127713"/>
-                </a:cubicBezTo>
-                <a:cubicBezTo>
-                  <a:pt x="99124" y="127713"/>
-                  <a:pt x="127713" y="99124"/>
-                  <a:pt x="127713" y="63857"/>
-                </a:cubicBezTo>
-                <a:cubicBezTo>
-                  <a:pt x="127713" y="28590"/>
-                  <a:pt x="99124" y="0"/>
-                  <a:pt x="63857" y="0"/>
-                </a:cubicBezTo>
-                <a:close/>
-              </a:path>
-            </a:pathLst>
-          </a:custGeom>
-          <a:solidFill>
-            <a:schemeClr val="bg1"/>
-          </a:solidFill>
-          <a:ln w="610" cap="flat">
-            <a:noFill/>
-            <a:prstDash val="solid"/>
-            <a:miter/>
-          </a:ln>
-        </p:spPr>
-        <p:txBody>
-          <a:bodyPr rtlCol="0" anchor="ctr"/>
-          <a:lstStyle/>
-          <a:p>
-            <a:endParaRPr lang="en-US"/>
-          </a:p>
-        </p:txBody>
-      </p:sp>
-      <p:cxnSp>
-        <p:nvCxnSpPr>
-          <p:cNvPr id="16" name="Straight Connector 15">
-            <a:extLst>
-              <a:ext uri="{FF2B5EF4-FFF2-40B4-BE49-F238E27FC236}">
-                <a16:creationId xmlns:a16="http://schemas.microsoft.com/office/drawing/2014/main" id="{56020367-4FD5-4596-8E10-C5F095CD8DBF}"/>
-              </a:ext>
-              <a:ext uri="{C183D7F6-B498-43B3-948B-1728B52AA6E4}">
-                <adec:decorative xmlns:adec="http://schemas.microsoft.com/office/drawing/2017/decorative" val="1"/>
-              </a:ext>
-            </a:extLst>
-          </p:cNvPr>
-          <p:cNvCxnSpPr>
-            <a:cxnSpLocks noGrp="1" noRot="1" noChangeAspect="1" noMove="1" noResize="1" noEditPoints="1" noAdjustHandles="1" noChangeArrowheads="1" noChangeShapeType="1"/>
-          </p:cNvCxnSpPr>
-          <p:nvPr>
-            <p:extLst>
-              <p:ext uri="{386F3935-93C4-4BCD-93E2-E3B085C9AB24}">
-                <p16:designElem xmlns:p16="http://schemas.microsoft.com/office/powerpoint/2015/main" val="1"/>
-              </p:ext>
-            </p:extLst>
-          </p:nvPr>
-        </p:nvCxnSpPr>
-        <p:spPr>
-          <a:xfrm>
-            <a:off x="1301262" y="3496322"/>
-            <a:ext cx="0" cy="3352800"/>
-          </a:xfrm>
-          <a:prstGeom prst="line">
-            <a:avLst/>
-          </a:prstGeom>
-          <a:ln w="25400" cap="sq">
-            <a:solidFill>
-              <a:schemeClr val="bg1"/>
-            </a:solidFill>
-            <a:bevel/>
-          </a:ln>
-        </p:spPr>
-        <p:style>
-          <a:lnRef idx="1">
-            <a:schemeClr val="accent1"/>
-          </a:lnRef>
-          <a:fillRef idx="0">
-            <a:schemeClr val="accent1"/>
-          </a:fillRef>
-          <a:effectRef idx="0">
-            <a:schemeClr val="accent1"/>
-          </a:effectRef>
-          <a:fontRef idx="minor">
-            <a:schemeClr val="tx1"/>
-          </a:fontRef>
-        </p:style>
-      </p:cxnSp>
+        </p:nvGraphicFramePr>
+        <p:xfrm>
+          <a:off x="838200" y="1825625"/>
+          <a:ext cx="10515600" cy="4351338"/>
+        </p:xfrm>
+        <a:graphic>
+          <a:graphicData uri="http://schemas.openxmlformats.org/drawingml/2006/diagram">
+            <dgm:relIds xmlns:dgm="http://schemas.openxmlformats.org/drawingml/2006/diagram" xmlns:r="http://schemas.openxmlformats.org/officeDocument/2006/relationships" r:dm="rId2" r:lo="rId3" r:qs="rId4" r:cs="rId5"/>
+          </a:graphicData>
+        </a:graphic>
+      </p:graphicFrame>
     </p:spTree>
     <p:extLst>
       <p:ext uri="{BB962C8B-B14F-4D97-AF65-F5344CB8AC3E}">
-        <p14:creationId xmlns:p14="http://schemas.microsoft.com/office/powerpoint/2010/main" val="3225598774"/>
+        <p14:creationId xmlns:p14="http://schemas.microsoft.com/office/powerpoint/2010/main" val="2242873763"/>
       </p:ext>
     </p:extLst>
   </p:cSld>

--- a/presentation/Presentation.pptx
+++ b/presentation/Presentation.pptx
@@ -3905,7 +3905,7 @@
             <a:rPr lang="ru-RU" dirty="0">
               <a:latin typeface="Gill Sans Nova"/>
             </a:rPr>
-            <a:t>Использование библиотеки </a:t>
+            <a:t>Использование библиотек </a:t>
           </a:r>
           <a:r>
             <a:rPr lang="en-US" dirty="0" err="1">
@@ -3917,13 +3917,25 @@
             <a:rPr lang="en-US" dirty="0">
               <a:latin typeface="Gill Sans Nova"/>
             </a:rPr>
+            <a:t>, </a:t>
+          </a:r>
+          <a:r>
+            <a:rPr lang="en-US" dirty="0" err="1">
+              <a:latin typeface="Gill Sans Nova"/>
+            </a:rPr>
+            <a:t>FFProbe</a:t>
+          </a:r>
+          <a:r>
+            <a:rPr lang="en-US" dirty="0">
+              <a:latin typeface="Gill Sans Nova"/>
+            </a:rPr>
             <a:t> </a:t>
           </a:r>
           <a:r>
             <a:rPr lang="ru-RU" dirty="0">
               <a:latin typeface="Gill Sans Nova"/>
             </a:rPr>
-            <a:t>для работы с субтитрами</a:t>
+            <a:t>для работы с медиафайлами  разного типа и формата</a:t>
           </a:r>
           <a:endParaRPr lang="ru-RU" dirty="0"/>
         </a:p>
@@ -5626,10 +5638,17 @@
         <a:lstStyle/>
         <a:p>
           <a:r>
+            <a:rPr lang="ru-RU" dirty="0"/>
+            <a:t>Оценки и отзывы о фильмах </a:t>
+          </a:r>
+          <a:r>
             <a:rPr lang="en-US" dirty="0"/>
-            <a:t>-</a:t>
+            <a:t>/ </a:t>
           </a:r>
-          <a:endParaRPr lang="ru-RU" dirty="0"/>
+          <a:r>
+            <a:rPr lang="ru-RU" dirty="0"/>
+            <a:t>сериалах</a:t>
+          </a:r>
         </a:p>
       </dgm:t>
     </dgm:pt>
@@ -6478,12 +6497,12 @@
         <a:fontRef idx="minor"/>
       </dsp:style>
       <dsp:txBody>
-        <a:bodyPr spcFirstLastPara="0" vert="horz" wrap="square" lIns="83820" tIns="83820" rIns="83820" bIns="83820" numCol="1" spcCol="1270" anchor="t" anchorCtr="0">
+        <a:bodyPr spcFirstLastPara="0" vert="horz" wrap="square" lIns="72390" tIns="72390" rIns="72390" bIns="72390" numCol="1" spcCol="1270" anchor="t" anchorCtr="0">
           <a:noAutofit/>
         </a:bodyPr>
         <a:lstStyle/>
         <a:p>
-          <a:pPr marL="0" lvl="0" indent="0" algn="l" defTabSz="977900" rtl="0">
+          <a:pPr marL="0" lvl="0" indent="0" algn="l" defTabSz="844550" rtl="0">
             <a:lnSpc>
               <a:spcPct val="90000"/>
             </a:lnSpc>
@@ -6496,30 +6515,30 @@
             <a:buNone/>
           </a:pPr>
           <a:r>
-            <a:rPr lang="ru-RU" sz="2200" kern="1200" dirty="0">
+            <a:rPr lang="ru-RU" sz="1900" kern="1200" dirty="0">
               <a:latin typeface="Gill Sans Nova"/>
             </a:rPr>
             <a:t>Использование современного </a:t>
           </a:r>
           <a:r>
-            <a:rPr lang="ru-RU" sz="2200" kern="1200" dirty="0" err="1">
+            <a:rPr lang="ru-RU" sz="1900" kern="1200" dirty="0" err="1">
               <a:latin typeface="Gill Sans Nova"/>
             </a:rPr>
             <a:t>микрофреймворка</a:t>
           </a:r>
           <a:r>
-            <a:rPr lang="ru-RU" sz="2200" kern="1200" dirty="0">
+            <a:rPr lang="ru-RU" sz="1900" kern="1200" dirty="0">
               <a:latin typeface="Gill Sans Nova"/>
             </a:rPr>
             <a:t> </a:t>
           </a:r>
           <a:r>
-            <a:rPr lang="ru-RU" sz="2200" kern="1200" dirty="0" err="1">
+            <a:rPr lang="ru-RU" sz="1900" kern="1200" dirty="0" err="1">
               <a:latin typeface="Gill Sans Nova"/>
             </a:rPr>
             <a:t>Flask</a:t>
           </a:r>
-          <a:endParaRPr lang="ru-RU" sz="2200" kern="1200" dirty="0"/>
+          <a:endParaRPr lang="ru-RU" sz="1900" kern="1200" dirty="0"/>
         </a:p>
       </dsp:txBody>
       <dsp:txXfrm>
@@ -6609,12 +6628,12 @@
         <a:fontRef idx="minor"/>
       </dsp:style>
       <dsp:txBody>
-        <a:bodyPr spcFirstLastPara="0" vert="horz" wrap="square" lIns="83820" tIns="83820" rIns="83820" bIns="83820" numCol="1" spcCol="1270" anchor="t" anchorCtr="0">
+        <a:bodyPr spcFirstLastPara="0" vert="horz" wrap="square" lIns="72390" tIns="72390" rIns="72390" bIns="72390" numCol="1" spcCol="1270" anchor="t" anchorCtr="0">
           <a:noAutofit/>
         </a:bodyPr>
         <a:lstStyle/>
         <a:p>
-          <a:pPr marL="0" lvl="0" indent="0" algn="l" defTabSz="977900" rtl="0">
+          <a:pPr marL="0" lvl="0" indent="0" algn="l" defTabSz="844550" rtl="0">
             <a:lnSpc>
               <a:spcPct val="90000"/>
             </a:lnSpc>
@@ -6627,22 +6646,22 @@
             <a:buNone/>
           </a:pPr>
           <a:r>
-            <a:rPr lang="ru-RU" sz="2200" kern="1200" dirty="0">
+            <a:rPr lang="ru-RU" sz="1900" kern="1200" dirty="0">
               <a:latin typeface="Gill Sans Nova"/>
             </a:rPr>
             <a:t>Заготовка </a:t>
           </a:r>
           <a:r>
-            <a:rPr lang="ru-RU" sz="2200" kern="1200" dirty="0"/>
+            <a:rPr lang="ru-RU" sz="1900" kern="1200" dirty="0"/>
             <a:t>шаблонов HTML</a:t>
           </a:r>
           <a:r>
-            <a:rPr lang="ru-RU" sz="2200" kern="1200" dirty="0">
+            <a:rPr lang="ru-RU" sz="1900" kern="1200" dirty="0">
               <a:latin typeface="Gill Sans Nova"/>
             </a:rPr>
             <a:t> для их последующего рендера</a:t>
           </a:r>
-          <a:endParaRPr lang="ru-RU" sz="2200" kern="1200" dirty="0"/>
+          <a:endParaRPr lang="ru-RU" sz="1900" kern="1200" dirty="0"/>
         </a:p>
       </dsp:txBody>
       <dsp:txXfrm>
@@ -6732,12 +6751,12 @@
         <a:fontRef idx="minor"/>
       </dsp:style>
       <dsp:txBody>
-        <a:bodyPr spcFirstLastPara="0" vert="horz" wrap="square" lIns="83820" tIns="83820" rIns="83820" bIns="83820" numCol="1" spcCol="1270" anchor="t" anchorCtr="0">
+        <a:bodyPr spcFirstLastPara="0" vert="horz" wrap="square" lIns="72390" tIns="72390" rIns="72390" bIns="72390" numCol="1" spcCol="1270" anchor="t" anchorCtr="0">
           <a:noAutofit/>
         </a:bodyPr>
         <a:lstStyle/>
         <a:p>
-          <a:pPr marL="0" lvl="0" indent="0" algn="l" defTabSz="977900" rtl="0">
+          <a:pPr marL="0" lvl="0" indent="0" algn="l" defTabSz="844550" rtl="0">
             <a:lnSpc>
               <a:spcPct val="90000"/>
             </a:lnSpc>
@@ -6750,25 +6769,25 @@
             <a:buNone/>
           </a:pPr>
           <a:r>
-            <a:rPr lang="ru-RU" sz="2200" kern="1200" dirty="0">
+            <a:rPr lang="ru-RU" sz="1900" kern="1200" dirty="0">
               <a:latin typeface="Gill Sans Nova"/>
             </a:rPr>
             <a:t>Использование библиотеки </a:t>
           </a:r>
           <a:r>
-            <a:rPr lang="ru-RU" sz="2200" kern="1200" dirty="0" err="1">
+            <a:rPr lang="ru-RU" sz="1900" kern="1200" dirty="0" err="1">
               <a:latin typeface="Gill Sans Nova"/>
             </a:rPr>
             <a:t>SQLAlchemy</a:t>
           </a:r>
           <a:r>
-            <a:rPr lang="ru-RU" sz="2200" kern="1200" dirty="0">
+            <a:rPr lang="ru-RU" sz="1900" kern="1200" dirty="0">
               <a:latin typeface="Gill Sans Nova"/>
             </a:rPr>
             <a:t>, применяющую</a:t>
           </a:r>
           <a:r>
-            <a:rPr lang="ru-RU" sz="2200" kern="1200" dirty="0"/>
+            <a:rPr lang="ru-RU" sz="1900" kern="1200" dirty="0"/>
             <a:t> технологию ORM</a:t>
           </a:r>
         </a:p>
@@ -6860,12 +6879,12 @@
         <a:fontRef idx="minor"/>
       </dsp:style>
       <dsp:txBody>
-        <a:bodyPr spcFirstLastPara="0" vert="horz" wrap="square" lIns="83820" tIns="83820" rIns="83820" bIns="83820" numCol="1" spcCol="1270" anchor="t" anchorCtr="0">
+        <a:bodyPr spcFirstLastPara="0" vert="horz" wrap="square" lIns="72390" tIns="72390" rIns="72390" bIns="72390" numCol="1" spcCol="1270" anchor="t" anchorCtr="0">
           <a:noAutofit/>
         </a:bodyPr>
         <a:lstStyle/>
         <a:p>
-          <a:pPr marL="0" lvl="0" indent="0" algn="l" defTabSz="977900" rtl="0">
+          <a:pPr marL="0" lvl="0" indent="0" algn="l" defTabSz="844550" rtl="0">
             <a:lnSpc>
               <a:spcPct val="90000"/>
             </a:lnSpc>
@@ -6878,22 +6897,22 @@
             <a:buNone/>
           </a:pPr>
           <a:r>
-            <a:rPr lang="ru-RU" sz="2200" kern="1200" dirty="0">
+            <a:rPr lang="ru-RU" sz="1900" kern="1200" dirty="0">
               <a:latin typeface="Gill Sans Nova"/>
             </a:rPr>
             <a:t>Применение архитектурный</a:t>
           </a:r>
           <a:r>
-            <a:rPr lang="ru-RU" sz="2200" kern="1200" dirty="0"/>
+            <a:rPr lang="ru-RU" sz="1900" kern="1200" dirty="0"/>
             <a:t> стиль взаимодействия </a:t>
           </a:r>
           <a:r>
-            <a:rPr lang="ru-RU" sz="2200" kern="1200" dirty="0">
+            <a:rPr lang="ru-RU" sz="1900" kern="1200" dirty="0">
               <a:latin typeface="Gill Sans Nova"/>
             </a:rPr>
             <a:t>компонентов приложения REST</a:t>
           </a:r>
-          <a:endParaRPr lang="ru-RU" sz="2200" kern="1200" dirty="0"/>
+          <a:endParaRPr lang="ru-RU" sz="1900" kern="1200" dirty="0"/>
         </a:p>
       </dsp:txBody>
       <dsp:txXfrm>
@@ -6983,12 +7002,12 @@
         <a:fontRef idx="minor"/>
       </dsp:style>
       <dsp:txBody>
-        <a:bodyPr spcFirstLastPara="0" vert="horz" wrap="square" lIns="83820" tIns="83820" rIns="83820" bIns="83820" numCol="1" spcCol="1270" anchor="t" anchorCtr="0">
+        <a:bodyPr spcFirstLastPara="0" vert="horz" wrap="square" lIns="72390" tIns="72390" rIns="72390" bIns="72390" numCol="1" spcCol="1270" anchor="t" anchorCtr="0">
           <a:noAutofit/>
         </a:bodyPr>
         <a:lstStyle/>
         <a:p>
-          <a:pPr marL="0" lvl="0" indent="0" algn="l" defTabSz="977900" rtl="0">
+          <a:pPr marL="0" lvl="0" indent="0" algn="l" defTabSz="844550" rtl="0">
             <a:lnSpc>
               <a:spcPct val="90000"/>
             </a:lnSpc>
@@ -7001,12 +7020,12 @@
             <a:buNone/>
           </a:pPr>
           <a:r>
-            <a:rPr lang="ru-RU" sz="2200" kern="1200" dirty="0">
+            <a:rPr lang="ru-RU" sz="1900" kern="1200" dirty="0">
               <a:latin typeface="Gill Sans Nova"/>
             </a:rPr>
             <a:t>Программирование плеера с HLS</a:t>
           </a:r>
-          <a:endParaRPr lang="ru-RU" sz="2200" kern="1200" dirty="0"/>
+          <a:endParaRPr lang="ru-RU" sz="1900" kern="1200" dirty="0"/>
         </a:p>
       </dsp:txBody>
       <dsp:txXfrm>
@@ -7096,12 +7115,12 @@
         <a:fontRef idx="minor"/>
       </dsp:style>
       <dsp:txBody>
-        <a:bodyPr spcFirstLastPara="0" vert="horz" wrap="square" lIns="83820" tIns="83820" rIns="83820" bIns="83820" numCol="1" spcCol="1270" anchor="t" anchorCtr="0">
+        <a:bodyPr spcFirstLastPara="0" vert="horz" wrap="square" lIns="72390" tIns="72390" rIns="72390" bIns="72390" numCol="1" spcCol="1270" anchor="t" anchorCtr="0">
           <a:noAutofit/>
         </a:bodyPr>
         <a:lstStyle/>
         <a:p>
-          <a:pPr marL="0" lvl="0" indent="0" algn="l" defTabSz="977900" rtl="0">
+          <a:pPr marL="0" lvl="0" indent="0" algn="l" defTabSz="844550" rtl="0">
             <a:lnSpc>
               <a:spcPct val="90000"/>
             </a:lnSpc>
@@ -7114,30 +7133,42 @@
             <a:buNone/>
           </a:pPr>
           <a:r>
-            <a:rPr lang="ru-RU" sz="2200" kern="1200" dirty="0">
+            <a:rPr lang="ru-RU" sz="1900" kern="1200" dirty="0">
               <a:latin typeface="Gill Sans Nova"/>
             </a:rPr>
-            <a:t>Использование библиотеки </a:t>
+            <a:t>Использование библиотек </a:t>
           </a:r>
           <a:r>
-            <a:rPr lang="en-US" sz="2200" kern="1200" dirty="0" err="1">
+            <a:rPr lang="en-US" sz="1900" kern="1200" dirty="0" err="1">
               <a:latin typeface="Gill Sans Nova"/>
             </a:rPr>
             <a:t>WebVTT</a:t>
           </a:r>
           <a:r>
-            <a:rPr lang="en-US" sz="2200" kern="1200" dirty="0">
+            <a:rPr lang="en-US" sz="1900" kern="1200" dirty="0">
+              <a:latin typeface="Gill Sans Nova"/>
+            </a:rPr>
+            <a:t>, </a:t>
+          </a:r>
+          <a:r>
+            <a:rPr lang="en-US" sz="1900" kern="1200" dirty="0" err="1">
+              <a:latin typeface="Gill Sans Nova"/>
+            </a:rPr>
+            <a:t>FFProbe</a:t>
+          </a:r>
+          <a:r>
+            <a:rPr lang="en-US" sz="1900" kern="1200" dirty="0">
               <a:latin typeface="Gill Sans Nova"/>
             </a:rPr>
             <a:t> </a:t>
           </a:r>
           <a:r>
-            <a:rPr lang="ru-RU" sz="2200" kern="1200" dirty="0">
+            <a:rPr lang="ru-RU" sz="1900" kern="1200" dirty="0">
               <a:latin typeface="Gill Sans Nova"/>
             </a:rPr>
-            <a:t>для работы с субтитрами</a:t>
+            <a:t>для работы с медиафайлами  разного типа и формата</a:t>
           </a:r>
-          <a:endParaRPr lang="ru-RU" sz="2200" kern="1200" dirty="0"/>
+          <a:endParaRPr lang="ru-RU" sz="1900" kern="1200" dirty="0"/>
         </a:p>
       </dsp:txBody>
       <dsp:txXfrm>
@@ -7227,12 +7258,12 @@
         <a:fontRef idx="minor"/>
       </dsp:style>
       <dsp:txBody>
-        <a:bodyPr spcFirstLastPara="0" vert="horz" wrap="square" lIns="83820" tIns="83820" rIns="83820" bIns="83820" numCol="1" spcCol="1270" anchor="t" anchorCtr="0">
+        <a:bodyPr spcFirstLastPara="0" vert="horz" wrap="square" lIns="72390" tIns="72390" rIns="72390" bIns="72390" numCol="1" spcCol="1270" anchor="t" anchorCtr="0">
           <a:noAutofit/>
         </a:bodyPr>
         <a:lstStyle/>
         <a:p>
-          <a:pPr marL="0" lvl="0" indent="0" algn="l" defTabSz="977900" rtl="0">
+          <a:pPr marL="0" lvl="0" indent="0" algn="l" defTabSz="844550" rtl="0">
             <a:lnSpc>
               <a:spcPct val="90000"/>
             </a:lnSpc>
@@ -7245,32 +7276,32 @@
             <a:buNone/>
           </a:pPr>
           <a:r>
-            <a:rPr lang="ru-RU" sz="2200" kern="1200" dirty="0">
+            <a:rPr lang="ru-RU" sz="1900" kern="1200" dirty="0">
               <a:latin typeface="Gill Sans Nova"/>
             </a:rPr>
             <a:t>Развертывание</a:t>
           </a:r>
           <a:r>
-            <a:rPr lang="ru-RU" sz="2200" kern="1200" dirty="0"/>
+            <a:rPr lang="ru-RU" sz="1900" kern="1200" dirty="0"/>
             <a:t> и </a:t>
           </a:r>
           <a:r>
-            <a:rPr lang="ru-RU" sz="2200" kern="1200" dirty="0">
+            <a:rPr lang="ru-RU" sz="1900" kern="1200" dirty="0">
               <a:latin typeface="Gill Sans Nova"/>
             </a:rPr>
             <a:t>запуск сайта</a:t>
           </a:r>
           <a:r>
-            <a:rPr lang="ru-RU" sz="2200" kern="1200" dirty="0"/>
+            <a:rPr lang="ru-RU" sz="1900" kern="1200" dirty="0"/>
             <a:t> </a:t>
           </a:r>
           <a:r>
-            <a:rPr lang="ru-RU" sz="2200" kern="1200" dirty="0">
+            <a:rPr lang="ru-RU" sz="1900" kern="1200" dirty="0">
               <a:latin typeface="Gill Sans Nova"/>
             </a:rPr>
             <a:t>на хостинге</a:t>
           </a:r>
-          <a:endParaRPr lang="ru-RU" sz="2200" kern="1200" dirty="0"/>
+          <a:endParaRPr lang="ru-RU" sz="1900" kern="1200" dirty="0"/>
         </a:p>
       </dsp:txBody>
       <dsp:txXfrm>
@@ -8916,10 +8947,17 @@
             <a:buChar char="•"/>
           </a:pPr>
           <a:r>
+            <a:rPr lang="ru-RU" sz="2100" kern="1200" dirty="0"/>
+            <a:t>Оценки и отзывы о фильмах </a:t>
+          </a:r>
+          <a:r>
             <a:rPr lang="en-US" sz="2100" kern="1200" dirty="0"/>
-            <a:t>-</a:t>
+            <a:t>/ </a:t>
           </a:r>
-          <a:endParaRPr lang="ru-RU" sz="2100" kern="1200" dirty="0"/>
+          <a:r>
+            <a:rPr lang="ru-RU" sz="2100" kern="1200" dirty="0"/>
+            <a:t>сериалах</a:t>
+          </a:r>
         </a:p>
       </dsp:txBody>
       <dsp:txXfrm>
@@ -14380,7 +14418,7 @@
           <a:p>
             <a:fld id="{6A4B53A7-3209-46A6-9454-F38EAC8F11E7}" type="datetimeFigureOut">
               <a:rPr lang="en-US" smtClean="0"/>
-              <a:t>4/15/2023</a:t>
+              <a:t>4/18/2023</a:t>
             </a:fld>
             <a:endParaRPr lang="en-US"/>
           </a:p>
@@ -14631,7 +14669,7 @@
           <a:p>
             <a:fld id="{6A4B53A7-3209-46A6-9454-F38EAC8F11E7}" type="datetimeFigureOut">
               <a:rPr lang="en-US" smtClean="0"/>
-              <a:t>4/15/2023</a:t>
+              <a:t>4/18/2023</a:t>
             </a:fld>
             <a:endParaRPr lang="en-US"/>
           </a:p>
@@ -14892,7 +14930,7 @@
           <a:p>
             <a:fld id="{6A4B53A7-3209-46A6-9454-F38EAC8F11E7}" type="datetimeFigureOut">
               <a:rPr lang="en-US" smtClean="0"/>
-              <a:t>4/15/2023</a:t>
+              <a:t>4/18/2023</a:t>
             </a:fld>
             <a:endParaRPr lang="en-US"/>
           </a:p>
@@ -15143,7 +15181,7 @@
           <a:p>
             <a:fld id="{6A4B53A7-3209-46A6-9454-F38EAC8F11E7}" type="datetimeFigureOut">
               <a:rPr lang="en-US" smtClean="0"/>
-              <a:t>4/15/2023</a:t>
+              <a:t>4/18/2023</a:t>
             </a:fld>
             <a:endParaRPr lang="en-US"/>
           </a:p>
@@ -15471,7 +15509,7 @@
           <a:p>
             <a:fld id="{6A4B53A7-3209-46A6-9454-F38EAC8F11E7}" type="datetimeFigureOut">
               <a:rPr lang="en-US" smtClean="0"/>
-              <a:t>4/15/2023</a:t>
+              <a:t>4/18/2023</a:t>
             </a:fld>
             <a:endParaRPr lang="en-US"/>
           </a:p>
@@ -15789,7 +15827,7 @@
           <a:p>
             <a:fld id="{6A4B53A7-3209-46A6-9454-F38EAC8F11E7}" type="datetimeFigureOut">
               <a:rPr lang="en-US" smtClean="0"/>
-              <a:t>4/15/2023</a:t>
+              <a:t>4/18/2023</a:t>
             </a:fld>
             <a:endParaRPr lang="en-US"/>
           </a:p>
@@ -16254,7 +16292,7 @@
           <a:p>
             <a:fld id="{6A4B53A7-3209-46A6-9454-F38EAC8F11E7}" type="datetimeFigureOut">
               <a:rPr lang="en-US" smtClean="0"/>
-              <a:t>4/15/2023</a:t>
+              <a:t>4/18/2023</a:t>
             </a:fld>
             <a:endParaRPr lang="en-US"/>
           </a:p>
@@ -16448,7 +16486,7 @@
           <a:p>
             <a:fld id="{6A4B53A7-3209-46A6-9454-F38EAC8F11E7}" type="datetimeFigureOut">
               <a:rPr lang="en-US" smtClean="0"/>
-              <a:t>4/15/2023</a:t>
+              <a:t>4/18/2023</a:t>
             </a:fld>
             <a:endParaRPr lang="en-US"/>
           </a:p>
@@ -16614,7 +16652,7 @@
           <a:p>
             <a:fld id="{6A4B53A7-3209-46A6-9454-F38EAC8F11E7}" type="datetimeFigureOut">
               <a:rPr lang="en-US" smtClean="0"/>
-              <a:t>4/15/2023</a:t>
+              <a:t>4/18/2023</a:t>
             </a:fld>
             <a:endParaRPr lang="en-US"/>
           </a:p>
@@ -16978,7 +17016,7 @@
           <a:p>
             <a:fld id="{6A4B53A7-3209-46A6-9454-F38EAC8F11E7}" type="datetimeFigureOut">
               <a:rPr lang="en-US" smtClean="0"/>
-              <a:t>4/15/2023</a:t>
+              <a:t>4/18/2023</a:t>
             </a:fld>
             <a:endParaRPr lang="en-US"/>
           </a:p>
@@ -17322,7 +17360,7 @@
           <a:p>
             <a:fld id="{6A4B53A7-3209-46A6-9454-F38EAC8F11E7}" type="datetimeFigureOut">
               <a:rPr lang="en-US" smtClean="0"/>
-              <a:t>4/15/2023</a:t>
+              <a:t>4/18/2023</a:t>
             </a:fld>
             <a:endParaRPr lang="en-US"/>
           </a:p>
@@ -17617,7 +17655,7 @@
             <a:fld id="{6A4B53A7-3209-46A6-9454-F38EAC8F11E7}" type="datetimeFigureOut">
               <a:rPr lang="en-US" smtClean="0"/>
               <a:pPr/>
-              <a:t>4/15/2023</a:t>
+              <a:t>4/18/2023</a:t>
             </a:fld>
             <a:endParaRPr lang="en-US" dirty="0"/>
           </a:p>
@@ -21241,7 +21279,7 @@
             <p:ph idx="1"/>
             <p:extLst>
               <p:ext uri="{D42A27DB-BD31-4B8C-83A1-F6EECF244321}">
-                <p14:modId xmlns:p14="http://schemas.microsoft.com/office/powerpoint/2010/main" val="1919163010"/>
+                <p14:modId xmlns:p14="http://schemas.microsoft.com/office/powerpoint/2010/main" val="3557342094"/>
               </p:ext>
             </p:extLst>
           </p:nvPr>
@@ -23803,7 +23841,7 @@
             <p:ph idx="1"/>
             <p:extLst>
               <p:ext uri="{D42A27DB-BD31-4B8C-83A1-F6EECF244321}">
-                <p14:modId xmlns:p14="http://schemas.microsoft.com/office/powerpoint/2010/main" val="1939028309"/>
+                <p14:modId xmlns:p14="http://schemas.microsoft.com/office/powerpoint/2010/main" val="303747198"/>
               </p:ext>
             </p:extLst>
           </p:nvPr>

--- a/presentation/Presentation.pptx
+++ b/presentation/Presentation.pptx
@@ -3311,10 +3311,10 @@
         <a:lstStyle/>
         <a:p>
           <a:r>
-            <a:rPr lang="ru-RU"/>
-            <a:t>Просмотр фильмов и сериалов;</a:t>
+            <a:rPr lang="ru-RU" dirty="0"/>
+            <a:t>Просмотр фильмов и сериалов</a:t>
           </a:r>
-          <a:endParaRPr lang="en-US"/>
+          <a:endParaRPr lang="en-US" dirty="0"/>
         </a:p>
       </dgm:t>
     </dgm:pt>
@@ -3330,7 +3330,7 @@
       </dgm:t>
     </dgm:pt>
     <dgm:pt modelId="{A007EC86-E89B-483A-A7CC-3AF27C26EBAD}" type="sibTrans" cxnId="{9EB58A71-F28D-40F0-94C2-24D836A9E5D3}">
-      <dgm:prSet phldrT="01"/>
+      <dgm:prSet phldrT="01" phldr="0"/>
       <dgm:spPr/>
       <dgm:t>
         <a:bodyPr/>
@@ -3351,10 +3351,10 @@
         <a:lstStyle/>
         <a:p>
           <a:r>
-            <a:rPr lang="ru-RU"/>
-            <a:t>Самостоятельная загрузка фильмов и сериалов пользователем;</a:t>
+            <a:rPr lang="ru-RU" dirty="0"/>
+            <a:t>Самостоятельная загрузка фильмов и сериалов пользователем</a:t>
           </a:r>
-          <a:endParaRPr lang="en-US"/>
+          <a:endParaRPr lang="en-US" dirty="0"/>
         </a:p>
       </dgm:t>
     </dgm:pt>
@@ -3370,7 +3370,7 @@
       </dgm:t>
     </dgm:pt>
     <dgm:pt modelId="{5490F54A-F401-47C6-9304-58C66809FA1F}" type="sibTrans" cxnId="{1D85EDD0-1B68-4B72-8DC5-2CC6C11F5BC0}">
-      <dgm:prSet phldrT="02"/>
+      <dgm:prSet phldrT="02" phldr="0"/>
       <dgm:spPr/>
       <dgm:t>
         <a:bodyPr/>
@@ -3391,8 +3391,8 @@
         <a:lstStyle/>
         <a:p>
           <a:r>
-            <a:rPr lang="ru-RU"/>
-            <a:t>Ставить оценки и писать рецензии к фильмам и сериалам.</a:t>
+            <a:rPr lang="ru-RU" dirty="0"/>
+            <a:t>Ставить оценки и писать рецензии к фильмам и сериалам</a:t>
           </a:r>
         </a:p>
       </dgm:t>
@@ -3409,7 +3409,7 @@
       </dgm:t>
     </dgm:pt>
     <dgm:pt modelId="{9D70F62B-AE6B-4424-B8EC-3577E1CB5520}" type="sibTrans" cxnId="{DE37D635-E0C8-45BD-982D-1B73C2B90534}">
-      <dgm:prSet phldrT="03"/>
+      <dgm:prSet phldrT="03" phldr="0"/>
       <dgm:spPr/>
       <dgm:t>
         <a:bodyPr/>
@@ -3728,66 +3728,6 @@
         </a:p>
       </dgm:t>
     </dgm:pt>
-    <dgm:pt modelId="{824683ED-8B27-4782-98B9-3850857C8115}">
-      <dgm:prSet phldrT="[Текст]" phldr="0"/>
-      <dgm:spPr/>
-      <dgm:t>
-        <a:bodyPr/>
-        <a:lstStyle/>
-        <a:p>
-          <a:pPr rtl="0"/>
-          <a:r>
-            <a:rPr lang="ru-RU" dirty="0">
-              <a:latin typeface="Gill Sans Nova"/>
-            </a:rPr>
-            <a:t>Развертывание</a:t>
-          </a:r>
-          <a:r>
-            <a:rPr lang="ru-RU" dirty="0"/>
-            <a:t> и </a:t>
-          </a:r>
-          <a:r>
-            <a:rPr lang="ru-RU" dirty="0">
-              <a:latin typeface="Gill Sans Nova"/>
-            </a:rPr>
-            <a:t>запуск сайта</a:t>
-          </a:r>
-          <a:r>
-            <a:rPr lang="ru-RU" dirty="0"/>
-            <a:t> </a:t>
-          </a:r>
-          <a:r>
-            <a:rPr lang="ru-RU" dirty="0">
-              <a:latin typeface="Gill Sans Nova"/>
-            </a:rPr>
-            <a:t>на хостинге</a:t>
-          </a:r>
-          <a:endParaRPr lang="ru-RU" dirty="0"/>
-        </a:p>
-      </dgm:t>
-    </dgm:pt>
-    <dgm:pt modelId="{A1D35E90-D4F8-4C17-8F2F-AFF46A1046C4}" type="parTrans" cxnId="{32C6BC51-FAF7-4243-93D1-372BE124F036}">
-      <dgm:prSet/>
-      <dgm:spPr/>
-      <dgm:t>
-        <a:bodyPr/>
-        <a:lstStyle/>
-        <a:p>
-          <a:endParaRPr lang="ru-RU"/>
-        </a:p>
-      </dgm:t>
-    </dgm:pt>
-    <dgm:pt modelId="{DA896C70-4201-44AD-BE6B-D92F467CC8F7}" type="sibTrans" cxnId="{32C6BC51-FAF7-4243-93D1-372BE124F036}">
-      <dgm:prSet/>
-      <dgm:spPr/>
-      <dgm:t>
-        <a:bodyPr/>
-        <a:lstStyle/>
-        <a:p>
-          <a:endParaRPr lang="ru-RU"/>
-        </a:p>
-      </dgm:t>
-    </dgm:pt>
     <dgm:pt modelId="{2FB32DD2-C90A-4425-86F5-EC9E913759F0}">
       <dgm:prSet phldr="0"/>
       <dgm:spPr/>
@@ -3935,7 +3875,7 @@
             <a:rPr lang="ru-RU" dirty="0">
               <a:latin typeface="Gill Sans Nova"/>
             </a:rPr>
-            <a:t>для работы с медиафайлами  разного типа и формата</a:t>
+            <a:t>для работы с медиафайлами разного типа и формата</a:t>
           </a:r>
           <a:endParaRPr lang="ru-RU" dirty="0"/>
         </a:p>
@@ -3963,6 +3903,115 @@
         </a:p>
       </dgm:t>
     </dgm:pt>
+    <dgm:pt modelId="{17406B16-EC72-463E-8330-098D89684CE0}">
+      <dgm:prSet phldrT="[Текст]" phldr="0"/>
+      <dgm:spPr/>
+      <dgm:t>
+        <a:bodyPr/>
+        <a:lstStyle/>
+        <a:p>
+          <a:pPr rtl="0"/>
+          <a:r>
+            <a:rPr lang="ru-RU" dirty="0"/>
+            <a:t>Использования модуля </a:t>
+          </a:r>
+          <a:r>
+            <a:rPr lang="en-US" dirty="0"/>
+            <a:t>subprocess </a:t>
+          </a:r>
+          <a:r>
+            <a:rPr lang="ru-RU" dirty="0"/>
+            <a:t>для взаимодействия с программами, написанными на низкоуровневом ЯП</a:t>
+          </a:r>
+        </a:p>
+      </dgm:t>
+    </dgm:pt>
+    <dgm:pt modelId="{D03F71A1-D1E7-4CA9-8D3F-B4D1B70E595E}" type="parTrans" cxnId="{FB34D5BC-2840-4D7A-A273-E4A3AADE7884}">
+      <dgm:prSet/>
+      <dgm:spPr/>
+      <dgm:t>
+        <a:bodyPr/>
+        <a:lstStyle/>
+        <a:p>
+          <a:endParaRPr lang="ru-RU"/>
+        </a:p>
+      </dgm:t>
+    </dgm:pt>
+    <dgm:pt modelId="{3BC543E2-F75B-49DF-B64C-E043DA8AC1D8}" type="sibTrans" cxnId="{FB34D5BC-2840-4D7A-A273-E4A3AADE7884}">
+      <dgm:prSet/>
+      <dgm:spPr/>
+      <dgm:t>
+        <a:bodyPr/>
+        <a:lstStyle/>
+        <a:p>
+          <a:endParaRPr lang="ru-RU"/>
+        </a:p>
+      </dgm:t>
+    </dgm:pt>
+    <dgm:pt modelId="{9768B3FB-31EC-4B50-B8D6-4C4983621383}">
+      <dgm:prSet phldrT="[Текст]" phldr="0"/>
+      <dgm:spPr/>
+      <dgm:t>
+        <a:bodyPr/>
+        <a:lstStyle/>
+        <a:p>
+          <a:pPr rtl="0"/>
+          <a:r>
+            <a:rPr lang="ru-RU">
+              <a:latin typeface="Gill Sans Nova"/>
+            </a:rPr>
+            <a:t>Развертывание</a:t>
+          </a:r>
+          <a:r>
+            <a:rPr lang="ru-RU"/>
+            <a:t> </a:t>
+          </a:r>
+          <a:r>
+            <a:rPr lang="ru-RU" dirty="0"/>
+            <a:t>и </a:t>
+          </a:r>
+          <a:r>
+            <a:rPr lang="ru-RU" dirty="0">
+              <a:latin typeface="Gill Sans Nova"/>
+            </a:rPr>
+            <a:t>запуск сайта</a:t>
+          </a:r>
+          <a:r>
+            <a:rPr lang="ru-RU" dirty="0"/>
+            <a:t> </a:t>
+          </a:r>
+          <a:r>
+            <a:rPr lang="ru-RU" dirty="0">
+              <a:latin typeface="Gill Sans Nova"/>
+            </a:rPr>
+            <a:t>на хостинге</a:t>
+          </a:r>
+          <a:endParaRPr lang="ru-RU" dirty="0"/>
+        </a:p>
+      </dgm:t>
+    </dgm:pt>
+    <dgm:pt modelId="{E12F9134-A9A8-45FE-AD2C-1EAEA2D04551}" type="parTrans" cxnId="{B1A727AF-F1A5-4D87-AD75-13A50481AF82}">
+      <dgm:prSet/>
+      <dgm:spPr/>
+      <dgm:t>
+        <a:bodyPr/>
+        <a:lstStyle/>
+        <a:p>
+          <a:endParaRPr lang="ru-RU"/>
+        </a:p>
+      </dgm:t>
+    </dgm:pt>
+    <dgm:pt modelId="{195463B8-C490-47FE-AB9E-85FEC39DB9BB}" type="sibTrans" cxnId="{B1A727AF-F1A5-4D87-AD75-13A50481AF82}">
+      <dgm:prSet/>
+      <dgm:spPr/>
+      <dgm:t>
+        <a:bodyPr/>
+        <a:lstStyle/>
+        <a:p>
+          <a:endParaRPr lang="ru-RU"/>
+        </a:p>
+      </dgm:t>
+    </dgm:pt>
     <dgm:pt modelId="{2C6B4F60-10D4-41E8-9BD7-813EAA476EB3}" type="pres">
       <dgm:prSet presAssocID="{6259719A-FE81-40F2-87E9-1AC4C2532CA4}" presName="vert0" presStyleCnt="0">
         <dgm:presLayoutVars>
@@ -3974,7 +4023,7 @@
       <dgm:spPr/>
     </dgm:pt>
     <dgm:pt modelId="{7A336802-E633-4DC7-8A8B-16AA2BF91863}" type="pres">
-      <dgm:prSet presAssocID="{AC4D81A8-9D70-4621-9F7C-BD5A62D8D7B0}" presName="thickLine" presStyleLbl="alignNode1" presStyleIdx="0" presStyleCnt="7"/>
+      <dgm:prSet presAssocID="{AC4D81A8-9D70-4621-9F7C-BD5A62D8D7B0}" presName="thickLine" presStyleLbl="alignNode1" presStyleIdx="0" presStyleCnt="8"/>
       <dgm:spPr/>
     </dgm:pt>
     <dgm:pt modelId="{E0E58611-E14E-448F-BC1A-C5CCE159DBE9}" type="pres">
@@ -3982,7 +4031,7 @@
       <dgm:spPr/>
     </dgm:pt>
     <dgm:pt modelId="{348E3E41-AFD1-4876-80C8-56FFCD31B7D7}" type="pres">
-      <dgm:prSet presAssocID="{AC4D81A8-9D70-4621-9F7C-BD5A62D8D7B0}" presName="tx1" presStyleLbl="revTx" presStyleIdx="0" presStyleCnt="7"/>
+      <dgm:prSet presAssocID="{AC4D81A8-9D70-4621-9F7C-BD5A62D8D7B0}" presName="tx1" presStyleLbl="revTx" presStyleIdx="0" presStyleCnt="8"/>
       <dgm:spPr/>
     </dgm:pt>
     <dgm:pt modelId="{FD939291-F15C-47EA-9B24-B1C0ABD90E00}" type="pres">
@@ -3990,7 +4039,7 @@
       <dgm:spPr/>
     </dgm:pt>
     <dgm:pt modelId="{8D06E1FD-262E-4CA0-BD66-902AD33FEBE5}" type="pres">
-      <dgm:prSet presAssocID="{28696F36-6E70-4994-BA86-EE398D57E2A2}" presName="thickLine" presStyleLbl="alignNode1" presStyleIdx="1" presStyleCnt="7"/>
+      <dgm:prSet presAssocID="{28696F36-6E70-4994-BA86-EE398D57E2A2}" presName="thickLine" presStyleLbl="alignNode1" presStyleIdx="1" presStyleCnt="8"/>
       <dgm:spPr/>
     </dgm:pt>
     <dgm:pt modelId="{8A9CDCAF-86DF-4C18-8824-E21753C91545}" type="pres">
@@ -3998,7 +4047,7 @@
       <dgm:spPr/>
     </dgm:pt>
     <dgm:pt modelId="{1DE8BFD0-F54F-433D-AA84-DCB08FC7EBBD}" type="pres">
-      <dgm:prSet presAssocID="{28696F36-6E70-4994-BA86-EE398D57E2A2}" presName="tx1" presStyleLbl="revTx" presStyleIdx="1" presStyleCnt="7"/>
+      <dgm:prSet presAssocID="{28696F36-6E70-4994-BA86-EE398D57E2A2}" presName="tx1" presStyleLbl="revTx" presStyleIdx="1" presStyleCnt="8"/>
       <dgm:spPr/>
     </dgm:pt>
     <dgm:pt modelId="{B5346BA4-0F26-4061-BEFB-40390A8AECE4}" type="pres">
@@ -4006,7 +4055,7 @@
       <dgm:spPr/>
     </dgm:pt>
     <dgm:pt modelId="{CB548946-3937-46E2-991A-821D2DE2EE73}" type="pres">
-      <dgm:prSet presAssocID="{2FB32DD2-C90A-4425-86F5-EC9E913759F0}" presName="thickLine" presStyleLbl="alignNode1" presStyleIdx="2" presStyleCnt="7"/>
+      <dgm:prSet presAssocID="{2FB32DD2-C90A-4425-86F5-EC9E913759F0}" presName="thickLine" presStyleLbl="alignNode1" presStyleIdx="2" presStyleCnt="8"/>
       <dgm:spPr/>
     </dgm:pt>
     <dgm:pt modelId="{645FDCD1-FE74-49B4-98F7-D72A066A0338}" type="pres">
@@ -4014,7 +4063,7 @@
       <dgm:spPr/>
     </dgm:pt>
     <dgm:pt modelId="{8B8F10E1-EBFB-4D4C-8E27-19C1A270627E}" type="pres">
-      <dgm:prSet presAssocID="{2FB32DD2-C90A-4425-86F5-EC9E913759F0}" presName="tx1" presStyleLbl="revTx" presStyleIdx="2" presStyleCnt="7"/>
+      <dgm:prSet presAssocID="{2FB32DD2-C90A-4425-86F5-EC9E913759F0}" presName="tx1" presStyleLbl="revTx" presStyleIdx="2" presStyleCnt="8"/>
       <dgm:spPr/>
     </dgm:pt>
     <dgm:pt modelId="{F9944773-BDDC-475A-AABD-08A118C7A525}" type="pres">
@@ -4022,7 +4071,7 @@
       <dgm:spPr/>
     </dgm:pt>
     <dgm:pt modelId="{F7C1AA38-8F97-4706-AE42-5314D089CC7E}" type="pres">
-      <dgm:prSet presAssocID="{23CC9FC0-41C2-4922-AAE8-B941CB444B2D}" presName="thickLine" presStyleLbl="alignNode1" presStyleIdx="3" presStyleCnt="7"/>
+      <dgm:prSet presAssocID="{23CC9FC0-41C2-4922-AAE8-B941CB444B2D}" presName="thickLine" presStyleLbl="alignNode1" presStyleIdx="3" presStyleCnt="8"/>
       <dgm:spPr/>
     </dgm:pt>
     <dgm:pt modelId="{601FCFC0-7CC6-49EA-A859-EFD937BDCE03}" type="pres">
@@ -4030,7 +4079,7 @@
       <dgm:spPr/>
     </dgm:pt>
     <dgm:pt modelId="{BA00C1B9-3966-478E-AB05-7808EBF40B2B}" type="pres">
-      <dgm:prSet presAssocID="{23CC9FC0-41C2-4922-AAE8-B941CB444B2D}" presName="tx1" presStyleLbl="revTx" presStyleIdx="3" presStyleCnt="7"/>
+      <dgm:prSet presAssocID="{23CC9FC0-41C2-4922-AAE8-B941CB444B2D}" presName="tx1" presStyleLbl="revTx" presStyleIdx="3" presStyleCnt="8"/>
       <dgm:spPr/>
     </dgm:pt>
     <dgm:pt modelId="{005C64BD-EB7B-437E-8E7A-E451F237ABFC}" type="pres">
@@ -4038,7 +4087,7 @@
       <dgm:spPr/>
     </dgm:pt>
     <dgm:pt modelId="{CA2DE171-5D44-4F81-A1A6-154D47A867FE}" type="pres">
-      <dgm:prSet presAssocID="{F9BC4E7A-CA93-4194-A7D5-DF2682341F37}" presName="thickLine" presStyleLbl="alignNode1" presStyleIdx="4" presStyleCnt="7"/>
+      <dgm:prSet presAssocID="{F9BC4E7A-CA93-4194-A7D5-DF2682341F37}" presName="thickLine" presStyleLbl="alignNode1" presStyleIdx="4" presStyleCnt="8"/>
       <dgm:spPr/>
     </dgm:pt>
     <dgm:pt modelId="{4DD2A785-7E47-4393-ABF2-D117AA2EC941}" type="pres">
@@ -4046,7 +4095,7 @@
       <dgm:spPr/>
     </dgm:pt>
     <dgm:pt modelId="{219D17D9-8942-4054-A011-4C9BA44CEE8A}" type="pres">
-      <dgm:prSet presAssocID="{F9BC4E7A-CA93-4194-A7D5-DF2682341F37}" presName="tx1" presStyleLbl="revTx" presStyleIdx="4" presStyleCnt="7"/>
+      <dgm:prSet presAssocID="{F9BC4E7A-CA93-4194-A7D5-DF2682341F37}" presName="tx1" presStyleLbl="revTx" presStyleIdx="4" presStyleCnt="8"/>
       <dgm:spPr/>
     </dgm:pt>
     <dgm:pt modelId="{1E49D04C-9A33-41B9-9B79-11E63ED1EB10}" type="pres">
@@ -4054,7 +4103,7 @@
       <dgm:spPr/>
     </dgm:pt>
     <dgm:pt modelId="{9B266D7D-DC96-4554-9167-CD9B7DF32ADA}" type="pres">
-      <dgm:prSet presAssocID="{106CA00B-E343-4F93-BB70-349889AEEE43}" presName="thickLine" presStyleLbl="alignNode1" presStyleIdx="5" presStyleCnt="7"/>
+      <dgm:prSet presAssocID="{106CA00B-E343-4F93-BB70-349889AEEE43}" presName="thickLine" presStyleLbl="alignNode1" presStyleIdx="5" presStyleCnt="8"/>
       <dgm:spPr/>
     </dgm:pt>
     <dgm:pt modelId="{61D11C3C-3D20-4C34-991A-DE8805689D3F}" type="pres">
@@ -4062,46 +4111,64 @@
       <dgm:spPr/>
     </dgm:pt>
     <dgm:pt modelId="{5110D1A2-7AC9-4285-815A-83623F128E6E}" type="pres">
-      <dgm:prSet presAssocID="{106CA00B-E343-4F93-BB70-349889AEEE43}" presName="tx1" presStyleLbl="revTx" presStyleIdx="5" presStyleCnt="7"/>
+      <dgm:prSet presAssocID="{106CA00B-E343-4F93-BB70-349889AEEE43}" presName="tx1" presStyleLbl="revTx" presStyleIdx="5" presStyleCnt="8"/>
       <dgm:spPr/>
     </dgm:pt>
     <dgm:pt modelId="{A1B8565A-A5CE-4626-88F5-992A6E99980E}" type="pres">
       <dgm:prSet presAssocID="{106CA00B-E343-4F93-BB70-349889AEEE43}" presName="vert1" presStyleCnt="0"/>
       <dgm:spPr/>
     </dgm:pt>
-    <dgm:pt modelId="{ABBFFB76-A5B9-44CB-9617-9DEC8239FABF}" type="pres">
-      <dgm:prSet presAssocID="{824683ED-8B27-4782-98B9-3850857C8115}" presName="thickLine" presStyleLbl="alignNode1" presStyleIdx="6" presStyleCnt="7"/>
+    <dgm:pt modelId="{E95A8803-2C2A-4712-8716-15A55C5711E8}" type="pres">
+      <dgm:prSet presAssocID="{17406B16-EC72-463E-8330-098D89684CE0}" presName="thickLine" presStyleLbl="alignNode1" presStyleIdx="6" presStyleCnt="8"/>
       <dgm:spPr/>
     </dgm:pt>
-    <dgm:pt modelId="{6A7CDA5D-9824-483B-A44E-0B957B26B5A4}" type="pres">
-      <dgm:prSet presAssocID="{824683ED-8B27-4782-98B9-3850857C8115}" presName="horz1" presStyleCnt="0"/>
+    <dgm:pt modelId="{ED7E8E7E-5311-4577-B13A-D1FDF653D48B}" type="pres">
+      <dgm:prSet presAssocID="{17406B16-EC72-463E-8330-098D89684CE0}" presName="horz1" presStyleCnt="0"/>
       <dgm:spPr/>
     </dgm:pt>
-    <dgm:pt modelId="{24FFEE5F-38A0-4CC9-A5C0-3C24D7847F86}" type="pres">
-      <dgm:prSet presAssocID="{824683ED-8B27-4782-98B9-3850857C8115}" presName="tx1" presStyleLbl="revTx" presStyleIdx="6" presStyleCnt="7"/>
+    <dgm:pt modelId="{6A1B180F-8397-4072-AB22-FB8049972E65}" type="pres">
+      <dgm:prSet presAssocID="{17406B16-EC72-463E-8330-098D89684CE0}" presName="tx1" presStyleLbl="revTx" presStyleIdx="6" presStyleCnt="8"/>
       <dgm:spPr/>
     </dgm:pt>
-    <dgm:pt modelId="{D458F641-8714-49B7-BC83-139537585138}" type="pres">
-      <dgm:prSet presAssocID="{824683ED-8B27-4782-98B9-3850857C8115}" presName="vert1" presStyleCnt="0"/>
+    <dgm:pt modelId="{3B8F7C33-CB29-4FEC-BF62-DAAD25CE613E}" type="pres">
+      <dgm:prSet presAssocID="{17406B16-EC72-463E-8330-098D89684CE0}" presName="vert1" presStyleCnt="0"/>
+      <dgm:spPr/>
+    </dgm:pt>
+    <dgm:pt modelId="{4476E87E-A0C1-4AE1-8F17-6D15DE595EBF}" type="pres">
+      <dgm:prSet presAssocID="{9768B3FB-31EC-4B50-B8D6-4C4983621383}" presName="thickLine" presStyleLbl="alignNode1" presStyleIdx="7" presStyleCnt="8"/>
+      <dgm:spPr/>
+    </dgm:pt>
+    <dgm:pt modelId="{F66CE561-3586-4862-BEEA-600382D5AB65}" type="pres">
+      <dgm:prSet presAssocID="{9768B3FB-31EC-4B50-B8D6-4C4983621383}" presName="horz1" presStyleCnt="0"/>
+      <dgm:spPr/>
+    </dgm:pt>
+    <dgm:pt modelId="{6E1DE0CB-4A08-4795-90EE-4ED20D1C77DA}" type="pres">
+      <dgm:prSet presAssocID="{9768B3FB-31EC-4B50-B8D6-4C4983621383}" presName="tx1" presStyleLbl="revTx" presStyleIdx="7" presStyleCnt="8"/>
+      <dgm:spPr/>
+    </dgm:pt>
+    <dgm:pt modelId="{200823E5-3525-426F-BA27-BA0B7A0E3FC8}" type="pres">
+      <dgm:prSet presAssocID="{9768B3FB-31EC-4B50-B8D6-4C4983621383}" presName="vert1" presStyleCnt="0"/>
       <dgm:spPr/>
     </dgm:pt>
   </dgm:ptLst>
   <dgm:cxnLst>
     <dgm:cxn modelId="{359FA90A-402A-414F-9E0A-A0F32D1877BC}" srcId="{6259719A-FE81-40F2-87E9-1AC4C2532CA4}" destId="{23CC9FC0-41C2-4922-AAE8-B941CB444B2D}" srcOrd="3" destOrd="0" parTransId="{48390C97-E5D3-4E63-95D4-0F095EEE4CA1}" sibTransId="{36A46D42-E263-4253-B3BB-8C9CB0C31C38}"/>
     <dgm:cxn modelId="{213ADF17-07B6-4A2C-A484-2A381B2B9346}" srcId="{6259719A-FE81-40F2-87E9-1AC4C2532CA4}" destId="{106CA00B-E343-4F93-BB70-349889AEEE43}" srcOrd="5" destOrd="0" parTransId="{C3382875-2606-4D8C-A0FD-DC39A4B04535}" sibTransId="{79CDCDA7-9B14-4F77-9604-33CB842C44BC}"/>
-    <dgm:cxn modelId="{63911C26-35D2-4744-B4C5-10C818591171}" type="presOf" srcId="{824683ED-8B27-4782-98B9-3850857C8115}" destId="{24FFEE5F-38A0-4CC9-A5C0-3C24D7847F86}" srcOrd="0" destOrd="0" presId="urn:microsoft.com/office/officeart/2008/layout/LinedList"/>
     <dgm:cxn modelId="{92064426-9D15-4DA6-854F-78C0097255E5}" type="presOf" srcId="{2FB32DD2-C90A-4425-86F5-EC9E913759F0}" destId="{8B8F10E1-EBFB-4D4C-8E27-19C1A270627E}" srcOrd="0" destOrd="0" presId="urn:microsoft.com/office/officeart/2008/layout/LinedList"/>
     <dgm:cxn modelId="{32B7652B-7C54-4B6E-9D85-A6033EBFDA19}" srcId="{6259719A-FE81-40F2-87E9-1AC4C2532CA4}" destId="{28696F36-6E70-4994-BA86-EE398D57E2A2}" srcOrd="1" destOrd="0" parTransId="{949B8DB2-C2EE-490C-BF9F-0AF8CF679667}" sibTransId="{6A57837A-263C-4BDA-8BF2-E9EAE32FB229}"/>
     <dgm:cxn modelId="{F83A5736-6550-4000-AE56-BD639C0D85BC}" srcId="{6259719A-FE81-40F2-87E9-1AC4C2532CA4}" destId="{2FB32DD2-C90A-4425-86F5-EC9E913759F0}" srcOrd="2" destOrd="0" parTransId="{3A679DF5-48D4-4DE2-A4F4-5C5A05C7BDAB}" sibTransId="{A0999FF5-4F1D-46B1-AD56-BD29EF1641F7}"/>
     <dgm:cxn modelId="{1F7B995C-C249-409D-AF6D-701B2BEE66F8}" srcId="{6259719A-FE81-40F2-87E9-1AC4C2532CA4}" destId="{F9BC4E7A-CA93-4194-A7D5-DF2682341F37}" srcOrd="4" destOrd="0" parTransId="{0BF262CF-5661-4F26-B35E-5EDD0689DB6D}" sibTransId="{DC4B7CD4-0C6C-491A-98F7-2D0CBE7EFBE4}"/>
     <dgm:cxn modelId="{ECC42C44-94BE-4AE6-AF21-446C6D231E0F}" type="presOf" srcId="{AC4D81A8-9D70-4621-9F7C-BD5A62D8D7B0}" destId="{348E3E41-AFD1-4876-80C8-56FFCD31B7D7}" srcOrd="0" destOrd="0" presId="urn:microsoft.com/office/officeart/2008/layout/LinedList"/>
-    <dgm:cxn modelId="{32C6BC51-FAF7-4243-93D1-372BE124F036}" srcId="{6259719A-FE81-40F2-87E9-1AC4C2532CA4}" destId="{824683ED-8B27-4782-98B9-3850857C8115}" srcOrd="6" destOrd="0" parTransId="{A1D35E90-D4F8-4C17-8F2F-AFF46A1046C4}" sibTransId="{DA896C70-4201-44AD-BE6B-D92F467CC8F7}"/>
+    <dgm:cxn modelId="{FD717B51-692D-46FB-9410-4E34DF30A4D4}" type="presOf" srcId="{17406B16-EC72-463E-8330-098D89684CE0}" destId="{6A1B180F-8397-4072-AB22-FB8049972E65}" srcOrd="0" destOrd="0" presId="urn:microsoft.com/office/officeart/2008/layout/LinedList"/>
     <dgm:cxn modelId="{CF991E81-E6E3-4401-A752-3214DD4E6461}" type="presOf" srcId="{106CA00B-E343-4F93-BB70-349889AEEE43}" destId="{5110D1A2-7AC9-4285-815A-83623F128E6E}" srcOrd="0" destOrd="0" presId="urn:microsoft.com/office/officeart/2008/layout/LinedList"/>
     <dgm:cxn modelId="{BE4FD68B-E132-43A9-BCB5-88E8BA0D3904}" srcId="{6259719A-FE81-40F2-87E9-1AC4C2532CA4}" destId="{AC4D81A8-9D70-4621-9F7C-BD5A62D8D7B0}" srcOrd="0" destOrd="0" parTransId="{23CC8792-071F-4492-A9D7-AAF757D1E9CE}" sibTransId="{95D6AEF9-CBCA-4192-9650-1EA7A31885E9}"/>
     <dgm:cxn modelId="{2CBC9B9F-760B-4DFF-92DD-E5CEF05992BF}" type="presOf" srcId="{6259719A-FE81-40F2-87E9-1AC4C2532CA4}" destId="{2C6B4F60-10D4-41E8-9BD7-813EAA476EB3}" srcOrd="0" destOrd="0" presId="urn:microsoft.com/office/officeart/2008/layout/LinedList"/>
+    <dgm:cxn modelId="{B1A727AF-F1A5-4D87-AD75-13A50481AF82}" srcId="{6259719A-FE81-40F2-87E9-1AC4C2532CA4}" destId="{9768B3FB-31EC-4B50-B8D6-4C4983621383}" srcOrd="7" destOrd="0" parTransId="{E12F9134-A9A8-45FE-AD2C-1EAEA2D04551}" sibTransId="{195463B8-C490-47FE-AB9E-85FEC39DB9BB}"/>
     <dgm:cxn modelId="{6A0DA9B4-1297-4B71-AB43-0DEC901B0CF8}" type="presOf" srcId="{28696F36-6E70-4994-BA86-EE398D57E2A2}" destId="{1DE8BFD0-F54F-433D-AA84-DCB08FC7EBBD}" srcOrd="0" destOrd="0" presId="urn:microsoft.com/office/officeart/2008/layout/LinedList"/>
+    <dgm:cxn modelId="{FB34D5BC-2840-4D7A-A273-E4A3AADE7884}" srcId="{6259719A-FE81-40F2-87E9-1AC4C2532CA4}" destId="{17406B16-EC72-463E-8330-098D89684CE0}" srcOrd="6" destOrd="0" parTransId="{D03F71A1-D1E7-4CA9-8D3F-B4D1B70E595E}" sibTransId="{3BC543E2-F75B-49DF-B64C-E043DA8AC1D8}"/>
     <dgm:cxn modelId="{5B7322C4-460F-4E89-88CE-D5BC10D39ECC}" type="presOf" srcId="{23CC9FC0-41C2-4922-AAE8-B941CB444B2D}" destId="{BA00C1B9-3966-478E-AB05-7808EBF40B2B}" srcOrd="0" destOrd="0" presId="urn:microsoft.com/office/officeart/2008/layout/LinedList"/>
     <dgm:cxn modelId="{CC47F1CB-8BCF-4A3C-B1E6-A671548B3F4E}" type="presOf" srcId="{F9BC4E7A-CA93-4194-A7D5-DF2682341F37}" destId="{219D17D9-8942-4054-A011-4C9BA44CEE8A}" srcOrd="0" destOrd="0" presId="urn:microsoft.com/office/officeart/2008/layout/LinedList"/>
+    <dgm:cxn modelId="{D91C92FE-604E-4571-982F-5125D300ADBD}" type="presOf" srcId="{9768B3FB-31EC-4B50-B8D6-4C4983621383}" destId="{6E1DE0CB-4A08-4795-90EE-4ED20D1C77DA}" srcOrd="0" destOrd="0" presId="urn:microsoft.com/office/officeart/2008/layout/LinedList"/>
     <dgm:cxn modelId="{7179D8B6-AFF3-4FBF-BF7A-3356F69E8D98}" type="presParOf" srcId="{2C6B4F60-10D4-41E8-9BD7-813EAA476EB3}" destId="{7A336802-E633-4DC7-8A8B-16AA2BF91863}" srcOrd="0" destOrd="0" presId="urn:microsoft.com/office/officeart/2008/layout/LinedList"/>
     <dgm:cxn modelId="{3C6ACDD6-B961-4904-B9F3-57DDF6758ECD}" type="presParOf" srcId="{2C6B4F60-10D4-41E8-9BD7-813EAA476EB3}" destId="{E0E58611-E14E-448F-BC1A-C5CCE159DBE9}" srcOrd="1" destOrd="0" presId="urn:microsoft.com/office/officeart/2008/layout/LinedList"/>
     <dgm:cxn modelId="{904804CC-1D0D-4BB5-AF30-4161D869A882}" type="presParOf" srcId="{E0E58611-E14E-448F-BC1A-C5CCE159DBE9}" destId="{348E3E41-AFD1-4876-80C8-56FFCD31B7D7}" srcOrd="0" destOrd="0" presId="urn:microsoft.com/office/officeart/2008/layout/LinedList"/>
@@ -4126,10 +4193,14 @@
     <dgm:cxn modelId="{7674F0FD-5B50-49C6-9E5F-A9080BF95DD2}" type="presParOf" srcId="{2C6B4F60-10D4-41E8-9BD7-813EAA476EB3}" destId="{61D11C3C-3D20-4C34-991A-DE8805689D3F}" srcOrd="11" destOrd="0" presId="urn:microsoft.com/office/officeart/2008/layout/LinedList"/>
     <dgm:cxn modelId="{78684ED7-EF00-42D9-88CD-84D6A34DAA32}" type="presParOf" srcId="{61D11C3C-3D20-4C34-991A-DE8805689D3F}" destId="{5110D1A2-7AC9-4285-815A-83623F128E6E}" srcOrd="0" destOrd="0" presId="urn:microsoft.com/office/officeart/2008/layout/LinedList"/>
     <dgm:cxn modelId="{51EE77B3-AAD5-414C-B26F-AB90CD00C036}" type="presParOf" srcId="{61D11C3C-3D20-4C34-991A-DE8805689D3F}" destId="{A1B8565A-A5CE-4626-88F5-992A6E99980E}" srcOrd="1" destOrd="0" presId="urn:microsoft.com/office/officeart/2008/layout/LinedList"/>
-    <dgm:cxn modelId="{CD0F5C2E-137A-4182-AEDE-8458EF8A38FF}" type="presParOf" srcId="{2C6B4F60-10D4-41E8-9BD7-813EAA476EB3}" destId="{ABBFFB76-A5B9-44CB-9617-9DEC8239FABF}" srcOrd="12" destOrd="0" presId="urn:microsoft.com/office/officeart/2008/layout/LinedList"/>
-    <dgm:cxn modelId="{98D3B33F-8076-4183-B4B8-F54C4D8016F7}" type="presParOf" srcId="{2C6B4F60-10D4-41E8-9BD7-813EAA476EB3}" destId="{6A7CDA5D-9824-483B-A44E-0B957B26B5A4}" srcOrd="13" destOrd="0" presId="urn:microsoft.com/office/officeart/2008/layout/LinedList"/>
-    <dgm:cxn modelId="{AA568E23-E663-4001-B230-71B7B2DF590F}" type="presParOf" srcId="{6A7CDA5D-9824-483B-A44E-0B957B26B5A4}" destId="{24FFEE5F-38A0-4CC9-A5C0-3C24D7847F86}" srcOrd="0" destOrd="0" presId="urn:microsoft.com/office/officeart/2008/layout/LinedList"/>
-    <dgm:cxn modelId="{DA314633-E1E8-44D5-A545-D9B3BFD313E0}" type="presParOf" srcId="{6A7CDA5D-9824-483B-A44E-0B957B26B5A4}" destId="{D458F641-8714-49B7-BC83-139537585138}" srcOrd="1" destOrd="0" presId="urn:microsoft.com/office/officeart/2008/layout/LinedList"/>
+    <dgm:cxn modelId="{7AF9AACF-8A56-4CEC-9DA8-0D67C41E3965}" type="presParOf" srcId="{2C6B4F60-10D4-41E8-9BD7-813EAA476EB3}" destId="{E95A8803-2C2A-4712-8716-15A55C5711E8}" srcOrd="12" destOrd="0" presId="urn:microsoft.com/office/officeart/2008/layout/LinedList"/>
+    <dgm:cxn modelId="{2DA495BE-5B6E-4D9E-A040-AC86A738417C}" type="presParOf" srcId="{2C6B4F60-10D4-41E8-9BD7-813EAA476EB3}" destId="{ED7E8E7E-5311-4577-B13A-D1FDF653D48B}" srcOrd="13" destOrd="0" presId="urn:microsoft.com/office/officeart/2008/layout/LinedList"/>
+    <dgm:cxn modelId="{2281350C-62A9-4257-8887-14E80B101612}" type="presParOf" srcId="{ED7E8E7E-5311-4577-B13A-D1FDF653D48B}" destId="{6A1B180F-8397-4072-AB22-FB8049972E65}" srcOrd="0" destOrd="0" presId="urn:microsoft.com/office/officeart/2008/layout/LinedList"/>
+    <dgm:cxn modelId="{DF241915-D665-4FFE-9F0E-1F89A68DF714}" type="presParOf" srcId="{ED7E8E7E-5311-4577-B13A-D1FDF653D48B}" destId="{3B8F7C33-CB29-4FEC-BF62-DAAD25CE613E}" srcOrd="1" destOrd="0" presId="urn:microsoft.com/office/officeart/2008/layout/LinedList"/>
+    <dgm:cxn modelId="{1F99A3C2-6C4B-487A-8AC6-9870CA55E76D}" type="presParOf" srcId="{2C6B4F60-10D4-41E8-9BD7-813EAA476EB3}" destId="{4476E87E-A0C1-4AE1-8F17-6D15DE595EBF}" srcOrd="14" destOrd="0" presId="urn:microsoft.com/office/officeart/2008/layout/LinedList"/>
+    <dgm:cxn modelId="{237CD048-4893-47BA-8B00-CE31BF4CF88D}" type="presParOf" srcId="{2C6B4F60-10D4-41E8-9BD7-813EAA476EB3}" destId="{F66CE561-3586-4862-BEEA-600382D5AB65}" srcOrd="15" destOrd="0" presId="urn:microsoft.com/office/officeart/2008/layout/LinedList"/>
+    <dgm:cxn modelId="{1B6C5572-A4ED-4E4C-B617-AA0F5234B752}" type="presParOf" srcId="{F66CE561-3586-4862-BEEA-600382D5AB65}" destId="{6E1DE0CB-4A08-4795-90EE-4ED20D1C77DA}" srcOrd="0" destOrd="0" presId="urn:microsoft.com/office/officeart/2008/layout/LinedList"/>
+    <dgm:cxn modelId="{17947072-50A7-4255-8AF0-0121972E0320}" type="presParOf" srcId="{F66CE561-3586-4862-BEEA-600382D5AB65}" destId="{200823E5-3525-426F-BA27-BA0B7A0E3FC8}" srcOrd="1" destOrd="0" presId="urn:microsoft.com/office/officeart/2008/layout/LinedList"/>
   </dgm:cxnLst>
   <dgm:bg/>
   <dgm:whole/>
@@ -6040,10 +6111,10 @@
             <a:buNone/>
           </a:pPr>
           <a:r>
-            <a:rPr lang="ru-RU" sz="2000" kern="1200"/>
-            <a:t>Просмотр фильмов и сериалов;</a:t>
+            <a:rPr lang="ru-RU" sz="2000" kern="1200" dirty="0"/>
+            <a:t>Просмотр фильмов и сериалов</a:t>
           </a:r>
-          <a:endParaRPr lang="en-US" sz="2000" kern="1200"/>
+          <a:endParaRPr lang="en-US" sz="2000" kern="1200" dirty="0"/>
         </a:p>
       </dsp:txBody>
       <dsp:txXfrm>
@@ -6184,10 +6255,10 @@
             <a:buNone/>
           </a:pPr>
           <a:r>
-            <a:rPr lang="ru-RU" sz="2000" kern="1200"/>
-            <a:t>Самостоятельная загрузка фильмов и сериалов пользователем;</a:t>
+            <a:rPr lang="ru-RU" sz="2000" kern="1200" dirty="0"/>
+            <a:t>Самостоятельная загрузка фильмов и сериалов пользователем</a:t>
           </a:r>
-          <a:endParaRPr lang="en-US" sz="2000" kern="1200"/>
+          <a:endParaRPr lang="en-US" sz="2000" kern="1200" dirty="0"/>
         </a:p>
       </dsp:txBody>
       <dsp:txXfrm>
@@ -6328,8 +6399,8 @@
             <a:buNone/>
           </a:pPr>
           <a:r>
-            <a:rPr lang="ru-RU" sz="2000" kern="1200"/>
-            <a:t>Ставить оценки и писать рецензии к фильмам и сериалам.</a:t>
+            <a:rPr lang="ru-RU" sz="2000" kern="1200" dirty="0"/>
+            <a:t>Ставить оценки и писать рецензии к фильмам и сериалам</a:t>
           </a:r>
         </a:p>
       </dsp:txBody>
@@ -6422,7 +6493,7 @@
       </dsp:nvSpPr>
       <dsp:spPr>
         <a:xfrm>
-          <a:off x="0" y="531"/>
+          <a:off x="0" y="0"/>
           <a:ext cx="10515600" cy="0"/>
         </a:xfrm>
         <a:prstGeom prst="line">
@@ -6472,8 +6543,8 @@
       </dsp:nvSpPr>
       <dsp:spPr>
         <a:xfrm>
-          <a:off x="0" y="531"/>
-          <a:ext cx="10515600" cy="621467"/>
+          <a:off x="0" y="0"/>
+          <a:ext cx="10515600" cy="543917"/>
         </a:xfrm>
         <a:prstGeom prst="rect">
           <a:avLst/>
@@ -6497,12 +6568,12 @@
         <a:fontRef idx="minor"/>
       </dsp:style>
       <dsp:txBody>
-        <a:bodyPr spcFirstLastPara="0" vert="horz" wrap="square" lIns="72390" tIns="72390" rIns="72390" bIns="72390" numCol="1" spcCol="1270" anchor="t" anchorCtr="0">
+        <a:bodyPr spcFirstLastPara="0" vert="horz" wrap="square" lIns="64770" tIns="64770" rIns="64770" bIns="64770" numCol="1" spcCol="1270" anchor="t" anchorCtr="0">
           <a:noAutofit/>
         </a:bodyPr>
         <a:lstStyle/>
         <a:p>
-          <a:pPr marL="0" lvl="0" indent="0" algn="l" defTabSz="844550" rtl="0">
+          <a:pPr marL="0" lvl="0" indent="0" algn="l" defTabSz="755650" rtl="0">
             <a:lnSpc>
               <a:spcPct val="90000"/>
             </a:lnSpc>
@@ -6515,35 +6586,35 @@
             <a:buNone/>
           </a:pPr>
           <a:r>
-            <a:rPr lang="ru-RU" sz="1900" kern="1200" dirty="0">
+            <a:rPr lang="ru-RU" sz="1700" kern="1200" dirty="0">
               <a:latin typeface="Gill Sans Nova"/>
             </a:rPr>
             <a:t>Использование современного </a:t>
           </a:r>
           <a:r>
-            <a:rPr lang="ru-RU" sz="1900" kern="1200" dirty="0" err="1">
+            <a:rPr lang="ru-RU" sz="1700" kern="1200" dirty="0" err="1">
               <a:latin typeface="Gill Sans Nova"/>
             </a:rPr>
             <a:t>микрофреймворка</a:t>
           </a:r>
           <a:r>
-            <a:rPr lang="ru-RU" sz="1900" kern="1200" dirty="0">
+            <a:rPr lang="ru-RU" sz="1700" kern="1200" dirty="0">
               <a:latin typeface="Gill Sans Nova"/>
             </a:rPr>
             <a:t> </a:t>
           </a:r>
           <a:r>
-            <a:rPr lang="ru-RU" sz="1900" kern="1200" dirty="0" err="1">
+            <a:rPr lang="ru-RU" sz="1700" kern="1200" dirty="0" err="1">
               <a:latin typeface="Gill Sans Nova"/>
             </a:rPr>
             <a:t>Flask</a:t>
           </a:r>
-          <a:endParaRPr lang="ru-RU" sz="1900" kern="1200" dirty="0"/>
+          <a:endParaRPr lang="ru-RU" sz="1700" kern="1200" dirty="0"/>
         </a:p>
       </dsp:txBody>
       <dsp:txXfrm>
-        <a:off x="0" y="531"/>
-        <a:ext cx="10515600" cy="621467"/>
+        <a:off x="0" y="0"/>
+        <a:ext cx="10515600" cy="543917"/>
       </dsp:txXfrm>
     </dsp:sp>
     <dsp:sp modelId="{8D06E1FD-262E-4CA0-BD66-902AD33FEBE5}">
@@ -6553,7 +6624,7 @@
       </dsp:nvSpPr>
       <dsp:spPr>
         <a:xfrm>
-          <a:off x="0" y="621999"/>
+          <a:off x="0" y="543917"/>
           <a:ext cx="10515600" cy="0"/>
         </a:xfrm>
         <a:prstGeom prst="line">
@@ -6603,8 +6674,8 @@
       </dsp:nvSpPr>
       <dsp:spPr>
         <a:xfrm>
-          <a:off x="0" y="621999"/>
-          <a:ext cx="10515600" cy="621467"/>
+          <a:off x="0" y="543917"/>
+          <a:ext cx="10515600" cy="543917"/>
         </a:xfrm>
         <a:prstGeom prst="rect">
           <a:avLst/>
@@ -6628,12 +6699,12 @@
         <a:fontRef idx="minor"/>
       </dsp:style>
       <dsp:txBody>
-        <a:bodyPr spcFirstLastPara="0" vert="horz" wrap="square" lIns="72390" tIns="72390" rIns="72390" bIns="72390" numCol="1" spcCol="1270" anchor="t" anchorCtr="0">
+        <a:bodyPr spcFirstLastPara="0" vert="horz" wrap="square" lIns="64770" tIns="64770" rIns="64770" bIns="64770" numCol="1" spcCol="1270" anchor="t" anchorCtr="0">
           <a:noAutofit/>
         </a:bodyPr>
         <a:lstStyle/>
         <a:p>
-          <a:pPr marL="0" lvl="0" indent="0" algn="l" defTabSz="844550" rtl="0">
+          <a:pPr marL="0" lvl="0" indent="0" algn="l" defTabSz="755650" rtl="0">
             <a:lnSpc>
               <a:spcPct val="90000"/>
             </a:lnSpc>
@@ -6646,27 +6717,27 @@
             <a:buNone/>
           </a:pPr>
           <a:r>
-            <a:rPr lang="ru-RU" sz="1900" kern="1200" dirty="0">
+            <a:rPr lang="ru-RU" sz="1700" kern="1200" dirty="0">
               <a:latin typeface="Gill Sans Nova"/>
             </a:rPr>
             <a:t>Заготовка </a:t>
           </a:r>
           <a:r>
-            <a:rPr lang="ru-RU" sz="1900" kern="1200" dirty="0"/>
+            <a:rPr lang="ru-RU" sz="1700" kern="1200" dirty="0"/>
             <a:t>шаблонов HTML</a:t>
           </a:r>
           <a:r>
-            <a:rPr lang="ru-RU" sz="1900" kern="1200" dirty="0">
+            <a:rPr lang="ru-RU" sz="1700" kern="1200" dirty="0">
               <a:latin typeface="Gill Sans Nova"/>
             </a:rPr>
             <a:t> для их последующего рендера</a:t>
           </a:r>
-          <a:endParaRPr lang="ru-RU" sz="1900" kern="1200" dirty="0"/>
+          <a:endParaRPr lang="ru-RU" sz="1700" kern="1200" dirty="0"/>
         </a:p>
       </dsp:txBody>
       <dsp:txXfrm>
-        <a:off x="0" y="621999"/>
-        <a:ext cx="10515600" cy="621467"/>
+        <a:off x="0" y="543917"/>
+        <a:ext cx="10515600" cy="543917"/>
       </dsp:txXfrm>
     </dsp:sp>
     <dsp:sp modelId="{CB548946-3937-46E2-991A-821D2DE2EE73}">
@@ -6676,7 +6747,7 @@
       </dsp:nvSpPr>
       <dsp:spPr>
         <a:xfrm>
-          <a:off x="0" y="1243467"/>
+          <a:off x="0" y="1087834"/>
           <a:ext cx="10515600" cy="0"/>
         </a:xfrm>
         <a:prstGeom prst="line">
@@ -6726,8 +6797,8 @@
       </dsp:nvSpPr>
       <dsp:spPr>
         <a:xfrm>
-          <a:off x="0" y="1243467"/>
-          <a:ext cx="10515600" cy="621467"/>
+          <a:off x="0" y="1087834"/>
+          <a:ext cx="10515600" cy="543917"/>
         </a:xfrm>
         <a:prstGeom prst="rect">
           <a:avLst/>
@@ -6751,12 +6822,12 @@
         <a:fontRef idx="minor"/>
       </dsp:style>
       <dsp:txBody>
-        <a:bodyPr spcFirstLastPara="0" vert="horz" wrap="square" lIns="72390" tIns="72390" rIns="72390" bIns="72390" numCol="1" spcCol="1270" anchor="t" anchorCtr="0">
+        <a:bodyPr spcFirstLastPara="0" vert="horz" wrap="square" lIns="64770" tIns="64770" rIns="64770" bIns="64770" numCol="1" spcCol="1270" anchor="t" anchorCtr="0">
           <a:noAutofit/>
         </a:bodyPr>
         <a:lstStyle/>
         <a:p>
-          <a:pPr marL="0" lvl="0" indent="0" algn="l" defTabSz="844550" rtl="0">
+          <a:pPr marL="0" lvl="0" indent="0" algn="l" defTabSz="755650" rtl="0">
             <a:lnSpc>
               <a:spcPct val="90000"/>
             </a:lnSpc>
@@ -6769,32 +6840,32 @@
             <a:buNone/>
           </a:pPr>
           <a:r>
-            <a:rPr lang="ru-RU" sz="1900" kern="1200" dirty="0">
+            <a:rPr lang="ru-RU" sz="1700" kern="1200" dirty="0">
               <a:latin typeface="Gill Sans Nova"/>
             </a:rPr>
             <a:t>Использование библиотеки </a:t>
           </a:r>
           <a:r>
-            <a:rPr lang="ru-RU" sz="1900" kern="1200" dirty="0" err="1">
+            <a:rPr lang="ru-RU" sz="1700" kern="1200" dirty="0" err="1">
               <a:latin typeface="Gill Sans Nova"/>
             </a:rPr>
             <a:t>SQLAlchemy</a:t>
           </a:r>
           <a:r>
-            <a:rPr lang="ru-RU" sz="1900" kern="1200" dirty="0">
+            <a:rPr lang="ru-RU" sz="1700" kern="1200" dirty="0">
               <a:latin typeface="Gill Sans Nova"/>
             </a:rPr>
             <a:t>, применяющую</a:t>
           </a:r>
           <a:r>
-            <a:rPr lang="ru-RU" sz="1900" kern="1200" dirty="0"/>
+            <a:rPr lang="ru-RU" sz="1700" kern="1200" dirty="0"/>
             <a:t> технологию ORM</a:t>
           </a:r>
         </a:p>
       </dsp:txBody>
       <dsp:txXfrm>
-        <a:off x="0" y="1243467"/>
-        <a:ext cx="10515600" cy="621467"/>
+        <a:off x="0" y="1087834"/>
+        <a:ext cx="10515600" cy="543917"/>
       </dsp:txXfrm>
     </dsp:sp>
     <dsp:sp modelId="{F7C1AA38-8F97-4706-AE42-5314D089CC7E}">
@@ -6804,7 +6875,7 @@
       </dsp:nvSpPr>
       <dsp:spPr>
         <a:xfrm>
-          <a:off x="0" y="1864935"/>
+          <a:off x="0" y="1631751"/>
           <a:ext cx="10515600" cy="0"/>
         </a:xfrm>
         <a:prstGeom prst="line">
@@ -6854,8 +6925,8 @@
       </dsp:nvSpPr>
       <dsp:spPr>
         <a:xfrm>
-          <a:off x="0" y="1864935"/>
-          <a:ext cx="10515600" cy="621467"/>
+          <a:off x="0" y="1631751"/>
+          <a:ext cx="10515600" cy="543917"/>
         </a:xfrm>
         <a:prstGeom prst="rect">
           <a:avLst/>
@@ -6879,12 +6950,12 @@
         <a:fontRef idx="minor"/>
       </dsp:style>
       <dsp:txBody>
-        <a:bodyPr spcFirstLastPara="0" vert="horz" wrap="square" lIns="72390" tIns="72390" rIns="72390" bIns="72390" numCol="1" spcCol="1270" anchor="t" anchorCtr="0">
+        <a:bodyPr spcFirstLastPara="0" vert="horz" wrap="square" lIns="64770" tIns="64770" rIns="64770" bIns="64770" numCol="1" spcCol="1270" anchor="t" anchorCtr="0">
           <a:noAutofit/>
         </a:bodyPr>
         <a:lstStyle/>
         <a:p>
-          <a:pPr marL="0" lvl="0" indent="0" algn="l" defTabSz="844550" rtl="0">
+          <a:pPr marL="0" lvl="0" indent="0" algn="l" defTabSz="755650" rtl="0">
             <a:lnSpc>
               <a:spcPct val="90000"/>
             </a:lnSpc>
@@ -6897,27 +6968,27 @@
             <a:buNone/>
           </a:pPr>
           <a:r>
-            <a:rPr lang="ru-RU" sz="1900" kern="1200" dirty="0">
+            <a:rPr lang="ru-RU" sz="1700" kern="1200" dirty="0">
               <a:latin typeface="Gill Sans Nova"/>
             </a:rPr>
             <a:t>Применение архитектурный</a:t>
           </a:r>
           <a:r>
-            <a:rPr lang="ru-RU" sz="1900" kern="1200" dirty="0"/>
+            <a:rPr lang="ru-RU" sz="1700" kern="1200" dirty="0"/>
             <a:t> стиль взаимодействия </a:t>
           </a:r>
           <a:r>
-            <a:rPr lang="ru-RU" sz="1900" kern="1200" dirty="0">
+            <a:rPr lang="ru-RU" sz="1700" kern="1200" dirty="0">
               <a:latin typeface="Gill Sans Nova"/>
             </a:rPr>
             <a:t>компонентов приложения REST</a:t>
           </a:r>
-          <a:endParaRPr lang="ru-RU" sz="1900" kern="1200" dirty="0"/>
+          <a:endParaRPr lang="ru-RU" sz="1700" kern="1200" dirty="0"/>
         </a:p>
       </dsp:txBody>
       <dsp:txXfrm>
-        <a:off x="0" y="1864935"/>
-        <a:ext cx="10515600" cy="621467"/>
+        <a:off x="0" y="1631751"/>
+        <a:ext cx="10515600" cy="543917"/>
       </dsp:txXfrm>
     </dsp:sp>
     <dsp:sp modelId="{CA2DE171-5D44-4F81-A1A6-154D47A867FE}">
@@ -6927,7 +6998,7 @@
       </dsp:nvSpPr>
       <dsp:spPr>
         <a:xfrm>
-          <a:off x="0" y="2486402"/>
+          <a:off x="0" y="2175669"/>
           <a:ext cx="10515600" cy="0"/>
         </a:xfrm>
         <a:prstGeom prst="line">
@@ -6977,8 +7048,8 @@
       </dsp:nvSpPr>
       <dsp:spPr>
         <a:xfrm>
-          <a:off x="0" y="2486402"/>
-          <a:ext cx="10515600" cy="621467"/>
+          <a:off x="0" y="2175669"/>
+          <a:ext cx="10515600" cy="543917"/>
         </a:xfrm>
         <a:prstGeom prst="rect">
           <a:avLst/>
@@ -7002,12 +7073,12 @@
         <a:fontRef idx="minor"/>
       </dsp:style>
       <dsp:txBody>
-        <a:bodyPr spcFirstLastPara="0" vert="horz" wrap="square" lIns="72390" tIns="72390" rIns="72390" bIns="72390" numCol="1" spcCol="1270" anchor="t" anchorCtr="0">
+        <a:bodyPr spcFirstLastPara="0" vert="horz" wrap="square" lIns="64770" tIns="64770" rIns="64770" bIns="64770" numCol="1" spcCol="1270" anchor="t" anchorCtr="0">
           <a:noAutofit/>
         </a:bodyPr>
         <a:lstStyle/>
         <a:p>
-          <a:pPr marL="0" lvl="0" indent="0" algn="l" defTabSz="844550" rtl="0">
+          <a:pPr marL="0" lvl="0" indent="0" algn="l" defTabSz="755650" rtl="0">
             <a:lnSpc>
               <a:spcPct val="90000"/>
             </a:lnSpc>
@@ -7020,17 +7091,17 @@
             <a:buNone/>
           </a:pPr>
           <a:r>
-            <a:rPr lang="ru-RU" sz="1900" kern="1200" dirty="0">
+            <a:rPr lang="ru-RU" sz="1700" kern="1200" dirty="0">
               <a:latin typeface="Gill Sans Nova"/>
             </a:rPr>
             <a:t>Программирование плеера с HLS</a:t>
           </a:r>
-          <a:endParaRPr lang="ru-RU" sz="1900" kern="1200" dirty="0"/>
+          <a:endParaRPr lang="ru-RU" sz="1700" kern="1200" dirty="0"/>
         </a:p>
       </dsp:txBody>
       <dsp:txXfrm>
-        <a:off x="0" y="2486402"/>
-        <a:ext cx="10515600" cy="621467"/>
+        <a:off x="0" y="2175669"/>
+        <a:ext cx="10515600" cy="543917"/>
       </dsp:txXfrm>
     </dsp:sp>
     <dsp:sp modelId="{9B266D7D-DC96-4554-9167-CD9B7DF32ADA}">
@@ -7040,7 +7111,7 @@
       </dsp:nvSpPr>
       <dsp:spPr>
         <a:xfrm>
-          <a:off x="0" y="3107870"/>
+          <a:off x="0" y="2719586"/>
           <a:ext cx="10515600" cy="0"/>
         </a:xfrm>
         <a:prstGeom prst="line">
@@ -7090,8 +7161,8 @@
       </dsp:nvSpPr>
       <dsp:spPr>
         <a:xfrm>
-          <a:off x="0" y="3107870"/>
-          <a:ext cx="10515600" cy="621467"/>
+          <a:off x="0" y="2719586"/>
+          <a:ext cx="10515600" cy="543917"/>
         </a:xfrm>
         <a:prstGeom prst="rect">
           <a:avLst/>
@@ -7115,12 +7186,12 @@
         <a:fontRef idx="minor"/>
       </dsp:style>
       <dsp:txBody>
-        <a:bodyPr spcFirstLastPara="0" vert="horz" wrap="square" lIns="72390" tIns="72390" rIns="72390" bIns="72390" numCol="1" spcCol="1270" anchor="t" anchorCtr="0">
+        <a:bodyPr spcFirstLastPara="0" vert="horz" wrap="square" lIns="64770" tIns="64770" rIns="64770" bIns="64770" numCol="1" spcCol="1270" anchor="t" anchorCtr="0">
           <a:noAutofit/>
         </a:bodyPr>
         <a:lstStyle/>
         <a:p>
-          <a:pPr marL="0" lvl="0" indent="0" algn="l" defTabSz="844550" rtl="0">
+          <a:pPr marL="0" lvl="0" indent="0" algn="l" defTabSz="755650" rtl="0">
             <a:lnSpc>
               <a:spcPct val="90000"/>
             </a:lnSpc>
@@ -7133,57 +7204,57 @@
             <a:buNone/>
           </a:pPr>
           <a:r>
-            <a:rPr lang="ru-RU" sz="1900" kern="1200" dirty="0">
+            <a:rPr lang="ru-RU" sz="1700" kern="1200" dirty="0">
               <a:latin typeface="Gill Sans Nova"/>
             </a:rPr>
             <a:t>Использование библиотек </a:t>
           </a:r>
           <a:r>
-            <a:rPr lang="en-US" sz="1900" kern="1200" dirty="0" err="1">
+            <a:rPr lang="en-US" sz="1700" kern="1200" dirty="0" err="1">
               <a:latin typeface="Gill Sans Nova"/>
             </a:rPr>
             <a:t>WebVTT</a:t>
           </a:r>
           <a:r>
-            <a:rPr lang="en-US" sz="1900" kern="1200" dirty="0">
+            <a:rPr lang="en-US" sz="1700" kern="1200" dirty="0">
               <a:latin typeface="Gill Sans Nova"/>
             </a:rPr>
             <a:t>, </a:t>
           </a:r>
           <a:r>
-            <a:rPr lang="en-US" sz="1900" kern="1200" dirty="0" err="1">
+            <a:rPr lang="en-US" sz="1700" kern="1200" dirty="0" err="1">
               <a:latin typeface="Gill Sans Nova"/>
             </a:rPr>
             <a:t>FFProbe</a:t>
           </a:r>
           <a:r>
-            <a:rPr lang="en-US" sz="1900" kern="1200" dirty="0">
+            <a:rPr lang="en-US" sz="1700" kern="1200" dirty="0">
               <a:latin typeface="Gill Sans Nova"/>
             </a:rPr>
             <a:t> </a:t>
           </a:r>
           <a:r>
-            <a:rPr lang="ru-RU" sz="1900" kern="1200" dirty="0">
+            <a:rPr lang="ru-RU" sz="1700" kern="1200" dirty="0">
               <a:latin typeface="Gill Sans Nova"/>
             </a:rPr>
-            <a:t>для работы с медиафайлами  разного типа и формата</a:t>
+            <a:t>для работы с медиафайлами разного типа и формата</a:t>
           </a:r>
-          <a:endParaRPr lang="ru-RU" sz="1900" kern="1200" dirty="0"/>
+          <a:endParaRPr lang="ru-RU" sz="1700" kern="1200" dirty="0"/>
         </a:p>
       </dsp:txBody>
       <dsp:txXfrm>
-        <a:off x="0" y="3107870"/>
-        <a:ext cx="10515600" cy="621467"/>
+        <a:off x="0" y="2719586"/>
+        <a:ext cx="10515600" cy="543917"/>
       </dsp:txXfrm>
     </dsp:sp>
-    <dsp:sp modelId="{ABBFFB76-A5B9-44CB-9617-9DEC8239FABF}">
+    <dsp:sp modelId="{E95A8803-2C2A-4712-8716-15A55C5711E8}">
       <dsp:nvSpPr>
         <dsp:cNvPr id="0" name=""/>
         <dsp:cNvSpPr/>
       </dsp:nvSpPr>
       <dsp:spPr>
         <a:xfrm>
-          <a:off x="0" y="3729338"/>
+          <a:off x="0" y="3263503"/>
           <a:ext cx="10515600" cy="0"/>
         </a:xfrm>
         <a:prstGeom prst="line">
@@ -7226,15 +7297,15 @@
         </a:fontRef>
       </dsp:style>
     </dsp:sp>
-    <dsp:sp modelId="{24FFEE5F-38A0-4CC9-A5C0-3C24D7847F86}">
+    <dsp:sp modelId="{6A1B180F-8397-4072-AB22-FB8049972E65}">
       <dsp:nvSpPr>
         <dsp:cNvPr id="0" name=""/>
         <dsp:cNvSpPr/>
       </dsp:nvSpPr>
       <dsp:spPr>
         <a:xfrm>
-          <a:off x="0" y="3729338"/>
-          <a:ext cx="10515600" cy="621467"/>
+          <a:off x="0" y="3263503"/>
+          <a:ext cx="10515600" cy="543917"/>
         </a:xfrm>
         <a:prstGeom prst="rect">
           <a:avLst/>
@@ -7258,12 +7329,12 @@
         <a:fontRef idx="minor"/>
       </dsp:style>
       <dsp:txBody>
-        <a:bodyPr spcFirstLastPara="0" vert="horz" wrap="square" lIns="72390" tIns="72390" rIns="72390" bIns="72390" numCol="1" spcCol="1270" anchor="t" anchorCtr="0">
+        <a:bodyPr spcFirstLastPara="0" vert="horz" wrap="square" lIns="64770" tIns="64770" rIns="64770" bIns="64770" numCol="1" spcCol="1270" anchor="t" anchorCtr="0">
           <a:noAutofit/>
         </a:bodyPr>
         <a:lstStyle/>
         <a:p>
-          <a:pPr marL="0" lvl="0" indent="0" algn="l" defTabSz="844550" rtl="0">
+          <a:pPr marL="0" lvl="0" indent="0" algn="l" defTabSz="755650" rtl="0">
             <a:lnSpc>
               <a:spcPct val="90000"/>
             </a:lnSpc>
@@ -7276,37 +7347,159 @@
             <a:buNone/>
           </a:pPr>
           <a:r>
-            <a:rPr lang="ru-RU" sz="1900" kern="1200" dirty="0">
+            <a:rPr lang="ru-RU" sz="1700" kern="1200" dirty="0"/>
+            <a:t>Использования модуля </a:t>
+          </a:r>
+          <a:r>
+            <a:rPr lang="en-US" sz="1700" kern="1200" dirty="0"/>
+            <a:t>subprocess </a:t>
+          </a:r>
+          <a:r>
+            <a:rPr lang="ru-RU" sz="1700" kern="1200" dirty="0"/>
+            <a:t>для взаимодействия с программами, написанными на низкоуровневом ЯП</a:t>
+          </a:r>
+        </a:p>
+      </dsp:txBody>
+      <dsp:txXfrm>
+        <a:off x="0" y="3263503"/>
+        <a:ext cx="10515600" cy="543917"/>
+      </dsp:txXfrm>
+    </dsp:sp>
+    <dsp:sp modelId="{4476E87E-A0C1-4AE1-8F17-6D15DE595EBF}">
+      <dsp:nvSpPr>
+        <dsp:cNvPr id="0" name=""/>
+        <dsp:cNvSpPr/>
+      </dsp:nvSpPr>
+      <dsp:spPr>
+        <a:xfrm>
+          <a:off x="0" y="3807420"/>
+          <a:ext cx="10515600" cy="0"/>
+        </a:xfrm>
+        <a:prstGeom prst="line">
+          <a:avLst/>
+        </a:prstGeom>
+        <a:solidFill>
+          <a:schemeClr val="accent1">
+            <a:hueOff val="0"/>
+            <a:satOff val="0"/>
+            <a:lumOff val="0"/>
+            <a:alphaOff val="0"/>
+          </a:schemeClr>
+        </a:solidFill>
+        <a:ln w="12700" cap="flat" cmpd="sng" algn="ctr">
+          <a:solidFill>
+            <a:schemeClr val="accent1">
+              <a:hueOff val="0"/>
+              <a:satOff val="0"/>
+              <a:lumOff val="0"/>
+              <a:alphaOff val="0"/>
+            </a:schemeClr>
+          </a:solidFill>
+          <a:prstDash val="solid"/>
+          <a:miter lim="800000"/>
+        </a:ln>
+        <a:effectLst/>
+      </dsp:spPr>
+      <dsp:style>
+        <a:lnRef idx="2">
+          <a:scrgbClr r="0" g="0" b="0"/>
+        </a:lnRef>
+        <a:fillRef idx="1">
+          <a:scrgbClr r="0" g="0" b="0"/>
+        </a:fillRef>
+        <a:effectRef idx="0">
+          <a:scrgbClr r="0" g="0" b="0"/>
+        </a:effectRef>
+        <a:fontRef idx="minor">
+          <a:schemeClr val="lt1"/>
+        </a:fontRef>
+      </dsp:style>
+    </dsp:sp>
+    <dsp:sp modelId="{6E1DE0CB-4A08-4795-90EE-4ED20D1C77DA}">
+      <dsp:nvSpPr>
+        <dsp:cNvPr id="0" name=""/>
+        <dsp:cNvSpPr/>
+      </dsp:nvSpPr>
+      <dsp:spPr>
+        <a:xfrm>
+          <a:off x="0" y="3807420"/>
+          <a:ext cx="10515600" cy="543917"/>
+        </a:xfrm>
+        <a:prstGeom prst="rect">
+          <a:avLst/>
+        </a:prstGeom>
+        <a:noFill/>
+        <a:ln>
+          <a:noFill/>
+        </a:ln>
+        <a:effectLst/>
+      </dsp:spPr>
+      <dsp:style>
+        <a:lnRef idx="0">
+          <a:scrgbClr r="0" g="0" b="0"/>
+        </a:lnRef>
+        <a:fillRef idx="0">
+          <a:scrgbClr r="0" g="0" b="0"/>
+        </a:fillRef>
+        <a:effectRef idx="0">
+          <a:scrgbClr r="0" g="0" b="0"/>
+        </a:effectRef>
+        <a:fontRef idx="minor"/>
+      </dsp:style>
+      <dsp:txBody>
+        <a:bodyPr spcFirstLastPara="0" vert="horz" wrap="square" lIns="64770" tIns="64770" rIns="64770" bIns="64770" numCol="1" spcCol="1270" anchor="t" anchorCtr="0">
+          <a:noAutofit/>
+        </a:bodyPr>
+        <a:lstStyle/>
+        <a:p>
+          <a:pPr marL="0" lvl="0" indent="0" algn="l" defTabSz="755650" rtl="0">
+            <a:lnSpc>
+              <a:spcPct val="90000"/>
+            </a:lnSpc>
+            <a:spcBef>
+              <a:spcPct val="0"/>
+            </a:spcBef>
+            <a:spcAft>
+              <a:spcPct val="35000"/>
+            </a:spcAft>
+            <a:buNone/>
+          </a:pPr>
+          <a:r>
+            <a:rPr lang="ru-RU" sz="1700" kern="1200">
               <a:latin typeface="Gill Sans Nova"/>
             </a:rPr>
             <a:t>Развертывание</a:t>
           </a:r>
           <a:r>
-            <a:rPr lang="ru-RU" sz="1900" kern="1200" dirty="0"/>
-            <a:t> и </a:t>
+            <a:rPr lang="ru-RU" sz="1700" kern="1200"/>
+            <a:t> </a:t>
           </a:r>
           <a:r>
-            <a:rPr lang="ru-RU" sz="1900" kern="1200" dirty="0">
+            <a:rPr lang="ru-RU" sz="1700" kern="1200" dirty="0"/>
+            <a:t>и </a:t>
+          </a:r>
+          <a:r>
+            <a:rPr lang="ru-RU" sz="1700" kern="1200" dirty="0">
               <a:latin typeface="Gill Sans Nova"/>
             </a:rPr>
             <a:t>запуск сайта</a:t>
           </a:r>
           <a:r>
-            <a:rPr lang="ru-RU" sz="1900" kern="1200" dirty="0"/>
+            <a:rPr lang="ru-RU" sz="1700" kern="1200" dirty="0"/>
             <a:t> </a:t>
           </a:r>
           <a:r>
-            <a:rPr lang="ru-RU" sz="1900" kern="1200" dirty="0">
+            <a:rPr lang="ru-RU" sz="1700" kern="1200" dirty="0">
               <a:latin typeface="Gill Sans Nova"/>
             </a:rPr>
             <a:t>на хостинге</a:t>
           </a:r>
-          <a:endParaRPr lang="ru-RU" sz="1900" kern="1200" dirty="0"/>
+          <a:endParaRPr lang="ru-RU" sz="1700" kern="1200" dirty="0"/>
         </a:p>
       </dsp:txBody>
       <dsp:txXfrm>
-        <a:off x="0" y="3729338"/>
-        <a:ext cx="10515600" cy="621467"/>
+        <a:off x="0" y="3807420"/>
+        <a:ext cx="10515600" cy="543917"/>
       </dsp:txXfrm>
     </dsp:sp>
   </dsp:spTree>
@@ -14418,7 +14611,7 @@
           <a:p>
             <a:fld id="{6A4B53A7-3209-46A6-9454-F38EAC8F11E7}" type="datetimeFigureOut">
               <a:rPr lang="en-US" smtClean="0"/>
-              <a:t>4/18/2023</a:t>
+              <a:t>4/25/2023</a:t>
             </a:fld>
             <a:endParaRPr lang="en-US"/>
           </a:p>
@@ -14669,7 +14862,7 @@
           <a:p>
             <a:fld id="{6A4B53A7-3209-46A6-9454-F38EAC8F11E7}" type="datetimeFigureOut">
               <a:rPr lang="en-US" smtClean="0"/>
-              <a:t>4/18/2023</a:t>
+              <a:t>4/25/2023</a:t>
             </a:fld>
             <a:endParaRPr lang="en-US"/>
           </a:p>
@@ -14930,7 +15123,7 @@
           <a:p>
             <a:fld id="{6A4B53A7-3209-46A6-9454-F38EAC8F11E7}" type="datetimeFigureOut">
               <a:rPr lang="en-US" smtClean="0"/>
-              <a:t>4/18/2023</a:t>
+              <a:t>4/25/2023</a:t>
             </a:fld>
             <a:endParaRPr lang="en-US"/>
           </a:p>
@@ -15181,7 +15374,7 @@
           <a:p>
             <a:fld id="{6A4B53A7-3209-46A6-9454-F38EAC8F11E7}" type="datetimeFigureOut">
               <a:rPr lang="en-US" smtClean="0"/>
-              <a:t>4/18/2023</a:t>
+              <a:t>4/25/2023</a:t>
             </a:fld>
             <a:endParaRPr lang="en-US"/>
           </a:p>
@@ -15509,7 +15702,7 @@
           <a:p>
             <a:fld id="{6A4B53A7-3209-46A6-9454-F38EAC8F11E7}" type="datetimeFigureOut">
               <a:rPr lang="en-US" smtClean="0"/>
-              <a:t>4/18/2023</a:t>
+              <a:t>4/25/2023</a:t>
             </a:fld>
             <a:endParaRPr lang="en-US"/>
           </a:p>
@@ -15827,7 +16020,7 @@
           <a:p>
             <a:fld id="{6A4B53A7-3209-46A6-9454-F38EAC8F11E7}" type="datetimeFigureOut">
               <a:rPr lang="en-US" smtClean="0"/>
-              <a:t>4/18/2023</a:t>
+              <a:t>4/25/2023</a:t>
             </a:fld>
             <a:endParaRPr lang="en-US"/>
           </a:p>
@@ -16292,7 +16485,7 @@
           <a:p>
             <a:fld id="{6A4B53A7-3209-46A6-9454-F38EAC8F11E7}" type="datetimeFigureOut">
               <a:rPr lang="en-US" smtClean="0"/>
-              <a:t>4/18/2023</a:t>
+              <a:t>4/25/2023</a:t>
             </a:fld>
             <a:endParaRPr lang="en-US"/>
           </a:p>
@@ -16486,7 +16679,7 @@
           <a:p>
             <a:fld id="{6A4B53A7-3209-46A6-9454-F38EAC8F11E7}" type="datetimeFigureOut">
               <a:rPr lang="en-US" smtClean="0"/>
-              <a:t>4/18/2023</a:t>
+              <a:t>4/25/2023</a:t>
             </a:fld>
             <a:endParaRPr lang="en-US"/>
           </a:p>
@@ -16652,7 +16845,7 @@
           <a:p>
             <a:fld id="{6A4B53A7-3209-46A6-9454-F38EAC8F11E7}" type="datetimeFigureOut">
               <a:rPr lang="en-US" smtClean="0"/>
-              <a:t>4/18/2023</a:t>
+              <a:t>4/25/2023</a:t>
             </a:fld>
             <a:endParaRPr lang="en-US"/>
           </a:p>
@@ -17016,7 +17209,7 @@
           <a:p>
             <a:fld id="{6A4B53A7-3209-46A6-9454-F38EAC8F11E7}" type="datetimeFigureOut">
               <a:rPr lang="en-US" smtClean="0"/>
-              <a:t>4/18/2023</a:t>
+              <a:t>4/25/2023</a:t>
             </a:fld>
             <a:endParaRPr lang="en-US"/>
           </a:p>
@@ -17360,7 +17553,7 @@
           <a:p>
             <a:fld id="{6A4B53A7-3209-46A6-9454-F38EAC8F11E7}" type="datetimeFigureOut">
               <a:rPr lang="en-US" smtClean="0"/>
-              <a:t>4/18/2023</a:t>
+              <a:t>4/25/2023</a:t>
             </a:fld>
             <a:endParaRPr lang="en-US"/>
           </a:p>
@@ -17655,7 +17848,7 @@
             <a:fld id="{6A4B53A7-3209-46A6-9454-F38EAC8F11E7}" type="datetimeFigureOut">
               <a:rPr lang="en-US" smtClean="0"/>
               <a:pPr/>
-              <a:t>4/18/2023</a:t>
+              <a:t>4/25/2023</a:t>
             </a:fld>
             <a:endParaRPr lang="en-US" dirty="0"/>
           </a:p>
@@ -21190,7 +21383,7 @@
             <p:ph idx="1"/>
             <p:extLst>
               <p:ext uri="{D42A27DB-BD31-4B8C-83A1-F6EECF244321}">
-                <p14:modId xmlns:p14="http://schemas.microsoft.com/office/powerpoint/2010/main" val="3922815610"/>
+                <p14:modId xmlns:p14="http://schemas.microsoft.com/office/powerpoint/2010/main" val="701329367"/>
               </p:ext>
             </p:extLst>
           </p:nvPr>
@@ -21279,7 +21472,7 @@
             <p:ph idx="1"/>
             <p:extLst>
               <p:ext uri="{D42A27DB-BD31-4B8C-83A1-F6EECF244321}">
-                <p14:modId xmlns:p14="http://schemas.microsoft.com/office/powerpoint/2010/main" val="3557342094"/>
+                <p14:modId xmlns:p14="http://schemas.microsoft.com/office/powerpoint/2010/main" val="3196652584"/>
               </p:ext>
             </p:extLst>
           </p:nvPr>
@@ -23841,13 +24034,13 @@
             <p:ph idx="1"/>
             <p:extLst>
               <p:ext uri="{D42A27DB-BD31-4B8C-83A1-F6EECF244321}">
-                <p14:modId xmlns:p14="http://schemas.microsoft.com/office/powerpoint/2010/main" val="303747198"/>
+                <p14:modId xmlns:p14="http://schemas.microsoft.com/office/powerpoint/2010/main" val="4217541398"/>
               </p:ext>
             </p:extLst>
           </p:nvPr>
         </p:nvGraphicFramePr>
         <p:xfrm>
-          <a:off x="838200" y="1825625"/>
+          <a:off x="838200" y="1724026"/>
           <a:ext cx="10515600" cy="4351338"/>
         </p:xfrm>
         <a:graphic>
@@ -23856,6 +24049,85 @@
           </a:graphicData>
         </a:graphic>
       </p:graphicFrame>
+      <p:sp>
+        <p:nvSpPr>
+          <p:cNvPr id="3" name="TextBox 2">
+            <a:extLst>
+              <a:ext uri="{FF2B5EF4-FFF2-40B4-BE49-F238E27FC236}">
+                <a16:creationId xmlns:a16="http://schemas.microsoft.com/office/drawing/2014/main" id="{5D84AD9B-D0AA-3B74-D863-381C358599BA}"/>
+              </a:ext>
+            </a:extLst>
+          </p:cNvPr>
+          <p:cNvSpPr txBox="1"/>
+          <p:nvPr/>
+        </p:nvSpPr>
+        <p:spPr>
+          <a:xfrm>
+            <a:off x="1075267" y="6223000"/>
+            <a:ext cx="6064161" cy="369332"/>
+          </a:xfrm>
+          <a:prstGeom prst="rect">
+            <a:avLst/>
+          </a:prstGeom>
+          <a:noFill/>
+        </p:spPr>
+        <p:txBody>
+          <a:bodyPr wrap="none" rtlCol="0">
+            <a:spAutoFit/>
+          </a:bodyPr>
+          <a:lstStyle/>
+          <a:p>
+            <a:r>
+              <a:rPr lang="ru-RU" dirty="0"/>
+              <a:t>Написано строк: </a:t>
+            </a:r>
+            <a:r>
+              <a:rPr lang="ru-RU" dirty="0">
+                <a:highlight>
+                  <a:srgbClr val="FFFF00"/>
+                </a:highlight>
+              </a:rPr>
+              <a:t>1700</a:t>
+            </a:r>
+            <a:r>
+              <a:rPr lang="ru-RU" dirty="0"/>
+              <a:t>, </a:t>
+            </a:r>
+            <a:r>
+              <a:rPr lang="ru-RU" dirty="0">
+                <a:highlight>
+                  <a:srgbClr val="FFFF00"/>
+                </a:highlight>
+              </a:rPr>
+              <a:t>100</a:t>
+            </a:r>
+            <a:r>
+              <a:rPr lang="ru-RU" dirty="0"/>
+              <a:t> и </a:t>
+            </a:r>
+            <a:r>
+              <a:rPr lang="ru-RU" dirty="0">
+                <a:highlight>
+                  <a:srgbClr val="FFFF00"/>
+                </a:highlight>
+              </a:rPr>
+              <a:t>0</a:t>
+            </a:r>
+            <a:r>
+              <a:rPr lang="ru-RU" dirty="0"/>
+              <a:t> соответственно. Итого: </a:t>
+            </a:r>
+            <a:r>
+              <a:rPr lang="ru-RU" dirty="0">
+                <a:highlight>
+                  <a:srgbClr val="FFFF00"/>
+                </a:highlight>
+              </a:rPr>
+              <a:t>2000</a:t>
+            </a:r>
+          </a:p>
+        </p:txBody>
+      </p:sp>
     </p:spTree>
     <p:extLst>
       <p:ext uri="{BB962C8B-B14F-4D97-AF65-F5344CB8AC3E}">

--- a/presentation/Presentation.pptx
+++ b/presentation/Presentation.pptx
@@ -3857,7 +3857,19 @@
             <a:rPr lang="en-US" dirty="0">
               <a:latin typeface="Gill Sans Nova"/>
             </a:rPr>
-            <a:t>, </a:t>
+            <a:t>,</a:t>
+          </a:r>
+          <a:r>
+            <a:rPr lang="ru-RU" dirty="0">
+              <a:latin typeface="Gill Sans Nova"/>
+            </a:rPr>
+            <a:t> </a:t>
+          </a:r>
+          <a:r>
+            <a:rPr lang="en-US" dirty="0">
+              <a:latin typeface="Gill Sans Nova"/>
+            </a:rPr>
+            <a:t>PySubs2, Enzyme, </a:t>
           </a:r>
           <a:r>
             <a:rPr lang="en-US" dirty="0" err="1">
@@ -3957,18 +3969,14 @@
         <a:p>
           <a:pPr rtl="0"/>
           <a:r>
-            <a:rPr lang="ru-RU">
+            <a:rPr lang="ru-RU" dirty="0">
               <a:latin typeface="Gill Sans Nova"/>
             </a:rPr>
             <a:t>Развертывание</a:t>
           </a:r>
           <a:r>
-            <a:rPr lang="ru-RU"/>
-            <a:t> </a:t>
-          </a:r>
-          <a:r>
             <a:rPr lang="ru-RU" dirty="0"/>
-            <a:t>и </a:t>
+            <a:t> и </a:t>
           </a:r>
           <a:r>
             <a:rPr lang="ru-RU" dirty="0">
@@ -5902,6 +5910,83 @@
         </a:p>
       </dgm:t>
     </dgm:pt>
+    <dgm:pt modelId="{61C209DA-5E74-44C0-B46E-D20EF40E8419}">
+      <dgm:prSet phldrT="[Текст]"/>
+      <dgm:spPr/>
+      <dgm:t>
+        <a:bodyPr/>
+        <a:lstStyle/>
+        <a:p>
+          <a:r>
+            <a:rPr lang="ru-RU" dirty="0"/>
+            <a:t>Формы: структура и отображение</a:t>
+          </a:r>
+        </a:p>
+      </dgm:t>
+    </dgm:pt>
+    <dgm:pt modelId="{C3A4E84E-8B52-4C46-B1C1-12C4A87E6D08}" type="parTrans" cxnId="{54B36998-DF8D-40CA-8DD0-033643AC73B2}">
+      <dgm:prSet/>
+      <dgm:spPr/>
+      <dgm:t>
+        <a:bodyPr/>
+        <a:lstStyle/>
+        <a:p>
+          <a:endParaRPr lang="ru-RU"/>
+        </a:p>
+      </dgm:t>
+    </dgm:pt>
+    <dgm:pt modelId="{2AE69F18-D79C-4473-8801-FA47143B3B44}" type="sibTrans" cxnId="{54B36998-DF8D-40CA-8DD0-033643AC73B2}">
+      <dgm:prSet/>
+      <dgm:spPr/>
+      <dgm:t>
+        <a:bodyPr/>
+        <a:lstStyle/>
+        <a:p>
+          <a:endParaRPr lang="ru-RU"/>
+        </a:p>
+      </dgm:t>
+    </dgm:pt>
+    <dgm:pt modelId="{3CF5211F-F1EA-420B-B0BC-96C9FBDCDD29}">
+      <dgm:prSet phldrT="[Текст]"/>
+      <dgm:spPr/>
+      <dgm:t>
+        <a:bodyPr/>
+        <a:lstStyle/>
+        <a:p>
+          <a:r>
+            <a:rPr lang="ru-RU" dirty="0"/>
+            <a:t>Система жанров: отображение и </a:t>
+          </a:r>
+          <a:r>
+            <a:rPr lang="en-US" dirty="0"/>
+            <a:t>REST API</a:t>
+          </a:r>
+          <a:endParaRPr lang="ru-RU" dirty="0"/>
+        </a:p>
+      </dgm:t>
+    </dgm:pt>
+    <dgm:pt modelId="{B050E0DA-A32C-4D70-95BC-B1C60DF3B6B8}" type="parTrans" cxnId="{3960D8E3-4102-45C2-92D6-FECCDDBB0735}">
+      <dgm:prSet/>
+      <dgm:spPr/>
+      <dgm:t>
+        <a:bodyPr/>
+        <a:lstStyle/>
+        <a:p>
+          <a:endParaRPr lang="ru-RU"/>
+        </a:p>
+      </dgm:t>
+    </dgm:pt>
+    <dgm:pt modelId="{E0FF8E2A-2CB6-44AB-98BF-39BF420CBF26}" type="sibTrans" cxnId="{3960D8E3-4102-45C2-92D6-FECCDDBB0735}">
+      <dgm:prSet/>
+      <dgm:spPr/>
+      <dgm:t>
+        <a:bodyPr/>
+        <a:lstStyle/>
+        <a:p>
+          <a:endParaRPr lang="ru-RU"/>
+        </a:p>
+      </dgm:t>
+    </dgm:pt>
     <dgm:pt modelId="{358D7AE4-97D5-4813-94A2-5EC6EC88BE58}" type="pres">
       <dgm:prSet presAssocID="{F83CFE1B-7F45-4AB3-956A-8BE9A5CB4EE8}" presName="Name0" presStyleCnt="0">
         <dgm:presLayoutVars>
@@ -5991,24 +6076,28 @@
     <dgm:cxn modelId="{60215C08-E77E-4ED6-9A02-32A1A560F540}" type="presOf" srcId="{DD72416B-5583-4D82-A0B3-09647AEA024F}" destId="{DE7308F5-BEBA-463A-AEB8-7A0F1B2852AA}" srcOrd="0" destOrd="3" presId="urn:microsoft.com/office/officeart/2005/8/layout/hList1"/>
     <dgm:cxn modelId="{E03E4E0E-53D9-48E2-B297-1260BB438CB4}" srcId="{E9A00E2A-8676-47BD-A2A9-B36940A4EFC8}" destId="{A6EEDA0C-1F1A-4AF5-AA11-0E922A8F99F0}" srcOrd="5" destOrd="0" parTransId="{A1EAE152-236D-4ACE-9A50-AB7A54195A8D}" sibTransId="{2F2CC8A4-4B56-4432-A878-5C3C996EC824}"/>
     <dgm:cxn modelId="{A17C6212-B08C-47C4-A65D-FA524694C890}" type="presOf" srcId="{AACD6C7F-482D-4E01-A192-6483ACE4DF18}" destId="{3FE3C061-66C5-45D9-9CC5-3F23315E5EE0}" srcOrd="0" destOrd="0" presId="urn:microsoft.com/office/officeart/2005/8/layout/hList1"/>
-    <dgm:cxn modelId="{6537A112-E013-4D76-9126-DCB134B9753F}" srcId="{AACD6C7F-482D-4E01-A192-6483ACE4DF18}" destId="{08DDA68B-88A9-4337-97B3-3A85B87CFFB8}" srcOrd="0" destOrd="0" parTransId="{E57737ED-5BA3-4AF6-AB9F-FF36A4EEA830}" sibTransId="{2053AD58-BC62-4FBE-85BA-C6E6E7E73215}"/>
+    <dgm:cxn modelId="{6537A112-E013-4D76-9126-DCB134B9753F}" srcId="{AACD6C7F-482D-4E01-A192-6483ACE4DF18}" destId="{08DDA68B-88A9-4337-97B3-3A85B87CFFB8}" srcOrd="1" destOrd="0" parTransId="{E57737ED-5BA3-4AF6-AB9F-FF36A4EEA830}" sibTransId="{2053AD58-BC62-4FBE-85BA-C6E6E7E73215}"/>
     <dgm:cxn modelId="{53198C17-52E9-4183-9051-D66ECFDDD957}" type="presOf" srcId="{C9378E73-E64C-4E1C-B862-DBC646789A36}" destId="{BB7E95DB-DC7F-4AA9-BEFF-3E20FDDE2723}" srcOrd="0" destOrd="0" presId="urn:microsoft.com/office/officeart/2005/8/layout/hList1"/>
     <dgm:cxn modelId="{A4F4C82F-035A-4788-ABE4-3DF9D8BDB602}" type="presOf" srcId="{F7ADB2B3-3B4B-4C20-9C74-9574828F091E}" destId="{DE7308F5-BEBA-463A-AEB8-7A0F1B2852AA}" srcOrd="0" destOrd="0" presId="urn:microsoft.com/office/officeart/2005/8/layout/hList1"/>
+    <dgm:cxn modelId="{81E1965C-DC6C-4B17-BE46-5C456F2079DE}" type="presOf" srcId="{61C209DA-5E74-44C0-B46E-D20EF40E8419}" destId="{2F8C77E1-EC97-4695-A4EE-3A3D5682897E}" srcOrd="0" destOrd="0" presId="urn:microsoft.com/office/officeart/2005/8/layout/hList1"/>
     <dgm:cxn modelId="{FB3ABE46-4492-4E89-8BDC-C57C5BFBBA1C}" srcId="{E9A00E2A-8676-47BD-A2A9-B36940A4EFC8}" destId="{DD72416B-5583-4D82-A0B3-09647AEA024F}" srcOrd="3" destOrd="0" parTransId="{EF266F4A-D48E-44D8-8F25-A831BE6F5A56}" sibTransId="{1D2873E7-241D-483F-BCB7-593C799FB6C2}"/>
     <dgm:cxn modelId="{0A14E048-FBE3-46C2-B705-0629C367AC29}" type="presOf" srcId="{B7EC1A3B-E4A3-4ECA-A5F6-3C36E86FF805}" destId="{DBF5A014-AEE4-4882-8FCF-8D6D9036DDDD}" srcOrd="0" destOrd="0" presId="urn:microsoft.com/office/officeart/2005/8/layout/hList1"/>
+    <dgm:cxn modelId="{1FF2D14D-894F-4AAC-BF39-84099F3A3653}" type="presOf" srcId="{08DDA68B-88A9-4337-97B3-3A85B87CFFB8}" destId="{2F8C77E1-EC97-4695-A4EE-3A3D5682897E}" srcOrd="0" destOrd="1" presId="urn:microsoft.com/office/officeart/2005/8/layout/hList1"/>
     <dgm:cxn modelId="{1E6D9D79-E42C-4B79-AD03-148FBCC1E86F}" srcId="{E9A00E2A-8676-47BD-A2A9-B36940A4EFC8}" destId="{2D66FA9D-5AC5-49F5-B14E-E977E2976F16}" srcOrd="1" destOrd="0" parTransId="{A5829A66-5E3C-4E89-A766-58E92886BD26}" sibTransId="{7953C9D0-6F20-415A-AF23-017B4201DCFA}"/>
-    <dgm:cxn modelId="{98490281-17C6-4E14-8D04-36CD61119534}" type="presOf" srcId="{08DDA68B-88A9-4337-97B3-3A85B87CFFB8}" destId="{2F8C77E1-EC97-4695-A4EE-3A3D5682897E}" srcOrd="0" destOrd="0" presId="urn:microsoft.com/office/officeart/2005/8/layout/hList1"/>
     <dgm:cxn modelId="{6F297681-6802-4D65-AC0D-4076FE081F35}" srcId="{E9A00E2A-8676-47BD-A2A9-B36940A4EFC8}" destId="{8084F236-ECC4-46A5-8B48-BF14CE418870}" srcOrd="2" destOrd="0" parTransId="{16B605AF-984B-4BAB-AC51-A54E130FDC58}" sibTransId="{5E40CCB2-CD39-41C6-A673-15332A846C27}"/>
     <dgm:cxn modelId="{AA3DE688-C0E7-4525-BB94-B4B8A4CCA68A}" type="presOf" srcId="{E9A00E2A-8676-47BD-A2A9-B36940A4EFC8}" destId="{83A3DD26-56EB-4ED1-AD4C-4C6FA372CB1C}" srcOrd="0" destOrd="0" presId="urn:microsoft.com/office/officeart/2005/8/layout/hList1"/>
+    <dgm:cxn modelId="{54B36998-DF8D-40CA-8DD0-033643AC73B2}" srcId="{AACD6C7F-482D-4E01-A192-6483ACE4DF18}" destId="{61C209DA-5E74-44C0-B46E-D20EF40E8419}" srcOrd="0" destOrd="0" parTransId="{C3A4E84E-8B52-4C46-B1C1-12C4A87E6D08}" sibTransId="{2AE69F18-D79C-4473-8801-FA47143B3B44}"/>
     <dgm:cxn modelId="{E77598AD-CBE2-4E93-98C9-6AAD247BF178}" srcId="{F83CFE1B-7F45-4AB3-956A-8BE9A5CB4EE8}" destId="{B7EC1A3B-E4A3-4ECA-A5F6-3C36E86FF805}" srcOrd="2" destOrd="0" parTransId="{1CF8BB1C-3BEC-427A-8BF9-FE47F01098A0}" sibTransId="{038A1977-4DDE-4A18-9ADA-C9A90693ED66}"/>
     <dgm:cxn modelId="{815A7EB0-E565-4573-99D1-69C8220B68DB}" type="presOf" srcId="{A6EEDA0C-1F1A-4AF5-AA11-0E922A8F99F0}" destId="{DE7308F5-BEBA-463A-AEB8-7A0F1B2852AA}" srcOrd="0" destOrd="5" presId="urn:microsoft.com/office/officeart/2005/8/layout/hList1"/>
+    <dgm:cxn modelId="{4EF59EB1-9963-42D4-9221-344DC10393C9}" type="presOf" srcId="{3CF5211F-F1EA-420B-B0BC-96C9FBDCDD29}" destId="{2F8C77E1-EC97-4695-A4EE-3A3D5682897E}" srcOrd="0" destOrd="3" presId="urn:microsoft.com/office/officeart/2005/8/layout/hList1"/>
     <dgm:cxn modelId="{873447B3-42DF-48F0-9AD4-E6BEA265A8A1}" srcId="{F83CFE1B-7F45-4AB3-956A-8BE9A5CB4EE8}" destId="{E9A00E2A-8676-47BD-A2A9-B36940A4EFC8}" srcOrd="0" destOrd="0" parTransId="{B4880C01-520D-4FFF-82D9-A1EC55AAEFB5}" sibTransId="{4C71B791-B219-4152-B011-9F2FB0E748F5}"/>
+    <dgm:cxn modelId="{945905B6-27FE-4169-A092-38C1663FF4FC}" type="presOf" srcId="{CCDF54B0-2DF7-4BA2-9D75-E5D6B69CFB03}" destId="{2F8C77E1-EC97-4695-A4EE-3A3D5682897E}" srcOrd="0" destOrd="2" presId="urn:microsoft.com/office/officeart/2005/8/layout/hList1"/>
     <dgm:cxn modelId="{F97896BA-3305-4506-BE9D-11B997296C85}" srcId="{E9A00E2A-8676-47BD-A2A9-B36940A4EFC8}" destId="{F7ADB2B3-3B4B-4C20-9C74-9574828F091E}" srcOrd="0" destOrd="0" parTransId="{D49645AE-7E94-480C-AFF5-A3F72D6964AA}" sibTransId="{9BBB6A47-59E6-4ED4-A9E9-1C64F6060CC3}"/>
     <dgm:cxn modelId="{FE4207D7-1692-42A6-A84D-E6E070505ECE}" type="presOf" srcId="{53F544DB-49BC-40EC-B766-04266280E0FE}" destId="{DE7308F5-BEBA-463A-AEB8-7A0F1B2852AA}" srcOrd="0" destOrd="4" presId="urn:microsoft.com/office/officeart/2005/8/layout/hList1"/>
     <dgm:cxn modelId="{B918AED8-5A6E-4257-A33A-FF019BE403AD}" srcId="{E9A00E2A-8676-47BD-A2A9-B36940A4EFC8}" destId="{53F544DB-49BC-40EC-B766-04266280E0FE}" srcOrd="4" destOrd="0" parTransId="{AAD70A52-CBDE-4584-9AAF-CFFB5CDD8D32}" sibTransId="{71569B1E-D02B-4D94-9D3C-27EF8F6AC8F3}"/>
-    <dgm:cxn modelId="{FDB76ADA-8927-4CE2-9B81-31E8D0C6096B}" srcId="{AACD6C7F-482D-4E01-A192-6483ACE4DF18}" destId="{CCDF54B0-2DF7-4BA2-9D75-E5D6B69CFB03}" srcOrd="1" destOrd="0" parTransId="{94F0AFC8-16E0-4B67-9E8E-C3AFFD7FB800}" sibTransId="{98E0F04A-8642-45D0-8F47-B16478A1898A}"/>
+    <dgm:cxn modelId="{FDB76ADA-8927-4CE2-9B81-31E8D0C6096B}" srcId="{AACD6C7F-482D-4E01-A192-6483ACE4DF18}" destId="{CCDF54B0-2DF7-4BA2-9D75-E5D6B69CFB03}" srcOrd="2" destOrd="0" parTransId="{94F0AFC8-16E0-4B67-9E8E-C3AFFD7FB800}" sibTransId="{98E0F04A-8642-45D0-8F47-B16478A1898A}"/>
     <dgm:cxn modelId="{4F3210E2-1DB1-471D-AD01-9B8788C1195B}" type="presOf" srcId="{F83CFE1B-7F45-4AB3-956A-8BE9A5CB4EE8}" destId="{358D7AE4-97D5-4813-94A2-5EC6EC88BE58}" srcOrd="0" destOrd="0" presId="urn:microsoft.com/office/officeart/2005/8/layout/hList1"/>
-    <dgm:cxn modelId="{356B3AE4-2310-4A23-8847-FF45B99EE421}" type="presOf" srcId="{CCDF54B0-2DF7-4BA2-9D75-E5D6B69CFB03}" destId="{2F8C77E1-EC97-4695-A4EE-3A3D5682897E}" srcOrd="0" destOrd="1" presId="urn:microsoft.com/office/officeart/2005/8/layout/hList1"/>
+    <dgm:cxn modelId="{3960D8E3-4102-45C2-92D6-FECCDDBB0735}" srcId="{AACD6C7F-482D-4E01-A192-6483ACE4DF18}" destId="{3CF5211F-F1EA-420B-B0BC-96C9FBDCDD29}" srcOrd="3" destOrd="0" parTransId="{B050E0DA-A32C-4D70-95BC-B1C60DF3B6B8}" sibTransId="{E0FF8E2A-2CB6-44AB-98BF-39BF420CBF26}"/>
     <dgm:cxn modelId="{9BD7DDEA-F265-42B9-9810-8420B2F5ABB2}" srcId="{B7EC1A3B-E4A3-4ECA-A5F6-3C36E86FF805}" destId="{C9378E73-E64C-4E1C-B862-DBC646789A36}" srcOrd="0" destOrd="0" parTransId="{9F027F4D-1A12-4F0A-88E8-5A54136B90AF}" sibTransId="{5EBC67D0-68CD-42EF-8489-0656FB6D61C7}"/>
     <dgm:cxn modelId="{7C2C4EF1-7536-45C2-B077-96FC42152682}" type="presOf" srcId="{8084F236-ECC4-46A5-8B48-BF14CE418870}" destId="{DE7308F5-BEBA-463A-AEB8-7A0F1B2852AA}" srcOrd="0" destOrd="2" presId="urn:microsoft.com/office/officeart/2005/8/layout/hList1"/>
     <dgm:cxn modelId="{6CC10EF7-7E9E-45D0-8123-0E37DE8C33AD}" type="presOf" srcId="{2D66FA9D-5AC5-49F5-B14E-E977E2976F16}" destId="{DE7308F5-BEBA-463A-AEB8-7A0F1B2852AA}" srcOrd="0" destOrd="1" presId="urn:microsoft.com/office/officeart/2005/8/layout/hList1"/>
@@ -6568,12 +6657,12 @@
         <a:fontRef idx="minor"/>
       </dsp:style>
       <dsp:txBody>
-        <a:bodyPr spcFirstLastPara="0" vert="horz" wrap="square" lIns="64770" tIns="64770" rIns="64770" bIns="64770" numCol="1" spcCol="1270" anchor="t" anchorCtr="0">
+        <a:bodyPr spcFirstLastPara="0" vert="horz" wrap="square" lIns="60960" tIns="60960" rIns="60960" bIns="60960" numCol="1" spcCol="1270" anchor="t" anchorCtr="0">
           <a:noAutofit/>
         </a:bodyPr>
         <a:lstStyle/>
         <a:p>
-          <a:pPr marL="0" lvl="0" indent="0" algn="l" defTabSz="755650" rtl="0">
+          <a:pPr marL="0" lvl="0" indent="0" algn="l" defTabSz="711200" rtl="0">
             <a:lnSpc>
               <a:spcPct val="90000"/>
             </a:lnSpc>
@@ -6586,30 +6675,30 @@
             <a:buNone/>
           </a:pPr>
           <a:r>
-            <a:rPr lang="ru-RU" sz="1700" kern="1200" dirty="0">
+            <a:rPr lang="ru-RU" sz="1600" kern="1200" dirty="0">
               <a:latin typeface="Gill Sans Nova"/>
             </a:rPr>
             <a:t>Использование современного </a:t>
           </a:r>
           <a:r>
-            <a:rPr lang="ru-RU" sz="1700" kern="1200" dirty="0" err="1">
+            <a:rPr lang="ru-RU" sz="1600" kern="1200" dirty="0" err="1">
               <a:latin typeface="Gill Sans Nova"/>
             </a:rPr>
             <a:t>микрофреймворка</a:t>
           </a:r>
           <a:r>
-            <a:rPr lang="ru-RU" sz="1700" kern="1200" dirty="0">
+            <a:rPr lang="ru-RU" sz="1600" kern="1200" dirty="0">
               <a:latin typeface="Gill Sans Nova"/>
             </a:rPr>
             <a:t> </a:t>
           </a:r>
           <a:r>
-            <a:rPr lang="ru-RU" sz="1700" kern="1200" dirty="0" err="1">
+            <a:rPr lang="ru-RU" sz="1600" kern="1200" dirty="0" err="1">
               <a:latin typeface="Gill Sans Nova"/>
             </a:rPr>
             <a:t>Flask</a:t>
           </a:r>
-          <a:endParaRPr lang="ru-RU" sz="1700" kern="1200" dirty="0"/>
+          <a:endParaRPr lang="ru-RU" sz="1600" kern="1200" dirty="0"/>
         </a:p>
       </dsp:txBody>
       <dsp:txXfrm>
@@ -6699,12 +6788,12 @@
         <a:fontRef idx="minor"/>
       </dsp:style>
       <dsp:txBody>
-        <a:bodyPr spcFirstLastPara="0" vert="horz" wrap="square" lIns="64770" tIns="64770" rIns="64770" bIns="64770" numCol="1" spcCol="1270" anchor="t" anchorCtr="0">
+        <a:bodyPr spcFirstLastPara="0" vert="horz" wrap="square" lIns="60960" tIns="60960" rIns="60960" bIns="60960" numCol="1" spcCol="1270" anchor="t" anchorCtr="0">
           <a:noAutofit/>
         </a:bodyPr>
         <a:lstStyle/>
         <a:p>
-          <a:pPr marL="0" lvl="0" indent="0" algn="l" defTabSz="755650" rtl="0">
+          <a:pPr marL="0" lvl="0" indent="0" algn="l" defTabSz="711200" rtl="0">
             <a:lnSpc>
               <a:spcPct val="90000"/>
             </a:lnSpc>
@@ -6717,22 +6806,22 @@
             <a:buNone/>
           </a:pPr>
           <a:r>
-            <a:rPr lang="ru-RU" sz="1700" kern="1200" dirty="0">
+            <a:rPr lang="ru-RU" sz="1600" kern="1200" dirty="0">
               <a:latin typeface="Gill Sans Nova"/>
             </a:rPr>
             <a:t>Заготовка </a:t>
           </a:r>
           <a:r>
-            <a:rPr lang="ru-RU" sz="1700" kern="1200" dirty="0"/>
+            <a:rPr lang="ru-RU" sz="1600" kern="1200" dirty="0"/>
             <a:t>шаблонов HTML</a:t>
           </a:r>
           <a:r>
-            <a:rPr lang="ru-RU" sz="1700" kern="1200" dirty="0">
+            <a:rPr lang="ru-RU" sz="1600" kern="1200" dirty="0">
               <a:latin typeface="Gill Sans Nova"/>
             </a:rPr>
             <a:t> для их последующего рендера</a:t>
           </a:r>
-          <a:endParaRPr lang="ru-RU" sz="1700" kern="1200" dirty="0"/>
+          <a:endParaRPr lang="ru-RU" sz="1600" kern="1200" dirty="0"/>
         </a:p>
       </dsp:txBody>
       <dsp:txXfrm>
@@ -6822,12 +6911,12 @@
         <a:fontRef idx="minor"/>
       </dsp:style>
       <dsp:txBody>
-        <a:bodyPr spcFirstLastPara="0" vert="horz" wrap="square" lIns="64770" tIns="64770" rIns="64770" bIns="64770" numCol="1" spcCol="1270" anchor="t" anchorCtr="0">
+        <a:bodyPr spcFirstLastPara="0" vert="horz" wrap="square" lIns="60960" tIns="60960" rIns="60960" bIns="60960" numCol="1" spcCol="1270" anchor="t" anchorCtr="0">
           <a:noAutofit/>
         </a:bodyPr>
         <a:lstStyle/>
         <a:p>
-          <a:pPr marL="0" lvl="0" indent="0" algn="l" defTabSz="755650" rtl="0">
+          <a:pPr marL="0" lvl="0" indent="0" algn="l" defTabSz="711200" rtl="0">
             <a:lnSpc>
               <a:spcPct val="90000"/>
             </a:lnSpc>
@@ -6840,25 +6929,25 @@
             <a:buNone/>
           </a:pPr>
           <a:r>
-            <a:rPr lang="ru-RU" sz="1700" kern="1200" dirty="0">
+            <a:rPr lang="ru-RU" sz="1600" kern="1200" dirty="0">
               <a:latin typeface="Gill Sans Nova"/>
             </a:rPr>
             <a:t>Использование библиотеки </a:t>
           </a:r>
           <a:r>
-            <a:rPr lang="ru-RU" sz="1700" kern="1200" dirty="0" err="1">
+            <a:rPr lang="ru-RU" sz="1600" kern="1200" dirty="0" err="1">
               <a:latin typeface="Gill Sans Nova"/>
             </a:rPr>
             <a:t>SQLAlchemy</a:t>
           </a:r>
           <a:r>
-            <a:rPr lang="ru-RU" sz="1700" kern="1200" dirty="0">
+            <a:rPr lang="ru-RU" sz="1600" kern="1200" dirty="0">
               <a:latin typeface="Gill Sans Nova"/>
             </a:rPr>
             <a:t>, применяющую</a:t>
           </a:r>
           <a:r>
-            <a:rPr lang="ru-RU" sz="1700" kern="1200" dirty="0"/>
+            <a:rPr lang="ru-RU" sz="1600" kern="1200" dirty="0"/>
             <a:t> технологию ORM</a:t>
           </a:r>
         </a:p>
@@ -6950,12 +7039,12 @@
         <a:fontRef idx="minor"/>
       </dsp:style>
       <dsp:txBody>
-        <a:bodyPr spcFirstLastPara="0" vert="horz" wrap="square" lIns="64770" tIns="64770" rIns="64770" bIns="64770" numCol="1" spcCol="1270" anchor="t" anchorCtr="0">
+        <a:bodyPr spcFirstLastPara="0" vert="horz" wrap="square" lIns="60960" tIns="60960" rIns="60960" bIns="60960" numCol="1" spcCol="1270" anchor="t" anchorCtr="0">
           <a:noAutofit/>
         </a:bodyPr>
         <a:lstStyle/>
         <a:p>
-          <a:pPr marL="0" lvl="0" indent="0" algn="l" defTabSz="755650" rtl="0">
+          <a:pPr marL="0" lvl="0" indent="0" algn="l" defTabSz="711200" rtl="0">
             <a:lnSpc>
               <a:spcPct val="90000"/>
             </a:lnSpc>
@@ -6968,22 +7057,22 @@
             <a:buNone/>
           </a:pPr>
           <a:r>
-            <a:rPr lang="ru-RU" sz="1700" kern="1200" dirty="0">
+            <a:rPr lang="ru-RU" sz="1600" kern="1200" dirty="0">
               <a:latin typeface="Gill Sans Nova"/>
             </a:rPr>
             <a:t>Применение архитектурный</a:t>
           </a:r>
           <a:r>
-            <a:rPr lang="ru-RU" sz="1700" kern="1200" dirty="0"/>
+            <a:rPr lang="ru-RU" sz="1600" kern="1200" dirty="0"/>
             <a:t> стиль взаимодействия </a:t>
           </a:r>
           <a:r>
-            <a:rPr lang="ru-RU" sz="1700" kern="1200" dirty="0">
+            <a:rPr lang="ru-RU" sz="1600" kern="1200" dirty="0">
               <a:latin typeface="Gill Sans Nova"/>
             </a:rPr>
             <a:t>компонентов приложения REST</a:t>
           </a:r>
-          <a:endParaRPr lang="ru-RU" sz="1700" kern="1200" dirty="0"/>
+          <a:endParaRPr lang="ru-RU" sz="1600" kern="1200" dirty="0"/>
         </a:p>
       </dsp:txBody>
       <dsp:txXfrm>
@@ -7073,12 +7162,12 @@
         <a:fontRef idx="minor"/>
       </dsp:style>
       <dsp:txBody>
-        <a:bodyPr spcFirstLastPara="0" vert="horz" wrap="square" lIns="64770" tIns="64770" rIns="64770" bIns="64770" numCol="1" spcCol="1270" anchor="t" anchorCtr="0">
+        <a:bodyPr spcFirstLastPara="0" vert="horz" wrap="square" lIns="60960" tIns="60960" rIns="60960" bIns="60960" numCol="1" spcCol="1270" anchor="t" anchorCtr="0">
           <a:noAutofit/>
         </a:bodyPr>
         <a:lstStyle/>
         <a:p>
-          <a:pPr marL="0" lvl="0" indent="0" algn="l" defTabSz="755650" rtl="0">
+          <a:pPr marL="0" lvl="0" indent="0" algn="l" defTabSz="711200" rtl="0">
             <a:lnSpc>
               <a:spcPct val="90000"/>
             </a:lnSpc>
@@ -7091,12 +7180,12 @@
             <a:buNone/>
           </a:pPr>
           <a:r>
-            <a:rPr lang="ru-RU" sz="1700" kern="1200" dirty="0">
+            <a:rPr lang="ru-RU" sz="1600" kern="1200" dirty="0">
               <a:latin typeface="Gill Sans Nova"/>
             </a:rPr>
             <a:t>Программирование плеера с HLS</a:t>
           </a:r>
-          <a:endParaRPr lang="ru-RU" sz="1700" kern="1200" dirty="0"/>
+          <a:endParaRPr lang="ru-RU" sz="1600" kern="1200" dirty="0"/>
         </a:p>
       </dsp:txBody>
       <dsp:txXfrm>
@@ -7186,12 +7275,12 @@
         <a:fontRef idx="minor"/>
       </dsp:style>
       <dsp:txBody>
-        <a:bodyPr spcFirstLastPara="0" vert="horz" wrap="square" lIns="64770" tIns="64770" rIns="64770" bIns="64770" numCol="1" spcCol="1270" anchor="t" anchorCtr="0">
+        <a:bodyPr spcFirstLastPara="0" vert="horz" wrap="square" lIns="60960" tIns="60960" rIns="60960" bIns="60960" numCol="1" spcCol="1270" anchor="t" anchorCtr="0">
           <a:noAutofit/>
         </a:bodyPr>
         <a:lstStyle/>
         <a:p>
-          <a:pPr marL="0" lvl="0" indent="0" algn="l" defTabSz="755650" rtl="0">
+          <a:pPr marL="0" lvl="0" indent="0" algn="l" defTabSz="711200" rtl="0">
             <a:lnSpc>
               <a:spcPct val="90000"/>
             </a:lnSpc>
@@ -7204,42 +7293,54 @@
             <a:buNone/>
           </a:pPr>
           <a:r>
-            <a:rPr lang="ru-RU" sz="1700" kern="1200" dirty="0">
+            <a:rPr lang="ru-RU" sz="1600" kern="1200" dirty="0">
               <a:latin typeface="Gill Sans Nova"/>
             </a:rPr>
             <a:t>Использование библиотек </a:t>
           </a:r>
           <a:r>
-            <a:rPr lang="en-US" sz="1700" kern="1200" dirty="0" err="1">
+            <a:rPr lang="en-US" sz="1600" kern="1200" dirty="0" err="1">
               <a:latin typeface="Gill Sans Nova"/>
             </a:rPr>
             <a:t>WebVTT</a:t>
           </a:r>
           <a:r>
-            <a:rPr lang="en-US" sz="1700" kern="1200" dirty="0">
+            <a:rPr lang="en-US" sz="1600" kern="1200" dirty="0">
               <a:latin typeface="Gill Sans Nova"/>
             </a:rPr>
-            <a:t>, </a:t>
+            <a:t>,</a:t>
           </a:r>
           <a:r>
-            <a:rPr lang="en-US" sz="1700" kern="1200" dirty="0" err="1">
+            <a:rPr lang="ru-RU" sz="1600" kern="1200" dirty="0">
+              <a:latin typeface="Gill Sans Nova"/>
+            </a:rPr>
+            <a:t> </a:t>
+          </a:r>
+          <a:r>
+            <a:rPr lang="en-US" sz="1600" kern="1200" dirty="0">
+              <a:latin typeface="Gill Sans Nova"/>
+            </a:rPr>
+            <a:t>PySubs2, Enzyme, </a:t>
+          </a:r>
+          <a:r>
+            <a:rPr lang="en-US" sz="1600" kern="1200" dirty="0" err="1">
               <a:latin typeface="Gill Sans Nova"/>
             </a:rPr>
             <a:t>FFProbe</a:t>
           </a:r>
           <a:r>
-            <a:rPr lang="en-US" sz="1700" kern="1200" dirty="0">
+            <a:rPr lang="en-US" sz="1600" kern="1200" dirty="0">
               <a:latin typeface="Gill Sans Nova"/>
             </a:rPr>
             <a:t> </a:t>
           </a:r>
           <a:r>
-            <a:rPr lang="ru-RU" sz="1700" kern="1200" dirty="0">
+            <a:rPr lang="ru-RU" sz="1600" kern="1200" dirty="0">
               <a:latin typeface="Gill Sans Nova"/>
             </a:rPr>
             <a:t>для работы с медиафайлами разного типа и формата</a:t>
           </a:r>
-          <a:endParaRPr lang="ru-RU" sz="1700" kern="1200" dirty="0"/>
+          <a:endParaRPr lang="ru-RU" sz="1600" kern="1200" dirty="0"/>
         </a:p>
       </dsp:txBody>
       <dsp:txXfrm>
@@ -7329,12 +7430,12 @@
         <a:fontRef idx="minor"/>
       </dsp:style>
       <dsp:txBody>
-        <a:bodyPr spcFirstLastPara="0" vert="horz" wrap="square" lIns="64770" tIns="64770" rIns="64770" bIns="64770" numCol="1" spcCol="1270" anchor="t" anchorCtr="0">
+        <a:bodyPr spcFirstLastPara="0" vert="horz" wrap="square" lIns="60960" tIns="60960" rIns="60960" bIns="60960" numCol="1" spcCol="1270" anchor="t" anchorCtr="0">
           <a:noAutofit/>
         </a:bodyPr>
         <a:lstStyle/>
         <a:p>
-          <a:pPr marL="0" lvl="0" indent="0" algn="l" defTabSz="755650" rtl="0">
+          <a:pPr marL="0" lvl="0" indent="0" algn="l" defTabSz="711200" rtl="0">
             <a:lnSpc>
               <a:spcPct val="90000"/>
             </a:lnSpc>
@@ -7347,15 +7448,15 @@
             <a:buNone/>
           </a:pPr>
           <a:r>
-            <a:rPr lang="ru-RU" sz="1700" kern="1200" dirty="0"/>
+            <a:rPr lang="ru-RU" sz="1600" kern="1200" dirty="0"/>
             <a:t>Использования модуля </a:t>
           </a:r>
           <a:r>
-            <a:rPr lang="en-US" sz="1700" kern="1200" dirty="0"/>
+            <a:rPr lang="en-US" sz="1600" kern="1200" dirty="0"/>
             <a:t>subprocess </a:t>
           </a:r>
           <a:r>
-            <a:rPr lang="ru-RU" sz="1700" kern="1200" dirty="0"/>
+            <a:rPr lang="ru-RU" sz="1600" kern="1200" dirty="0"/>
             <a:t>для взаимодействия с программами, написанными на низкоуровневом ЯП</a:t>
           </a:r>
         </a:p>
@@ -7447,12 +7548,12 @@
         <a:fontRef idx="minor"/>
       </dsp:style>
       <dsp:txBody>
-        <a:bodyPr spcFirstLastPara="0" vert="horz" wrap="square" lIns="64770" tIns="64770" rIns="64770" bIns="64770" numCol="1" spcCol="1270" anchor="t" anchorCtr="0">
+        <a:bodyPr spcFirstLastPara="0" vert="horz" wrap="square" lIns="60960" tIns="60960" rIns="60960" bIns="60960" numCol="1" spcCol="1270" anchor="t" anchorCtr="0">
           <a:noAutofit/>
         </a:bodyPr>
         <a:lstStyle/>
         <a:p>
-          <a:pPr marL="0" lvl="0" indent="0" algn="l" defTabSz="755650" rtl="0">
+          <a:pPr marL="0" lvl="0" indent="0" algn="l" defTabSz="711200" rtl="0">
             <a:lnSpc>
               <a:spcPct val="90000"/>
             </a:lnSpc>
@@ -7465,36 +7566,32 @@
             <a:buNone/>
           </a:pPr>
           <a:r>
-            <a:rPr lang="ru-RU" sz="1700" kern="1200">
+            <a:rPr lang="ru-RU" sz="1600" kern="1200" dirty="0">
               <a:latin typeface="Gill Sans Nova"/>
             </a:rPr>
             <a:t>Развертывание</a:t>
           </a:r>
           <a:r>
-            <a:rPr lang="ru-RU" sz="1700" kern="1200"/>
-            <a:t> </a:t>
+            <a:rPr lang="ru-RU" sz="1600" kern="1200" dirty="0"/>
+            <a:t> и </a:t>
           </a:r>
           <a:r>
-            <a:rPr lang="ru-RU" sz="1700" kern="1200" dirty="0"/>
-            <a:t>и </a:t>
-          </a:r>
-          <a:r>
-            <a:rPr lang="ru-RU" sz="1700" kern="1200" dirty="0">
+            <a:rPr lang="ru-RU" sz="1600" kern="1200" dirty="0">
               <a:latin typeface="Gill Sans Nova"/>
             </a:rPr>
             <a:t>запуск сайта</a:t>
           </a:r>
           <a:r>
-            <a:rPr lang="ru-RU" sz="1700" kern="1200" dirty="0"/>
+            <a:rPr lang="ru-RU" sz="1600" kern="1200" dirty="0"/>
             <a:t> </a:t>
           </a:r>
           <a:r>
-            <a:rPr lang="ru-RU" sz="1700" kern="1200" dirty="0">
+            <a:rPr lang="ru-RU" sz="1600" kern="1200" dirty="0">
               <a:latin typeface="Gill Sans Nova"/>
             </a:rPr>
             <a:t>на хостинге</a:t>
           </a:r>
-          <a:endParaRPr lang="ru-RU" sz="1700" kern="1200" dirty="0"/>
+          <a:endParaRPr lang="ru-RU" sz="1600" kern="1200" dirty="0"/>
         </a:p>
       </dsp:txBody>
       <dsp:txXfrm>
@@ -8957,6 +9054,24 @@
           </a:pPr>
           <a:r>
             <a:rPr lang="ru-RU" sz="2100" kern="1200" dirty="0"/>
+            <a:t>Формы: структура и отображение</a:t>
+          </a:r>
+        </a:p>
+        <a:p>
+          <a:pPr marL="228600" lvl="1" indent="-228600" algn="l" defTabSz="933450">
+            <a:lnSpc>
+              <a:spcPct val="90000"/>
+            </a:lnSpc>
+            <a:spcBef>
+              <a:spcPct val="0"/>
+            </a:spcBef>
+            <a:spcAft>
+              <a:spcPct val="15000"/>
+            </a:spcAft>
+            <a:buChar char="•"/>
+          </a:pPr>
+          <a:r>
+            <a:rPr lang="ru-RU" sz="2100" kern="1200" dirty="0"/>
             <a:t>Информация о фильмах </a:t>
           </a:r>
           <a:r>
@@ -8985,6 +9100,29 @@
             <a:rPr lang="ru-RU" sz="2100" kern="1200" dirty="0"/>
             <a:t>Фильтры и сортировки при поиске</a:t>
           </a:r>
+        </a:p>
+        <a:p>
+          <a:pPr marL="228600" lvl="1" indent="-228600" algn="l" defTabSz="933450">
+            <a:lnSpc>
+              <a:spcPct val="90000"/>
+            </a:lnSpc>
+            <a:spcBef>
+              <a:spcPct val="0"/>
+            </a:spcBef>
+            <a:spcAft>
+              <a:spcPct val="15000"/>
+            </a:spcAft>
+            <a:buChar char="•"/>
+          </a:pPr>
+          <a:r>
+            <a:rPr lang="ru-RU" sz="2100" kern="1200" dirty="0"/>
+            <a:t>Система жанров: отображение и </a:t>
+          </a:r>
+          <a:r>
+            <a:rPr lang="en-US" sz="2100" kern="1200" dirty="0"/>
+            <a:t>REST API</a:t>
+          </a:r>
+          <a:endParaRPr lang="ru-RU" sz="2100" kern="1200" dirty="0"/>
         </a:p>
       </dsp:txBody>
       <dsp:txXfrm>
@@ -14611,7 +14749,7 @@
           <a:p>
             <a:fld id="{6A4B53A7-3209-46A6-9454-F38EAC8F11E7}" type="datetimeFigureOut">
               <a:rPr lang="en-US" smtClean="0"/>
-              <a:t>4/25/2023</a:t>
+              <a:t>4/29/2023</a:t>
             </a:fld>
             <a:endParaRPr lang="en-US"/>
           </a:p>
@@ -14862,7 +15000,7 @@
           <a:p>
             <a:fld id="{6A4B53A7-3209-46A6-9454-F38EAC8F11E7}" type="datetimeFigureOut">
               <a:rPr lang="en-US" smtClean="0"/>
-              <a:t>4/25/2023</a:t>
+              <a:t>4/29/2023</a:t>
             </a:fld>
             <a:endParaRPr lang="en-US"/>
           </a:p>
@@ -15123,7 +15261,7 @@
           <a:p>
             <a:fld id="{6A4B53A7-3209-46A6-9454-F38EAC8F11E7}" type="datetimeFigureOut">
               <a:rPr lang="en-US" smtClean="0"/>
-              <a:t>4/25/2023</a:t>
+              <a:t>4/29/2023</a:t>
             </a:fld>
             <a:endParaRPr lang="en-US"/>
           </a:p>
@@ -15374,7 +15512,7 @@
           <a:p>
             <a:fld id="{6A4B53A7-3209-46A6-9454-F38EAC8F11E7}" type="datetimeFigureOut">
               <a:rPr lang="en-US" smtClean="0"/>
-              <a:t>4/25/2023</a:t>
+              <a:t>4/29/2023</a:t>
             </a:fld>
             <a:endParaRPr lang="en-US"/>
           </a:p>
@@ -15702,7 +15840,7 @@
           <a:p>
             <a:fld id="{6A4B53A7-3209-46A6-9454-F38EAC8F11E7}" type="datetimeFigureOut">
               <a:rPr lang="en-US" smtClean="0"/>
-              <a:t>4/25/2023</a:t>
+              <a:t>4/29/2023</a:t>
             </a:fld>
             <a:endParaRPr lang="en-US"/>
           </a:p>
@@ -16020,7 +16158,7 @@
           <a:p>
             <a:fld id="{6A4B53A7-3209-46A6-9454-F38EAC8F11E7}" type="datetimeFigureOut">
               <a:rPr lang="en-US" smtClean="0"/>
-              <a:t>4/25/2023</a:t>
+              <a:t>4/29/2023</a:t>
             </a:fld>
             <a:endParaRPr lang="en-US"/>
           </a:p>
@@ -16485,7 +16623,7 @@
           <a:p>
             <a:fld id="{6A4B53A7-3209-46A6-9454-F38EAC8F11E7}" type="datetimeFigureOut">
               <a:rPr lang="en-US" smtClean="0"/>
-              <a:t>4/25/2023</a:t>
+              <a:t>4/29/2023</a:t>
             </a:fld>
             <a:endParaRPr lang="en-US"/>
           </a:p>
@@ -16679,7 +16817,7 @@
           <a:p>
             <a:fld id="{6A4B53A7-3209-46A6-9454-F38EAC8F11E7}" type="datetimeFigureOut">
               <a:rPr lang="en-US" smtClean="0"/>
-              <a:t>4/25/2023</a:t>
+              <a:t>4/29/2023</a:t>
             </a:fld>
             <a:endParaRPr lang="en-US"/>
           </a:p>
@@ -16845,7 +16983,7 @@
           <a:p>
             <a:fld id="{6A4B53A7-3209-46A6-9454-F38EAC8F11E7}" type="datetimeFigureOut">
               <a:rPr lang="en-US" smtClean="0"/>
-              <a:t>4/25/2023</a:t>
+              <a:t>4/29/2023</a:t>
             </a:fld>
             <a:endParaRPr lang="en-US"/>
           </a:p>
@@ -17209,7 +17347,7 @@
           <a:p>
             <a:fld id="{6A4B53A7-3209-46A6-9454-F38EAC8F11E7}" type="datetimeFigureOut">
               <a:rPr lang="en-US" smtClean="0"/>
-              <a:t>4/25/2023</a:t>
+              <a:t>4/29/2023</a:t>
             </a:fld>
             <a:endParaRPr lang="en-US"/>
           </a:p>
@@ -17553,7 +17691,7 @@
           <a:p>
             <a:fld id="{6A4B53A7-3209-46A6-9454-F38EAC8F11E7}" type="datetimeFigureOut">
               <a:rPr lang="en-US" smtClean="0"/>
-              <a:t>4/25/2023</a:t>
+              <a:t>4/29/2023</a:t>
             </a:fld>
             <a:endParaRPr lang="en-US"/>
           </a:p>
@@ -17848,7 +17986,7 @@
             <a:fld id="{6A4B53A7-3209-46A6-9454-F38EAC8F11E7}" type="datetimeFigureOut">
               <a:rPr lang="en-US" smtClean="0"/>
               <a:pPr/>
-              <a:t>4/25/2023</a:t>
+              <a:t>4/29/2023</a:t>
             </a:fld>
             <a:endParaRPr lang="en-US" dirty="0"/>
           </a:p>
@@ -19750,6 +19888,28 @@
               </a:rPr>
               <a:t>Переходим к демонстрации</a:t>
             </a:r>
+            <a:endParaRPr lang="en-US" dirty="0">
+              <a:solidFill>
+                <a:schemeClr val="bg1"/>
+              </a:solidFill>
+            </a:endParaRPr>
+          </a:p>
+          <a:p>
+            <a:pPr algn="r"/>
+            <a:r>
+              <a:rPr lang="en-US" dirty="0">
+                <a:solidFill>
+                  <a:schemeClr val="bg1"/>
+                </a:solidFill>
+                <a:hlinkClick r:id="rId2"/>
+              </a:rPr>
+              <a:t>https://moviepoint.glitch.me/</a:t>
+            </a:r>
+            <a:endParaRPr lang="ru-RU" dirty="0">
+              <a:solidFill>
+                <a:schemeClr val="bg1"/>
+              </a:solidFill>
+            </a:endParaRPr>
           </a:p>
         </p:txBody>
       </p:sp>
@@ -21472,7 +21632,7 @@
             <p:ph idx="1"/>
             <p:extLst>
               <p:ext uri="{D42A27DB-BD31-4B8C-83A1-F6EECF244321}">
-                <p14:modId xmlns:p14="http://schemas.microsoft.com/office/powerpoint/2010/main" val="3196652584"/>
+                <p14:modId xmlns:p14="http://schemas.microsoft.com/office/powerpoint/2010/main" val="1852844255"/>
               </p:ext>
             </p:extLst>
           </p:nvPr>
@@ -24034,7 +24194,7 @@
             <p:ph idx="1"/>
             <p:extLst>
               <p:ext uri="{D42A27DB-BD31-4B8C-83A1-F6EECF244321}">
-                <p14:modId xmlns:p14="http://schemas.microsoft.com/office/powerpoint/2010/main" val="4217541398"/>
+                <p14:modId xmlns:p14="http://schemas.microsoft.com/office/powerpoint/2010/main" val="2800648289"/>
               </p:ext>
             </p:extLst>
           </p:nvPr>
@@ -24064,7 +24224,7 @@
         <p:spPr>
           <a:xfrm>
             <a:off x="1075267" y="6223000"/>
-            <a:ext cx="6064161" cy="369332"/>
+            <a:ext cx="6294993" cy="369332"/>
           </a:xfrm>
           <a:prstGeom prst="rect">
             <a:avLst/>
@@ -24087,11 +24247,27 @@
                   <a:srgbClr val="FFFF00"/>
                 </a:highlight>
               </a:rPr>
-              <a:t>1700</a:t>
+              <a:t>1</a:t>
+            </a:r>
+            <a:r>
+              <a:rPr lang="en-US" dirty="0">
+                <a:highlight>
+                  <a:srgbClr val="FFFF00"/>
+                </a:highlight>
+              </a:rPr>
+              <a:t>800</a:t>
             </a:r>
             <a:r>
               <a:rPr lang="ru-RU" dirty="0"/>
               <a:t>, </a:t>
+            </a:r>
+            <a:r>
+              <a:rPr lang="en-US" dirty="0">
+                <a:highlight>
+                  <a:srgbClr val="FFFF00"/>
+                </a:highlight>
+              </a:rPr>
+              <a:t>4</a:t>
             </a:r>
             <a:r>
               <a:rPr lang="ru-RU" dirty="0">
@@ -24099,19 +24275,19 @@
                   <a:srgbClr val="FFFF00"/>
                 </a:highlight>
               </a:rPr>
-              <a:t>100</a:t>
+              <a:t>00</a:t>
             </a:r>
             <a:r>
               <a:rPr lang="ru-RU" dirty="0"/>
               <a:t> и </a:t>
             </a:r>
             <a:r>
-              <a:rPr lang="ru-RU" dirty="0">
+              <a:rPr lang="en-US" dirty="0">
                 <a:highlight>
                   <a:srgbClr val="FFFF00"/>
                 </a:highlight>
               </a:rPr>
-              <a:t>0</a:t>
+              <a:t>100</a:t>
             </a:r>
             <a:r>
               <a:rPr lang="ru-RU" dirty="0"/>
@@ -24123,8 +24299,21 @@
                   <a:srgbClr val="FFFF00"/>
                 </a:highlight>
               </a:rPr>
-              <a:t>2000</a:t>
+              <a:t>2</a:t>
             </a:r>
+            <a:r>
+              <a:rPr lang="en-US" dirty="0">
+                <a:highlight>
+                  <a:srgbClr val="FFFF00"/>
+                </a:highlight>
+              </a:rPr>
+              <a:t>300</a:t>
+            </a:r>
+            <a:endParaRPr lang="ru-RU" dirty="0">
+              <a:highlight>
+                <a:srgbClr val="FFFF00"/>
+              </a:highlight>
+            </a:endParaRPr>
           </a:p>
         </p:txBody>
       </p:sp>
